--- a/Advanced Algebra.pptx
+++ b/Advanced Algebra.pptx
@@ -704,10 +704,9 @@
           </a:lstStyle>
           <a:p>
             <a:r>
-              <a:rPr lang="en-US"/>
+              <a:rPr lang="en-US" dirty="0"/>
               <a:t>Click icon to add picture</a:t>
             </a:r>
-            <a:endParaRPr lang="en-US" dirty="0"/>
           </a:p>
         </p:txBody>
       </p:sp>
@@ -4381,10 +4380,9 @@
           </a:lstStyle>
           <a:p>
             <a:r>
-              <a:rPr lang="en-US"/>
+              <a:rPr lang="en-US" dirty="0"/>
               <a:t>Click icon to add picture</a:t>
             </a:r>
-            <a:endParaRPr lang="en-US" dirty="0"/>
           </a:p>
         </p:txBody>
       </p:sp>
@@ -5558,8 +5556,8 @@
           </a:p>
         </p:txBody>
       </p:sp>
-      <mc:AlternateContent xmlns:mc="http://schemas.openxmlformats.org/markup-compatibility/2006">
-        <mc:Choice xmlns:a14="http://schemas.microsoft.com/office/drawing/2010/main" Requires="a14">
+      <mc:AlternateContent xmlns:mc="http://schemas.openxmlformats.org/markup-compatibility/2006" xmlns:a14="http://schemas.microsoft.com/office/drawing/2010/main">
+        <mc:Choice Requires="a14">
           <p:sp>
             <p:nvSpPr>
               <p:cNvPr id="3" name="Content Placeholder 2">
@@ -5946,7 +5944,7 @@
             </p:txBody>
           </p:sp>
         </mc:Choice>
-        <mc:Fallback>
+        <mc:Fallback xmlns="">
           <p:sp>
             <p:nvSpPr>
               <p:cNvPr id="3" name="Content Placeholder 2">
@@ -6103,8 +6101,8 @@
           </a:p>
         </p:txBody>
       </p:sp>
-      <mc:AlternateContent xmlns:mc="http://schemas.openxmlformats.org/markup-compatibility/2006">
-        <mc:Choice xmlns:a14="http://schemas.microsoft.com/office/drawing/2010/main" Requires="a14">
+      <mc:AlternateContent xmlns:mc="http://schemas.openxmlformats.org/markup-compatibility/2006" xmlns:a14="http://schemas.microsoft.com/office/drawing/2010/main">
+        <mc:Choice Requires="a14">
           <p:sp>
             <p:nvSpPr>
               <p:cNvPr id="3" name="Content Placeholder 2">
@@ -6689,7 +6687,7 @@
             </p:txBody>
           </p:sp>
         </mc:Choice>
-        <mc:Fallback>
+        <mc:Fallback xmlns="">
           <p:sp>
             <p:nvSpPr>
               <p:cNvPr id="3" name="Content Placeholder 2">
@@ -6846,8 +6844,8 @@
           </a:p>
         </p:txBody>
       </p:sp>
-      <mc:AlternateContent xmlns:mc="http://schemas.openxmlformats.org/markup-compatibility/2006">
-        <mc:Choice xmlns:a14="http://schemas.microsoft.com/office/drawing/2010/main" Requires="a14">
+      <mc:AlternateContent xmlns:mc="http://schemas.openxmlformats.org/markup-compatibility/2006" xmlns:a14="http://schemas.microsoft.com/office/drawing/2010/main">
+        <mc:Choice Requires="a14">
           <p:sp>
             <p:nvSpPr>
               <p:cNvPr id="3" name="Content Placeholder 2">
@@ -7345,16 +7343,7 @@
                           </a:solidFill>
                           <a:latin typeface="Cambria Math" panose="02040503050406030204" pitchFamily="18" charset="0"/>
                         </a:rPr>
-                        <m:t>𝑝</m:t>
-                      </m:r>
-                      <m:r>
-                        <a:rPr lang="en-US" b="0" i="1" smtClean="0">
-                          <a:solidFill>
-                            <a:srgbClr val="0F496F"/>
-                          </a:solidFill>
-                          <a:latin typeface="Cambria Math" panose="02040503050406030204" pitchFamily="18" charset="0"/>
-                        </a:rPr>
-                        <m:t>𝑜𝑖𝑛𝑡𝑠</m:t>
+                        <m:t>𝑝𝑜𝑖𝑛𝑡𝑠</m:t>
                       </m:r>
                       <m:r>
                         <a:rPr lang="en-US" b="0" i="1" smtClean="0">
@@ -7798,7 +7787,7 @@
             </p:txBody>
           </p:sp>
         </mc:Choice>
-        <mc:Fallback>
+        <mc:Fallback xmlns="">
           <p:sp>
             <p:nvSpPr>
               <p:cNvPr id="3" name="Content Placeholder 2">
@@ -7908,8 +7897,8 @@
           </a:p>
         </p:txBody>
       </p:sp>
-      <mc:AlternateContent xmlns:mc="http://schemas.openxmlformats.org/markup-compatibility/2006">
-        <mc:Choice xmlns:a14="http://schemas.microsoft.com/office/drawing/2010/main" Requires="a14">
+      <mc:AlternateContent xmlns:mc="http://schemas.openxmlformats.org/markup-compatibility/2006" xmlns:a14="http://schemas.microsoft.com/office/drawing/2010/main">
+        <mc:Choice Requires="a14">
           <p:sp>
             <p:nvSpPr>
               <p:cNvPr id="3" name="Content Placeholder 2">
@@ -9710,7 +9699,7 @@
             </p:txBody>
           </p:sp>
         </mc:Choice>
-        <mc:Fallback>
+        <mc:Fallback xmlns="">
           <p:sp>
             <p:nvSpPr>
               <p:cNvPr id="3" name="Content Placeholder 2">
@@ -9874,29 +9863,220 @@
         </p:spPr>
         <p:txBody>
           <a:bodyPr>
-            <a:normAutofit/>
+            <a:normAutofit fontScale="70000" lnSpcReduction="20000"/>
           </a:bodyPr>
           <a:lstStyle/>
           <a:p>
             <a:pPr marL="0" indent="0" algn="l" rtl="0">
               <a:buNone/>
             </a:pPr>
-            <a:r>
-              <a:rPr lang="en-US" b="1" dirty="0" err="1">
-                <a:solidFill>
-                  <a:srgbClr val="0F496F"/>
-                </a:solidFill>
-              </a:rPr>
-              <a:t>Github</a:t>
-            </a:r>
             <a:r>
               <a:rPr lang="en-US" b="1" dirty="0">
                 <a:solidFill>
                   <a:srgbClr val="0F496F"/>
                 </a:solidFill>
               </a:rPr>
-              <a:t>:</a:t>
+              <a:t>This is an Advanced Algebra course final project</a:t>
             </a:r>
+          </a:p>
+          <a:p>
+            <a:pPr marL="0" indent="0" algn="l" rtl="0">
+              <a:buNone/>
+            </a:pPr>
+            <a:r>
+              <a:rPr lang="en-US" b="1" dirty="0">
+                <a:solidFill>
+                  <a:srgbClr val="0F496F"/>
+                </a:solidFill>
+              </a:rPr>
+              <a:t>This program provides:</a:t>
+            </a:r>
+          </a:p>
+          <a:p>
+            <a:pPr lvl="1" algn="l" rtl="0"/>
+            <a:r>
+              <a:rPr lang="en-US" b="1" dirty="0">
+                <a:solidFill>
+                  <a:srgbClr val="0F496F"/>
+                </a:solidFill>
+              </a:rPr>
+              <a:t>Finite Fields</a:t>
+            </a:r>
+          </a:p>
+          <a:p>
+            <a:pPr lvl="2" algn="l" rtl="0"/>
+            <a:r>
+              <a:rPr lang="en-US" b="1" dirty="0">
+                <a:solidFill>
+                  <a:srgbClr val="0F496F"/>
+                </a:solidFill>
+              </a:rPr>
+              <a:t>Modular Arithmetic</a:t>
+            </a:r>
+          </a:p>
+          <a:p>
+            <a:pPr lvl="2" algn="l" rtl="0"/>
+            <a:r>
+              <a:rPr lang="en-US" b="1" dirty="0">
+                <a:solidFill>
+                  <a:srgbClr val="0F496F"/>
+                </a:solidFill>
+              </a:rPr>
+              <a:t>Modular inverses</a:t>
+            </a:r>
+          </a:p>
+          <a:p>
+            <a:pPr lvl="2" algn="l" rtl="0"/>
+            <a:r>
+              <a:rPr lang="en-US" b="1" dirty="0">
+                <a:solidFill>
+                  <a:srgbClr val="0F496F"/>
+                </a:solidFill>
+              </a:rPr>
+              <a:t>Elements orders</a:t>
+            </a:r>
+          </a:p>
+          <a:p>
+            <a:pPr lvl="2" algn="l" rtl="0"/>
+            <a:r>
+              <a:rPr lang="en-US" b="1" dirty="0">
+                <a:solidFill>
+                  <a:srgbClr val="0F496F"/>
+                </a:solidFill>
+              </a:rPr>
+              <a:t>Exponentiation by Squaring</a:t>
+            </a:r>
+          </a:p>
+          <a:p>
+            <a:pPr lvl="1" algn="l" rtl="0"/>
+            <a:r>
+              <a:rPr lang="en-US" b="1" dirty="0">
+                <a:solidFill>
+                  <a:srgbClr val="0F496F"/>
+                </a:solidFill>
+              </a:rPr>
+              <a:t>Elliptic Curves</a:t>
+            </a:r>
+          </a:p>
+          <a:p>
+            <a:pPr lvl="2" algn="l" rtl="0"/>
+            <a:r>
+              <a:rPr lang="en-US" b="1" dirty="0">
+                <a:solidFill>
+                  <a:srgbClr val="0F496F"/>
+                </a:solidFill>
+              </a:rPr>
+              <a:t>Group elements</a:t>
+            </a:r>
+          </a:p>
+          <a:p>
+            <a:pPr lvl="2" algn="l" rtl="0"/>
+            <a:r>
+              <a:rPr lang="en-US" b="1" dirty="0">
+                <a:solidFill>
+                  <a:srgbClr val="0F496F"/>
+                </a:solidFill>
+              </a:rPr>
+              <a:t>Groups orders</a:t>
+            </a:r>
+          </a:p>
+          <a:p>
+            <a:pPr lvl="2" algn="l" rtl="0"/>
+            <a:r>
+              <a:rPr lang="en-US" b="1" dirty="0">
+                <a:solidFill>
+                  <a:srgbClr val="0F496F"/>
+                </a:solidFill>
+              </a:rPr>
+              <a:t>Points addition, inverse, order and generation</a:t>
+            </a:r>
+          </a:p>
+          <a:p>
+            <a:pPr lvl="2" algn="l" rtl="0"/>
+            <a:r>
+              <a:rPr lang="en-US" b="1" dirty="0">
+                <a:solidFill>
+                  <a:srgbClr val="0F496F"/>
+                </a:solidFill>
+              </a:rPr>
+              <a:t>Points multiplication</a:t>
+            </a:r>
+          </a:p>
+          <a:p>
+            <a:pPr lvl="2" algn="l" rtl="0"/>
+            <a:r>
+              <a:rPr lang="en-US" b="1" dirty="0">
+                <a:solidFill>
+                  <a:srgbClr val="0F496F"/>
+                </a:solidFill>
+              </a:rPr>
+              <a:t>Hasse’s Bounds Theorem</a:t>
+            </a:r>
+          </a:p>
+          <a:p>
+            <a:pPr marL="0" indent="0" algn="l" rtl="0">
+              <a:buNone/>
+            </a:pPr>
+            <a:endParaRPr lang="en-US" b="1" dirty="0">
+              <a:solidFill>
+                <a:srgbClr val="0F496F"/>
+              </a:solidFill>
+            </a:endParaRPr>
+          </a:p>
+          <a:p>
+            <a:pPr marL="0" indent="0" algn="l" rtl="0">
+              <a:buNone/>
+            </a:pPr>
+            <a:r>
+              <a:rPr lang="en-US" b="1" dirty="0">
+                <a:solidFill>
+                  <a:srgbClr val="0F496F"/>
+                </a:solidFill>
+              </a:rPr>
+              <a:t>Lecturers: Dr Rony Bitan &amp; Mr. Tomer Bauer</a:t>
+            </a:r>
+          </a:p>
+          <a:p>
+            <a:pPr marL="0" indent="0" algn="l" rtl="0">
+              <a:buNone/>
+            </a:pPr>
+            <a:endParaRPr lang="en-US" b="1" dirty="0">
+              <a:solidFill>
+                <a:srgbClr val="0F496F"/>
+              </a:solidFill>
+            </a:endParaRPr>
+          </a:p>
+          <a:p>
+            <a:pPr marL="0" indent="0" algn="l" rtl="0">
+              <a:buNone/>
+            </a:pPr>
+            <a:r>
+              <a:rPr lang="en-US" b="1" dirty="0">
+                <a:solidFill>
+                  <a:srgbClr val="0F496F"/>
+                </a:solidFill>
+              </a:rPr>
+              <a:t>GitHub:</a:t>
+            </a:r>
+          </a:p>
+          <a:p>
+            <a:pPr marL="0" indent="0" algn="l" rtl="0">
+              <a:buNone/>
+            </a:pPr>
+            <a:r>
+              <a:rPr lang="en-US" sz="1400" b="1" dirty="0">
+                <a:solidFill>
+                  <a:srgbClr val="0F496F"/>
+                </a:solidFill>
+                <a:hlinkClick r:id="rId2"/>
+              </a:rPr>
+              <a:t>https://github.com/LiorYaacov/Advanced-Algebra.git</a:t>
+            </a:r>
+            <a:endParaRPr lang="en-US" sz="1400" b="1" dirty="0">
+              <a:solidFill>
+                <a:srgbClr val="0F496F"/>
+              </a:solidFill>
+            </a:endParaRPr>
           </a:p>
           <a:p>
             <a:pPr marL="0" indent="0" algn="l" rtl="0">
@@ -9907,61 +10087,6 @@
                 <a:srgbClr val="0F496F"/>
               </a:solidFill>
             </a:endParaRPr>
-          </a:p>
-        </p:txBody>
-      </p:sp>
-      <p:sp>
-        <p:nvSpPr>
-          <p:cNvPr id="5" name="Action Button: Go Back or Previous 4">
-            <a:hlinkClick r:id="rId2" action="ppaction://hlinksldjump" highlightClick="1"/>
-            <a:extLst>
-              <a:ext uri="{FF2B5EF4-FFF2-40B4-BE49-F238E27FC236}">
-                <a16:creationId xmlns:a16="http://schemas.microsoft.com/office/drawing/2014/main" id="{2E25B076-70BB-4C1F-BEDB-EE0BDCAD5FC6}"/>
-              </a:ext>
-            </a:extLst>
-          </p:cNvPr>
-          <p:cNvSpPr/>
-          <p:nvPr/>
-        </p:nvSpPr>
-        <p:spPr>
-          <a:xfrm>
-            <a:off x="10890658" y="343948"/>
-            <a:ext cx="696286" cy="616387"/>
-          </a:xfrm>
-          <a:prstGeom prst="actionButtonBackPrevious">
-            <a:avLst/>
-          </a:prstGeom>
-          <a:solidFill>
-            <a:srgbClr val="60CFEB"/>
-          </a:solidFill>
-          <a:ln>
-            <a:solidFill>
-              <a:srgbClr val="60CFEB"/>
-            </a:solidFill>
-          </a:ln>
-        </p:spPr>
-        <p:style>
-          <a:lnRef idx="2">
-            <a:schemeClr val="accent1">
-              <a:shade val="50000"/>
-            </a:schemeClr>
-          </a:lnRef>
-          <a:fillRef idx="1">
-            <a:schemeClr val="accent1"/>
-          </a:fillRef>
-          <a:effectRef idx="0">
-            <a:schemeClr val="accent1"/>
-          </a:effectRef>
-          <a:fontRef idx="minor">
-            <a:schemeClr val="lt1"/>
-          </a:fontRef>
-        </p:style>
-        <p:txBody>
-          <a:bodyPr rtlCol="1" anchor="ctr"/>
-          <a:lstStyle/>
-          <a:p>
-            <a:pPr algn="ctr"/>
-            <a:endParaRPr lang="he-IL"/>
           </a:p>
         </p:txBody>
       </p:sp>
@@ -9987,7 +10112,7 @@
         </p:blipFill>
         <p:spPr>
           <a:xfrm>
-            <a:off x="5473873" y="1238250"/>
+            <a:off x="7237223" y="1280195"/>
             <a:ext cx="4022551" cy="3759200"/>
           </a:xfrm>
           <a:prstGeom prst="rect">
@@ -10121,14 +10246,10 @@
           <a:p>
             <a:r>
               <a:rPr lang="en-US" dirty="0"/>
-              <a:t>Class </a:t>
+              <a:t>Class f</a:t>
             </a:r>
             <a:r>
-              <a:rPr lang="en-US" dirty="0" err="1"/>
-              <a:t>f</a:t>
-            </a:r>
-            <a:r>
-              <a:rPr lang="en-US" baseline="-25000" dirty="0" err="1"/>
+              <a:rPr lang="en-US" baseline="-25000" dirty="0"/>
               <a:t>p</a:t>
             </a:r>
             <a:r>
@@ -10139,8 +10260,8 @@
           </a:p>
         </p:txBody>
       </p:sp>
-      <mc:AlternateContent xmlns:mc="http://schemas.openxmlformats.org/markup-compatibility/2006">
-        <mc:Choice xmlns:a14="http://schemas.microsoft.com/office/drawing/2010/main" Requires="a14">
+      <mc:AlternateContent xmlns:mc="http://schemas.openxmlformats.org/markup-compatibility/2006" xmlns:a14="http://schemas.microsoft.com/office/drawing/2010/main">
+        <mc:Choice Requires="a14">
           <p:graphicFrame>
             <p:nvGraphicFramePr>
               <p:cNvPr id="5" name="Table 5">
@@ -10318,59 +10439,81 @@
                               <m:sSub>
                                 <m:sSubPr>
                                   <m:ctrlPr>
-                                    <a:rPr lang="en-US" smtClean="0"/>
+                                    <a:rPr lang="en-US" i="1" smtClean="0">
+                                      <a:latin typeface="Cambria Math" panose="02040503050406030204" pitchFamily="18" charset="0"/>
+                                    </a:rPr>
                                   </m:ctrlPr>
                                 </m:sSubPr>
                                 <m:e>
                                   <m:r>
-                                    <a:rPr lang="en-US" smtClean="0"/>
+                                    <a:rPr lang="en-US" smtClean="0">
+                                      <a:latin typeface="Cambria Math" panose="02040503050406030204" pitchFamily="18" charset="0"/>
+                                    </a:rPr>
                                     <m:t>𝑘</m:t>
                                   </m:r>
                                 </m:e>
                                 <m:sub>
                                   <m:r>
-                                    <a:rPr lang="en-US" smtClean="0"/>
+                                    <a:rPr lang="en-US" smtClean="0">
+                                      <a:latin typeface="Cambria Math" panose="02040503050406030204" pitchFamily="18" charset="0"/>
+                                    </a:rPr>
                                     <m:t>1</m:t>
                                   </m:r>
                                 </m:sub>
                               </m:sSub>
                               <m:r>
-                                <a:rPr lang="en-US" smtClean="0"/>
+                                <a:rPr lang="en-US" smtClean="0">
+                                  <a:latin typeface="Cambria Math" panose="02040503050406030204" pitchFamily="18" charset="0"/>
+                                </a:rPr>
                                 <m:t>𝑎</m:t>
                               </m:r>
                               <m:r>
-                                <a:rPr lang="en-US" smtClean="0"/>
+                                <a:rPr lang="en-US" smtClean="0">
+                                  <a:latin typeface="Cambria Math" panose="02040503050406030204" pitchFamily="18" charset="0"/>
+                                </a:rPr>
                                 <m:t>+</m:t>
                               </m:r>
                               <m:sSub>
                                 <m:sSubPr>
                                   <m:ctrlPr>
-                                    <a:rPr lang="en-US" smtClean="0"/>
+                                    <a:rPr lang="en-US" i="1" smtClean="0">
+                                      <a:latin typeface="Cambria Math" panose="02040503050406030204" pitchFamily="18" charset="0"/>
+                                    </a:rPr>
                                   </m:ctrlPr>
                                 </m:sSubPr>
                                 <m:e>
                                   <m:r>
-                                    <a:rPr lang="en-US" smtClean="0"/>
+                                    <a:rPr lang="en-US" smtClean="0">
+                                      <a:latin typeface="Cambria Math" panose="02040503050406030204" pitchFamily="18" charset="0"/>
+                                    </a:rPr>
                                     <m:t>𝑘</m:t>
                                   </m:r>
                                 </m:e>
                                 <m:sub>
                                   <m:r>
-                                    <a:rPr lang="en-US" smtClean="0"/>
+                                    <a:rPr lang="en-US" smtClean="0">
+                                      <a:latin typeface="Cambria Math" panose="02040503050406030204" pitchFamily="18" charset="0"/>
+                                    </a:rPr>
                                     <m:t>2</m:t>
                                   </m:r>
                                 </m:sub>
                               </m:sSub>
                               <m:r>
-                                <a:rPr lang="en-US" smtClean="0"/>
+                                <a:rPr lang="en-US" smtClean="0">
+                                  <a:latin typeface="Cambria Math" panose="02040503050406030204" pitchFamily="18" charset="0"/>
+                                </a:rPr>
                                 <m:t>𝑏</m:t>
                               </m:r>
                               <m:r>
-                                <a:rPr lang="en-US" smtClean="0"/>
+                                <a:rPr lang="en-US" smtClean="0">
+                                  <a:latin typeface="Cambria Math" panose="02040503050406030204" pitchFamily="18" charset="0"/>
+                                </a:rPr>
                                 <m:t>=</m:t>
                               </m:r>
                               <m:r>
-                                <a:rPr lang="en-US" smtClean="0"/>
+                                <a:rPr lang="en-US" smtClean="0">
+                                  <a:latin typeface="Cambria Math" panose="02040503050406030204" pitchFamily="18" charset="0"/>
+                                </a:rPr>
                                 <m:t>𝑑</m:t>
                               </m:r>
                             </m:oMath>
@@ -10419,7 +10562,7 @@
             </a:graphic>
           </p:graphicFrame>
         </mc:Choice>
-        <mc:Fallback>
+        <mc:Fallback xmlns="">
           <p:graphicFrame>
             <p:nvGraphicFramePr>
               <p:cNvPr id="5" name="Table 5">
@@ -10692,14 +10835,10 @@
           <a:p>
             <a:r>
               <a:rPr lang="en-US" dirty="0"/>
-              <a:t>Class </a:t>
+              <a:t>Class f</a:t>
             </a:r>
             <a:r>
-              <a:rPr lang="en-US" dirty="0" err="1"/>
-              <a:t>f</a:t>
-            </a:r>
-            <a:r>
-              <a:rPr lang="en-US" baseline="-25000" dirty="0" err="1"/>
+              <a:rPr lang="en-US" baseline="-25000" dirty="0"/>
               <a:t>p</a:t>
             </a:r>
             <a:endParaRPr lang="he-IL" dirty="0"/>
@@ -12707,8 +12846,8 @@
           </a:p>
         </p:txBody>
       </p:sp>
-      <mc:AlternateContent xmlns:mc="http://schemas.openxmlformats.org/markup-compatibility/2006">
-        <mc:Choice xmlns:a14="http://schemas.microsoft.com/office/drawing/2010/main" Requires="a14">
+      <mc:AlternateContent xmlns:mc="http://schemas.openxmlformats.org/markup-compatibility/2006" xmlns:a14="http://schemas.microsoft.com/office/drawing/2010/main">
+        <mc:Choice Requires="a14">
           <p:graphicFrame>
             <p:nvGraphicFramePr>
               <p:cNvPr id="5" name="Table 5">
@@ -12960,23 +13099,33 @@
                           <a14:m>
                             <m:oMath xmlns:m="http://schemas.openxmlformats.org/officeDocument/2006/math">
                               <m:r>
-                                <a:rPr lang="en-US" smtClean="0"/>
+                                <a:rPr lang="en-US" smtClean="0">
+                                  <a:latin typeface="Cambria Math" panose="02040503050406030204" pitchFamily="18" charset="0"/>
+                                </a:rPr>
                                 <m:t>(</m:t>
                               </m:r>
                               <m:r>
-                                <a:rPr lang="en-US" smtClean="0"/>
+                                <a:rPr lang="en-US" smtClean="0">
+                                  <a:latin typeface="Cambria Math" panose="02040503050406030204" pitchFamily="18" charset="0"/>
+                                </a:rPr>
                                 <m:t>𝑥</m:t>
                               </m:r>
                               <m:r>
-                                <a:rPr lang="en-US" smtClean="0"/>
+                                <a:rPr lang="en-US" smtClean="0">
+                                  <a:latin typeface="Cambria Math" panose="02040503050406030204" pitchFamily="18" charset="0"/>
+                                </a:rPr>
                                 <m:t>,</m:t>
                               </m:r>
                               <m:r>
-                                <a:rPr lang="en-US" smtClean="0"/>
+                                <a:rPr lang="en-US" smtClean="0">
+                                  <a:latin typeface="Cambria Math" panose="02040503050406030204" pitchFamily="18" charset="0"/>
+                                </a:rPr>
                                 <m:t>𝑦</m:t>
                               </m:r>
                               <m:r>
-                                <a:rPr lang="en-US" smtClean="0"/>
+                                <a:rPr lang="en-US" smtClean="0">
+                                  <a:latin typeface="Cambria Math" panose="02040503050406030204" pitchFamily="18" charset="0"/>
+                                </a:rPr>
                                 <m:t>)</m:t>
                               </m:r>
                             </m:oMath>
@@ -12992,15 +13141,21 @@
                           <a14:m>
                             <m:oMath xmlns:m="http://schemas.openxmlformats.org/officeDocument/2006/math">
                               <m:r>
-                                <a:rPr lang="en-US" baseline="0" smtClean="0"/>
+                                <a:rPr lang="en-US" baseline="0" smtClean="0">
+                                  <a:latin typeface="Cambria Math" panose="02040503050406030204" pitchFamily="18" charset="0"/>
+                                </a:rPr>
                                 <m:t>𝑎</m:t>
                               </m:r>
                               <m:r>
-                                <a:rPr lang="en-US" baseline="0" smtClean="0"/>
+                                <a:rPr lang="en-US" baseline="0" smtClean="0">
+                                  <a:latin typeface="Cambria Math" panose="02040503050406030204" pitchFamily="18" charset="0"/>
+                                </a:rPr>
                                 <m:t>,</m:t>
                               </m:r>
                               <m:r>
-                                <a:rPr lang="en-US" baseline="0" smtClean="0"/>
+                                <a:rPr lang="en-US" baseline="0" smtClean="0">
+                                  <a:latin typeface="Cambria Math" panose="02040503050406030204" pitchFamily="18" charset="0"/>
+                                </a:rPr>
                                 <m:t>𝑏</m:t>
                               </m:r>
                             </m:oMath>
@@ -13014,18 +13169,24 @@
                               <m:sSub>
                                 <m:sSubPr>
                                   <m:ctrlPr>
-                                    <a:rPr lang="en-US" smtClean="0"/>
+                                    <a:rPr lang="en-US" i="1" smtClean="0">
+                                      <a:latin typeface="Cambria Math" panose="02040503050406030204" pitchFamily="18" charset="0"/>
+                                    </a:rPr>
                                   </m:ctrlPr>
                                 </m:sSubPr>
                                 <m:e>
                                   <m:r>
-                                    <a:rPr lang="en-US" smtClean="0"/>
+                                    <a:rPr lang="en-US" smtClean="0">
+                                      <a:latin typeface="Cambria Math" panose="02040503050406030204" pitchFamily="18" charset="0"/>
+                                    </a:rPr>
                                     <m:t>𝐹</m:t>
                                   </m:r>
                                 </m:e>
                                 <m:sub>
                                   <m:r>
-                                    <a:rPr lang="en-US" smtClean="0"/>
+                                    <a:rPr lang="en-US" smtClean="0">
+                                      <a:latin typeface="Cambria Math" panose="02040503050406030204" pitchFamily="18" charset="0"/>
+                                    </a:rPr>
                                     <m:t>𝑝</m:t>
                                   </m:r>
                                 </m:sub>
@@ -13746,6 +13907,7 @@
                               <m:r>
                                 <a:rPr lang="en-US" sz="1800" kern="1200" smtClean="0">
                                   <a:effectLst/>
+                                  <a:latin typeface="Cambria Math" panose="02040503050406030204" pitchFamily="18" charset="0"/>
                                 </a:rPr>
                                 <m:t>𝑛𝑃</m:t>
                               </m:r>
@@ -13881,6 +14043,7 @@
                               <m:r>
                                 <a:rPr lang="en-US" sz="1800" kern="1200" smtClean="0">
                                   <a:effectLst/>
+                                  <a:latin typeface="Cambria Math" panose="02040503050406030204" pitchFamily="18" charset="0"/>
                                 </a:rPr>
                                 <m:t>𝑛𝑃</m:t>
                               </m:r>
@@ -13981,7 +14144,7 @@
             </a:graphic>
           </p:graphicFrame>
         </mc:Choice>
-        <mc:Fallback>
+        <mc:Fallback xmlns="">
           <p:graphicFrame>
             <p:nvGraphicFramePr>
               <p:cNvPr id="5" name="Table 5">
@@ -15206,23 +15369,7 @@
                       <a:srgbClr val="0F496F"/>
                     </a:solidFill>
                   </a:rPr>
-                  <a:t>Given three positive numbers </a:t>
-                </a:r>
-                <a:r>
-                  <a:rPr lang="en-US" sz="2000" b="1" dirty="0" err="1">
-                    <a:solidFill>
-                      <a:srgbClr val="0F496F"/>
-                    </a:solidFill>
-                  </a:rPr>
-                  <a:t>a,b,m</a:t>
-                </a:r>
-                <a:r>
-                  <a:rPr lang="en-US" sz="2000" b="1" dirty="0">
-                    <a:solidFill>
-                      <a:srgbClr val="0F496F"/>
-                    </a:solidFill>
-                  </a:rPr>
-                  <a:t>, we need to compute a/b.</a:t>
+                  <a:t>Given three positive numbers a,b,m, we need to compute a/b.</a:t>
                 </a:r>
               </a:p>
               <a:p>

--- a/Advanced Algebra.pptx
+++ b/Advanced Algebra.pptx
@@ -7,17 +7,16 @@
   <p:sldIdLst>
     <p:sldId id="256" r:id="rId2"/>
     <p:sldId id="271" r:id="rId3"/>
-    <p:sldId id="270" r:id="rId4"/>
-    <p:sldId id="263" r:id="rId5"/>
-    <p:sldId id="262" r:id="rId6"/>
-    <p:sldId id="264" r:id="rId7"/>
-    <p:sldId id="266" r:id="rId8"/>
-    <p:sldId id="265" r:id="rId9"/>
-    <p:sldId id="267" r:id="rId10"/>
-    <p:sldId id="259" r:id="rId11"/>
-    <p:sldId id="268" r:id="rId12"/>
-    <p:sldId id="258" r:id="rId13"/>
-    <p:sldId id="269" r:id="rId14"/>
+    <p:sldId id="263" r:id="rId4"/>
+    <p:sldId id="262" r:id="rId5"/>
+    <p:sldId id="264" r:id="rId6"/>
+    <p:sldId id="266" r:id="rId7"/>
+    <p:sldId id="265" r:id="rId8"/>
+    <p:sldId id="267" r:id="rId9"/>
+    <p:sldId id="259" r:id="rId10"/>
+    <p:sldId id="268" r:id="rId11"/>
+    <p:sldId id="258" r:id="rId12"/>
+    <p:sldId id="269" r:id="rId13"/>
   </p:sldIdLst>
   <p:sldSz cx="12192000" cy="6858000"/>
   <p:notesSz cx="6858000" cy="9144000"/>
@@ -123,7 +122,6 @@
           <p14:sldIdLst>
             <p14:sldId id="256"/>
             <p14:sldId id="271"/>
-            <p14:sldId id="270"/>
             <p14:sldId id="263"/>
             <p14:sldId id="262"/>
             <p14:sldId id="264"/>
@@ -5504,551 +5502,6 @@
 </file>
 
 <file path=ppt/slides/slide10.xml><?xml version="1.0" encoding="utf-8"?>
-<p:sld xmlns:a="http://schemas.openxmlformats.org/drawingml/2006/main" xmlns:r="http://schemas.openxmlformats.org/officeDocument/2006/relationships" xmlns:p="http://schemas.openxmlformats.org/presentationml/2006/main">
-  <p:cSld>
-    <p:spTree>
-      <p:nvGrpSpPr>
-        <p:cNvPr id="1" name=""/>
-        <p:cNvGrpSpPr/>
-        <p:nvPr/>
-      </p:nvGrpSpPr>
-      <p:grpSpPr>
-        <a:xfrm>
-          <a:off x="0" y="0"/>
-          <a:ext cx="0" cy="0"/>
-          <a:chOff x="0" y="0"/>
-          <a:chExt cx="0" cy="0"/>
-        </a:xfrm>
-      </p:grpSpPr>
-      <p:sp>
-        <p:nvSpPr>
-          <p:cNvPr id="2" name="Title 1">
-            <a:extLst>
-              <a:ext uri="{FF2B5EF4-FFF2-40B4-BE49-F238E27FC236}">
-                <a16:creationId xmlns:a16="http://schemas.microsoft.com/office/drawing/2014/main" id="{D7C6A2F0-BB58-4F7A-987B-14D760B12854}"/>
-              </a:ext>
-            </a:extLst>
-          </p:cNvPr>
-          <p:cNvSpPr>
-            <a:spLocks noGrp="1"/>
-          </p:cNvSpPr>
-          <p:nvPr>
-            <p:ph type="title"/>
-          </p:nvPr>
-        </p:nvSpPr>
-        <p:spPr>
-          <a:xfrm>
-            <a:off x="838200" y="365125"/>
-            <a:ext cx="10515600" cy="616387"/>
-          </a:xfrm>
-        </p:spPr>
-        <p:txBody>
-          <a:bodyPr>
-            <a:normAutofit fontScale="90000"/>
-          </a:bodyPr>
-          <a:lstStyle/>
-          <a:p>
-            <a:r>
-              <a:rPr lang="en-US" dirty="0"/>
-              <a:t>Modular Inverse</a:t>
-            </a:r>
-            <a:endParaRPr lang="he-IL" dirty="0"/>
-          </a:p>
-        </p:txBody>
-      </p:sp>
-      <mc:AlternateContent xmlns:mc="http://schemas.openxmlformats.org/markup-compatibility/2006" xmlns:a14="http://schemas.microsoft.com/office/drawing/2010/main">
-        <mc:Choice Requires="a14">
-          <p:sp>
-            <p:nvSpPr>
-              <p:cNvPr id="3" name="Content Placeholder 2">
-                <a:extLst>
-                  <a:ext uri="{FF2B5EF4-FFF2-40B4-BE49-F238E27FC236}">
-                    <a16:creationId xmlns:a16="http://schemas.microsoft.com/office/drawing/2014/main" id="{AE3D040F-33E5-4012-8189-210361F7EDB6}"/>
-                  </a:ext>
-                </a:extLst>
-              </p:cNvPr>
-              <p:cNvSpPr>
-                <a:spLocks noGrp="1"/>
-              </p:cNvSpPr>
-              <p:nvPr>
-                <p:ph idx="1"/>
-              </p:nvPr>
-            </p:nvSpPr>
-            <p:spPr>
-              <a:xfrm>
-                <a:off x="838200" y="1149292"/>
-                <a:ext cx="10515600" cy="5027671"/>
-              </a:xfrm>
-            </p:spPr>
-            <p:txBody>
-              <a:bodyPr>
-                <a:normAutofit/>
-              </a:bodyPr>
-              <a:lstStyle/>
-              <a:p>
-                <a:pPr algn="l" rtl="0"/>
-                <a:r>
-                  <a:rPr lang="en-US" dirty="0">
-                    <a:solidFill>
-                      <a:srgbClr val="0F496F"/>
-                    </a:solidFill>
-                  </a:rPr>
-                  <a:t>We are looking for x such as:</a:t>
-                </a:r>
-              </a:p>
-              <a:p>
-                <a:pPr marL="457200" lvl="1" indent="0" algn="l" rtl="0">
-                  <a:buNone/>
-                </a:pPr>
-                <a:r>
-                  <a:rPr lang="en-US" u="sng" dirty="0">
-                    <a:solidFill>
-                      <a:srgbClr val="0F496F"/>
-                    </a:solidFill>
-                  </a:rPr>
-                  <a:t>Additive</a:t>
-                </a:r>
-                <a:r>
-                  <a:rPr lang="en-US" dirty="0">
-                    <a:solidFill>
-                      <a:srgbClr val="0F496F"/>
-                    </a:solidFill>
-                  </a:rPr>
-                  <a:t>:</a:t>
-                </a:r>
-              </a:p>
-              <a:p>
-                <a:pPr marL="914400" lvl="2" indent="0" algn="l" rtl="0">
-                  <a:buNone/>
-                </a:pPr>
-                <a14:m>
-                  <m:oMathPara xmlns:m="http://schemas.openxmlformats.org/officeDocument/2006/math">
-                    <m:oMathParaPr>
-                      <m:jc m:val="center"/>
-                    </m:oMathParaPr>
-                    <m:oMath xmlns:m="http://schemas.openxmlformats.org/officeDocument/2006/math">
-                      <m:r>
-                        <a:rPr lang="en-US" b="0" i="1" smtClean="0">
-                          <a:solidFill>
-                            <a:srgbClr val="0F496F"/>
-                          </a:solidFill>
-                          <a:latin typeface="Cambria Math" panose="02040503050406030204" pitchFamily="18" charset="0"/>
-                        </a:rPr>
-                        <m:t>𝑎</m:t>
-                      </m:r>
-                      <m:r>
-                        <a:rPr lang="en-US" b="0" i="1" smtClean="0">
-                          <a:solidFill>
-                            <a:srgbClr val="0F496F"/>
-                          </a:solidFill>
-                          <a:latin typeface="Cambria Math" panose="02040503050406030204" pitchFamily="18" charset="0"/>
-                        </a:rPr>
-                        <m:t>+</m:t>
-                      </m:r>
-                      <m:r>
-                        <a:rPr lang="en-US" b="0" i="1" smtClean="0">
-                          <a:solidFill>
-                            <a:srgbClr val="0F496F"/>
-                          </a:solidFill>
-                          <a:latin typeface="Cambria Math" panose="02040503050406030204" pitchFamily="18" charset="0"/>
-                        </a:rPr>
-                        <m:t>𝑥</m:t>
-                      </m:r>
-                      <m:r>
-                        <a:rPr lang="en-US" b="0" i="1" smtClean="0">
-                          <a:solidFill>
-                            <a:srgbClr val="0F496F"/>
-                          </a:solidFill>
-                          <a:latin typeface="Cambria Math" panose="02040503050406030204" pitchFamily="18" charset="0"/>
-                        </a:rPr>
-                        <m:t>≡</m:t>
-                      </m:r>
-                      <m:r>
-                        <a:rPr lang="en-US" b="0" i="1" smtClean="0">
-                          <a:solidFill>
-                            <a:srgbClr val="0F496F"/>
-                          </a:solidFill>
-                          <a:latin typeface="Cambria Math" panose="02040503050406030204" pitchFamily="18" charset="0"/>
-                        </a:rPr>
-                        <m:t>0</m:t>
-                      </m:r>
-                      <m:r>
-                        <a:rPr lang="en-US" b="0" i="1" smtClean="0">
-                          <a:solidFill>
-                            <a:srgbClr val="0F496F"/>
-                          </a:solidFill>
-                          <a:latin typeface="Cambria Math" panose="02040503050406030204" pitchFamily="18" charset="0"/>
-                        </a:rPr>
-                        <m:t> </m:t>
-                      </m:r>
-                      <m:d>
-                        <m:dPr>
-                          <m:ctrlPr>
-                            <a:rPr lang="en-US" b="0" i="1" smtClean="0">
-                              <a:solidFill>
-                                <a:srgbClr val="0F496F"/>
-                              </a:solidFill>
-                              <a:latin typeface="Cambria Math" panose="02040503050406030204" pitchFamily="18" charset="0"/>
-                            </a:rPr>
-                          </m:ctrlPr>
-                        </m:dPr>
-                        <m:e>
-                          <m:r>
-                            <a:rPr lang="en-US" b="0" i="1" smtClean="0">
-                              <a:solidFill>
-                                <a:srgbClr val="0F496F"/>
-                              </a:solidFill>
-                              <a:latin typeface="Cambria Math" panose="02040503050406030204" pitchFamily="18" charset="0"/>
-                            </a:rPr>
-                            <m:t>𝑚𝑜𝑑</m:t>
-                          </m:r>
-                          <m:r>
-                            <a:rPr lang="en-US" b="0" i="1" smtClean="0">
-                              <a:solidFill>
-                                <a:srgbClr val="0F496F"/>
-                              </a:solidFill>
-                              <a:latin typeface="Cambria Math" panose="02040503050406030204" pitchFamily="18" charset="0"/>
-                            </a:rPr>
-                            <m:t> </m:t>
-                          </m:r>
-                          <m:r>
-                            <a:rPr lang="en-US" b="0" i="1" smtClean="0">
-                              <a:solidFill>
-                                <a:srgbClr val="0F496F"/>
-                              </a:solidFill>
-                              <a:latin typeface="Cambria Math" panose="02040503050406030204" pitchFamily="18" charset="0"/>
-                            </a:rPr>
-                            <m:t>𝑚</m:t>
-                          </m:r>
-                        </m:e>
-                      </m:d>
-                    </m:oMath>
-                  </m:oMathPara>
-                </a14:m>
-                <a:endParaRPr lang="en-US" b="0" dirty="0">
-                  <a:solidFill>
-                    <a:srgbClr val="0F496F"/>
-                  </a:solidFill>
-                </a:endParaRPr>
-              </a:p>
-              <a:p>
-                <a:pPr lvl="2" algn="l" rtl="0"/>
-                <a:endParaRPr lang="en-US" dirty="0">
-                  <a:solidFill>
-                    <a:srgbClr val="0F496F"/>
-                  </a:solidFill>
-                </a:endParaRPr>
-              </a:p>
-              <a:p>
-                <a:pPr marL="457200" lvl="1" indent="0" algn="l" rtl="0">
-                  <a:buNone/>
-                </a:pPr>
-                <a:r>
-                  <a:rPr lang="en-US" u="sng" dirty="0">
-                    <a:solidFill>
-                      <a:srgbClr val="0F496F"/>
-                    </a:solidFill>
-                  </a:rPr>
-                  <a:t>Multiplicative</a:t>
-                </a:r>
-                <a:r>
-                  <a:rPr lang="en-US" dirty="0">
-                    <a:solidFill>
-                      <a:srgbClr val="0F496F"/>
-                    </a:solidFill>
-                  </a:rPr>
-                  <a:t>:</a:t>
-                </a:r>
-              </a:p>
-              <a:p>
-                <a:pPr marL="914400" lvl="2" indent="0" algn="l" rtl="0">
-                  <a:buNone/>
-                </a:pPr>
-                <a14:m>
-                  <m:oMathPara xmlns:m="http://schemas.openxmlformats.org/officeDocument/2006/math">
-                    <m:oMathParaPr>
-                      <m:jc m:val="center"/>
-                    </m:oMathParaPr>
-                    <m:oMath xmlns:m="http://schemas.openxmlformats.org/officeDocument/2006/math">
-                      <m:r>
-                        <a:rPr lang="en-US" b="0" i="1" smtClean="0">
-                          <a:solidFill>
-                            <a:srgbClr val="0F496F"/>
-                          </a:solidFill>
-                          <a:latin typeface="Cambria Math" panose="02040503050406030204" pitchFamily="18" charset="0"/>
-                        </a:rPr>
-                        <m:t>𝑎</m:t>
-                      </m:r>
-                      <m:r>
-                        <a:rPr lang="en-US" b="0" i="1" smtClean="0">
-                          <a:solidFill>
-                            <a:srgbClr val="0F496F"/>
-                          </a:solidFill>
-                          <a:latin typeface="Cambria Math" panose="02040503050406030204" pitchFamily="18" charset="0"/>
-                        </a:rPr>
-                        <m:t> ∗</m:t>
-                      </m:r>
-                      <m:r>
-                        <a:rPr lang="en-US" b="0" i="1" smtClean="0">
-                          <a:solidFill>
-                            <a:srgbClr val="0F496F"/>
-                          </a:solidFill>
-                          <a:latin typeface="Cambria Math" panose="02040503050406030204" pitchFamily="18" charset="0"/>
-                        </a:rPr>
-                        <m:t>𝑥</m:t>
-                      </m:r>
-                      <m:r>
-                        <a:rPr lang="en-US" b="0" i="1" smtClean="0">
-                          <a:solidFill>
-                            <a:srgbClr val="0F496F"/>
-                          </a:solidFill>
-                          <a:latin typeface="Cambria Math" panose="02040503050406030204" pitchFamily="18" charset="0"/>
-                        </a:rPr>
-                        <m:t>≡</m:t>
-                      </m:r>
-                      <m:r>
-                        <a:rPr lang="en-US" b="0" i="1" smtClean="0">
-                          <a:solidFill>
-                            <a:srgbClr val="0F496F"/>
-                          </a:solidFill>
-                          <a:latin typeface="Cambria Math" panose="02040503050406030204" pitchFamily="18" charset="0"/>
-                        </a:rPr>
-                        <m:t>1</m:t>
-                      </m:r>
-                      <m:r>
-                        <a:rPr lang="en-US" b="0" i="1" smtClean="0">
-                          <a:solidFill>
-                            <a:srgbClr val="0F496F"/>
-                          </a:solidFill>
-                          <a:latin typeface="Cambria Math" panose="02040503050406030204" pitchFamily="18" charset="0"/>
-                        </a:rPr>
-                        <m:t> (</m:t>
-                      </m:r>
-                      <m:r>
-                        <a:rPr lang="en-US" b="0" i="1" smtClean="0">
-                          <a:solidFill>
-                            <a:srgbClr val="0F496F"/>
-                          </a:solidFill>
-                          <a:latin typeface="Cambria Math" panose="02040503050406030204" pitchFamily="18" charset="0"/>
-                        </a:rPr>
-                        <m:t>𝑚𝑜𝑑</m:t>
-                      </m:r>
-                      <m:r>
-                        <a:rPr lang="en-US" b="0" i="1" smtClean="0">
-                          <a:solidFill>
-                            <a:srgbClr val="0F496F"/>
-                          </a:solidFill>
-                          <a:latin typeface="Cambria Math" panose="02040503050406030204" pitchFamily="18" charset="0"/>
-                        </a:rPr>
-                        <m:t> </m:t>
-                      </m:r>
-                      <m:r>
-                        <a:rPr lang="en-US" b="0" i="1" smtClean="0">
-                          <a:solidFill>
-                            <a:srgbClr val="0F496F"/>
-                          </a:solidFill>
-                          <a:latin typeface="Cambria Math" panose="02040503050406030204" pitchFamily="18" charset="0"/>
-                        </a:rPr>
-                        <m:t>𝑚</m:t>
-                      </m:r>
-                      <m:r>
-                        <a:rPr lang="en-US" b="0" i="1" smtClean="0">
-                          <a:solidFill>
-                            <a:srgbClr val="0F496F"/>
-                          </a:solidFill>
-                          <a:latin typeface="Cambria Math" panose="02040503050406030204" pitchFamily="18" charset="0"/>
-                        </a:rPr>
-                        <m:t>)</m:t>
-                      </m:r>
-                    </m:oMath>
-                  </m:oMathPara>
-                </a14:m>
-                <a:endParaRPr lang="en-US" dirty="0">
-                  <a:solidFill>
-                    <a:srgbClr val="0F496F"/>
-                  </a:solidFill>
-                </a:endParaRPr>
-              </a:p>
-              <a:p>
-                <a:pPr algn="l" rtl="0"/>
-                <a:endParaRPr lang="en-US" dirty="0">
-                  <a:solidFill>
-                    <a:srgbClr val="0F496F"/>
-                  </a:solidFill>
-                </a:endParaRPr>
-              </a:p>
-              <a:p>
-                <a:pPr marL="0" indent="0" algn="l" rtl="0">
-                  <a:buNone/>
-                </a:pPr>
-                <a:endParaRPr lang="en-US" dirty="0">
-                  <a:solidFill>
-                    <a:srgbClr val="0F496F"/>
-                  </a:solidFill>
-                </a:endParaRPr>
-              </a:p>
-              <a:p>
-                <a:pPr marL="0" indent="0" algn="l" rtl="0">
-                  <a:buNone/>
-                </a:pPr>
-                <a:endParaRPr lang="en-US" dirty="0">
-                  <a:solidFill>
-                    <a:srgbClr val="0F496F"/>
-                  </a:solidFill>
-                </a:endParaRPr>
-              </a:p>
-              <a:p>
-                <a:pPr marL="0" indent="0" algn="l" rtl="0">
-                  <a:buNone/>
-                </a:pPr>
-                <a:endParaRPr lang="en-US" dirty="0">
-                  <a:solidFill>
-                    <a:srgbClr val="0F496F"/>
-                  </a:solidFill>
-                </a:endParaRPr>
-              </a:p>
-              <a:p>
-                <a:pPr algn="l" rtl="0"/>
-                <a:r>
-                  <a:rPr lang="en-US" sz="2000" dirty="0">
-                    <a:solidFill>
-                      <a:srgbClr val="0F496F"/>
-                    </a:solidFill>
-                  </a:rPr>
-                  <a:t>References:</a:t>
-                </a:r>
-              </a:p>
-              <a:p>
-                <a:pPr lvl="2" algn="l" rtl="0"/>
-                <a:r>
-                  <a:rPr lang="en-US" dirty="0">
-                    <a:solidFill>
-                      <a:srgbClr val="0F496F"/>
-                    </a:solidFill>
-                    <a:hlinkClick r:id="rId2">
-                      <a:extLst>
-                        <a:ext uri="{A12FA001-AC4F-418D-AE19-62706E023703}">
-                          <ahyp:hlinkClr xmlns:ahyp="http://schemas.microsoft.com/office/drawing/2018/hyperlinkcolor" val="tx"/>
-                        </a:ext>
-                      </a:extLst>
-                    </a:hlinkClick>
-                  </a:rPr>
-                  <a:t>https://www.omnicalculator.com/math/inverse-modulo</a:t>
-                </a:r>
-                <a:endParaRPr lang="he-IL" dirty="0">
-                  <a:solidFill>
-                    <a:srgbClr val="0F496F"/>
-                  </a:solidFill>
-                </a:endParaRPr>
-              </a:p>
-            </p:txBody>
-          </p:sp>
-        </mc:Choice>
-        <mc:Fallback xmlns="">
-          <p:sp>
-            <p:nvSpPr>
-              <p:cNvPr id="3" name="Content Placeholder 2">
-                <a:extLst>
-                  <a:ext uri="{FF2B5EF4-FFF2-40B4-BE49-F238E27FC236}">
-                    <a16:creationId xmlns:a16="http://schemas.microsoft.com/office/drawing/2014/main" id="{AE3D040F-33E5-4012-8189-210361F7EDB6}"/>
-                  </a:ext>
-                </a:extLst>
-              </p:cNvPr>
-              <p:cNvSpPr>
-                <a:spLocks noGrp="1" noRot="1" noChangeAspect="1" noMove="1" noResize="1" noEditPoints="1" noAdjustHandles="1" noChangeArrowheads="1" noChangeShapeType="1" noTextEdit="1"/>
-              </p:cNvSpPr>
-              <p:nvPr>
-                <p:ph idx="1"/>
-              </p:nvPr>
-            </p:nvSpPr>
-            <p:spPr>
-              <a:xfrm>
-                <a:off x="838200" y="1149292"/>
-                <a:ext cx="10515600" cy="5027671"/>
-              </a:xfrm>
-              <a:blipFill>
-                <a:blip r:embed="rId3"/>
-                <a:stretch>
-                  <a:fillRect l="-290"/>
-                </a:stretch>
-              </a:blipFill>
-            </p:spPr>
-            <p:txBody>
-              <a:bodyPr/>
-              <a:lstStyle/>
-              <a:p>
-                <a:r>
-                  <a:rPr lang="he-IL">
-                    <a:noFill/>
-                  </a:rPr>
-                  <a:t> </a:t>
-                </a:r>
-              </a:p>
-            </p:txBody>
-          </p:sp>
-        </mc:Fallback>
-      </mc:AlternateContent>
-      <p:sp>
-        <p:nvSpPr>
-          <p:cNvPr id="4" name="Action Button: Go Back or Previous 3">
-            <a:hlinkClick r:id="rId4" action="ppaction://hlinksldjump" highlightClick="1"/>
-            <a:extLst>
-              <a:ext uri="{FF2B5EF4-FFF2-40B4-BE49-F238E27FC236}">
-                <a16:creationId xmlns:a16="http://schemas.microsoft.com/office/drawing/2014/main" id="{4A59436A-587D-4502-B724-E4BF52FF4A6F}"/>
-              </a:ext>
-            </a:extLst>
-          </p:cNvPr>
-          <p:cNvSpPr/>
-          <p:nvPr/>
-        </p:nvSpPr>
-        <p:spPr>
-          <a:xfrm>
-            <a:off x="10833682" y="365125"/>
-            <a:ext cx="520118" cy="456996"/>
-          </a:xfrm>
-          <a:prstGeom prst="actionButtonBackPrevious">
-            <a:avLst/>
-          </a:prstGeom>
-        </p:spPr>
-        <p:style>
-          <a:lnRef idx="2">
-            <a:schemeClr val="accent1">
-              <a:shade val="50000"/>
-            </a:schemeClr>
-          </a:lnRef>
-          <a:fillRef idx="1">
-            <a:schemeClr val="accent1"/>
-          </a:fillRef>
-          <a:effectRef idx="0">
-            <a:schemeClr val="accent1"/>
-          </a:effectRef>
-          <a:fontRef idx="minor">
-            <a:schemeClr val="lt1"/>
-          </a:fontRef>
-        </p:style>
-        <p:txBody>
-          <a:bodyPr rtlCol="1" anchor="ctr"/>
-          <a:lstStyle/>
-          <a:p>
-            <a:pPr algn="ctr"/>
-            <a:endParaRPr lang="he-IL"/>
-          </a:p>
-        </p:txBody>
-      </p:sp>
-    </p:spTree>
-    <p:extLst>
-      <p:ext uri="{BB962C8B-B14F-4D97-AF65-F5344CB8AC3E}">
-        <p14:creationId xmlns:p14="http://schemas.microsoft.com/office/powerpoint/2010/main" val="3760899368"/>
-      </p:ext>
-    </p:extLst>
-  </p:cSld>
-  <p:clrMapOvr>
-    <a:masterClrMapping/>
-  </p:clrMapOvr>
-</p:sld>
-</file>
-
-<file path=ppt/slides/slide11.xml><?xml version="1.0" encoding="utf-8"?>
 <p:sld xmlns:a="http://schemas.openxmlformats.org/drawingml/2006/main" xmlns:r="http://schemas.openxmlformats.org/officeDocument/2006/relationships" xmlns:p="http://schemas.openxmlformats.org/presentationml/2006/main">
   <p:cSld>
     <p:spTree>
@@ -6791,7 +6244,7 @@
 </p:sld>
 </file>
 
-<file path=ppt/slides/slide12.xml><?xml version="1.0" encoding="utf-8"?>
+<file path=ppt/slides/slide11.xml><?xml version="1.0" encoding="utf-8"?>
 <p:sld xmlns:a="http://schemas.openxmlformats.org/drawingml/2006/main" xmlns:r="http://schemas.openxmlformats.org/officeDocument/2006/relationships" xmlns:p="http://schemas.openxmlformats.org/presentationml/2006/main">
   <p:cSld>
     <p:spTree>
@@ -7844,7 +7297,7 @@
 </p:sld>
 </file>
 
-<file path=ppt/slides/slide13.xml><?xml version="1.0" encoding="utf-8"?>
+<file path=ppt/slides/slide12.xml><?xml version="1.0" encoding="utf-8"?>
 <p:sld xmlns:a="http://schemas.openxmlformats.org/drawingml/2006/main" xmlns:r="http://schemas.openxmlformats.org/officeDocument/2006/relationships" xmlns:p="http://schemas.openxmlformats.org/presentationml/2006/main">
   <p:cSld>
     <p:spTree>
@@ -10180,72 +9633,6 @@
           <a:p>
             <a:r>
               <a:rPr lang="en-US" dirty="0"/>
-              <a:t>Summary</a:t>
-            </a:r>
-            <a:endParaRPr lang="he-IL" dirty="0"/>
-          </a:p>
-        </p:txBody>
-      </p:sp>
-    </p:spTree>
-    <p:extLst>
-      <p:ext uri="{BB962C8B-B14F-4D97-AF65-F5344CB8AC3E}">
-        <p14:creationId xmlns:p14="http://schemas.microsoft.com/office/powerpoint/2010/main" val="3876038952"/>
-      </p:ext>
-    </p:extLst>
-  </p:cSld>
-  <p:clrMapOvr>
-    <a:masterClrMapping/>
-  </p:clrMapOvr>
-</p:sld>
-</file>
-
-<file path=ppt/slides/slide4.xml><?xml version="1.0" encoding="utf-8"?>
-<p:sld xmlns:a="http://schemas.openxmlformats.org/drawingml/2006/main" xmlns:r="http://schemas.openxmlformats.org/officeDocument/2006/relationships" xmlns:p="http://schemas.openxmlformats.org/presentationml/2006/main">
-  <p:cSld>
-    <p:spTree>
-      <p:nvGrpSpPr>
-        <p:cNvPr id="1" name=""/>
-        <p:cNvGrpSpPr/>
-        <p:nvPr/>
-      </p:nvGrpSpPr>
-      <p:grpSpPr>
-        <a:xfrm>
-          <a:off x="0" y="0"/>
-          <a:ext cx="0" cy="0"/>
-          <a:chOff x="0" y="0"/>
-          <a:chExt cx="0" cy="0"/>
-        </a:xfrm>
-      </p:grpSpPr>
-      <p:sp>
-        <p:nvSpPr>
-          <p:cNvPr id="2" name="Title 1">
-            <a:extLst>
-              <a:ext uri="{FF2B5EF4-FFF2-40B4-BE49-F238E27FC236}">
-                <a16:creationId xmlns:a16="http://schemas.microsoft.com/office/drawing/2014/main" id="{D7C6A2F0-BB58-4F7A-987B-14D760B12854}"/>
-              </a:ext>
-            </a:extLst>
-          </p:cNvPr>
-          <p:cNvSpPr>
-            <a:spLocks noGrp="1"/>
-          </p:cNvSpPr>
-          <p:nvPr>
-            <p:ph type="title"/>
-          </p:nvPr>
-        </p:nvSpPr>
-        <p:spPr>
-          <a:xfrm>
-            <a:off x="838200" y="365125"/>
-            <a:ext cx="10515600" cy="616387"/>
-          </a:xfrm>
-        </p:spPr>
-        <p:txBody>
-          <a:bodyPr>
-            <a:normAutofit fontScale="90000"/>
-          </a:bodyPr>
-          <a:lstStyle/>
-          <a:p>
-            <a:r>
-              <a:rPr lang="en-US" dirty="0"/>
               <a:t>Class f</a:t>
             </a:r>
             <a:r>
@@ -10788,7 +10175,7 @@
 </p:sld>
 </file>
 
-<file path=ppt/slides/slide5.xml><?xml version="1.0" encoding="utf-8"?>
+<file path=ppt/slides/slide4.xml><?xml version="1.0" encoding="utf-8"?>
 <p:sld xmlns:a="http://schemas.openxmlformats.org/drawingml/2006/main" xmlns:r="http://schemas.openxmlformats.org/officeDocument/2006/relationships" xmlns:p="http://schemas.openxmlformats.org/presentationml/2006/main">
   <p:cSld>
     <p:spTree>
@@ -12169,7 +11556,7 @@
 </p:sld>
 </file>
 
-<file path=ppt/slides/slide6.xml><?xml version="1.0" encoding="utf-8"?>
+<file path=ppt/slides/slide5.xml><?xml version="1.0" encoding="utf-8"?>
 <p:sld xmlns:a="http://schemas.openxmlformats.org/drawingml/2006/main" xmlns:r="http://schemas.openxmlformats.org/officeDocument/2006/relationships" xmlns:p="http://schemas.openxmlformats.org/presentationml/2006/main">
   <p:cSld>
     <p:spTree>
@@ -12793,7 +12180,7 @@
 </p:sld>
 </file>
 
-<file path=ppt/slides/slide7.xml><?xml version="1.0" encoding="utf-8"?>
+<file path=ppt/slides/slide6.xml><?xml version="1.0" encoding="utf-8"?>
 <p:sld xmlns:a="http://schemas.openxmlformats.org/drawingml/2006/main" xmlns:r="http://schemas.openxmlformats.org/officeDocument/2006/relationships" xmlns:p="http://schemas.openxmlformats.org/presentationml/2006/main">
   <p:cSld>
     <p:spTree>
@@ -15277,7 +14664,7 @@
 </p:sld>
 </file>
 
-<file path=ppt/slides/slide8.xml><?xml version="1.0" encoding="utf-8"?>
+<file path=ppt/slides/slide7.xml><?xml version="1.0" encoding="utf-8"?>
 <p:sld xmlns:a="http://schemas.openxmlformats.org/drawingml/2006/main" xmlns:r="http://schemas.openxmlformats.org/officeDocument/2006/relationships" xmlns:p="http://schemas.openxmlformats.org/presentationml/2006/main">
   <p:cSld>
     <p:spTree>
@@ -15330,8 +14717,8 @@
           </a:p>
         </p:txBody>
       </p:sp>
-      <mc:AlternateContent xmlns:mc="http://schemas.openxmlformats.org/markup-compatibility/2006">
-        <mc:Choice xmlns:a14="http://schemas.microsoft.com/office/drawing/2010/main" Requires="a14">
+      <mc:AlternateContent xmlns:mc="http://schemas.openxmlformats.org/markup-compatibility/2006" xmlns:a14="http://schemas.microsoft.com/office/drawing/2010/main">
+        <mc:Choice Requires="a14">
           <p:sp>
             <p:nvSpPr>
               <p:cNvPr id="3" name="Content Placeholder 2">
@@ -15620,7 +15007,7 @@
             </p:txBody>
           </p:sp>
         </mc:Choice>
-        <mc:Fallback>
+        <mc:Fallback xmlns="">
           <p:sp>
             <p:nvSpPr>
               <p:cNvPr id="3" name="Content Placeholder 2">
@@ -15732,7 +15119,7 @@
 </p:sld>
 </file>
 
-<file path=ppt/slides/slide9.xml><?xml version="1.0" encoding="utf-8"?>
+<file path=ppt/slides/slide8.xml><?xml version="1.0" encoding="utf-8"?>
 <p:sld xmlns:a="http://schemas.openxmlformats.org/drawingml/2006/main" xmlns:r="http://schemas.openxmlformats.org/officeDocument/2006/relationships" xmlns:p="http://schemas.openxmlformats.org/presentationml/2006/main">
   <p:cSld>
     <p:spTree>
@@ -15956,6 +15343,551 @@
     <p:extLst>
       <p:ext uri="{BB962C8B-B14F-4D97-AF65-F5344CB8AC3E}">
         <p14:creationId xmlns:p14="http://schemas.microsoft.com/office/powerpoint/2010/main" val="199925139"/>
+      </p:ext>
+    </p:extLst>
+  </p:cSld>
+  <p:clrMapOvr>
+    <a:masterClrMapping/>
+  </p:clrMapOvr>
+</p:sld>
+</file>
+
+<file path=ppt/slides/slide9.xml><?xml version="1.0" encoding="utf-8"?>
+<p:sld xmlns:a="http://schemas.openxmlformats.org/drawingml/2006/main" xmlns:r="http://schemas.openxmlformats.org/officeDocument/2006/relationships" xmlns:p="http://schemas.openxmlformats.org/presentationml/2006/main">
+  <p:cSld>
+    <p:spTree>
+      <p:nvGrpSpPr>
+        <p:cNvPr id="1" name=""/>
+        <p:cNvGrpSpPr/>
+        <p:nvPr/>
+      </p:nvGrpSpPr>
+      <p:grpSpPr>
+        <a:xfrm>
+          <a:off x="0" y="0"/>
+          <a:ext cx="0" cy="0"/>
+          <a:chOff x="0" y="0"/>
+          <a:chExt cx="0" cy="0"/>
+        </a:xfrm>
+      </p:grpSpPr>
+      <p:sp>
+        <p:nvSpPr>
+          <p:cNvPr id="2" name="Title 1">
+            <a:extLst>
+              <a:ext uri="{FF2B5EF4-FFF2-40B4-BE49-F238E27FC236}">
+                <a16:creationId xmlns:a16="http://schemas.microsoft.com/office/drawing/2014/main" id="{D7C6A2F0-BB58-4F7A-987B-14D760B12854}"/>
+              </a:ext>
+            </a:extLst>
+          </p:cNvPr>
+          <p:cNvSpPr>
+            <a:spLocks noGrp="1"/>
+          </p:cNvSpPr>
+          <p:nvPr>
+            <p:ph type="title"/>
+          </p:nvPr>
+        </p:nvSpPr>
+        <p:spPr>
+          <a:xfrm>
+            <a:off x="838200" y="365125"/>
+            <a:ext cx="10515600" cy="616387"/>
+          </a:xfrm>
+        </p:spPr>
+        <p:txBody>
+          <a:bodyPr>
+            <a:normAutofit fontScale="90000"/>
+          </a:bodyPr>
+          <a:lstStyle/>
+          <a:p>
+            <a:r>
+              <a:rPr lang="en-US" dirty="0"/>
+              <a:t>Modular Inverse</a:t>
+            </a:r>
+            <a:endParaRPr lang="he-IL" dirty="0"/>
+          </a:p>
+        </p:txBody>
+      </p:sp>
+      <mc:AlternateContent xmlns:mc="http://schemas.openxmlformats.org/markup-compatibility/2006" xmlns:a14="http://schemas.microsoft.com/office/drawing/2010/main">
+        <mc:Choice Requires="a14">
+          <p:sp>
+            <p:nvSpPr>
+              <p:cNvPr id="3" name="Content Placeholder 2">
+                <a:extLst>
+                  <a:ext uri="{FF2B5EF4-FFF2-40B4-BE49-F238E27FC236}">
+                    <a16:creationId xmlns:a16="http://schemas.microsoft.com/office/drawing/2014/main" id="{AE3D040F-33E5-4012-8189-210361F7EDB6}"/>
+                  </a:ext>
+                </a:extLst>
+              </p:cNvPr>
+              <p:cNvSpPr>
+                <a:spLocks noGrp="1"/>
+              </p:cNvSpPr>
+              <p:nvPr>
+                <p:ph idx="1"/>
+              </p:nvPr>
+            </p:nvSpPr>
+            <p:spPr>
+              <a:xfrm>
+                <a:off x="838200" y="1149292"/>
+                <a:ext cx="10515600" cy="5027671"/>
+              </a:xfrm>
+            </p:spPr>
+            <p:txBody>
+              <a:bodyPr>
+                <a:normAutofit/>
+              </a:bodyPr>
+              <a:lstStyle/>
+              <a:p>
+                <a:pPr algn="l" rtl="0"/>
+                <a:r>
+                  <a:rPr lang="en-US" dirty="0">
+                    <a:solidFill>
+                      <a:srgbClr val="0F496F"/>
+                    </a:solidFill>
+                  </a:rPr>
+                  <a:t>We are looking for x such as:</a:t>
+                </a:r>
+              </a:p>
+              <a:p>
+                <a:pPr marL="457200" lvl="1" indent="0" algn="l" rtl="0">
+                  <a:buNone/>
+                </a:pPr>
+                <a:r>
+                  <a:rPr lang="en-US" u="sng" dirty="0">
+                    <a:solidFill>
+                      <a:srgbClr val="0F496F"/>
+                    </a:solidFill>
+                  </a:rPr>
+                  <a:t>Additive</a:t>
+                </a:r>
+                <a:r>
+                  <a:rPr lang="en-US" dirty="0">
+                    <a:solidFill>
+                      <a:srgbClr val="0F496F"/>
+                    </a:solidFill>
+                  </a:rPr>
+                  <a:t>:</a:t>
+                </a:r>
+              </a:p>
+              <a:p>
+                <a:pPr marL="914400" lvl="2" indent="0" algn="l" rtl="0">
+                  <a:buNone/>
+                </a:pPr>
+                <a14:m>
+                  <m:oMathPara xmlns:m="http://schemas.openxmlformats.org/officeDocument/2006/math">
+                    <m:oMathParaPr>
+                      <m:jc m:val="center"/>
+                    </m:oMathParaPr>
+                    <m:oMath xmlns:m="http://schemas.openxmlformats.org/officeDocument/2006/math">
+                      <m:r>
+                        <a:rPr lang="en-US" b="0" i="1" smtClean="0">
+                          <a:solidFill>
+                            <a:srgbClr val="0F496F"/>
+                          </a:solidFill>
+                          <a:latin typeface="Cambria Math" panose="02040503050406030204" pitchFamily="18" charset="0"/>
+                        </a:rPr>
+                        <m:t>𝑎</m:t>
+                      </m:r>
+                      <m:r>
+                        <a:rPr lang="en-US" b="0" i="1" smtClean="0">
+                          <a:solidFill>
+                            <a:srgbClr val="0F496F"/>
+                          </a:solidFill>
+                          <a:latin typeface="Cambria Math" panose="02040503050406030204" pitchFamily="18" charset="0"/>
+                        </a:rPr>
+                        <m:t>+</m:t>
+                      </m:r>
+                      <m:r>
+                        <a:rPr lang="en-US" b="0" i="1" smtClean="0">
+                          <a:solidFill>
+                            <a:srgbClr val="0F496F"/>
+                          </a:solidFill>
+                          <a:latin typeface="Cambria Math" panose="02040503050406030204" pitchFamily="18" charset="0"/>
+                        </a:rPr>
+                        <m:t>𝑥</m:t>
+                      </m:r>
+                      <m:r>
+                        <a:rPr lang="en-US" b="0" i="1" smtClean="0">
+                          <a:solidFill>
+                            <a:srgbClr val="0F496F"/>
+                          </a:solidFill>
+                          <a:latin typeface="Cambria Math" panose="02040503050406030204" pitchFamily="18" charset="0"/>
+                        </a:rPr>
+                        <m:t>≡</m:t>
+                      </m:r>
+                      <m:r>
+                        <a:rPr lang="en-US" b="0" i="1" smtClean="0">
+                          <a:solidFill>
+                            <a:srgbClr val="0F496F"/>
+                          </a:solidFill>
+                          <a:latin typeface="Cambria Math" panose="02040503050406030204" pitchFamily="18" charset="0"/>
+                        </a:rPr>
+                        <m:t>0</m:t>
+                      </m:r>
+                      <m:r>
+                        <a:rPr lang="en-US" b="0" i="1" smtClean="0">
+                          <a:solidFill>
+                            <a:srgbClr val="0F496F"/>
+                          </a:solidFill>
+                          <a:latin typeface="Cambria Math" panose="02040503050406030204" pitchFamily="18" charset="0"/>
+                        </a:rPr>
+                        <m:t> </m:t>
+                      </m:r>
+                      <m:d>
+                        <m:dPr>
+                          <m:ctrlPr>
+                            <a:rPr lang="en-US" b="0" i="1" smtClean="0">
+                              <a:solidFill>
+                                <a:srgbClr val="0F496F"/>
+                              </a:solidFill>
+                              <a:latin typeface="Cambria Math" panose="02040503050406030204" pitchFamily="18" charset="0"/>
+                            </a:rPr>
+                          </m:ctrlPr>
+                        </m:dPr>
+                        <m:e>
+                          <m:r>
+                            <a:rPr lang="en-US" b="0" i="1" smtClean="0">
+                              <a:solidFill>
+                                <a:srgbClr val="0F496F"/>
+                              </a:solidFill>
+                              <a:latin typeface="Cambria Math" panose="02040503050406030204" pitchFamily="18" charset="0"/>
+                            </a:rPr>
+                            <m:t>𝑚𝑜𝑑</m:t>
+                          </m:r>
+                          <m:r>
+                            <a:rPr lang="en-US" b="0" i="1" smtClean="0">
+                              <a:solidFill>
+                                <a:srgbClr val="0F496F"/>
+                              </a:solidFill>
+                              <a:latin typeface="Cambria Math" panose="02040503050406030204" pitchFamily="18" charset="0"/>
+                            </a:rPr>
+                            <m:t> </m:t>
+                          </m:r>
+                          <m:r>
+                            <a:rPr lang="en-US" b="0" i="1" smtClean="0">
+                              <a:solidFill>
+                                <a:srgbClr val="0F496F"/>
+                              </a:solidFill>
+                              <a:latin typeface="Cambria Math" panose="02040503050406030204" pitchFamily="18" charset="0"/>
+                            </a:rPr>
+                            <m:t>𝑚</m:t>
+                          </m:r>
+                        </m:e>
+                      </m:d>
+                    </m:oMath>
+                  </m:oMathPara>
+                </a14:m>
+                <a:endParaRPr lang="en-US" b="0" dirty="0">
+                  <a:solidFill>
+                    <a:srgbClr val="0F496F"/>
+                  </a:solidFill>
+                </a:endParaRPr>
+              </a:p>
+              <a:p>
+                <a:pPr lvl="2" algn="l" rtl="0"/>
+                <a:endParaRPr lang="en-US" dirty="0">
+                  <a:solidFill>
+                    <a:srgbClr val="0F496F"/>
+                  </a:solidFill>
+                </a:endParaRPr>
+              </a:p>
+              <a:p>
+                <a:pPr marL="457200" lvl="1" indent="0" algn="l" rtl="0">
+                  <a:buNone/>
+                </a:pPr>
+                <a:r>
+                  <a:rPr lang="en-US" u="sng" dirty="0">
+                    <a:solidFill>
+                      <a:srgbClr val="0F496F"/>
+                    </a:solidFill>
+                  </a:rPr>
+                  <a:t>Multiplicative</a:t>
+                </a:r>
+                <a:r>
+                  <a:rPr lang="en-US" dirty="0">
+                    <a:solidFill>
+                      <a:srgbClr val="0F496F"/>
+                    </a:solidFill>
+                  </a:rPr>
+                  <a:t>:</a:t>
+                </a:r>
+              </a:p>
+              <a:p>
+                <a:pPr marL="914400" lvl="2" indent="0" algn="l" rtl="0">
+                  <a:buNone/>
+                </a:pPr>
+                <a14:m>
+                  <m:oMathPara xmlns:m="http://schemas.openxmlformats.org/officeDocument/2006/math">
+                    <m:oMathParaPr>
+                      <m:jc m:val="center"/>
+                    </m:oMathParaPr>
+                    <m:oMath xmlns:m="http://schemas.openxmlformats.org/officeDocument/2006/math">
+                      <m:r>
+                        <a:rPr lang="en-US" b="0" i="1" smtClean="0">
+                          <a:solidFill>
+                            <a:srgbClr val="0F496F"/>
+                          </a:solidFill>
+                          <a:latin typeface="Cambria Math" panose="02040503050406030204" pitchFamily="18" charset="0"/>
+                        </a:rPr>
+                        <m:t>𝑎</m:t>
+                      </m:r>
+                      <m:r>
+                        <a:rPr lang="en-US" b="0" i="1" smtClean="0">
+                          <a:solidFill>
+                            <a:srgbClr val="0F496F"/>
+                          </a:solidFill>
+                          <a:latin typeface="Cambria Math" panose="02040503050406030204" pitchFamily="18" charset="0"/>
+                        </a:rPr>
+                        <m:t> ∗</m:t>
+                      </m:r>
+                      <m:r>
+                        <a:rPr lang="en-US" b="0" i="1" smtClean="0">
+                          <a:solidFill>
+                            <a:srgbClr val="0F496F"/>
+                          </a:solidFill>
+                          <a:latin typeface="Cambria Math" panose="02040503050406030204" pitchFamily="18" charset="0"/>
+                        </a:rPr>
+                        <m:t>𝑥</m:t>
+                      </m:r>
+                      <m:r>
+                        <a:rPr lang="en-US" b="0" i="1" smtClean="0">
+                          <a:solidFill>
+                            <a:srgbClr val="0F496F"/>
+                          </a:solidFill>
+                          <a:latin typeface="Cambria Math" panose="02040503050406030204" pitchFamily="18" charset="0"/>
+                        </a:rPr>
+                        <m:t>≡</m:t>
+                      </m:r>
+                      <m:r>
+                        <a:rPr lang="en-US" b="0" i="1" smtClean="0">
+                          <a:solidFill>
+                            <a:srgbClr val="0F496F"/>
+                          </a:solidFill>
+                          <a:latin typeface="Cambria Math" panose="02040503050406030204" pitchFamily="18" charset="0"/>
+                        </a:rPr>
+                        <m:t>1</m:t>
+                      </m:r>
+                      <m:r>
+                        <a:rPr lang="en-US" b="0" i="1" smtClean="0">
+                          <a:solidFill>
+                            <a:srgbClr val="0F496F"/>
+                          </a:solidFill>
+                          <a:latin typeface="Cambria Math" panose="02040503050406030204" pitchFamily="18" charset="0"/>
+                        </a:rPr>
+                        <m:t> (</m:t>
+                      </m:r>
+                      <m:r>
+                        <a:rPr lang="en-US" b="0" i="1" smtClean="0">
+                          <a:solidFill>
+                            <a:srgbClr val="0F496F"/>
+                          </a:solidFill>
+                          <a:latin typeface="Cambria Math" panose="02040503050406030204" pitchFamily="18" charset="0"/>
+                        </a:rPr>
+                        <m:t>𝑚𝑜𝑑</m:t>
+                      </m:r>
+                      <m:r>
+                        <a:rPr lang="en-US" b="0" i="1" smtClean="0">
+                          <a:solidFill>
+                            <a:srgbClr val="0F496F"/>
+                          </a:solidFill>
+                          <a:latin typeface="Cambria Math" panose="02040503050406030204" pitchFamily="18" charset="0"/>
+                        </a:rPr>
+                        <m:t> </m:t>
+                      </m:r>
+                      <m:r>
+                        <a:rPr lang="en-US" b="0" i="1" smtClean="0">
+                          <a:solidFill>
+                            <a:srgbClr val="0F496F"/>
+                          </a:solidFill>
+                          <a:latin typeface="Cambria Math" panose="02040503050406030204" pitchFamily="18" charset="0"/>
+                        </a:rPr>
+                        <m:t>𝑚</m:t>
+                      </m:r>
+                      <m:r>
+                        <a:rPr lang="en-US" b="0" i="1" smtClean="0">
+                          <a:solidFill>
+                            <a:srgbClr val="0F496F"/>
+                          </a:solidFill>
+                          <a:latin typeface="Cambria Math" panose="02040503050406030204" pitchFamily="18" charset="0"/>
+                        </a:rPr>
+                        <m:t>)</m:t>
+                      </m:r>
+                    </m:oMath>
+                  </m:oMathPara>
+                </a14:m>
+                <a:endParaRPr lang="en-US" dirty="0">
+                  <a:solidFill>
+                    <a:srgbClr val="0F496F"/>
+                  </a:solidFill>
+                </a:endParaRPr>
+              </a:p>
+              <a:p>
+                <a:pPr algn="l" rtl="0"/>
+                <a:endParaRPr lang="en-US" dirty="0">
+                  <a:solidFill>
+                    <a:srgbClr val="0F496F"/>
+                  </a:solidFill>
+                </a:endParaRPr>
+              </a:p>
+              <a:p>
+                <a:pPr marL="0" indent="0" algn="l" rtl="0">
+                  <a:buNone/>
+                </a:pPr>
+                <a:endParaRPr lang="en-US" dirty="0">
+                  <a:solidFill>
+                    <a:srgbClr val="0F496F"/>
+                  </a:solidFill>
+                </a:endParaRPr>
+              </a:p>
+              <a:p>
+                <a:pPr marL="0" indent="0" algn="l" rtl="0">
+                  <a:buNone/>
+                </a:pPr>
+                <a:endParaRPr lang="en-US" dirty="0">
+                  <a:solidFill>
+                    <a:srgbClr val="0F496F"/>
+                  </a:solidFill>
+                </a:endParaRPr>
+              </a:p>
+              <a:p>
+                <a:pPr marL="0" indent="0" algn="l" rtl="0">
+                  <a:buNone/>
+                </a:pPr>
+                <a:endParaRPr lang="en-US" dirty="0">
+                  <a:solidFill>
+                    <a:srgbClr val="0F496F"/>
+                  </a:solidFill>
+                </a:endParaRPr>
+              </a:p>
+              <a:p>
+                <a:pPr algn="l" rtl="0"/>
+                <a:r>
+                  <a:rPr lang="en-US" sz="2000" dirty="0">
+                    <a:solidFill>
+                      <a:srgbClr val="0F496F"/>
+                    </a:solidFill>
+                  </a:rPr>
+                  <a:t>References:</a:t>
+                </a:r>
+              </a:p>
+              <a:p>
+                <a:pPr lvl="2" algn="l" rtl="0"/>
+                <a:r>
+                  <a:rPr lang="en-US" dirty="0">
+                    <a:solidFill>
+                      <a:srgbClr val="0F496F"/>
+                    </a:solidFill>
+                    <a:hlinkClick r:id="rId2">
+                      <a:extLst>
+                        <a:ext uri="{A12FA001-AC4F-418D-AE19-62706E023703}">
+                          <ahyp:hlinkClr xmlns:ahyp="http://schemas.microsoft.com/office/drawing/2018/hyperlinkcolor" val="tx"/>
+                        </a:ext>
+                      </a:extLst>
+                    </a:hlinkClick>
+                  </a:rPr>
+                  <a:t>https://www.omnicalculator.com/math/inverse-modulo</a:t>
+                </a:r>
+                <a:endParaRPr lang="he-IL" dirty="0">
+                  <a:solidFill>
+                    <a:srgbClr val="0F496F"/>
+                  </a:solidFill>
+                </a:endParaRPr>
+              </a:p>
+            </p:txBody>
+          </p:sp>
+        </mc:Choice>
+        <mc:Fallback xmlns="">
+          <p:sp>
+            <p:nvSpPr>
+              <p:cNvPr id="3" name="Content Placeholder 2">
+                <a:extLst>
+                  <a:ext uri="{FF2B5EF4-FFF2-40B4-BE49-F238E27FC236}">
+                    <a16:creationId xmlns:a16="http://schemas.microsoft.com/office/drawing/2014/main" id="{AE3D040F-33E5-4012-8189-210361F7EDB6}"/>
+                  </a:ext>
+                </a:extLst>
+              </p:cNvPr>
+              <p:cNvSpPr>
+                <a:spLocks noGrp="1" noRot="1" noChangeAspect="1" noMove="1" noResize="1" noEditPoints="1" noAdjustHandles="1" noChangeArrowheads="1" noChangeShapeType="1" noTextEdit="1"/>
+              </p:cNvSpPr>
+              <p:nvPr>
+                <p:ph idx="1"/>
+              </p:nvPr>
+            </p:nvSpPr>
+            <p:spPr>
+              <a:xfrm>
+                <a:off x="838200" y="1149292"/>
+                <a:ext cx="10515600" cy="5027671"/>
+              </a:xfrm>
+              <a:blipFill>
+                <a:blip r:embed="rId3"/>
+                <a:stretch>
+                  <a:fillRect l="-290"/>
+                </a:stretch>
+              </a:blipFill>
+            </p:spPr>
+            <p:txBody>
+              <a:bodyPr/>
+              <a:lstStyle/>
+              <a:p>
+                <a:r>
+                  <a:rPr lang="he-IL">
+                    <a:noFill/>
+                  </a:rPr>
+                  <a:t> </a:t>
+                </a:r>
+              </a:p>
+            </p:txBody>
+          </p:sp>
+        </mc:Fallback>
+      </mc:AlternateContent>
+      <p:sp>
+        <p:nvSpPr>
+          <p:cNvPr id="4" name="Action Button: Go Back or Previous 3">
+            <a:hlinkClick r:id="rId4" action="ppaction://hlinksldjump" highlightClick="1"/>
+            <a:extLst>
+              <a:ext uri="{FF2B5EF4-FFF2-40B4-BE49-F238E27FC236}">
+                <a16:creationId xmlns:a16="http://schemas.microsoft.com/office/drawing/2014/main" id="{4A59436A-587D-4502-B724-E4BF52FF4A6F}"/>
+              </a:ext>
+            </a:extLst>
+          </p:cNvPr>
+          <p:cNvSpPr/>
+          <p:nvPr/>
+        </p:nvSpPr>
+        <p:spPr>
+          <a:xfrm>
+            <a:off x="10833682" y="365125"/>
+            <a:ext cx="520118" cy="456996"/>
+          </a:xfrm>
+          <a:prstGeom prst="actionButtonBackPrevious">
+            <a:avLst/>
+          </a:prstGeom>
+        </p:spPr>
+        <p:style>
+          <a:lnRef idx="2">
+            <a:schemeClr val="accent1">
+              <a:shade val="50000"/>
+            </a:schemeClr>
+          </a:lnRef>
+          <a:fillRef idx="1">
+            <a:schemeClr val="accent1"/>
+          </a:fillRef>
+          <a:effectRef idx="0">
+            <a:schemeClr val="accent1"/>
+          </a:effectRef>
+          <a:fontRef idx="minor">
+            <a:schemeClr val="lt1"/>
+          </a:fontRef>
+        </p:style>
+        <p:txBody>
+          <a:bodyPr rtlCol="1" anchor="ctr"/>
+          <a:lstStyle/>
+          <a:p>
+            <a:pPr algn="ctr"/>
+            <a:endParaRPr lang="he-IL"/>
+          </a:p>
+        </p:txBody>
+      </p:sp>
+    </p:spTree>
+    <p:extLst>
+      <p:ext uri="{BB962C8B-B14F-4D97-AF65-F5344CB8AC3E}">
+        <p14:creationId xmlns:p14="http://schemas.microsoft.com/office/powerpoint/2010/main" val="3760899368"/>
       </p:ext>
     </p:extLst>
   </p:cSld>

--- a/Advanced Algebra.pptx
+++ b/Advanced Algebra.pptx
@@ -2,7 +2,7 @@
 <file path=ppt/presentation.xml><?xml version="1.0" encoding="utf-8"?>
 <p:presentation xmlns:a="http://schemas.openxmlformats.org/drawingml/2006/main" xmlns:r="http://schemas.openxmlformats.org/officeDocument/2006/relationships" xmlns:p="http://schemas.openxmlformats.org/presentationml/2006/main" saveSubsetFonts="1">
   <p:sldMasterIdLst>
-    <p:sldMasterId id="2147483737" r:id="rId1"/>
+    <p:sldMasterId id="2147483797" r:id="rId1"/>
   </p:sldMasterIdLst>
   <p:sldIdLst>
     <p:sldId id="256" r:id="rId2"/>
@@ -157,7 +157,7 @@
 
 <file path=ppt/slideLayouts/slideLayout1.xml><?xml version="1.0" encoding="utf-8"?>
 <p:sldLayout xmlns:a="http://schemas.openxmlformats.org/drawingml/2006/main" xmlns:r="http://schemas.openxmlformats.org/officeDocument/2006/relationships" xmlns:p="http://schemas.openxmlformats.org/presentationml/2006/main" showMasterSp="0" type="title" preserve="1">
-  <p:cSld name="Title Slide">
+  <p:cSld name="שקופית כותרת">
     <p:spTree>
       <p:nvGrpSpPr>
         <p:cNvPr id="1" name=""/>
@@ -201,8 +201,8 @@
           </a:lstStyle>
           <a:p>
             <a:r>
-              <a:rPr lang="en-US"/>
-              <a:t>Click to edit Master title style</a:t>
+              <a:rPr lang="he-IL"/>
+              <a:t>לחץ כדי לערוך סגנון כותרת של תבנית בסיס</a:t>
             </a:r>
             <a:endParaRPr lang="en-US" dirty="0"/>
           </a:p>
@@ -322,8 +322,8 @@
           </a:lstStyle>
           <a:p>
             <a:r>
-              <a:rPr lang="en-US"/>
-              <a:t>Click to edit Master subtitle style</a:t>
+              <a:rPr lang="he-IL"/>
+              <a:t>לחץ כדי לערוך סגנון כותרת משנה של תבנית בסיס</a:t>
             </a:r>
             <a:endParaRPr lang="en-US" dirty="0"/>
           </a:p>
@@ -572,7 +572,7 @@
     </p:spTree>
     <p:extLst>
       <p:ext uri="{BB962C8B-B14F-4D97-AF65-F5344CB8AC3E}">
-        <p14:creationId xmlns:p14="http://schemas.microsoft.com/office/powerpoint/2010/main" val="2144844025"/>
+        <p14:creationId xmlns:p14="http://schemas.microsoft.com/office/powerpoint/2010/main" val="2971610720"/>
       </p:ext>
     </p:extLst>
   </p:cSld>
@@ -584,7 +584,7 @@
 
 <file path=ppt/slideLayouts/slideLayout10.xml><?xml version="1.0" encoding="utf-8"?>
 <p:sldLayout xmlns:a="http://schemas.openxmlformats.org/drawingml/2006/main" xmlns:r="http://schemas.openxmlformats.org/officeDocument/2006/relationships" xmlns:p="http://schemas.openxmlformats.org/presentationml/2006/main" preserve="1">
-  <p:cSld name="Panoramic Picture with Caption">
+  <p:cSld name="תמונה פנורמית עם כיתוב">
     <p:spTree>
       <p:nvGrpSpPr>
         <p:cNvPr id="1" name=""/>
@@ -615,8 +615,8 @@
           <a:lstStyle/>
           <a:p>
             <a:r>
-              <a:rPr lang="en-US"/>
-              <a:t>Click to edit Master title style</a:t>
+              <a:rPr lang="he-IL"/>
+              <a:t>לחץ כדי לערוך סגנון כותרת של תבנית בסיס</a:t>
             </a:r>
             <a:endParaRPr lang="en-US" dirty="0"/>
           </a:p>
@@ -702,8 +702,8 @@
           </a:lstStyle>
           <a:p>
             <a:r>
-              <a:rPr lang="en-US"/>
-              <a:t>Click icon to add picture</a:t>
+              <a:rPr lang="he-IL"/>
+              <a:t>לחץ על הסמל כדי להוסיף תמונה</a:t>
             </a:r>
             <a:endParaRPr lang="en-US" dirty="0"/>
           </a:p>
@@ -759,8 +759,8 @@
           <a:p>
             <a:pPr lvl="0"/>
             <a:r>
-              <a:rPr lang="en-US"/>
-              <a:t>Click to edit Master text styles</a:t>
+              <a:rPr lang="he-IL"/>
+              <a:t>לחץ כדי לערוך סגנונות טקסט של תבנית בסיס</a:t>
             </a:r>
           </a:p>
         </p:txBody>
@@ -833,7 +833,7 @@
     </p:spTree>
     <p:extLst>
       <p:ext uri="{BB962C8B-B14F-4D97-AF65-F5344CB8AC3E}">
-        <p14:creationId xmlns:p14="http://schemas.microsoft.com/office/powerpoint/2010/main" val="44787980"/>
+        <p14:creationId xmlns:p14="http://schemas.microsoft.com/office/powerpoint/2010/main" val="3548437052"/>
       </p:ext>
     </p:extLst>
   </p:cSld>
@@ -845,7 +845,7 @@
 
 <file path=ppt/slideLayouts/slideLayout11.xml><?xml version="1.0" encoding="utf-8"?>
 <p:sldLayout xmlns:a="http://schemas.openxmlformats.org/drawingml/2006/main" xmlns:r="http://schemas.openxmlformats.org/officeDocument/2006/relationships" xmlns:p="http://schemas.openxmlformats.org/presentationml/2006/main" preserve="1">
-  <p:cSld name="Title and Caption">
+  <p:cSld name="כותרת וכיתוב">
     <p:spTree>
       <p:nvGrpSpPr>
         <p:cNvPr id="1" name=""/>
@@ -887,8 +887,8 @@
           </a:lstStyle>
           <a:p>
             <a:r>
-              <a:rPr lang="en-US"/>
-              <a:t>Click to edit Master title style</a:t>
+              <a:rPr lang="he-IL"/>
+              <a:t>לחץ כדי לערוך סגנון כותרת של תבנית בסיס</a:t>
             </a:r>
             <a:endParaRPr lang="en-US" dirty="0"/>
           </a:p>
@@ -1009,8 +1009,8 @@
           <a:p>
             <a:pPr lvl="0"/>
             <a:r>
-              <a:rPr lang="en-US"/>
-              <a:t>Click to edit Master text styles</a:t>
+              <a:rPr lang="he-IL"/>
+              <a:t>לחץ כדי לערוך סגנונות טקסט של תבנית בסיס</a:t>
             </a:r>
           </a:p>
         </p:txBody>
@@ -1083,7 +1083,7 @@
     </p:spTree>
     <p:extLst>
       <p:ext uri="{BB962C8B-B14F-4D97-AF65-F5344CB8AC3E}">
-        <p14:creationId xmlns:p14="http://schemas.microsoft.com/office/powerpoint/2010/main" val="3178965855"/>
+        <p14:creationId xmlns:p14="http://schemas.microsoft.com/office/powerpoint/2010/main" val="864521176"/>
       </p:ext>
     </p:extLst>
   </p:cSld>
@@ -1095,7 +1095,7 @@
 
 <file path=ppt/slideLayouts/slideLayout12.xml><?xml version="1.0" encoding="utf-8"?>
 <p:sldLayout xmlns:a="http://schemas.openxmlformats.org/drawingml/2006/main" xmlns:r="http://schemas.openxmlformats.org/officeDocument/2006/relationships" xmlns:p="http://schemas.openxmlformats.org/presentationml/2006/main" preserve="1">
-  <p:cSld name="Quote with Caption">
+  <p:cSld name="ציטוט עם כיתוב">
     <p:spTree>
       <p:nvGrpSpPr>
         <p:cNvPr id="1" name=""/>
@@ -1141,8 +1141,8 @@
           </a:lstStyle>
           <a:p>
             <a:r>
-              <a:rPr lang="en-US"/>
-              <a:t>Click to edit Master title style</a:t>
+              <a:rPr lang="he-IL"/>
+              <a:t>לחץ כדי לערוך סגנון כותרת של תבנית בסיס</a:t>
             </a:r>
             <a:endParaRPr lang="en-US" dirty="0"/>
           </a:p>
@@ -1196,8 +1196,8 @@
           <a:p>
             <a:pPr lvl="0"/>
             <a:r>
-              <a:rPr lang="en-US"/>
-              <a:t>Click to edit Master text styles</a:t>
+              <a:rPr lang="he-IL"/>
+              <a:t>לחץ כדי לערוך סגנונות טקסט של תבנית בסיס</a:t>
             </a:r>
           </a:p>
         </p:txBody>
@@ -1317,8 +1317,8 @@
           <a:p>
             <a:pPr lvl="0"/>
             <a:r>
-              <a:rPr lang="en-US"/>
-              <a:t>Click to edit Master text styles</a:t>
+              <a:rPr lang="he-IL"/>
+              <a:t>לחץ כדי לערוך סגנונות טקסט של תבנית בסיס</a:t>
             </a:r>
           </a:p>
         </p:txBody>
@@ -1459,7 +1459,7 @@
     </p:spTree>
     <p:extLst>
       <p:ext uri="{BB962C8B-B14F-4D97-AF65-F5344CB8AC3E}">
-        <p14:creationId xmlns:p14="http://schemas.microsoft.com/office/powerpoint/2010/main" val="2167845936"/>
+        <p14:creationId xmlns:p14="http://schemas.microsoft.com/office/powerpoint/2010/main" val="1905193545"/>
       </p:ext>
     </p:extLst>
   </p:cSld>
@@ -1471,7 +1471,7 @@
 
 <file path=ppt/slideLayouts/slideLayout13.xml><?xml version="1.0" encoding="utf-8"?>
 <p:sldLayout xmlns:a="http://schemas.openxmlformats.org/drawingml/2006/main" xmlns:r="http://schemas.openxmlformats.org/officeDocument/2006/relationships" xmlns:p="http://schemas.openxmlformats.org/presentationml/2006/main" preserve="1">
-  <p:cSld name="Name Card">
+  <p:cSld name="כרטיס שם">
     <p:spTree>
       <p:nvGrpSpPr>
         <p:cNvPr id="1" name=""/>
@@ -1513,8 +1513,8 @@
           </a:lstStyle>
           <a:p>
             <a:r>
-              <a:rPr lang="en-US"/>
-              <a:t>Click to edit Master title style</a:t>
+              <a:rPr lang="he-IL"/>
+              <a:t>לחץ כדי לערוך סגנון כותרת של תבנית בסיס</a:t>
             </a:r>
             <a:endParaRPr lang="en-US" dirty="0"/>
           </a:p>
@@ -1635,8 +1635,8 @@
           <a:p>
             <a:pPr lvl="0"/>
             <a:r>
-              <a:rPr lang="en-US"/>
-              <a:t>Click to edit Master text styles</a:t>
+              <a:rPr lang="he-IL"/>
+              <a:t>לחץ כדי לערוך סגנונות טקסט של תבנית בסיס</a:t>
             </a:r>
           </a:p>
         </p:txBody>
@@ -1709,7 +1709,7 @@
     </p:spTree>
     <p:extLst>
       <p:ext uri="{BB962C8B-B14F-4D97-AF65-F5344CB8AC3E}">
-        <p14:creationId xmlns:p14="http://schemas.microsoft.com/office/powerpoint/2010/main" val="1323778927"/>
+        <p14:creationId xmlns:p14="http://schemas.microsoft.com/office/powerpoint/2010/main" val="2702081650"/>
       </p:ext>
     </p:extLst>
   </p:cSld>
@@ -1721,7 +1721,7 @@
 
 <file path=ppt/slideLayouts/slideLayout14.xml><?xml version="1.0" encoding="utf-8"?>
 <p:sldLayout xmlns:a="http://schemas.openxmlformats.org/drawingml/2006/main" xmlns:r="http://schemas.openxmlformats.org/officeDocument/2006/relationships" xmlns:p="http://schemas.openxmlformats.org/presentationml/2006/main" preserve="1">
-  <p:cSld name="Quote Name Card">
+  <p:cSld name="כרטיס שם עם ציטוט">
     <p:spTree>
       <p:nvGrpSpPr>
         <p:cNvPr id="1" name=""/>
@@ -1767,8 +1767,8 @@
           </a:lstStyle>
           <a:p>
             <a:r>
-              <a:rPr lang="en-US"/>
-              <a:t>Click to edit Master title style</a:t>
+              <a:rPr lang="he-IL"/>
+              <a:t>לחץ כדי לערוך סגנון כותרת של תבנית בסיס</a:t>
             </a:r>
             <a:endParaRPr lang="en-US" dirty="0"/>
           </a:p>
@@ -1816,8 +1816,8 @@
               <a:buNone/>
             </a:pPr>
             <a:r>
-              <a:rPr lang="en-US"/>
-              <a:t>Click to edit Master text styles</a:t>
+              <a:rPr lang="he-IL"/>
+              <a:t>לחץ כדי לערוך סגנונות טקסט של תבנית בסיס</a:t>
             </a:r>
           </a:p>
         </p:txBody>
@@ -1937,8 +1937,8 @@
           <a:p>
             <a:pPr lvl="0"/>
             <a:r>
-              <a:rPr lang="en-US"/>
-              <a:t>Click to edit Master text styles</a:t>
+              <a:rPr lang="he-IL"/>
+              <a:t>לחץ כדי לערוך סגנונות טקסט של תבנית בסיס</a:t>
             </a:r>
           </a:p>
         </p:txBody>
@@ -2079,7 +2079,7 @@
     </p:spTree>
     <p:extLst>
       <p:ext uri="{BB962C8B-B14F-4D97-AF65-F5344CB8AC3E}">
-        <p14:creationId xmlns:p14="http://schemas.microsoft.com/office/powerpoint/2010/main" val="3535848822"/>
+        <p14:creationId xmlns:p14="http://schemas.microsoft.com/office/powerpoint/2010/main" val="2418217581"/>
       </p:ext>
     </p:extLst>
   </p:cSld>
@@ -2091,7 +2091,7 @@
 
 <file path=ppt/slideLayouts/slideLayout15.xml><?xml version="1.0" encoding="utf-8"?>
 <p:sldLayout xmlns:a="http://schemas.openxmlformats.org/drawingml/2006/main" xmlns:r="http://schemas.openxmlformats.org/officeDocument/2006/relationships" xmlns:p="http://schemas.openxmlformats.org/presentationml/2006/main" preserve="1">
-  <p:cSld name="True or False">
+  <p:cSld name="נכון או לא נכון">
     <p:spTree>
       <p:nvGrpSpPr>
         <p:cNvPr id="1" name=""/>
@@ -2134,8 +2134,8 @@
           <a:p>
             <a:pPr marL="0" lvl="0"/>
             <a:r>
-              <a:rPr lang="en-US"/>
-              <a:t>Click to edit Master title style</a:t>
+              <a:rPr lang="he-IL"/>
+              <a:t>לחץ כדי לערוך סגנון כותרת של תבנית בסיס</a:t>
             </a:r>
             <a:endParaRPr lang="en-US" dirty="0"/>
           </a:p>
@@ -2183,8 +2183,8 @@
               <a:buNone/>
             </a:pPr>
             <a:r>
-              <a:rPr lang="en-US"/>
-              <a:t>Click to edit Master text styles</a:t>
+              <a:rPr lang="he-IL"/>
+              <a:t>לחץ כדי לערוך סגנונות טקסט של תבנית בסיס</a:t>
             </a:r>
           </a:p>
         </p:txBody>
@@ -2304,8 +2304,8 @@
           <a:p>
             <a:pPr lvl="0"/>
             <a:r>
-              <a:rPr lang="en-US"/>
-              <a:t>Click to edit Master text styles</a:t>
+              <a:rPr lang="he-IL"/>
+              <a:t>לחץ כדי לערוך סגנונות טקסט של תבנית בסיס</a:t>
             </a:r>
           </a:p>
         </p:txBody>
@@ -2378,7 +2378,7 @@
     </p:spTree>
     <p:extLst>
       <p:ext uri="{BB962C8B-B14F-4D97-AF65-F5344CB8AC3E}">
-        <p14:creationId xmlns:p14="http://schemas.microsoft.com/office/powerpoint/2010/main" val="2347589168"/>
+        <p14:creationId xmlns:p14="http://schemas.microsoft.com/office/powerpoint/2010/main" val="571011378"/>
       </p:ext>
     </p:extLst>
   </p:cSld>
@@ -2390,7 +2390,7 @@
 
 <file path=ppt/slideLayouts/slideLayout16.xml><?xml version="1.0" encoding="utf-8"?>
 <p:sldLayout xmlns:a="http://schemas.openxmlformats.org/drawingml/2006/main" xmlns:r="http://schemas.openxmlformats.org/officeDocument/2006/relationships" xmlns:p="http://schemas.openxmlformats.org/presentationml/2006/main" type="vertTx" preserve="1">
-  <p:cSld name="Title and Vertical Text">
+  <p:cSld name="כותרת וטקסט אנכי">
     <p:spTree>
       <p:nvGrpSpPr>
         <p:cNvPr id="1" name=""/>
@@ -2425,8 +2425,8 @@
           </a:lstStyle>
           <a:p>
             <a:r>
-              <a:rPr lang="en-US"/>
-              <a:t>Click to edit Master title style</a:t>
+              <a:rPr lang="he-IL"/>
+              <a:t>לחץ כדי לערוך סגנון כותרת של תבנית בסיס</a:t>
             </a:r>
             <a:endParaRPr lang="en-US" dirty="0"/>
           </a:p>
@@ -2449,36 +2449,36 @@
           <a:p>
             <a:pPr lvl="0"/>
             <a:r>
-              <a:rPr lang="en-US"/>
-              <a:t>Click to edit Master text styles</a:t>
+              <a:rPr lang="he-IL"/>
+              <a:t>לחץ כדי לערוך סגנונות טקסט של תבנית בסיס</a:t>
             </a:r>
           </a:p>
           <a:p>
             <a:pPr lvl="1"/>
             <a:r>
-              <a:rPr lang="en-US"/>
-              <a:t>Second level</a:t>
+              <a:rPr lang="he-IL"/>
+              <a:t>רמה שנייה</a:t>
             </a:r>
           </a:p>
           <a:p>
             <a:pPr lvl="2"/>
             <a:r>
-              <a:rPr lang="en-US"/>
-              <a:t>Third level</a:t>
+              <a:rPr lang="he-IL"/>
+              <a:t>רמה שלישית</a:t>
             </a:r>
           </a:p>
           <a:p>
             <a:pPr lvl="3"/>
             <a:r>
-              <a:rPr lang="en-US"/>
-              <a:t>Fourth level</a:t>
+              <a:rPr lang="he-IL"/>
+              <a:t>רמה רביעית</a:t>
             </a:r>
           </a:p>
           <a:p>
             <a:pPr lvl="4"/>
             <a:r>
-              <a:rPr lang="en-US"/>
-              <a:t>Fifth level</a:t>
+              <a:rPr lang="he-IL"/>
+              <a:t>רמה חמישית</a:t>
             </a:r>
             <a:endParaRPr lang="en-US" dirty="0"/>
           </a:p>
@@ -2552,7 +2552,7 @@
     </p:spTree>
     <p:extLst>
       <p:ext uri="{BB962C8B-B14F-4D97-AF65-F5344CB8AC3E}">
-        <p14:creationId xmlns:p14="http://schemas.microsoft.com/office/powerpoint/2010/main" val="2932354228"/>
+        <p14:creationId xmlns:p14="http://schemas.microsoft.com/office/powerpoint/2010/main" val="1965341730"/>
       </p:ext>
     </p:extLst>
   </p:cSld>
@@ -2564,7 +2564,7 @@
 
 <file path=ppt/slideLayouts/slideLayout17.xml><?xml version="1.0" encoding="utf-8"?>
 <p:sldLayout xmlns:a="http://schemas.openxmlformats.org/drawingml/2006/main" xmlns:r="http://schemas.openxmlformats.org/officeDocument/2006/relationships" xmlns:p="http://schemas.openxmlformats.org/presentationml/2006/main" type="vertTitleAndTx" preserve="1">
-  <p:cSld name="Vertical Title and Text">
+  <p:cSld name="כותרת אנכית וטקסט">
     <p:spTree>
       <p:nvGrpSpPr>
         <p:cNvPr id="1" name=""/>
@@ -2600,8 +2600,8 @@
           <a:lstStyle/>
           <a:p>
             <a:r>
-              <a:rPr lang="en-US"/>
-              <a:t>Click to edit Master title style</a:t>
+              <a:rPr lang="he-IL"/>
+              <a:t>לחץ כדי לערוך סגנון כותרת של תבנית בסיס</a:t>
             </a:r>
             <a:endParaRPr lang="en-US" dirty="0"/>
           </a:p>
@@ -2629,36 +2629,36 @@
           <a:p>
             <a:pPr lvl="0"/>
             <a:r>
-              <a:rPr lang="en-US"/>
-              <a:t>Click to edit Master text styles</a:t>
+              <a:rPr lang="he-IL"/>
+              <a:t>לחץ כדי לערוך סגנונות טקסט של תבנית בסיס</a:t>
             </a:r>
           </a:p>
           <a:p>
             <a:pPr lvl="1"/>
             <a:r>
-              <a:rPr lang="en-US"/>
-              <a:t>Second level</a:t>
+              <a:rPr lang="he-IL"/>
+              <a:t>רמה שנייה</a:t>
             </a:r>
           </a:p>
           <a:p>
             <a:pPr lvl="2"/>
             <a:r>
-              <a:rPr lang="en-US"/>
-              <a:t>Third level</a:t>
+              <a:rPr lang="he-IL"/>
+              <a:t>רמה שלישית</a:t>
             </a:r>
           </a:p>
           <a:p>
             <a:pPr lvl="3"/>
             <a:r>
-              <a:rPr lang="en-US"/>
-              <a:t>Fourth level</a:t>
+              <a:rPr lang="he-IL"/>
+              <a:t>רמה רביעית</a:t>
             </a:r>
           </a:p>
           <a:p>
             <a:pPr lvl="4"/>
             <a:r>
-              <a:rPr lang="en-US"/>
-              <a:t>Fifth level</a:t>
+              <a:rPr lang="he-IL"/>
+              <a:t>רמה חמישית</a:t>
             </a:r>
             <a:endParaRPr lang="en-US" dirty="0"/>
           </a:p>
@@ -2732,7 +2732,7 @@
     </p:spTree>
     <p:extLst>
       <p:ext uri="{BB962C8B-B14F-4D97-AF65-F5344CB8AC3E}">
-        <p14:creationId xmlns:p14="http://schemas.microsoft.com/office/powerpoint/2010/main" val="933543339"/>
+        <p14:creationId xmlns:p14="http://schemas.microsoft.com/office/powerpoint/2010/main" val="2462897351"/>
       </p:ext>
     </p:extLst>
   </p:cSld>
@@ -2744,7 +2744,7 @@
 
 <file path=ppt/slideLayouts/slideLayout2.xml><?xml version="1.0" encoding="utf-8"?>
 <p:sldLayout xmlns:a="http://schemas.openxmlformats.org/drawingml/2006/main" xmlns:r="http://schemas.openxmlformats.org/officeDocument/2006/relationships" xmlns:p="http://schemas.openxmlformats.org/presentationml/2006/main" type="obj" preserve="1">
-  <p:cSld name="Title and Content">
+  <p:cSld name="כותרת ותוכן">
     <p:spTree>
       <p:nvGrpSpPr>
         <p:cNvPr id="1" name=""/>
@@ -2775,8 +2775,8 @@
           <a:lstStyle/>
           <a:p>
             <a:r>
-              <a:rPr lang="en-US"/>
-              <a:t>Click to edit Master title style</a:t>
+              <a:rPr lang="he-IL"/>
+              <a:t>לחץ כדי לערוך סגנון כותרת של תבנית בסיס</a:t>
             </a:r>
             <a:endParaRPr lang="en-US" dirty="0"/>
           </a:p>
@@ -2799,36 +2799,36 @@
           <a:p>
             <a:pPr lvl="0"/>
             <a:r>
-              <a:rPr lang="en-US"/>
-              <a:t>Click to edit Master text styles</a:t>
+              <a:rPr lang="he-IL"/>
+              <a:t>לחץ כדי לערוך סגנונות טקסט של תבנית בסיס</a:t>
             </a:r>
           </a:p>
           <a:p>
             <a:pPr lvl="1"/>
             <a:r>
-              <a:rPr lang="en-US"/>
-              <a:t>Second level</a:t>
+              <a:rPr lang="he-IL"/>
+              <a:t>רמה שנייה</a:t>
             </a:r>
           </a:p>
           <a:p>
             <a:pPr lvl="2"/>
             <a:r>
-              <a:rPr lang="en-US"/>
-              <a:t>Third level</a:t>
+              <a:rPr lang="he-IL"/>
+              <a:t>רמה שלישית</a:t>
             </a:r>
           </a:p>
           <a:p>
             <a:pPr lvl="3"/>
             <a:r>
-              <a:rPr lang="en-US"/>
-              <a:t>Fourth level</a:t>
+              <a:rPr lang="he-IL"/>
+              <a:t>רמה רביעית</a:t>
             </a:r>
           </a:p>
           <a:p>
             <a:pPr lvl="4"/>
             <a:r>
-              <a:rPr lang="en-US"/>
-              <a:t>Fifth level</a:t>
+              <a:rPr lang="he-IL"/>
+              <a:t>רמה חמישית</a:t>
             </a:r>
             <a:endParaRPr lang="en-US" dirty="0"/>
           </a:p>
@@ -2902,7 +2902,7 @@
     </p:spTree>
     <p:extLst>
       <p:ext uri="{BB962C8B-B14F-4D97-AF65-F5344CB8AC3E}">
-        <p14:creationId xmlns:p14="http://schemas.microsoft.com/office/powerpoint/2010/main" val="1199483182"/>
+        <p14:creationId xmlns:p14="http://schemas.microsoft.com/office/powerpoint/2010/main" val="1855539385"/>
       </p:ext>
     </p:extLst>
   </p:cSld>
@@ -2914,7 +2914,7 @@
 
 <file path=ppt/slideLayouts/slideLayout3.xml><?xml version="1.0" encoding="utf-8"?>
 <p:sldLayout xmlns:a="http://schemas.openxmlformats.org/drawingml/2006/main" xmlns:r="http://schemas.openxmlformats.org/officeDocument/2006/relationships" xmlns:p="http://schemas.openxmlformats.org/presentationml/2006/main" type="secHead" preserve="1">
-  <p:cSld name="Section Header">
+  <p:cSld name="כותרת מקטע עליונה">
     <p:spTree>
       <p:nvGrpSpPr>
         <p:cNvPr id="1" name=""/>
@@ -2956,8 +2956,8 @@
           </a:lstStyle>
           <a:p>
             <a:r>
-              <a:rPr lang="en-US"/>
-              <a:t>Click to edit Master title style</a:t>
+              <a:rPr lang="he-IL"/>
+              <a:t>לחץ כדי לערוך סגנון כותרת של תבנית בסיס</a:t>
             </a:r>
             <a:endParaRPr lang="en-US" dirty="0"/>
           </a:p>
@@ -3078,8 +3078,8 @@
           <a:p>
             <a:pPr lvl="0"/>
             <a:r>
-              <a:rPr lang="en-US"/>
-              <a:t>Click to edit Master text styles</a:t>
+              <a:rPr lang="he-IL"/>
+              <a:t>לחץ כדי לערוך סגנונות טקסט של תבנית בסיס</a:t>
             </a:r>
           </a:p>
         </p:txBody>
@@ -3152,7 +3152,7 @@
     </p:spTree>
     <p:extLst>
       <p:ext uri="{BB962C8B-B14F-4D97-AF65-F5344CB8AC3E}">
-        <p14:creationId xmlns:p14="http://schemas.microsoft.com/office/powerpoint/2010/main" val="710330822"/>
+        <p14:creationId xmlns:p14="http://schemas.microsoft.com/office/powerpoint/2010/main" val="3543232489"/>
       </p:ext>
     </p:extLst>
   </p:cSld>
@@ -3164,7 +3164,7 @@
 
 <file path=ppt/slideLayouts/slideLayout4.xml><?xml version="1.0" encoding="utf-8"?>
 <p:sldLayout xmlns:a="http://schemas.openxmlformats.org/drawingml/2006/main" xmlns:r="http://schemas.openxmlformats.org/officeDocument/2006/relationships" xmlns:p="http://schemas.openxmlformats.org/presentationml/2006/main" type="twoObj" preserve="1">
-  <p:cSld name="Two Content">
+  <p:cSld name="שני תכנים">
     <p:spTree>
       <p:nvGrpSpPr>
         <p:cNvPr id="1" name=""/>
@@ -3195,8 +3195,8 @@
           <a:lstStyle/>
           <a:p>
             <a:r>
-              <a:rPr lang="en-US"/>
-              <a:t>Click to edit Master title style</a:t>
+              <a:rPr lang="he-IL"/>
+              <a:t>לחץ כדי לערוך סגנון כותרת של תבנית בסיס</a:t>
             </a:r>
             <a:endParaRPr lang="en-US" dirty="0"/>
           </a:p>
@@ -3226,36 +3226,36 @@
           <a:p>
             <a:pPr lvl="0"/>
             <a:r>
-              <a:rPr lang="en-US"/>
-              <a:t>Click to edit Master text styles</a:t>
+              <a:rPr lang="he-IL"/>
+              <a:t>לחץ כדי לערוך סגנונות טקסט של תבנית בסיס</a:t>
             </a:r>
           </a:p>
           <a:p>
             <a:pPr lvl="1"/>
             <a:r>
-              <a:rPr lang="en-US"/>
-              <a:t>Second level</a:t>
+              <a:rPr lang="he-IL"/>
+              <a:t>רמה שנייה</a:t>
             </a:r>
           </a:p>
           <a:p>
             <a:pPr lvl="2"/>
             <a:r>
-              <a:rPr lang="en-US"/>
-              <a:t>Third level</a:t>
+              <a:rPr lang="he-IL"/>
+              <a:t>רמה שלישית</a:t>
             </a:r>
           </a:p>
           <a:p>
             <a:pPr lvl="3"/>
             <a:r>
-              <a:rPr lang="en-US"/>
-              <a:t>Fourth level</a:t>
+              <a:rPr lang="he-IL"/>
+              <a:t>רמה רביעית</a:t>
             </a:r>
           </a:p>
           <a:p>
             <a:pPr lvl="4"/>
             <a:r>
-              <a:rPr lang="en-US"/>
-              <a:t>Fifth level</a:t>
+              <a:rPr lang="he-IL"/>
+              <a:t>רמה חמישית</a:t>
             </a:r>
             <a:endParaRPr lang="en-US" dirty="0"/>
           </a:p>
@@ -3285,36 +3285,36 @@
           <a:p>
             <a:pPr lvl="0"/>
             <a:r>
-              <a:rPr lang="en-US"/>
-              <a:t>Click to edit Master text styles</a:t>
+              <a:rPr lang="he-IL"/>
+              <a:t>לחץ כדי לערוך סגנונות טקסט של תבנית בסיס</a:t>
             </a:r>
           </a:p>
           <a:p>
             <a:pPr lvl="1"/>
             <a:r>
-              <a:rPr lang="en-US"/>
-              <a:t>Second level</a:t>
+              <a:rPr lang="he-IL"/>
+              <a:t>רמה שנייה</a:t>
             </a:r>
           </a:p>
           <a:p>
             <a:pPr lvl="2"/>
             <a:r>
-              <a:rPr lang="en-US"/>
-              <a:t>Third level</a:t>
+              <a:rPr lang="he-IL"/>
+              <a:t>רמה שלישית</a:t>
             </a:r>
           </a:p>
           <a:p>
             <a:pPr lvl="3"/>
             <a:r>
-              <a:rPr lang="en-US"/>
-              <a:t>Fourth level</a:t>
+              <a:rPr lang="he-IL"/>
+              <a:t>רמה רביעית</a:t>
             </a:r>
           </a:p>
           <a:p>
             <a:pPr lvl="4"/>
             <a:r>
-              <a:rPr lang="en-US"/>
-              <a:t>Fifth level</a:t>
+              <a:rPr lang="he-IL"/>
+              <a:t>רמה חמישית</a:t>
             </a:r>
             <a:endParaRPr lang="en-US" dirty="0"/>
           </a:p>
@@ -3388,7 +3388,7 @@
     </p:spTree>
     <p:extLst>
       <p:ext uri="{BB962C8B-B14F-4D97-AF65-F5344CB8AC3E}">
-        <p14:creationId xmlns:p14="http://schemas.microsoft.com/office/powerpoint/2010/main" val="398548754"/>
+        <p14:creationId xmlns:p14="http://schemas.microsoft.com/office/powerpoint/2010/main" val="3287598193"/>
       </p:ext>
     </p:extLst>
   </p:cSld>
@@ -3400,7 +3400,7 @@
 
 <file path=ppt/slideLayouts/slideLayout5.xml><?xml version="1.0" encoding="utf-8"?>
 <p:sldLayout xmlns:a="http://schemas.openxmlformats.org/drawingml/2006/main" xmlns:r="http://schemas.openxmlformats.org/officeDocument/2006/relationships" xmlns:p="http://schemas.openxmlformats.org/presentationml/2006/main" type="twoTxTwoObj" preserve="1">
-  <p:cSld name="Comparison">
+  <p:cSld name="השוואה">
     <p:spTree>
       <p:nvGrpSpPr>
         <p:cNvPr id="1" name=""/>
@@ -3435,8 +3435,8 @@
           </a:lstStyle>
           <a:p>
             <a:r>
-              <a:rPr lang="en-US"/>
-              <a:t>Click to edit Master title style</a:t>
+              <a:rPr lang="he-IL"/>
+              <a:t>לחץ כדי לערוך סגנון כותרת של תבנית בסיס</a:t>
             </a:r>
             <a:endParaRPr lang="en-US" dirty="0"/>
           </a:p>
@@ -3507,8 +3507,8 @@
           <a:p>
             <a:pPr lvl="0"/>
             <a:r>
-              <a:rPr lang="en-US"/>
-              <a:t>Click to edit Master text styles</a:t>
+              <a:rPr lang="he-IL"/>
+              <a:t>לחץ כדי לערוך סגנונות טקסט של תבנית בסיס</a:t>
             </a:r>
           </a:p>
         </p:txBody>
@@ -3537,36 +3537,36 @@
           <a:p>
             <a:pPr lvl="0"/>
             <a:r>
-              <a:rPr lang="en-US"/>
-              <a:t>Click to edit Master text styles</a:t>
+              <a:rPr lang="he-IL"/>
+              <a:t>לחץ כדי לערוך סגנונות טקסט של תבנית בסיס</a:t>
             </a:r>
           </a:p>
           <a:p>
             <a:pPr lvl="1"/>
             <a:r>
-              <a:rPr lang="en-US"/>
-              <a:t>Second level</a:t>
+              <a:rPr lang="he-IL"/>
+              <a:t>רמה שנייה</a:t>
             </a:r>
           </a:p>
           <a:p>
             <a:pPr lvl="2"/>
             <a:r>
-              <a:rPr lang="en-US"/>
-              <a:t>Third level</a:t>
+              <a:rPr lang="he-IL"/>
+              <a:t>רמה שלישית</a:t>
             </a:r>
           </a:p>
           <a:p>
             <a:pPr lvl="3"/>
             <a:r>
-              <a:rPr lang="en-US"/>
-              <a:t>Fourth level</a:t>
+              <a:rPr lang="he-IL"/>
+              <a:t>רמה רביעית</a:t>
             </a:r>
           </a:p>
           <a:p>
             <a:pPr lvl="4"/>
             <a:r>
-              <a:rPr lang="en-US"/>
-              <a:t>Fifth level</a:t>
+              <a:rPr lang="he-IL"/>
+              <a:t>רמה חמישית</a:t>
             </a:r>
             <a:endParaRPr lang="en-US" dirty="0"/>
           </a:p>
@@ -3637,8 +3637,8 @@
           <a:p>
             <a:pPr lvl="0"/>
             <a:r>
-              <a:rPr lang="en-US"/>
-              <a:t>Click to edit Master text styles</a:t>
+              <a:rPr lang="he-IL"/>
+              <a:t>לחץ כדי לערוך סגנונות טקסט של תבנית בסיס</a:t>
             </a:r>
           </a:p>
         </p:txBody>
@@ -3667,36 +3667,36 @@
           <a:p>
             <a:pPr lvl="0"/>
             <a:r>
-              <a:rPr lang="en-US"/>
-              <a:t>Click to edit Master text styles</a:t>
+              <a:rPr lang="he-IL"/>
+              <a:t>לחץ כדי לערוך סגנונות טקסט של תבנית בסיס</a:t>
             </a:r>
           </a:p>
           <a:p>
             <a:pPr lvl="1"/>
             <a:r>
-              <a:rPr lang="en-US"/>
-              <a:t>Second level</a:t>
+              <a:rPr lang="he-IL"/>
+              <a:t>רמה שנייה</a:t>
             </a:r>
           </a:p>
           <a:p>
             <a:pPr lvl="2"/>
             <a:r>
-              <a:rPr lang="en-US"/>
-              <a:t>Third level</a:t>
+              <a:rPr lang="he-IL"/>
+              <a:t>רמה שלישית</a:t>
             </a:r>
           </a:p>
           <a:p>
             <a:pPr lvl="3"/>
             <a:r>
-              <a:rPr lang="en-US"/>
-              <a:t>Fourth level</a:t>
+              <a:rPr lang="he-IL"/>
+              <a:t>רמה רביעית</a:t>
             </a:r>
           </a:p>
           <a:p>
             <a:pPr lvl="4"/>
             <a:r>
-              <a:rPr lang="en-US"/>
-              <a:t>Fifth level</a:t>
+              <a:rPr lang="he-IL"/>
+              <a:t>רמה חמישית</a:t>
             </a:r>
             <a:endParaRPr lang="en-US" dirty="0"/>
           </a:p>
@@ -3770,7 +3770,7 @@
     </p:spTree>
     <p:extLst>
       <p:ext uri="{BB962C8B-B14F-4D97-AF65-F5344CB8AC3E}">
-        <p14:creationId xmlns:p14="http://schemas.microsoft.com/office/powerpoint/2010/main" val="364920554"/>
+        <p14:creationId xmlns:p14="http://schemas.microsoft.com/office/powerpoint/2010/main" val="2797788776"/>
       </p:ext>
     </p:extLst>
   </p:cSld>
@@ -3782,7 +3782,7 @@
 
 <file path=ppt/slideLayouts/slideLayout6.xml><?xml version="1.0" encoding="utf-8"?>
 <p:sldLayout xmlns:a="http://schemas.openxmlformats.org/drawingml/2006/main" xmlns:r="http://schemas.openxmlformats.org/officeDocument/2006/relationships" xmlns:p="http://schemas.openxmlformats.org/presentationml/2006/main" type="titleOnly" preserve="1">
-  <p:cSld name="Title Only">
+  <p:cSld name="כותרת בלבד">
     <p:spTree>
       <p:nvGrpSpPr>
         <p:cNvPr id="1" name=""/>
@@ -3813,8 +3813,8 @@
           <a:lstStyle/>
           <a:p>
             <a:r>
-              <a:rPr lang="en-US"/>
-              <a:t>Click to edit Master title style</a:t>
+              <a:rPr lang="he-IL"/>
+              <a:t>לחץ כדי לערוך סגנון כותרת של תבנית בסיס</a:t>
             </a:r>
             <a:endParaRPr lang="en-US" dirty="0"/>
           </a:p>
@@ -3888,7 +3888,7 @@
     </p:spTree>
     <p:extLst>
       <p:ext uri="{BB962C8B-B14F-4D97-AF65-F5344CB8AC3E}">
-        <p14:creationId xmlns:p14="http://schemas.microsoft.com/office/powerpoint/2010/main" val="2761746128"/>
+        <p14:creationId xmlns:p14="http://schemas.microsoft.com/office/powerpoint/2010/main" val="3971145733"/>
       </p:ext>
     </p:extLst>
   </p:cSld>
@@ -3900,7 +3900,7 @@
 
 <file path=ppt/slideLayouts/slideLayout7.xml><?xml version="1.0" encoding="utf-8"?>
 <p:sldLayout xmlns:a="http://schemas.openxmlformats.org/drawingml/2006/main" xmlns:r="http://schemas.openxmlformats.org/officeDocument/2006/relationships" xmlns:p="http://schemas.openxmlformats.org/presentationml/2006/main" type="blank" preserve="1">
-  <p:cSld name="Blank">
+  <p:cSld name="ריק">
     <p:spTree>
       <p:nvGrpSpPr>
         <p:cNvPr id="1" name=""/>
@@ -3983,7 +3983,7 @@
     </p:spTree>
     <p:extLst>
       <p:ext uri="{BB962C8B-B14F-4D97-AF65-F5344CB8AC3E}">
-        <p14:creationId xmlns:p14="http://schemas.microsoft.com/office/powerpoint/2010/main" val="1228170706"/>
+        <p14:creationId xmlns:p14="http://schemas.microsoft.com/office/powerpoint/2010/main" val="4210859388"/>
       </p:ext>
     </p:extLst>
   </p:cSld>
@@ -3995,7 +3995,7 @@
 
 <file path=ppt/slideLayouts/slideLayout8.xml><?xml version="1.0" encoding="utf-8"?>
 <p:sldLayout xmlns:a="http://schemas.openxmlformats.org/drawingml/2006/main" xmlns:r="http://schemas.openxmlformats.org/officeDocument/2006/relationships" xmlns:p="http://schemas.openxmlformats.org/presentationml/2006/main" type="objTx" preserve="1">
-  <p:cSld name="Content with Caption">
+  <p:cSld name="תוכן עם כיתוב">
     <p:spTree>
       <p:nvGrpSpPr>
         <p:cNvPr id="1" name=""/>
@@ -4037,8 +4037,8 @@
           </a:lstStyle>
           <a:p>
             <a:r>
-              <a:rPr lang="en-US"/>
-              <a:t>Click to edit Master title style</a:t>
+              <a:rPr lang="he-IL"/>
+              <a:t>לחץ כדי לערוך סגנון כותרת של תבנית בסיס</a:t>
             </a:r>
             <a:endParaRPr lang="en-US" dirty="0"/>
           </a:p>
@@ -4068,36 +4068,36 @@
           <a:p>
             <a:pPr lvl="0"/>
             <a:r>
-              <a:rPr lang="en-US"/>
-              <a:t>Click to edit Master text styles</a:t>
+              <a:rPr lang="he-IL"/>
+              <a:t>לחץ כדי לערוך סגנונות טקסט של תבנית בסיס</a:t>
             </a:r>
           </a:p>
           <a:p>
             <a:pPr lvl="1"/>
             <a:r>
-              <a:rPr lang="en-US"/>
-              <a:t>Second level</a:t>
+              <a:rPr lang="he-IL"/>
+              <a:t>רמה שנייה</a:t>
             </a:r>
           </a:p>
           <a:p>
             <a:pPr lvl="2"/>
             <a:r>
-              <a:rPr lang="en-US"/>
-              <a:t>Third level</a:t>
+              <a:rPr lang="he-IL"/>
+              <a:t>רמה שלישית</a:t>
             </a:r>
           </a:p>
           <a:p>
             <a:pPr lvl="3"/>
             <a:r>
-              <a:rPr lang="en-US"/>
-              <a:t>Fourth level</a:t>
+              <a:rPr lang="he-IL"/>
+              <a:t>רמה רביעית</a:t>
             </a:r>
           </a:p>
           <a:p>
             <a:pPr lvl="4"/>
             <a:r>
-              <a:rPr lang="en-US"/>
-              <a:t>Fifth level</a:t>
+              <a:rPr lang="he-IL"/>
+              <a:t>רמה חמישית</a:t>
             </a:r>
             <a:endParaRPr lang="en-US" dirty="0"/>
           </a:p>
@@ -4164,8 +4164,8 @@
           <a:p>
             <a:pPr lvl="0"/>
             <a:r>
-              <a:rPr lang="en-US"/>
-              <a:t>Click to edit Master text styles</a:t>
+              <a:rPr lang="he-IL"/>
+              <a:t>לחץ כדי לערוך סגנונות טקסט של תבנית בסיס</a:t>
             </a:r>
           </a:p>
         </p:txBody>
@@ -4238,7 +4238,7 @@
     </p:spTree>
     <p:extLst>
       <p:ext uri="{BB962C8B-B14F-4D97-AF65-F5344CB8AC3E}">
-        <p14:creationId xmlns:p14="http://schemas.microsoft.com/office/powerpoint/2010/main" val="3721349557"/>
+        <p14:creationId xmlns:p14="http://schemas.microsoft.com/office/powerpoint/2010/main" val="1678996693"/>
       </p:ext>
     </p:extLst>
   </p:cSld>
@@ -4250,7 +4250,7 @@
 
 <file path=ppt/slideLayouts/slideLayout9.xml><?xml version="1.0" encoding="utf-8"?>
 <p:sldLayout xmlns:a="http://schemas.openxmlformats.org/drawingml/2006/main" xmlns:r="http://schemas.openxmlformats.org/officeDocument/2006/relationships" xmlns:p="http://schemas.openxmlformats.org/presentationml/2006/main" type="picTx" preserve="1">
-  <p:cSld name="Picture with Caption">
+  <p:cSld name="תמונה עם כיתוב">
     <p:spTree>
       <p:nvGrpSpPr>
         <p:cNvPr id="1" name=""/>
@@ -4292,8 +4292,8 @@
           </a:lstStyle>
           <a:p>
             <a:r>
-              <a:rPr lang="en-US"/>
-              <a:t>Click to edit Master title style</a:t>
+              <a:rPr lang="he-IL"/>
+              <a:t>לחץ כדי לערוך סגנון כותרת של תבנית בסיס</a:t>
             </a:r>
             <a:endParaRPr lang="en-US" dirty="0"/>
           </a:p>
@@ -4379,8 +4379,8 @@
           </a:lstStyle>
           <a:p>
             <a:r>
-              <a:rPr lang="en-US"/>
-              <a:t>Click icon to add picture</a:t>
+              <a:rPr lang="he-IL"/>
+              <a:t>לחץ על הסמל כדי להוסיף תמונה</a:t>
             </a:r>
             <a:endParaRPr lang="en-US" dirty="0"/>
           </a:p>
@@ -4447,8 +4447,8 @@
           <a:p>
             <a:pPr lvl="0"/>
             <a:r>
-              <a:rPr lang="en-US"/>
-              <a:t>Click to edit Master text styles</a:t>
+              <a:rPr lang="he-IL"/>
+              <a:t>לחץ כדי לערוך סגנונות טקסט של תבנית בסיס</a:t>
             </a:r>
           </a:p>
         </p:txBody>
@@ -4521,7 +4521,7 @@
     </p:spTree>
     <p:extLst>
       <p:ext uri="{BB962C8B-B14F-4D97-AF65-F5344CB8AC3E}">
-        <p14:creationId xmlns:p14="http://schemas.microsoft.com/office/powerpoint/2010/main" val="1169261834"/>
+        <p14:creationId xmlns:p14="http://schemas.microsoft.com/office/powerpoint/2010/main" val="3016586652"/>
       </p:ext>
     </p:extLst>
   </p:cSld>
@@ -4770,8 +4770,8 @@
           <a:lstStyle/>
           <a:p>
             <a:r>
-              <a:rPr lang="en-US"/>
-              <a:t>Click to edit Master title style</a:t>
+              <a:rPr lang="he-IL"/>
+              <a:t>לחץ כדי לערוך סגנון כותרת של תבנית בסיס</a:t>
             </a:r>
             <a:endParaRPr lang="en-US" dirty="0"/>
           </a:p>
@@ -4804,36 +4804,36 @@
           <a:p>
             <a:pPr lvl="0"/>
             <a:r>
-              <a:rPr lang="en-US"/>
-              <a:t>Click to edit Master text styles</a:t>
+              <a:rPr lang="he-IL"/>
+              <a:t>לחץ כדי לערוך סגנונות טקסט של תבנית בסיס</a:t>
             </a:r>
           </a:p>
           <a:p>
             <a:pPr lvl="1"/>
             <a:r>
-              <a:rPr lang="en-US"/>
-              <a:t>Second level</a:t>
+              <a:rPr lang="he-IL"/>
+              <a:t>רמה שנייה</a:t>
             </a:r>
           </a:p>
           <a:p>
             <a:pPr lvl="2"/>
             <a:r>
-              <a:rPr lang="en-US"/>
-              <a:t>Third level</a:t>
+              <a:rPr lang="he-IL"/>
+              <a:t>רמה שלישית</a:t>
             </a:r>
           </a:p>
           <a:p>
             <a:pPr lvl="3"/>
             <a:r>
-              <a:rPr lang="en-US"/>
-              <a:t>Fourth level</a:t>
+              <a:rPr lang="he-IL"/>
+              <a:t>רמה רביעית</a:t>
             </a:r>
           </a:p>
           <a:p>
             <a:pPr lvl="4"/>
             <a:r>
-              <a:rPr lang="en-US"/>
-              <a:t>Fifth level</a:t>
+              <a:rPr lang="he-IL"/>
+              <a:t>רמה חמישית</a:t>
             </a:r>
             <a:endParaRPr lang="en-US" dirty="0"/>
           </a:p>
@@ -4967,29 +4967,29 @@
     </p:spTree>
     <p:extLst>
       <p:ext uri="{BB962C8B-B14F-4D97-AF65-F5344CB8AC3E}">
-        <p14:creationId xmlns:p14="http://schemas.microsoft.com/office/powerpoint/2010/main" val="3311416842"/>
+        <p14:creationId xmlns:p14="http://schemas.microsoft.com/office/powerpoint/2010/main" val="122533448"/>
       </p:ext>
     </p:extLst>
   </p:cSld>
   <p:clrMap bg1="dk1" tx1="lt1" bg2="dk2" tx2="lt2" accent1="accent1" accent2="accent2" accent3="accent3" accent4="accent4" accent5="accent5" accent6="accent6" hlink="hlink" folHlink="folHlink"/>
   <p:sldLayoutIdLst>
-    <p:sldLayoutId id="2147483738" r:id="rId1"/>
-    <p:sldLayoutId id="2147483739" r:id="rId2"/>
-    <p:sldLayoutId id="2147483740" r:id="rId3"/>
-    <p:sldLayoutId id="2147483741" r:id="rId4"/>
-    <p:sldLayoutId id="2147483742" r:id="rId5"/>
-    <p:sldLayoutId id="2147483743" r:id="rId6"/>
-    <p:sldLayoutId id="2147483744" r:id="rId7"/>
-    <p:sldLayoutId id="2147483745" r:id="rId8"/>
-    <p:sldLayoutId id="2147483746" r:id="rId9"/>
-    <p:sldLayoutId id="2147483747" r:id="rId10"/>
-    <p:sldLayoutId id="2147483748" r:id="rId11"/>
-    <p:sldLayoutId id="2147483749" r:id="rId12"/>
-    <p:sldLayoutId id="2147483750" r:id="rId13"/>
-    <p:sldLayoutId id="2147483751" r:id="rId14"/>
-    <p:sldLayoutId id="2147483752" r:id="rId15"/>
-    <p:sldLayoutId id="2147483753" r:id="rId16"/>
-    <p:sldLayoutId id="2147483754" r:id="rId17"/>
+    <p:sldLayoutId id="2147483798" r:id="rId1"/>
+    <p:sldLayoutId id="2147483799" r:id="rId2"/>
+    <p:sldLayoutId id="2147483800" r:id="rId3"/>
+    <p:sldLayoutId id="2147483801" r:id="rId4"/>
+    <p:sldLayoutId id="2147483802" r:id="rId5"/>
+    <p:sldLayoutId id="2147483803" r:id="rId6"/>
+    <p:sldLayoutId id="2147483804" r:id="rId7"/>
+    <p:sldLayoutId id="2147483805" r:id="rId8"/>
+    <p:sldLayoutId id="2147483806" r:id="rId9"/>
+    <p:sldLayoutId id="2147483807" r:id="rId10"/>
+    <p:sldLayoutId id="2147483808" r:id="rId11"/>
+    <p:sldLayoutId id="2147483809" r:id="rId12"/>
+    <p:sldLayoutId id="2147483810" r:id="rId13"/>
+    <p:sldLayoutId id="2147483811" r:id="rId14"/>
+    <p:sldLayoutId id="2147483812" r:id="rId15"/>
+    <p:sldLayoutId id="2147483813" r:id="rId16"/>
+    <p:sldLayoutId id="2147483814" r:id="rId17"/>
   </p:sldLayoutIdLst>
   <p:txStyles>
     <p:titleStyle>
@@ -5397,6 +5397,31 @@
 <file path=ppt/slides/slide1.xml><?xml version="1.0" encoding="utf-8"?>
 <p:sld xmlns:a="http://schemas.openxmlformats.org/drawingml/2006/main" xmlns:r="http://schemas.openxmlformats.org/officeDocument/2006/relationships" xmlns:p="http://schemas.openxmlformats.org/presentationml/2006/main">
   <p:cSld>
+    <p:bg>
+      <p:bgPr>
+        <a:gradFill rotWithShape="1">
+          <a:gsLst>
+            <a:gs pos="10000">
+              <a:schemeClr val="bg2">
+                <a:tint val="97000"/>
+                <a:hueMod val="92000"/>
+                <a:satMod val="169000"/>
+                <a:lumMod val="164000"/>
+              </a:schemeClr>
+            </a:gs>
+            <a:gs pos="100000">
+              <a:schemeClr val="bg2">
+                <a:shade val="96000"/>
+                <a:satMod val="120000"/>
+                <a:lumMod val="90000"/>
+              </a:schemeClr>
+            </a:gs>
+          </a:gsLst>
+          <a:lin ang="6120000" scaled="1"/>
+        </a:gradFill>
+        <a:effectLst/>
+      </p:bgPr>
+    </p:bg>
     <p:spTree>
       <p:nvGrpSpPr>
         <p:cNvPr id="1" name=""/>
@@ -5411,6 +5436,66 @@
           <a:chExt cx="0" cy="0"/>
         </a:xfrm>
       </p:grpSpPr>
+      <p:sp useBgFill="1">
+        <p:nvSpPr>
+          <p:cNvPr id="9" name="Rectangle 8">
+            <a:extLst>
+              <a:ext uri="{FF2B5EF4-FFF2-40B4-BE49-F238E27FC236}">
+                <a16:creationId xmlns:a16="http://schemas.microsoft.com/office/drawing/2014/main" id="{8777B48D-7BF2-470D-876B-50CD5CC83EBA}"/>
+              </a:ext>
+              <a:ext uri="{C183D7F6-B498-43B3-948B-1728B52AA6E4}">
+                <adec:decorative xmlns:adec="http://schemas.microsoft.com/office/drawing/2017/decorative" val="1"/>
+              </a:ext>
+            </a:extLst>
+          </p:cNvPr>
+          <p:cNvSpPr>
+            <a:spLocks noGrp="1" noRot="1" noChangeAspect="1" noMove="1" noResize="1" noEditPoints="1" noAdjustHandles="1" noChangeArrowheads="1" noChangeShapeType="1" noTextEdit="1"/>
+          </p:cNvSpPr>
+          <p:nvPr>
+            <p:extLst>
+              <p:ext uri="{386F3935-93C4-4BCD-93E2-E3B085C9AB24}">
+                <p16:designElem xmlns:p16="http://schemas.microsoft.com/office/powerpoint/2015/main" val="1"/>
+              </p:ext>
+            </p:extLst>
+          </p:nvPr>
+        </p:nvSpPr>
+        <p:spPr>
+          <a:xfrm>
+            <a:off x="0" y="0"/>
+            <a:ext cx="12192000" cy="6858000"/>
+          </a:xfrm>
+          <a:prstGeom prst="rect">
+            <a:avLst/>
+          </a:prstGeom>
+          <a:ln>
+            <a:noFill/>
+          </a:ln>
+        </p:spPr>
+        <p:style>
+          <a:lnRef idx="2">
+            <a:schemeClr val="accent1">
+              <a:shade val="50000"/>
+            </a:schemeClr>
+          </a:lnRef>
+          <a:fillRef idx="1">
+            <a:schemeClr val="accent1"/>
+          </a:fillRef>
+          <a:effectRef idx="0">
+            <a:schemeClr val="accent1"/>
+          </a:effectRef>
+          <a:fontRef idx="minor">
+            <a:schemeClr val="lt1"/>
+          </a:fontRef>
+        </p:style>
+        <p:txBody>
+          <a:bodyPr rtlCol="0" anchor="ctr"/>
+          <a:lstStyle/>
+          <a:p>
+            <a:pPr algn="ctr"/>
+            <a:endParaRPr lang="en-US"/>
+          </a:p>
+        </p:txBody>
+      </p:sp>
       <p:sp>
         <p:nvSpPr>
           <p:cNvPr id="2" name="Title 1">
@@ -5427,9 +5512,16 @@
             <p:ph type="ctrTitle"/>
           </p:nvPr>
         </p:nvSpPr>
-        <p:spPr/>
+        <p:spPr>
+          <a:xfrm>
+            <a:off x="684213" y="685799"/>
+            <a:ext cx="4781147" cy="2971801"/>
+          </a:xfrm>
+        </p:spPr>
         <p:txBody>
-          <a:bodyPr/>
+          <a:bodyPr>
+            <a:normAutofit/>
+          </a:bodyPr>
           <a:lstStyle/>
           <a:p>
             <a:r>
@@ -5456,40 +5548,398 @@
             <p:ph type="subTitle" idx="1"/>
           </p:nvPr>
         </p:nvSpPr>
-        <p:spPr/>
+        <p:spPr>
+          <a:xfrm>
+            <a:off x="684212" y="3843867"/>
+            <a:ext cx="4816572" cy="1947333"/>
+          </a:xfrm>
+        </p:spPr>
         <p:txBody>
           <a:bodyPr>
             <a:normAutofit/>
           </a:bodyPr>
           <a:lstStyle/>
           <a:p>
+            <a:pPr>
+              <a:lnSpc>
+                <a:spcPct val="90000"/>
+              </a:lnSpc>
+            </a:pPr>
             <a:r>
-              <a:rPr lang="en-US" dirty="0"/>
+              <a:rPr lang="en-US" sz="1900"/>
               <a:t>Final Project</a:t>
             </a:r>
-            <a:endParaRPr lang="he-IL" dirty="0"/>
-          </a:p>
-          <a:p>
-            <a:endParaRPr lang="he-IL" dirty="0"/>
-          </a:p>
-          <a:p>
-            <a:endParaRPr lang="en-US" sz="1600" dirty="0"/>
-          </a:p>
-          <a:p>
+            <a:endParaRPr lang="he-IL" sz="1900"/>
+          </a:p>
+          <a:p>
+            <a:pPr>
+              <a:lnSpc>
+                <a:spcPct val="90000"/>
+              </a:lnSpc>
+            </a:pPr>
+            <a:endParaRPr lang="he-IL" sz="1900"/>
+          </a:p>
+          <a:p>
+            <a:pPr>
+              <a:lnSpc>
+                <a:spcPct val="90000"/>
+              </a:lnSpc>
+            </a:pPr>
+            <a:endParaRPr lang="en-US" sz="1900"/>
+          </a:p>
+          <a:p>
+            <a:pPr>
+              <a:lnSpc>
+                <a:spcPct val="90000"/>
+              </a:lnSpc>
+            </a:pPr>
             <a:r>
-              <a:rPr lang="en-US" sz="1400" dirty="0"/>
+              <a:rPr lang="en-US" sz="1900"/>
               <a:t>Lior Yaacov</a:t>
             </a:r>
           </a:p>
           <a:p>
+            <a:pPr>
+              <a:lnSpc>
+                <a:spcPct val="90000"/>
+              </a:lnSpc>
+            </a:pPr>
             <a:r>
-              <a:rPr lang="en-US" sz="1400" dirty="0"/>
+              <a:rPr lang="en-US" sz="1900"/>
               <a:t>February 2021</a:t>
             </a:r>
-            <a:endParaRPr lang="he-IL" sz="1400" dirty="0"/>
+            <a:endParaRPr lang="he-IL" sz="1900"/>
           </a:p>
         </p:txBody>
       </p:sp>
+      <p:pic>
+        <p:nvPicPr>
+          <p:cNvPr id="5" name="Picture 4" descr="Complex maths formulae on a blackboard">
+            <a:extLst>
+              <a:ext uri="{FF2B5EF4-FFF2-40B4-BE49-F238E27FC236}">
+                <a16:creationId xmlns:a16="http://schemas.microsoft.com/office/drawing/2014/main" id="{8D261116-5042-4B09-AA7E-B9AB1FCE014F}"/>
+              </a:ext>
+            </a:extLst>
+          </p:cNvPr>
+          <p:cNvPicPr>
+            <a:picLocks noChangeAspect="1"/>
+          </p:cNvPicPr>
+          <p:nvPr/>
+        </p:nvPicPr>
+        <p:blipFill rotWithShape="1">
+          <a:blip r:embed="rId2"/>
+          <a:srcRect l="24517" r="10593" b="-1"/>
+          <a:stretch/>
+        </p:blipFill>
+        <p:spPr>
+          <a:xfrm>
+            <a:off x="6096000" y="10"/>
+            <a:ext cx="6095999" cy="6857990"/>
+          </a:xfrm>
+          <a:prstGeom prst="rect">
+            <a:avLst/>
+          </a:prstGeom>
+          <a:effectLst>
+            <a:innerShdw blurRad="57150" dist="38100" dir="14460000">
+              <a:prstClr val="black">
+                <a:alpha val="70000"/>
+              </a:prstClr>
+            </a:innerShdw>
+          </a:effectLst>
+        </p:spPr>
+      </p:pic>
+      <p:grpSp>
+        <p:nvGrpSpPr>
+          <p:cNvPr id="11" name="Group 10">
+            <a:extLst>
+              <a:ext uri="{FF2B5EF4-FFF2-40B4-BE49-F238E27FC236}">
+                <a16:creationId xmlns:a16="http://schemas.microsoft.com/office/drawing/2014/main" id="{83DA8283-3FF4-47B3-9266-60768C743207}"/>
+              </a:ext>
+              <a:ext uri="{C183D7F6-B498-43B3-948B-1728B52AA6E4}">
+                <adec:decorative xmlns:adec="http://schemas.microsoft.com/office/drawing/2017/decorative" val="1"/>
+              </a:ext>
+            </a:extLst>
+          </p:cNvPr>
+          <p:cNvGrpSpPr>
+            <a:grpSpLocks noGrp="1" noUngrp="1" noRot="1" noChangeAspect="1" noMove="1" noResize="1"/>
+          </p:cNvGrpSpPr>
+          <p:nvPr>
+            <p:extLst>
+              <p:ext uri="{386F3935-93C4-4BCD-93E2-E3B085C9AB24}">
+                <p16:designElem xmlns:p16="http://schemas.microsoft.com/office/powerpoint/2015/main" val="1"/>
+              </p:ext>
+            </p:extLst>
+          </p:nvPr>
+        </p:nvGrpSpPr>
+        <p:grpSpPr>
+          <a:xfrm>
+            <a:off x="6393200" y="8468"/>
+            <a:ext cx="5795625" cy="5874808"/>
+            <a:chOff x="6108170" y="8467"/>
+            <a:chExt cx="6080656" cy="6163733"/>
+          </a:xfrm>
+        </p:grpSpPr>
+        <p:cxnSp>
+          <p:nvCxnSpPr>
+            <p:cNvPr id="12" name="Straight Connector 11">
+              <a:extLst>
+                <a:ext uri="{FF2B5EF4-FFF2-40B4-BE49-F238E27FC236}">
+                  <a16:creationId xmlns:a16="http://schemas.microsoft.com/office/drawing/2014/main" id="{EDEB65FF-EAD9-4242-80AE-A3FC7EB1EB10}"/>
+                </a:ext>
+                <a:ext uri="{C183D7F6-B498-43B3-948B-1728B52AA6E4}">
+                  <adec:decorative xmlns:adec="http://schemas.microsoft.com/office/drawing/2017/decorative" val="1"/>
+                </a:ext>
+              </a:extLst>
+            </p:cNvPr>
+            <p:cNvCxnSpPr/>
+            <p:nvPr>
+              <p:extLst>
+                <p:ext uri="{386F3935-93C4-4BCD-93E2-E3B085C9AB24}">
+                  <p16:designElem xmlns:p16="http://schemas.microsoft.com/office/powerpoint/2015/main" val="1"/>
+                </p:ext>
+              </p:extLst>
+            </p:nvPr>
+          </p:nvCxnSpPr>
+          <p:spPr>
+            <a:xfrm flipH="1">
+              <a:off x="8228012" y="8467"/>
+              <a:ext cx="3810000" cy="3810000"/>
+            </a:xfrm>
+            <a:prstGeom prst="line">
+              <a:avLst/>
+            </a:prstGeom>
+            <a:ln w="12700">
+              <a:solidFill>
+                <a:srgbClr val="FFFFFF">
+                  <a:alpha val="81176"/>
+                </a:srgbClr>
+              </a:solidFill>
+            </a:ln>
+          </p:spPr>
+          <p:style>
+            <a:lnRef idx="2">
+              <a:schemeClr val="accent1"/>
+            </a:lnRef>
+            <a:fillRef idx="0">
+              <a:schemeClr val="accent1"/>
+            </a:fillRef>
+            <a:effectRef idx="1">
+              <a:schemeClr val="accent1"/>
+            </a:effectRef>
+            <a:fontRef idx="minor">
+              <a:schemeClr val="tx1"/>
+            </a:fontRef>
+          </p:style>
+        </p:cxnSp>
+        <p:cxnSp>
+          <p:nvCxnSpPr>
+            <p:cNvPr id="13" name="Straight Connector 12">
+              <a:extLst>
+                <a:ext uri="{FF2B5EF4-FFF2-40B4-BE49-F238E27FC236}">
+                  <a16:creationId xmlns:a16="http://schemas.microsoft.com/office/drawing/2014/main" id="{178B5500-48F2-41FA-BD8C-3C2400F620E2}"/>
+                </a:ext>
+                <a:ext uri="{C183D7F6-B498-43B3-948B-1728B52AA6E4}">
+                  <adec:decorative xmlns:adec="http://schemas.microsoft.com/office/drawing/2017/decorative" val="1"/>
+                </a:ext>
+              </a:extLst>
+            </p:cNvPr>
+            <p:cNvCxnSpPr/>
+            <p:nvPr>
+              <p:extLst>
+                <p:ext uri="{386F3935-93C4-4BCD-93E2-E3B085C9AB24}">
+                  <p16:designElem xmlns:p16="http://schemas.microsoft.com/office/powerpoint/2015/main" val="1"/>
+                </p:ext>
+              </p:extLst>
+            </p:nvPr>
+          </p:nvCxnSpPr>
+          <p:spPr>
+            <a:xfrm flipH="1">
+              <a:off x="6108170" y="91545"/>
+              <a:ext cx="6080655" cy="6080655"/>
+            </a:xfrm>
+            <a:prstGeom prst="line">
+              <a:avLst/>
+            </a:prstGeom>
+            <a:ln w="12700">
+              <a:solidFill>
+                <a:srgbClr val="FFFFFF">
+                  <a:alpha val="81176"/>
+                </a:srgbClr>
+              </a:solidFill>
+            </a:ln>
+          </p:spPr>
+          <p:style>
+            <a:lnRef idx="2">
+              <a:schemeClr val="accent1"/>
+            </a:lnRef>
+            <a:fillRef idx="0">
+              <a:schemeClr val="accent1"/>
+            </a:fillRef>
+            <a:effectRef idx="1">
+              <a:schemeClr val="accent1"/>
+            </a:effectRef>
+            <a:fontRef idx="minor">
+              <a:schemeClr val="tx1"/>
+            </a:fontRef>
+          </p:style>
+        </p:cxnSp>
+        <p:cxnSp>
+          <p:nvCxnSpPr>
+            <p:cNvPr id="14" name="Straight Connector 13">
+              <a:extLst>
+                <a:ext uri="{FF2B5EF4-FFF2-40B4-BE49-F238E27FC236}">
+                  <a16:creationId xmlns:a16="http://schemas.microsoft.com/office/drawing/2014/main" id="{847B2E66-9934-4251-A5B0-A180C0CC933D}"/>
+                </a:ext>
+                <a:ext uri="{C183D7F6-B498-43B3-948B-1728B52AA6E4}">
+                  <adec:decorative xmlns:adec="http://schemas.microsoft.com/office/drawing/2017/decorative" val="1"/>
+                </a:ext>
+              </a:extLst>
+            </p:cNvPr>
+            <p:cNvCxnSpPr/>
+            <p:nvPr>
+              <p:extLst>
+                <p:ext uri="{386F3935-93C4-4BCD-93E2-E3B085C9AB24}">
+                  <p16:designElem xmlns:p16="http://schemas.microsoft.com/office/powerpoint/2015/main" val="1"/>
+                </p:ext>
+              </p:extLst>
+            </p:nvPr>
+          </p:nvCxnSpPr>
+          <p:spPr>
+            <a:xfrm flipH="1">
+              <a:off x="7235825" y="228600"/>
+              <a:ext cx="4953000" cy="4953000"/>
+            </a:xfrm>
+            <a:prstGeom prst="line">
+              <a:avLst/>
+            </a:prstGeom>
+            <a:ln w="12700">
+              <a:solidFill>
+                <a:srgbClr val="FFFFFF">
+                  <a:alpha val="81176"/>
+                </a:srgbClr>
+              </a:solidFill>
+            </a:ln>
+          </p:spPr>
+          <p:style>
+            <a:lnRef idx="2">
+              <a:schemeClr val="accent1"/>
+            </a:lnRef>
+            <a:fillRef idx="0">
+              <a:schemeClr val="accent1"/>
+            </a:fillRef>
+            <a:effectRef idx="1">
+              <a:schemeClr val="accent1"/>
+            </a:effectRef>
+            <a:fontRef idx="minor">
+              <a:schemeClr val="tx1"/>
+            </a:fontRef>
+          </p:style>
+        </p:cxnSp>
+        <p:cxnSp>
+          <p:nvCxnSpPr>
+            <p:cNvPr id="15" name="Straight Connector 14">
+              <a:extLst>
+                <a:ext uri="{FF2B5EF4-FFF2-40B4-BE49-F238E27FC236}">
+                  <a16:creationId xmlns:a16="http://schemas.microsoft.com/office/drawing/2014/main" id="{5CDA1666-64EC-4838-B0E1-4D545ECEA296}"/>
+                </a:ext>
+                <a:ext uri="{C183D7F6-B498-43B3-948B-1728B52AA6E4}">
+                  <adec:decorative xmlns:adec="http://schemas.microsoft.com/office/drawing/2017/decorative" val="1"/>
+                </a:ext>
+              </a:extLst>
+            </p:cNvPr>
+            <p:cNvCxnSpPr/>
+            <p:nvPr>
+              <p:extLst>
+                <p:ext uri="{386F3935-93C4-4BCD-93E2-E3B085C9AB24}">
+                  <p16:designElem xmlns:p16="http://schemas.microsoft.com/office/powerpoint/2015/main" val="1"/>
+                </p:ext>
+              </p:extLst>
+            </p:nvPr>
+          </p:nvCxnSpPr>
+          <p:spPr>
+            <a:xfrm flipH="1">
+              <a:off x="7335837" y="32278"/>
+              <a:ext cx="4852989" cy="4852989"/>
+            </a:xfrm>
+            <a:prstGeom prst="line">
+              <a:avLst/>
+            </a:prstGeom>
+            <a:ln w="31750">
+              <a:solidFill>
+                <a:srgbClr val="FFFFFF">
+                  <a:alpha val="81176"/>
+                </a:srgbClr>
+              </a:solidFill>
+            </a:ln>
+          </p:spPr>
+          <p:style>
+            <a:lnRef idx="2">
+              <a:schemeClr val="accent1"/>
+            </a:lnRef>
+            <a:fillRef idx="0">
+              <a:schemeClr val="accent1"/>
+            </a:fillRef>
+            <a:effectRef idx="1">
+              <a:schemeClr val="accent1"/>
+            </a:effectRef>
+            <a:fontRef idx="minor">
+              <a:schemeClr val="tx1"/>
+            </a:fontRef>
+          </p:style>
+        </p:cxnSp>
+        <p:cxnSp>
+          <p:nvCxnSpPr>
+            <p:cNvPr id="16" name="Straight Connector 15">
+              <a:extLst>
+                <a:ext uri="{FF2B5EF4-FFF2-40B4-BE49-F238E27FC236}">
+                  <a16:creationId xmlns:a16="http://schemas.microsoft.com/office/drawing/2014/main" id="{7CC99E35-6C12-4F89-8CDA-9FD8B3CEE15D}"/>
+                </a:ext>
+                <a:ext uri="{C183D7F6-B498-43B3-948B-1728B52AA6E4}">
+                  <adec:decorative xmlns:adec="http://schemas.microsoft.com/office/drawing/2017/decorative" val="1"/>
+                </a:ext>
+              </a:extLst>
+            </p:cNvPr>
+            <p:cNvCxnSpPr/>
+            <p:nvPr>
+              <p:extLst>
+                <p:ext uri="{386F3935-93C4-4BCD-93E2-E3B085C9AB24}">
+                  <p16:designElem xmlns:p16="http://schemas.microsoft.com/office/powerpoint/2015/main" val="1"/>
+                </p:ext>
+              </p:extLst>
+            </p:nvPr>
+          </p:nvCxnSpPr>
+          <p:spPr>
+            <a:xfrm flipH="1">
+              <a:off x="7845426" y="609601"/>
+              <a:ext cx="4343399" cy="4343399"/>
+            </a:xfrm>
+            <a:prstGeom prst="line">
+              <a:avLst/>
+            </a:prstGeom>
+            <a:ln w="31750">
+              <a:solidFill>
+                <a:srgbClr val="FFFFFF">
+                  <a:alpha val="81176"/>
+                </a:srgbClr>
+              </a:solidFill>
+            </a:ln>
+          </p:spPr>
+          <p:style>
+            <a:lnRef idx="2">
+              <a:schemeClr val="accent1"/>
+            </a:lnRef>
+            <a:fillRef idx="0">
+              <a:schemeClr val="accent1"/>
+            </a:fillRef>
+            <a:effectRef idx="1">
+              <a:schemeClr val="accent1"/>
+            </a:effectRef>
+            <a:fontRef idx="minor">
+              <a:schemeClr val="tx1"/>
+            </a:fontRef>
+          </p:style>
+        </p:cxnSp>
+      </p:grpSp>
     </p:spTree>
     <p:extLst>
       <p:ext uri="{BB962C8B-B14F-4D97-AF65-F5344CB8AC3E}">
@@ -5556,8 +6006,8 @@
           </a:p>
         </p:txBody>
       </p:sp>
-      <mc:AlternateContent xmlns:mc="http://schemas.openxmlformats.org/markup-compatibility/2006" xmlns:a14="http://schemas.microsoft.com/office/drawing/2010/main">
-        <mc:Choice Requires="a14">
+      <mc:AlternateContent xmlns:mc="http://schemas.openxmlformats.org/markup-compatibility/2006">
+        <mc:Choice xmlns:a14="http://schemas.microsoft.com/office/drawing/2010/main" Requires="a14">
           <p:sp>
             <p:nvSpPr>
               <p:cNvPr id="3" name="Content Placeholder 2">
@@ -6142,7 +6592,7 @@
             </p:txBody>
           </p:sp>
         </mc:Choice>
-        <mc:Fallback xmlns="">
+        <mc:Fallback>
           <p:sp>
             <p:nvSpPr>
               <p:cNvPr id="3" name="Content Placeholder 2">
@@ -7352,8 +7802,8 @@
           </a:p>
         </p:txBody>
       </p:sp>
-      <mc:AlternateContent xmlns:mc="http://schemas.openxmlformats.org/markup-compatibility/2006" xmlns:a14="http://schemas.microsoft.com/office/drawing/2010/main">
-        <mc:Choice Requires="a14">
+      <mc:AlternateContent xmlns:mc="http://schemas.openxmlformats.org/markup-compatibility/2006">
+        <mc:Choice xmlns:a14="http://schemas.microsoft.com/office/drawing/2010/main" Requires="a14">
           <p:sp>
             <p:nvSpPr>
               <p:cNvPr id="3" name="Content Placeholder 2">
@@ -9154,7 +9604,7 @@
             </p:txBody>
           </p:sp>
         </mc:Choice>
-        <mc:Fallback xmlns="">
+        <mc:Fallback>
           <p:sp>
             <p:nvSpPr>
               <p:cNvPr id="3" name="Content Placeholder 2">
@@ -9287,7 +9737,7 @@
           <a:lstStyle/>
           <a:p>
             <a:r>
-              <a:rPr lang="en-US" dirty="0"/>
+              <a:rPr lang="en-US"/>
               <a:t>Summary</a:t>
             </a:r>
             <a:endParaRPr lang="he-IL" dirty="0"/>
@@ -9326,7 +9776,7 @@
               <a:buNone/>
             </a:pPr>
             <a:r>
-              <a:rPr lang="en-US" sz="2600" b="1" dirty="0">
+              <a:rPr lang="en-US" sz="2600" b="1">
                 <a:solidFill>
                   <a:srgbClr val="0F496F"/>
                 </a:solidFill>
@@ -9339,7 +9789,7 @@
               <a:buNone/>
             </a:pPr>
             <a:r>
-              <a:rPr lang="en-US" sz="2600" b="1" dirty="0">
+              <a:rPr lang="en-US" sz="2600" b="1">
                 <a:solidFill>
                   <a:srgbClr val="0F496F"/>
                 </a:solidFill>
@@ -9350,31 +9800,18 @@
           <a:p>
             <a:pPr lvl="1" algn="l" rtl="0"/>
             <a:r>
-              <a:rPr lang="en-US" sz="1900" b="1" dirty="0">
+              <a:rPr lang="en-US" sz="1900" b="1">
                 <a:solidFill>
                   <a:srgbClr val="0F496F"/>
                 </a:solidFill>
               </a:rPr>
-              <a:t>Finite </a:t>
+              <a:t>Finite Fileds</a:t>
             </a:r>
-            <a:r>
-              <a:rPr lang="en-US" sz="1900" b="1" dirty="0" err="1">
-                <a:solidFill>
-                  <a:srgbClr val="0F496F"/>
-                </a:solidFill>
-              </a:rPr>
-              <a:t>Fileds</a:t>
-            </a:r>
-            <a:endParaRPr lang="en-US" sz="1900" b="1" dirty="0">
-              <a:solidFill>
-                <a:srgbClr val="0F496F"/>
-              </a:solidFill>
-            </a:endParaRPr>
           </a:p>
           <a:p>
             <a:pPr lvl="2" algn="l" rtl="0"/>
             <a:r>
-              <a:rPr lang="en-US" sz="1800" b="1" dirty="0">
+              <a:rPr lang="en-US" sz="1800" b="1">
                 <a:solidFill>
                   <a:srgbClr val="0F496F"/>
                 </a:solidFill>
@@ -9385,7 +9822,7 @@
           <a:p>
             <a:pPr lvl="2" algn="l" rtl="0"/>
             <a:r>
-              <a:rPr lang="en-US" sz="1800" b="1" dirty="0">
+              <a:rPr lang="en-US" sz="1800" b="1">
                 <a:solidFill>
                   <a:srgbClr val="0F496F"/>
                 </a:solidFill>
@@ -9396,7 +9833,7 @@
           <a:p>
             <a:pPr lvl="2" algn="l" rtl="0"/>
             <a:r>
-              <a:rPr lang="en-US" sz="1800" b="1" dirty="0">
+              <a:rPr lang="en-US" sz="1800" b="1">
                 <a:solidFill>
                   <a:srgbClr val="0F496F"/>
                 </a:solidFill>
@@ -9407,7 +9844,7 @@
           <a:p>
             <a:pPr lvl="2" algn="l" rtl="0"/>
             <a:r>
-              <a:rPr lang="en-US" sz="1800" b="1" dirty="0">
+              <a:rPr lang="en-US" sz="1800" b="1">
                 <a:solidFill>
                   <a:srgbClr val="0F496F"/>
                 </a:solidFill>
@@ -9418,7 +9855,7 @@
           <a:p>
             <a:pPr lvl="1" algn="l" rtl="0"/>
             <a:r>
-              <a:rPr lang="en-US" sz="1900" b="1" dirty="0">
+              <a:rPr lang="en-US" sz="1900" b="1">
                 <a:solidFill>
                   <a:srgbClr val="0F496F"/>
                 </a:solidFill>
@@ -9429,7 +9866,7 @@
           <a:p>
             <a:pPr lvl="2" algn="l" rtl="0"/>
             <a:r>
-              <a:rPr lang="en-US" sz="1800" b="1" dirty="0">
+              <a:rPr lang="en-US" sz="1800" b="1">
                 <a:solidFill>
                   <a:srgbClr val="0F496F"/>
                 </a:solidFill>
@@ -9440,7 +9877,7 @@
           <a:p>
             <a:pPr lvl="2" algn="l" rtl="0"/>
             <a:r>
-              <a:rPr lang="en-US" sz="1800" b="1" dirty="0">
+              <a:rPr lang="en-US" sz="1800" b="1">
                 <a:solidFill>
                   <a:srgbClr val="0F496F"/>
                 </a:solidFill>
@@ -9451,7 +9888,7 @@
           <a:p>
             <a:pPr lvl="2" algn="l" rtl="0"/>
             <a:r>
-              <a:rPr lang="en-US" sz="1800" b="1" dirty="0">
+              <a:rPr lang="en-US" sz="1800" b="1">
                 <a:solidFill>
                   <a:srgbClr val="0F496F"/>
                 </a:solidFill>
@@ -9462,7 +9899,7 @@
           <a:p>
             <a:pPr lvl="2" algn="l" rtl="0"/>
             <a:r>
-              <a:rPr lang="en-US" sz="1800" b="1" dirty="0">
+              <a:rPr lang="en-US" sz="1800" b="1">
                 <a:solidFill>
                   <a:srgbClr val="0F496F"/>
                 </a:solidFill>
@@ -9473,7 +9910,7 @@
           <a:p>
             <a:pPr lvl="2" algn="l" rtl="0"/>
             <a:r>
-              <a:rPr lang="en-US" sz="1800" b="1" dirty="0">
+              <a:rPr lang="en-US" sz="1800" b="1">
                 <a:solidFill>
                   <a:srgbClr val="0F496F"/>
                 </a:solidFill>
@@ -9484,7 +9921,7 @@
           <a:p>
             <a:pPr lvl="1" algn="l" rtl="0"/>
             <a:r>
-              <a:rPr lang="en-US" b="1" dirty="0">
+              <a:rPr lang="en-US" b="1">
                 <a:solidFill>
                   <a:srgbClr val="0F496F"/>
                 </a:solidFill>
@@ -9496,7 +9933,7 @@
             <a:pPr marL="0" indent="0" algn="l" rtl="0">
               <a:buNone/>
             </a:pPr>
-            <a:endParaRPr lang="en-US" b="1" dirty="0">
+            <a:endParaRPr lang="en-US" b="1">
               <a:solidFill>
                 <a:srgbClr val="0F496F"/>
               </a:solidFill>
@@ -9507,7 +9944,7 @@
               <a:buNone/>
             </a:pPr>
             <a:r>
-              <a:rPr lang="en-US" b="1" dirty="0">
+              <a:rPr lang="en-US" b="1">
                 <a:solidFill>
                   <a:srgbClr val="0F496F"/>
                 </a:solidFill>
@@ -9520,67 +9957,43 @@
               <a:buNone/>
             </a:pPr>
             <a:r>
-              <a:rPr lang="en-US" b="1" dirty="0">
+              <a:rPr lang="en-US" b="1">
                 <a:solidFill>
                   <a:srgbClr val="0F496F"/>
                 </a:solidFill>
               </a:rPr>
-              <a:t>Bar-</a:t>
+              <a:t>Bar-Ilan University</a:t>
             </a:r>
+          </a:p>
+          <a:p>
+            <a:pPr marL="0" indent="0" algn="l" rtl="0">
+              <a:buNone/>
+            </a:pPr>
+            <a:endParaRPr lang="en-US" b="1">
+              <a:solidFill>
+                <a:srgbClr val="0F496F"/>
+              </a:solidFill>
+            </a:endParaRPr>
+          </a:p>
+          <a:p>
+            <a:pPr marL="0" indent="0" algn="l" rtl="0">
+              <a:buNone/>
+            </a:pPr>
             <a:r>
-              <a:rPr lang="en-US" b="1" dirty="0" err="1">
+              <a:rPr lang="en-US" sz="1800" b="1">
                 <a:solidFill>
                   <a:srgbClr val="0F496F"/>
                 </a:solidFill>
               </a:rPr>
-              <a:t>Ilan</a:t>
+              <a:t>Github:</a:t>
             </a:r>
-            <a:r>
-              <a:rPr lang="en-US" b="1" dirty="0">
-                <a:solidFill>
-                  <a:srgbClr val="0F496F"/>
-                </a:solidFill>
-              </a:rPr>
-              <a:t> University</a:t>
-            </a:r>
-          </a:p>
-          <a:p>
-            <a:pPr marL="0" indent="0" algn="l" rtl="0">
-              <a:buNone/>
-            </a:pPr>
-            <a:endParaRPr lang="en-US" b="1" dirty="0">
-              <a:solidFill>
-                <a:srgbClr val="0F496F"/>
-              </a:solidFill>
-            </a:endParaRPr>
           </a:p>
           <a:p>
             <a:pPr marL="0" indent="0" algn="l" rtl="0">
               <a:buNone/>
             </a:pPr>
             <a:r>
-              <a:rPr lang="en-US" sz="1800" b="1" dirty="0" err="1">
-                <a:solidFill>
-                  <a:srgbClr val="0F496F"/>
-                </a:solidFill>
-              </a:rPr>
-              <a:t>Github</a:t>
-            </a:r>
-            <a:r>
-              <a:rPr lang="en-US" sz="1800" b="1" dirty="0">
-                <a:solidFill>
-                  <a:srgbClr val="0F496F"/>
-                </a:solidFill>
-              </a:rPr>
-              <a:t>:</a:t>
-            </a:r>
-          </a:p>
-          <a:p>
-            <a:pPr marL="0" indent="0" algn="l" rtl="0">
-              <a:buNone/>
-            </a:pPr>
-            <a:r>
-              <a:rPr lang="en-US" sz="1800" b="1" dirty="0">
+              <a:rPr lang="en-US" sz="1800" b="1">
                 <a:solidFill>
                   <a:srgbClr val="0F496F"/>
                 </a:solidFill>
@@ -9588,7 +10001,7 @@
               </a:rPr>
               <a:t>https://github.com/LiorYaacov/Advanced-Algebra.git</a:t>
             </a:r>
-            <a:endParaRPr lang="en-US" sz="1800" b="1" dirty="0">
+            <a:endParaRPr lang="en-US" sz="1800" b="1">
               <a:solidFill>
                 <a:srgbClr val="0F496F"/>
               </a:solidFill>
@@ -9708,27 +10121,23 @@
           <a:lstStyle/>
           <a:p>
             <a:r>
-              <a:rPr lang="en-US" dirty="0"/>
-              <a:t>Class </a:t>
+              <a:rPr lang="en-US"/>
+              <a:t>Class f</a:t>
             </a:r>
             <a:r>
-              <a:rPr lang="en-US" dirty="0" err="1"/>
-              <a:t>f</a:t>
-            </a:r>
-            <a:r>
-              <a:rPr lang="en-US" baseline="-25000" dirty="0" err="1"/>
+              <a:rPr lang="en-US" baseline="-25000"/>
               <a:t>p</a:t>
             </a:r>
             <a:r>
-              <a:rPr lang="en-US" dirty="0"/>
+              <a:rPr lang="en-US"/>
               <a:t> – Classmethods</a:t>
             </a:r>
             <a:endParaRPr lang="he-IL" dirty="0"/>
           </a:p>
         </p:txBody>
       </p:sp>
-      <mc:AlternateContent xmlns:mc="http://schemas.openxmlformats.org/markup-compatibility/2006" xmlns:a14="http://schemas.microsoft.com/office/drawing/2010/main">
-        <mc:Choice Requires="a14">
+      <mc:AlternateContent xmlns:mc="http://schemas.openxmlformats.org/markup-compatibility/2006">
+        <mc:Choice xmlns:a14="http://schemas.microsoft.com/office/drawing/2010/main" Requires="a14">
           <p:graphicFrame>
             <p:nvGraphicFramePr>
               <p:cNvPr id="5" name="Table 5">
@@ -9744,7 +10153,7 @@
               <p:nvPr>
                 <p:extLst>
                   <p:ext uri="{D42A27DB-BD31-4B8C-83A1-F6EECF244321}">
-                    <p14:modId xmlns:p14="http://schemas.microsoft.com/office/powerpoint/2010/main" val="2176617917"/>
+                    <p14:modId xmlns:p14="http://schemas.microsoft.com/office/powerpoint/2010/main" val="3823712697"/>
                   </p:ext>
                 </p:extLst>
               </p:nvPr>
@@ -9790,7 +10199,7 @@
                         <a:p>
                           <a:pPr algn="l" rtl="1"/>
                           <a:r>
-                            <a:rPr lang="en-US" dirty="0"/>
+                            <a:rPr lang="en-US"/>
                             <a:t>Description</a:t>
                           </a:r>
                           <a:endParaRPr lang="he-IL" dirty="0"/>
@@ -9805,7 +10214,7 @@
                         <a:p>
                           <a:pPr algn="l" rtl="1"/>
                           <a:r>
-                            <a:rPr lang="en-US" dirty="0"/>
+                            <a:rPr lang="en-US"/>
                             <a:t>Inputs</a:t>
                           </a:r>
                           <a:endParaRPr lang="he-IL" dirty="0"/>
@@ -9842,9 +10251,10 @@
                         <a:p>
                           <a:pPr lvl="0" algn="l"/>
                           <a:r>
-                            <a:rPr lang="en-US" dirty="0"/>
+                            <a:rPr lang="en-US"/>
                             <a:t>Calculates and returns the GCD(a,b)</a:t>
                           </a:r>
+                          <a:endParaRPr lang="en-US" dirty="0"/>
                         </a:p>
                       </a:txBody>
                       <a:tcPr/>
@@ -9856,9 +10266,10 @@
                         <a:p>
                           <a:pPr lvl="0" algn="l"/>
                           <a:r>
-                            <a:rPr lang="en-US" dirty="0"/>
+                            <a:rPr lang="en-US"/>
                             <a:t>a,b</a:t>
                           </a:r>
+                          <a:endParaRPr lang="en-US" dirty="0"/>
                         </a:p>
                       </a:txBody>
                       <a:tcPr/>
@@ -9870,9 +10281,10 @@
                         <a:p>
                           <a:pPr lvl="0" algn="l" rtl="0"/>
                           <a:r>
-                            <a:rPr lang="en-US" dirty="0"/>
+                            <a:rPr lang="en-US" dirty="0" err="1"/>
                             <a:t>gcd</a:t>
                           </a:r>
+                          <a:endParaRPr lang="en-US" dirty="0"/>
                         </a:p>
                       </a:txBody>
                       <a:tcPr/>
@@ -9997,9 +10409,10 @@
                         <a:p>
                           <a:pPr lvl="0" algn="l"/>
                           <a:r>
-                            <a:rPr lang="en-US" dirty="0"/>
+                            <a:rPr lang="en-US"/>
                             <a:t>a,b</a:t>
                           </a:r>
+                          <a:endParaRPr lang="en-US" dirty="0"/>
                         </a:p>
                       </a:txBody>
                       <a:tcPr/>
@@ -10011,9 +10424,10 @@
                         <a:p>
                           <a:pPr lvl="0" algn="l"/>
                           <a:r>
-                            <a:rPr lang="en-US" dirty="0"/>
+                            <a:rPr lang="en-US" dirty="0" err="1"/>
                             <a:t>egcd</a:t>
                           </a:r>
+                          <a:endParaRPr lang="en-US" dirty="0"/>
                         </a:p>
                       </a:txBody>
                       <a:tcPr/>
@@ -10029,7 +10443,7 @@
             </a:graphic>
           </p:graphicFrame>
         </mc:Choice>
-        <mc:Fallback xmlns="">
+        <mc:Fallback>
           <p:graphicFrame>
             <p:nvGraphicFramePr>
               <p:cNvPr id="5" name="Table 5">
@@ -10045,7 +10459,7 @@
               <p:nvPr>
                 <p:extLst>
                   <p:ext uri="{D42A27DB-BD31-4B8C-83A1-F6EECF244321}">
-                    <p14:modId xmlns:p14="http://schemas.microsoft.com/office/powerpoint/2010/main" val="2176617917"/>
+                    <p14:modId xmlns:p14="http://schemas.microsoft.com/office/powerpoint/2010/main" val="3823712697"/>
                   </p:ext>
                 </p:extLst>
               </p:nvPr>
@@ -10091,7 +10505,7 @@
                         <a:p>
                           <a:pPr algn="l" rtl="1"/>
                           <a:r>
-                            <a:rPr lang="en-US" dirty="0"/>
+                            <a:rPr lang="en-US"/>
                             <a:t>Description</a:t>
                           </a:r>
                           <a:endParaRPr lang="he-IL" dirty="0"/>
@@ -10106,7 +10520,7 @@
                         <a:p>
                           <a:pPr algn="l" rtl="1"/>
                           <a:r>
-                            <a:rPr lang="en-US" dirty="0"/>
+                            <a:rPr lang="en-US"/>
                             <a:t>Inputs</a:t>
                           </a:r>
                           <a:endParaRPr lang="he-IL" dirty="0"/>
@@ -10143,9 +10557,10 @@
                         <a:p>
                           <a:pPr lvl="0" algn="l"/>
                           <a:r>
-                            <a:rPr lang="en-US" dirty="0"/>
+                            <a:rPr lang="en-US"/>
                             <a:t>Calculates and returns the GCD(a,b)</a:t>
                           </a:r>
+                          <a:endParaRPr lang="en-US" dirty="0"/>
                         </a:p>
                       </a:txBody>
                       <a:tcPr/>
@@ -10157,9 +10572,10 @@
                         <a:p>
                           <a:pPr lvl="0" algn="l"/>
                           <a:r>
-                            <a:rPr lang="en-US" dirty="0"/>
+                            <a:rPr lang="en-US"/>
                             <a:t>a,b</a:t>
                           </a:r>
+                          <a:endParaRPr lang="en-US" dirty="0"/>
                         </a:p>
                       </a:txBody>
                       <a:tcPr/>
@@ -10171,9 +10587,10 @@
                         <a:p>
                           <a:pPr lvl="0" algn="l" rtl="0"/>
                           <a:r>
-                            <a:rPr lang="en-US" dirty="0"/>
+                            <a:rPr lang="en-US" dirty="0" err="1"/>
                             <a:t>gcd</a:t>
                           </a:r>
+                          <a:endParaRPr lang="en-US" dirty="0"/>
                         </a:p>
                       </a:txBody>
                       <a:tcPr/>
@@ -10209,9 +10626,10 @@
                         <a:p>
                           <a:pPr lvl="0" algn="l"/>
                           <a:r>
-                            <a:rPr lang="en-US" dirty="0"/>
+                            <a:rPr lang="en-US"/>
                             <a:t>a,b</a:t>
                           </a:r>
+                          <a:endParaRPr lang="en-US" dirty="0"/>
                         </a:p>
                       </a:txBody>
                       <a:tcPr/>
@@ -10223,9 +10641,10 @@
                         <a:p>
                           <a:pPr lvl="0" algn="l"/>
                           <a:r>
-                            <a:rPr lang="en-US" dirty="0"/>
+                            <a:rPr lang="en-US" dirty="0" err="1"/>
                             <a:t>egcd</a:t>
                           </a:r>
+                          <a:endParaRPr lang="en-US" dirty="0"/>
                         </a:p>
                       </a:txBody>
                       <a:tcPr/>
@@ -14801,8 +15220,8 @@
           </a:p>
         </p:txBody>
       </p:sp>
-      <mc:AlternateContent xmlns:mc="http://schemas.openxmlformats.org/markup-compatibility/2006" xmlns:a14="http://schemas.microsoft.com/office/drawing/2010/main">
-        <mc:Choice Requires="a14">
+      <mc:AlternateContent xmlns:mc="http://schemas.openxmlformats.org/markup-compatibility/2006">
+        <mc:Choice xmlns:a14="http://schemas.microsoft.com/office/drawing/2010/main" Requires="a14">
           <p:sp>
             <p:nvSpPr>
               <p:cNvPr id="3" name="Content Placeholder 2">
@@ -15107,7 +15526,7 @@
             </p:txBody>
           </p:sp>
         </mc:Choice>
-        <mc:Fallback xmlns="">
+        <mc:Fallback>
           <p:sp>
             <p:nvSpPr>
               <p:cNvPr id="3" name="Content Placeholder 2">
@@ -15505,8 +15924,8 @@
           </a:p>
         </p:txBody>
       </p:sp>
-      <mc:AlternateContent xmlns:mc="http://schemas.openxmlformats.org/markup-compatibility/2006" xmlns:a14="http://schemas.microsoft.com/office/drawing/2010/main">
-        <mc:Choice Requires="a14">
+      <mc:AlternateContent xmlns:mc="http://schemas.openxmlformats.org/markup-compatibility/2006">
+        <mc:Choice xmlns:a14="http://schemas.microsoft.com/office/drawing/2010/main" Requires="a14">
           <p:sp>
             <p:nvSpPr>
               <p:cNvPr id="3" name="Content Placeholder 2">
@@ -15893,7 +16312,7 @@
             </p:txBody>
           </p:sp>
         </mc:Choice>
-        <mc:Fallback xmlns="">
+        <mc:Fallback>
           <p:sp>
             <p:nvSpPr>
               <p:cNvPr id="3" name="Content Placeholder 2">
@@ -15998,9 +16417,9 @@
 </file>
 
 <file path=ppt/theme/theme1.xml><?xml version="1.0" encoding="utf-8"?>
-<a:theme xmlns:a="http://schemas.openxmlformats.org/drawingml/2006/main" name="Slice">
+<a:theme xmlns:a="http://schemas.openxmlformats.org/drawingml/2006/main" name="פרוסה">
   <a:themeElements>
-    <a:clrScheme name="Slice">
+    <a:clrScheme name="פרוסה">
       <a:dk1>
         <a:sysClr val="windowText" lastClr="000000"/>
       </a:dk1>
@@ -16038,7 +16457,7 @@
         <a:srgbClr val="356A95"/>
       </a:folHlink>
     </a:clrScheme>
-    <a:fontScheme name="Slice">
+    <a:fontScheme name="פרוסה">
       <a:majorFont>
         <a:latin typeface="Century Gothic" panose="020B0502020202020204"/>
         <a:ea typeface=""/>
@@ -16110,7 +16529,7 @@
         <a:font script="Geor" typeface="Sylfaen"/>
       </a:minorFont>
     </a:fontScheme>
-    <a:fmtScheme name="Slice">
+    <a:fmtScheme name="פרוסה">
       <a:fillStyleLst>
         <a:solidFill>
           <a:schemeClr val="phClr"/>

--- a/Advanced Algebra.pptx
+++ b/Advanced Algebra.pptx
@@ -346,7 +346,7 @@
           <a:p>
             <a:fld id="{D3D0604E-EAD8-43F5-BBC5-6326AC022B4A}" type="datetimeFigureOut">
               <a:rPr lang="he-IL" smtClean="0"/>
-              <a:t>כ'/אדר/תשפ"א</a:t>
+              <a:t>ה'/ניסן/תשפ"א</a:t>
             </a:fld>
             <a:endParaRPr lang="he-IL"/>
           </a:p>
@@ -782,7 +782,7 @@
           <a:p>
             <a:fld id="{D3D0604E-EAD8-43F5-BBC5-6326AC022B4A}" type="datetimeFigureOut">
               <a:rPr lang="he-IL" smtClean="0"/>
-              <a:t>כ'/אדר/תשפ"א</a:t>
+              <a:t>ה'/ניסן/תשפ"א</a:t>
             </a:fld>
             <a:endParaRPr lang="he-IL"/>
           </a:p>
@@ -1032,7 +1032,7 @@
           <a:p>
             <a:fld id="{D3D0604E-EAD8-43F5-BBC5-6326AC022B4A}" type="datetimeFigureOut">
               <a:rPr lang="he-IL" smtClean="0"/>
-              <a:t>כ'/אדר/תשפ"א</a:t>
+              <a:t>ה'/ניסן/תשפ"א</a:t>
             </a:fld>
             <a:endParaRPr lang="he-IL"/>
           </a:p>
@@ -1340,7 +1340,7 @@
           <a:p>
             <a:fld id="{D3D0604E-EAD8-43F5-BBC5-6326AC022B4A}" type="datetimeFigureOut">
               <a:rPr lang="he-IL" smtClean="0"/>
-              <a:t>כ'/אדר/תשפ"א</a:t>
+              <a:t>ה'/ניסן/תשפ"א</a:t>
             </a:fld>
             <a:endParaRPr lang="he-IL"/>
           </a:p>
@@ -1658,7 +1658,7 @@
           <a:p>
             <a:fld id="{D3D0604E-EAD8-43F5-BBC5-6326AC022B4A}" type="datetimeFigureOut">
               <a:rPr lang="he-IL" smtClean="0"/>
-              <a:t>כ'/אדר/תשפ"א</a:t>
+              <a:t>ה'/ניסן/תשפ"א</a:t>
             </a:fld>
             <a:endParaRPr lang="he-IL"/>
           </a:p>
@@ -1960,7 +1960,7 @@
           <a:p>
             <a:fld id="{D3D0604E-EAD8-43F5-BBC5-6326AC022B4A}" type="datetimeFigureOut">
               <a:rPr lang="he-IL" smtClean="0"/>
-              <a:t>כ'/אדר/תשפ"א</a:t>
+              <a:t>ה'/ניסן/תשפ"א</a:t>
             </a:fld>
             <a:endParaRPr lang="he-IL"/>
           </a:p>
@@ -2327,7 +2327,7 @@
           <a:p>
             <a:fld id="{D3D0604E-EAD8-43F5-BBC5-6326AC022B4A}" type="datetimeFigureOut">
               <a:rPr lang="he-IL" smtClean="0"/>
-              <a:t>כ'/אדר/תשפ"א</a:t>
+              <a:t>ה'/ניסן/תשפ"א</a:t>
             </a:fld>
             <a:endParaRPr lang="he-IL"/>
           </a:p>
@@ -2501,7 +2501,7 @@
           <a:p>
             <a:fld id="{D3D0604E-EAD8-43F5-BBC5-6326AC022B4A}" type="datetimeFigureOut">
               <a:rPr lang="he-IL" smtClean="0"/>
-              <a:t>כ'/אדר/תשפ"א</a:t>
+              <a:t>ה'/ניסן/תשפ"א</a:t>
             </a:fld>
             <a:endParaRPr lang="he-IL"/>
           </a:p>
@@ -2681,7 +2681,7 @@
           <a:p>
             <a:fld id="{D3D0604E-EAD8-43F5-BBC5-6326AC022B4A}" type="datetimeFigureOut">
               <a:rPr lang="he-IL" smtClean="0"/>
-              <a:t>כ'/אדר/תשפ"א</a:t>
+              <a:t>ה'/ניסן/תשפ"א</a:t>
             </a:fld>
             <a:endParaRPr lang="he-IL"/>
           </a:p>
@@ -2851,7 +2851,7 @@
           <a:p>
             <a:fld id="{D3D0604E-EAD8-43F5-BBC5-6326AC022B4A}" type="datetimeFigureOut">
               <a:rPr lang="he-IL" smtClean="0"/>
-              <a:t>כ'/אדר/תשפ"א</a:t>
+              <a:t>ה'/ניסן/תשפ"א</a:t>
             </a:fld>
             <a:endParaRPr lang="he-IL"/>
           </a:p>
@@ -3101,7 +3101,7 @@
           <a:p>
             <a:fld id="{D3D0604E-EAD8-43F5-BBC5-6326AC022B4A}" type="datetimeFigureOut">
               <a:rPr lang="he-IL" smtClean="0"/>
-              <a:t>כ'/אדר/תשפ"א</a:t>
+              <a:t>ה'/ניסן/תשפ"א</a:t>
             </a:fld>
             <a:endParaRPr lang="he-IL"/>
           </a:p>
@@ -3337,7 +3337,7 @@
           <a:p>
             <a:fld id="{D3D0604E-EAD8-43F5-BBC5-6326AC022B4A}" type="datetimeFigureOut">
               <a:rPr lang="he-IL" smtClean="0"/>
-              <a:t>כ'/אדר/תשפ"א</a:t>
+              <a:t>ה'/ניסן/תשפ"א</a:t>
             </a:fld>
             <a:endParaRPr lang="he-IL"/>
           </a:p>
@@ -3719,7 +3719,7 @@
           <a:p>
             <a:fld id="{D3D0604E-EAD8-43F5-BBC5-6326AC022B4A}" type="datetimeFigureOut">
               <a:rPr lang="he-IL" smtClean="0"/>
-              <a:t>כ'/אדר/תשפ"א</a:t>
+              <a:t>ה'/ניסן/תשפ"א</a:t>
             </a:fld>
             <a:endParaRPr lang="he-IL"/>
           </a:p>
@@ -3837,7 +3837,7 @@
           <a:p>
             <a:fld id="{D3D0604E-EAD8-43F5-BBC5-6326AC022B4A}" type="datetimeFigureOut">
               <a:rPr lang="he-IL" smtClean="0"/>
-              <a:t>כ'/אדר/תשפ"א</a:t>
+              <a:t>ה'/ניסן/תשפ"א</a:t>
             </a:fld>
             <a:endParaRPr lang="he-IL"/>
           </a:p>
@@ -3932,7 +3932,7 @@
           <a:p>
             <a:fld id="{D3D0604E-EAD8-43F5-BBC5-6326AC022B4A}" type="datetimeFigureOut">
               <a:rPr lang="he-IL" smtClean="0"/>
-              <a:t>כ'/אדר/תשפ"א</a:t>
+              <a:t>ה'/ניסן/תשפ"א</a:t>
             </a:fld>
             <a:endParaRPr lang="he-IL"/>
           </a:p>
@@ -4187,7 +4187,7 @@
           <a:p>
             <a:fld id="{D3D0604E-EAD8-43F5-BBC5-6326AC022B4A}" type="datetimeFigureOut">
               <a:rPr lang="he-IL" smtClean="0"/>
-              <a:t>כ'/אדר/תשפ"א</a:t>
+              <a:t>ה'/ניסן/תשפ"א</a:t>
             </a:fld>
             <a:endParaRPr lang="he-IL"/>
           </a:p>
@@ -4470,7 +4470,7 @@
           <a:p>
             <a:fld id="{D3D0604E-EAD8-43F5-BBC5-6326AC022B4A}" type="datetimeFigureOut">
               <a:rPr lang="he-IL" smtClean="0"/>
-              <a:t>כ'/אדר/תשפ"א</a:t>
+              <a:t>ה'/ניסן/תשפ"א</a:t>
             </a:fld>
             <a:endParaRPr lang="he-IL"/>
           </a:p>
@@ -4876,7 +4876,7 @@
           <a:p>
             <a:fld id="{D3D0604E-EAD8-43F5-BBC5-6326AC022B4A}" type="datetimeFigureOut">
               <a:rPr lang="he-IL" smtClean="0"/>
-              <a:t>כ'/אדר/תשפ"א</a:t>
+              <a:t>ה'/ניסן/תשפ"א</a:t>
             </a:fld>
             <a:endParaRPr lang="he-IL"/>
           </a:p>
@@ -6006,8 +6006,8 @@
           </a:p>
         </p:txBody>
       </p:sp>
-      <mc:AlternateContent xmlns:mc="http://schemas.openxmlformats.org/markup-compatibility/2006">
-        <mc:Choice xmlns:a14="http://schemas.microsoft.com/office/drawing/2010/main" Requires="a14">
+      <mc:AlternateContent xmlns:mc="http://schemas.openxmlformats.org/markup-compatibility/2006" xmlns:a14="http://schemas.microsoft.com/office/drawing/2010/main">
+        <mc:Choice Requires="a14">
           <p:sp>
             <p:nvSpPr>
               <p:cNvPr id="3" name="Content Placeholder 2">
@@ -6592,7 +6592,7 @@
             </p:txBody>
           </p:sp>
         </mc:Choice>
-        <mc:Fallback>
+        <mc:Fallback xmlns="">
           <p:sp>
             <p:nvSpPr>
               <p:cNvPr id="3" name="Content Placeholder 2">
@@ -6638,11 +6638,11 @@
       </mc:AlternateContent>
       <p:sp>
         <p:nvSpPr>
-          <p:cNvPr id="5" name="Action Button: Go Back or Previous 4">
+          <p:cNvPr id="6" name="Action Button: Go Back or Previous 5">
             <a:hlinkClick r:id="rId4" action="ppaction://hlinksldjump" highlightClick="1"/>
             <a:extLst>
               <a:ext uri="{FF2B5EF4-FFF2-40B4-BE49-F238E27FC236}">
-                <a16:creationId xmlns:a16="http://schemas.microsoft.com/office/drawing/2014/main" id="{7A4D2879-87BC-418A-9BAB-29A7E9D5DC30}"/>
+                <a16:creationId xmlns:a16="http://schemas.microsoft.com/office/drawing/2014/main" id="{DF0DA205-C528-4FEC-9C12-C30495BF569B}"/>
               </a:ext>
             </a:extLst>
           </p:cNvPr>
@@ -6651,12 +6651,20 @@
         </p:nvSpPr>
         <p:spPr>
           <a:xfrm>
-            <a:off x="10833682" y="365125"/>
-            <a:ext cx="520118" cy="456996"/>
+            <a:off x="10890658" y="343948"/>
+            <a:ext cx="696286" cy="616387"/>
           </a:xfrm>
           <a:prstGeom prst="actionButtonBackPrevious">
             <a:avLst/>
           </a:prstGeom>
+          <a:solidFill>
+            <a:srgbClr val="60CFEB"/>
+          </a:solidFill>
+          <a:ln>
+            <a:solidFill>
+              <a:srgbClr val="60CFEB"/>
+            </a:solidFill>
+          </a:ln>
         </p:spPr>
         <p:style>
           <a:lnRef idx="2">
@@ -7736,6 +7744,61 @@
           </p:sp>
         </mc:Fallback>
       </mc:AlternateContent>
+      <p:sp>
+        <p:nvSpPr>
+          <p:cNvPr id="4" name="Action Button: Go Back or Previous 5">
+            <a:hlinkClick r:id="rId3" action="ppaction://hlinksldjump" highlightClick="1"/>
+            <a:extLst>
+              <a:ext uri="{FF2B5EF4-FFF2-40B4-BE49-F238E27FC236}">
+                <a16:creationId xmlns:a16="http://schemas.microsoft.com/office/drawing/2014/main" id="{45E3F75A-889F-46FE-A993-57F062BEB0E9}"/>
+              </a:ext>
+            </a:extLst>
+          </p:cNvPr>
+          <p:cNvSpPr/>
+          <p:nvPr/>
+        </p:nvSpPr>
+        <p:spPr>
+          <a:xfrm>
+            <a:off x="10890658" y="343948"/>
+            <a:ext cx="696286" cy="616387"/>
+          </a:xfrm>
+          <a:prstGeom prst="actionButtonBackPrevious">
+            <a:avLst/>
+          </a:prstGeom>
+          <a:solidFill>
+            <a:srgbClr val="60CFEB"/>
+          </a:solidFill>
+          <a:ln>
+            <a:solidFill>
+              <a:srgbClr val="60CFEB"/>
+            </a:solidFill>
+          </a:ln>
+        </p:spPr>
+        <p:style>
+          <a:lnRef idx="2">
+            <a:schemeClr val="accent1">
+              <a:shade val="50000"/>
+            </a:schemeClr>
+          </a:lnRef>
+          <a:fillRef idx="1">
+            <a:schemeClr val="accent1"/>
+          </a:fillRef>
+          <a:effectRef idx="0">
+            <a:schemeClr val="accent1"/>
+          </a:effectRef>
+          <a:fontRef idx="minor">
+            <a:schemeClr val="lt1"/>
+          </a:fontRef>
+        </p:style>
+        <p:txBody>
+          <a:bodyPr rtlCol="1" anchor="ctr"/>
+          <a:lstStyle/>
+          <a:p>
+            <a:pPr algn="ctr"/>
+            <a:endParaRPr lang="he-IL"/>
+          </a:p>
+        </p:txBody>
+      </p:sp>
     </p:spTree>
     <p:extLst>
       <p:ext uri="{BB962C8B-B14F-4D97-AF65-F5344CB8AC3E}">
@@ -7802,8 +7865,8 @@
           </a:p>
         </p:txBody>
       </p:sp>
-      <mc:AlternateContent xmlns:mc="http://schemas.openxmlformats.org/markup-compatibility/2006">
-        <mc:Choice xmlns:a14="http://schemas.microsoft.com/office/drawing/2010/main" Requires="a14">
+      <mc:AlternateContent xmlns:mc="http://schemas.openxmlformats.org/markup-compatibility/2006" xmlns:a14="http://schemas.microsoft.com/office/drawing/2010/main">
+        <mc:Choice Requires="a14">
           <p:sp>
             <p:nvSpPr>
               <p:cNvPr id="3" name="Content Placeholder 2">
@@ -9604,7 +9667,7 @@
             </p:txBody>
           </p:sp>
         </mc:Choice>
-        <mc:Fallback>
+        <mc:Fallback xmlns="">
           <p:sp>
             <p:nvSpPr>
               <p:cNvPr id="3" name="Content Placeholder 2">
@@ -9678,6 +9741,61 @@
           </a:prstGeom>
         </p:spPr>
       </p:pic>
+      <p:sp>
+        <p:nvSpPr>
+          <p:cNvPr id="5" name="Action Button: Go Back or Previous 5">
+            <a:hlinkClick r:id="rId4" action="ppaction://hlinksldjump" highlightClick="1"/>
+            <a:extLst>
+              <a:ext uri="{FF2B5EF4-FFF2-40B4-BE49-F238E27FC236}">
+                <a16:creationId xmlns:a16="http://schemas.microsoft.com/office/drawing/2014/main" id="{BF454F8D-E436-4F75-A69A-32D416CA1740}"/>
+              </a:ext>
+            </a:extLst>
+          </p:cNvPr>
+          <p:cNvSpPr/>
+          <p:nvPr/>
+        </p:nvSpPr>
+        <p:spPr>
+          <a:xfrm>
+            <a:off x="10890658" y="343948"/>
+            <a:ext cx="696286" cy="616387"/>
+          </a:xfrm>
+          <a:prstGeom prst="actionButtonBackPrevious">
+            <a:avLst/>
+          </a:prstGeom>
+          <a:solidFill>
+            <a:srgbClr val="60CFEB"/>
+          </a:solidFill>
+          <a:ln>
+            <a:solidFill>
+              <a:srgbClr val="60CFEB"/>
+            </a:solidFill>
+          </a:ln>
+        </p:spPr>
+        <p:style>
+          <a:lnRef idx="2">
+            <a:schemeClr val="accent1">
+              <a:shade val="50000"/>
+            </a:schemeClr>
+          </a:lnRef>
+          <a:fillRef idx="1">
+            <a:schemeClr val="accent1"/>
+          </a:fillRef>
+          <a:effectRef idx="0">
+            <a:schemeClr val="accent1"/>
+          </a:effectRef>
+          <a:fontRef idx="minor">
+            <a:schemeClr val="lt1"/>
+          </a:fontRef>
+        </p:style>
+        <p:txBody>
+          <a:bodyPr rtlCol="1" anchor="ctr"/>
+          <a:lstStyle/>
+          <a:p>
+            <a:pPr algn="ctr"/>
+            <a:endParaRPr lang="he-IL"/>
+          </a:p>
+        </p:txBody>
+      </p:sp>
     </p:spTree>
     <p:extLst>
       <p:ext uri="{BB962C8B-B14F-4D97-AF65-F5344CB8AC3E}">
@@ -9776,7 +9894,7 @@
               <a:buNone/>
             </a:pPr>
             <a:r>
-              <a:rPr lang="en-US" sz="2600" b="1">
+              <a:rPr lang="en-US" sz="2600" b="1" dirty="0">
                 <a:solidFill>
                   <a:srgbClr val="0F496F"/>
                 </a:solidFill>
@@ -9789,7 +9907,7 @@
               <a:buNone/>
             </a:pPr>
             <a:r>
-              <a:rPr lang="en-US" sz="2600" b="1">
+              <a:rPr lang="en-US" sz="2600" b="1" dirty="0">
                 <a:solidFill>
                   <a:srgbClr val="0F496F"/>
                 </a:solidFill>
@@ -9800,18 +9918,31 @@
           <a:p>
             <a:pPr lvl="1" algn="l" rtl="0"/>
             <a:r>
-              <a:rPr lang="en-US" sz="1900" b="1">
+              <a:rPr lang="en-US" sz="1900" b="1" dirty="0">
                 <a:solidFill>
                   <a:srgbClr val="0F496F"/>
                 </a:solidFill>
               </a:rPr>
-              <a:t>Finite Fileds</a:t>
+              <a:t>Finite </a:t>
             </a:r>
+            <a:r>
+              <a:rPr lang="en-US" sz="1900" b="1" dirty="0" err="1">
+                <a:solidFill>
+                  <a:srgbClr val="0F496F"/>
+                </a:solidFill>
+              </a:rPr>
+              <a:t>Fileds</a:t>
+            </a:r>
+            <a:endParaRPr lang="en-US" sz="1900" b="1" dirty="0">
+              <a:solidFill>
+                <a:srgbClr val="0F496F"/>
+              </a:solidFill>
+            </a:endParaRPr>
           </a:p>
           <a:p>
             <a:pPr lvl="2" algn="l" rtl="0"/>
             <a:r>
-              <a:rPr lang="en-US" sz="1800" b="1">
+              <a:rPr lang="en-US" sz="1800" b="1" dirty="0">
                 <a:solidFill>
                   <a:srgbClr val="0F496F"/>
                 </a:solidFill>
@@ -9822,7 +9953,7 @@
           <a:p>
             <a:pPr lvl="2" algn="l" rtl="0"/>
             <a:r>
-              <a:rPr lang="en-US" sz="1800" b="1">
+              <a:rPr lang="en-US" sz="1800" b="1" dirty="0">
                 <a:solidFill>
                   <a:srgbClr val="0F496F"/>
                 </a:solidFill>
@@ -9833,7 +9964,7 @@
           <a:p>
             <a:pPr lvl="2" algn="l" rtl="0"/>
             <a:r>
-              <a:rPr lang="en-US" sz="1800" b="1">
+              <a:rPr lang="en-US" sz="1800" b="1" dirty="0">
                 <a:solidFill>
                   <a:srgbClr val="0F496F"/>
                 </a:solidFill>
@@ -9844,7 +9975,7 @@
           <a:p>
             <a:pPr lvl="2" algn="l" rtl="0"/>
             <a:r>
-              <a:rPr lang="en-US" sz="1800" b="1">
+              <a:rPr lang="en-US" sz="1800" b="1" dirty="0">
                 <a:solidFill>
                   <a:srgbClr val="0F496F"/>
                 </a:solidFill>
@@ -9855,7 +9986,7 @@
           <a:p>
             <a:pPr lvl="1" algn="l" rtl="0"/>
             <a:r>
-              <a:rPr lang="en-US" sz="1900" b="1">
+              <a:rPr lang="en-US" sz="1900" b="1" dirty="0">
                 <a:solidFill>
                   <a:srgbClr val="0F496F"/>
                 </a:solidFill>
@@ -9866,7 +9997,7 @@
           <a:p>
             <a:pPr lvl="2" algn="l" rtl="0"/>
             <a:r>
-              <a:rPr lang="en-US" sz="1800" b="1">
+              <a:rPr lang="en-US" sz="1800" b="1" dirty="0">
                 <a:solidFill>
                   <a:srgbClr val="0F496F"/>
                 </a:solidFill>
@@ -9877,7 +10008,7 @@
           <a:p>
             <a:pPr lvl="2" algn="l" rtl="0"/>
             <a:r>
-              <a:rPr lang="en-US" sz="1800" b="1">
+              <a:rPr lang="en-US" sz="1800" b="1" dirty="0">
                 <a:solidFill>
                   <a:srgbClr val="0F496F"/>
                 </a:solidFill>
@@ -9888,7 +10019,7 @@
           <a:p>
             <a:pPr lvl="2" algn="l" rtl="0"/>
             <a:r>
-              <a:rPr lang="en-US" sz="1800" b="1">
+              <a:rPr lang="en-US" sz="1800" b="1" dirty="0">
                 <a:solidFill>
                   <a:srgbClr val="0F496F"/>
                 </a:solidFill>
@@ -9899,7 +10030,7 @@
           <a:p>
             <a:pPr lvl="2" algn="l" rtl="0"/>
             <a:r>
-              <a:rPr lang="en-US" sz="1800" b="1">
+              <a:rPr lang="en-US" sz="1800" b="1" dirty="0">
                 <a:solidFill>
                   <a:srgbClr val="0F496F"/>
                 </a:solidFill>
@@ -9910,7 +10041,7 @@
           <a:p>
             <a:pPr lvl="2" algn="l" rtl="0"/>
             <a:r>
-              <a:rPr lang="en-US" sz="1800" b="1">
+              <a:rPr lang="en-US" sz="1800" b="1" dirty="0">
                 <a:solidFill>
                   <a:srgbClr val="0F496F"/>
                 </a:solidFill>
@@ -9921,7 +10052,7 @@
           <a:p>
             <a:pPr lvl="1" algn="l" rtl="0"/>
             <a:r>
-              <a:rPr lang="en-US" b="1">
+              <a:rPr lang="en-US" b="1" dirty="0">
                 <a:solidFill>
                   <a:srgbClr val="0F496F"/>
                 </a:solidFill>
@@ -9933,7 +10064,7 @@
             <a:pPr marL="0" indent="0" algn="l" rtl="0">
               <a:buNone/>
             </a:pPr>
-            <a:endParaRPr lang="en-US" b="1">
+            <a:endParaRPr lang="en-US" b="1" dirty="0">
               <a:solidFill>
                 <a:srgbClr val="0F496F"/>
               </a:solidFill>
@@ -9944,12 +10075,20 @@
               <a:buNone/>
             </a:pPr>
             <a:r>
-              <a:rPr lang="en-US" b="1">
+              <a:rPr lang="en-US" sz="2200" b="1" dirty="0">
                 <a:solidFill>
                   <a:srgbClr val="0F496F"/>
                 </a:solidFill>
               </a:rPr>
-              <a:t>Lecturers: Dr. Rony Bitan &amp; Mr. Tomer Bauer</a:t>
+              <a:t>Lecturers: </a:t>
+            </a:r>
+            <a:r>
+              <a:rPr lang="en-US" sz="2200" dirty="0">
+                <a:solidFill>
+                  <a:srgbClr val="0F496F"/>
+                </a:solidFill>
+              </a:rPr>
+              <a:t>Dr. Rony Bitan &amp; Mr. Tomer Bauer</a:t>
             </a:r>
           </a:p>
           <a:p>
@@ -9957,19 +10096,35 @@
               <a:buNone/>
             </a:pPr>
             <a:r>
-              <a:rPr lang="en-US" b="1">
+              <a:rPr lang="en-US" sz="2200" b="1" dirty="0">
                 <a:solidFill>
                   <a:srgbClr val="0F496F"/>
                 </a:solidFill>
               </a:rPr>
-              <a:t>Bar-Ilan University</a:t>
+              <a:t>Bar-</a:t>
+            </a:r>
+            <a:r>
+              <a:rPr lang="en-US" sz="2200" b="1" dirty="0" err="1">
+                <a:solidFill>
+                  <a:srgbClr val="0F496F"/>
+                </a:solidFill>
+              </a:rPr>
+              <a:t>Ilan</a:t>
+            </a:r>
+            <a:r>
+              <a:rPr lang="en-US" sz="2200" b="1" dirty="0">
+                <a:solidFill>
+                  <a:srgbClr val="0F496F"/>
+                </a:solidFill>
+              </a:rPr>
+              <a:t> University</a:t>
             </a:r>
           </a:p>
           <a:p>
             <a:pPr marL="0" indent="0" algn="l" rtl="0">
               <a:buNone/>
             </a:pPr>
-            <a:endParaRPr lang="en-US" b="1">
+            <a:endParaRPr lang="en-US" b="1" dirty="0">
               <a:solidFill>
                 <a:srgbClr val="0F496F"/>
               </a:solidFill>
@@ -9980,12 +10135,20 @@
               <a:buNone/>
             </a:pPr>
             <a:r>
-              <a:rPr lang="en-US" sz="1800" b="1">
+              <a:rPr lang="en-US" sz="1800" b="1" dirty="0" err="1">
                 <a:solidFill>
                   <a:srgbClr val="0F496F"/>
                 </a:solidFill>
               </a:rPr>
-              <a:t>Github:</a:t>
+              <a:t>Github</a:t>
+            </a:r>
+            <a:r>
+              <a:rPr lang="en-US" sz="1800" b="1" dirty="0">
+                <a:solidFill>
+                  <a:srgbClr val="0F496F"/>
+                </a:solidFill>
+              </a:rPr>
+              <a:t>:</a:t>
             </a:r>
           </a:p>
           <a:p>
@@ -9993,7 +10156,7 @@
               <a:buNone/>
             </a:pPr>
             <a:r>
-              <a:rPr lang="en-US" sz="1800" b="1">
+              <a:rPr lang="en-US" sz="1800" b="1" dirty="0">
                 <a:solidFill>
                   <a:srgbClr val="0F496F"/>
                 </a:solidFill>
@@ -10001,7 +10164,7 @@
               </a:rPr>
               <a:t>https://github.com/LiorYaacov/Advanced-Algebra.git</a:t>
             </a:r>
-            <a:endParaRPr lang="en-US" sz="1800" b="1">
+            <a:endParaRPr lang="en-US" sz="1800" b="1" dirty="0">
               <a:solidFill>
                 <a:srgbClr val="0F496F"/>
               </a:solidFill>
@@ -10136,8 +10299,8 @@
           </a:p>
         </p:txBody>
       </p:sp>
-      <mc:AlternateContent xmlns:mc="http://schemas.openxmlformats.org/markup-compatibility/2006">
-        <mc:Choice xmlns:a14="http://schemas.microsoft.com/office/drawing/2010/main" Requires="a14">
+      <mc:AlternateContent xmlns:mc="http://schemas.openxmlformats.org/markup-compatibility/2006" xmlns:a14="http://schemas.microsoft.com/office/drawing/2010/main">
+        <mc:Choice Requires="a14">
           <p:graphicFrame>
             <p:nvGraphicFramePr>
               <p:cNvPr id="5" name="Table 5">
@@ -10443,7 +10606,7 @@
             </a:graphic>
           </p:graphicFrame>
         </mc:Choice>
-        <mc:Fallback>
+        <mc:Fallback xmlns="">
           <p:graphicFrame>
             <p:nvGraphicFramePr>
               <p:cNvPr id="5" name="Table 5">
@@ -10750,7 +10913,7 @@
           <p:nvPr>
             <p:extLst>
               <p:ext uri="{D42A27DB-BD31-4B8C-83A1-F6EECF244321}">
-                <p14:modId xmlns:p14="http://schemas.microsoft.com/office/powerpoint/2010/main" val="950125493"/>
+                <p14:modId xmlns:p14="http://schemas.microsoft.com/office/powerpoint/2010/main" val="3330798384"/>
               </p:ext>
             </p:extLst>
           </p:nvPr>
@@ -12021,10 +12184,24 @@
                         <a:defRPr/>
                       </a:pPr>
                       <a:r>
-                        <a:rPr lang="en-US" sz="1800" kern="1200" dirty="0"/>
+                        <a:rPr lang="en-US" sz="1800" kern="1200" dirty="0">
+                          <a:solidFill>
+                            <a:schemeClr val="lt1"/>
+                          </a:solidFill>
+                          <a:latin typeface="+mn-lt"/>
+                          <a:ea typeface="+mn-ea"/>
+                          <a:cs typeface="+mn-cs"/>
+                          <a:hlinkClick r:id="rId4" action="ppaction://hlinksldjump">
+                            <a:extLst>
+                              <a:ext uri="{A12FA001-AC4F-418D-AE19-62706E023703}">
+                                <ahyp:hlinkClr xmlns:ahyp="http://schemas.microsoft.com/office/drawing/2018/hyperlinkcolor" val="tx"/>
+                              </a:ext>
+                            </a:extLst>
+                          </a:hlinkClick>
+                        </a:rPr>
                         <a:t>exp_by_square</a:t>
                       </a:r>
-                      <a:endParaRPr lang="en-US" sz="1800" b="1" kern="1200" dirty="0">
+                      <a:endParaRPr lang="en-US" sz="1800" kern="1200" dirty="0">
                         <a:solidFill>
                           <a:schemeClr val="lt1"/>
                         </a:solidFill>
@@ -12106,7 +12283,11 @@
           <a:p>
             <a:r>
               <a:rPr lang="en-US" dirty="0"/>
-              <a:t>Class EllipticCurves</a:t>
+              <a:t>Class </a:t>
+            </a:r>
+            <a:r>
+              <a:rPr lang="en-US" dirty="0" err="1"/>
+              <a:t>EllipticCurves</a:t>
             </a:r>
             <a:endParaRPr lang="he-IL" dirty="0"/>
           </a:p>
@@ -12127,7 +12308,7 @@
           <p:nvPr>
             <p:extLst>
               <p:ext uri="{D42A27DB-BD31-4B8C-83A1-F6EECF244321}">
-                <p14:modId xmlns:p14="http://schemas.microsoft.com/office/powerpoint/2010/main" val="535158139"/>
+                <p14:modId xmlns:p14="http://schemas.microsoft.com/office/powerpoint/2010/main" val="2397865453"/>
               </p:ext>
             </p:extLst>
           </p:nvPr>
@@ -12427,13 +12608,26 @@
                       </a:pPr>
                       <a:r>
                         <a:rPr lang="en-US" sz="1800" kern="1200" dirty="0">
+                          <a:solidFill>
+                            <a:schemeClr val="lt1"/>
+                          </a:solidFill>
                           <a:effectLst/>
+                          <a:latin typeface="+mn-lt"/>
+                          <a:ea typeface="+mn-ea"/>
+                          <a:cs typeface="+mn-cs"/>
+                          <a:hlinkClick r:id="rId2" action="ppaction://hlinksldjump">
+                            <a:extLst>
+                              <a:ext uri="{A12FA001-AC4F-418D-AE19-62706E023703}">
+                                <ahyp:hlinkClr xmlns:ahyp="http://schemas.microsoft.com/office/drawing/2018/hyperlinkcolor" val="tx"/>
+                              </a:ext>
+                            </a:extLst>
+                          </a:hlinkClick>
                         </a:rPr>
                         <a:t>Hasses_bound</a:t>
                       </a:r>
-                      <a:endParaRPr lang="en-US" sz="1800" b="0" kern="1200" dirty="0">
+                      <a:endParaRPr lang="en-US" sz="1800" kern="1200" dirty="0">
                         <a:solidFill>
-                          <a:schemeClr val="dk1"/>
+                          <a:schemeClr val="lt1"/>
                         </a:solidFill>
                         <a:effectLst/>
                         <a:latin typeface="+mn-lt"/>
@@ -12736,8 +12930,8 @@
           </a:p>
         </p:txBody>
       </p:sp>
-      <mc:AlternateContent xmlns:mc="http://schemas.openxmlformats.org/markup-compatibility/2006" xmlns:a14="http://schemas.microsoft.com/office/drawing/2010/main">
-        <mc:Choice Requires="a14">
+      <mc:AlternateContent xmlns:mc="http://schemas.openxmlformats.org/markup-compatibility/2006">
+        <mc:Choice xmlns:a14="http://schemas.microsoft.com/office/drawing/2010/main" Requires="a14">
           <p:graphicFrame>
             <p:nvGraphicFramePr>
               <p:cNvPr id="5" name="Table 5">
@@ -12753,7 +12947,7 @@
               <p:nvPr>
                 <p:extLst>
                   <p:ext uri="{D42A27DB-BD31-4B8C-83A1-F6EECF244321}">
-                    <p14:modId xmlns:p14="http://schemas.microsoft.com/office/powerpoint/2010/main" val="1538596992"/>
+                    <p14:modId xmlns:p14="http://schemas.microsoft.com/office/powerpoint/2010/main" val="4245113951"/>
                   </p:ext>
                 </p:extLst>
               </p:nvPr>
@@ -13876,13 +14070,26 @@
                           </a:pPr>
                           <a:r>
                             <a:rPr lang="en-US" sz="1800" kern="1200" dirty="0">
+                              <a:solidFill>
+                                <a:schemeClr val="lt1"/>
+                              </a:solidFill>
                               <a:effectLst/>
+                              <a:latin typeface="+mn-lt"/>
+                              <a:ea typeface="+mn-ea"/>
+                              <a:cs typeface="+mn-cs"/>
+                              <a:hlinkClick r:id="rId2" action="ppaction://hlinksldjump">
+                                <a:extLst>
+                                  <a:ext uri="{A12FA001-AC4F-418D-AE19-62706E023703}">
+                                    <ahyp:hlinkClr xmlns:ahyp="http://schemas.microsoft.com/office/drawing/2018/hyperlinkcolor" val="tx"/>
+                                  </a:ext>
+                                </a:extLst>
+                              </a:hlinkClick>
                             </a:rPr>
                             <a:t>double_and_add</a:t>
                           </a:r>
-                          <a:endParaRPr lang="en-US" sz="1800" b="0" kern="1200" dirty="0">
+                          <a:endParaRPr lang="en-US" sz="1800" kern="1200" dirty="0">
                             <a:solidFill>
-                              <a:schemeClr val="dk1"/>
+                              <a:schemeClr val="lt1"/>
                             </a:solidFill>
                             <a:effectLst/>
                             <a:latin typeface="+mn-lt"/>
@@ -14034,7 +14241,7 @@
             </a:graphic>
           </p:graphicFrame>
         </mc:Choice>
-        <mc:Fallback xmlns="">
+        <mc:Fallback>
           <p:graphicFrame>
             <p:nvGraphicFramePr>
               <p:cNvPr id="5" name="Table 5">
@@ -14050,7 +14257,7 @@
               <p:nvPr>
                 <p:extLst>
                   <p:ext uri="{D42A27DB-BD31-4B8C-83A1-F6EECF244321}">
-                    <p14:modId xmlns:p14="http://schemas.microsoft.com/office/powerpoint/2010/main" val="1538596992"/>
+                    <p14:modId xmlns:p14="http://schemas.microsoft.com/office/powerpoint/2010/main" val="4245113951"/>
                   </p:ext>
                 </p:extLst>
               </p:nvPr>
@@ -14276,7 +14483,7 @@
                       </a:txBody>
                       <a:tcPr>
                         <a:blipFill>
-                          <a:blip r:embed="rId2"/>
+                          <a:blip r:embed="rId3"/>
                           <a:stretch>
                             <a:fillRect l="-1279" t="-213761" r="-80064" b="-527523"/>
                           </a:stretch>
@@ -14969,7 +15176,7 @@
                       </a:txBody>
                       <a:tcPr>
                         <a:blipFill>
-                          <a:blip r:embed="rId2"/>
+                          <a:blip r:embed="rId3"/>
                           <a:stretch>
                             <a:fillRect l="-1279" t="-700000" r="-80064" b="-73333"/>
                           </a:stretch>
@@ -15030,13 +15237,26 @@
                           </a:pPr>
                           <a:r>
                             <a:rPr lang="en-US" sz="1800" kern="1200" dirty="0">
+                              <a:solidFill>
+                                <a:schemeClr val="lt1"/>
+                              </a:solidFill>
                               <a:effectLst/>
+                              <a:latin typeface="+mn-lt"/>
+                              <a:ea typeface="+mn-ea"/>
+                              <a:cs typeface="+mn-cs"/>
+                              <a:hlinkClick r:id="rId2" action="ppaction://hlinksldjump">
+                                <a:extLst>
+                                  <a:ext uri="{A12FA001-AC4F-418D-AE19-62706E023703}">
+                                    <ahyp:hlinkClr xmlns:ahyp="http://schemas.microsoft.com/office/drawing/2018/hyperlinkcolor" val="tx"/>
+                                  </a:ext>
+                                </a:extLst>
+                              </a:hlinkClick>
                             </a:rPr>
                             <a:t>double_and_add</a:t>
                           </a:r>
-                          <a:endParaRPr lang="en-US" sz="1800" b="0" kern="1200" dirty="0">
+                          <a:endParaRPr lang="en-US" sz="1800" kern="1200" dirty="0">
                             <a:solidFill>
-                              <a:schemeClr val="dk1"/>
+                              <a:schemeClr val="lt1"/>
                             </a:solidFill>
                             <a:effectLst/>
                             <a:latin typeface="+mn-lt"/>
@@ -15064,7 +15284,7 @@
                       </a:txBody>
                       <a:tcPr>
                         <a:blipFill>
-                          <a:blip r:embed="rId2"/>
+                          <a:blip r:embed="rId3"/>
                           <a:stretch>
                             <a:fillRect l="-1279" t="-1377049" r="-80064" b="-26230"/>
                           </a:stretch>
@@ -15220,8 +15440,8 @@
           </a:p>
         </p:txBody>
       </p:sp>
-      <mc:AlternateContent xmlns:mc="http://schemas.openxmlformats.org/markup-compatibility/2006">
-        <mc:Choice xmlns:a14="http://schemas.microsoft.com/office/drawing/2010/main" Requires="a14">
+      <mc:AlternateContent xmlns:mc="http://schemas.openxmlformats.org/markup-compatibility/2006" xmlns:a14="http://schemas.microsoft.com/office/drawing/2010/main">
+        <mc:Choice Requires="a14">
           <p:sp>
             <p:nvSpPr>
               <p:cNvPr id="3" name="Content Placeholder 2">
@@ -15526,7 +15746,7 @@
             </p:txBody>
           </p:sp>
         </mc:Choice>
-        <mc:Fallback>
+        <mc:Fallback xmlns="">
           <p:sp>
             <p:nvSpPr>
               <p:cNvPr id="3" name="Content Placeholder 2">
@@ -15924,8 +16144,8 @@
           </a:p>
         </p:txBody>
       </p:sp>
-      <mc:AlternateContent xmlns:mc="http://schemas.openxmlformats.org/markup-compatibility/2006">
-        <mc:Choice xmlns:a14="http://schemas.microsoft.com/office/drawing/2010/main" Requires="a14">
+      <mc:AlternateContent xmlns:mc="http://schemas.openxmlformats.org/markup-compatibility/2006" xmlns:a14="http://schemas.microsoft.com/office/drawing/2010/main">
+        <mc:Choice Requires="a14">
           <p:sp>
             <p:nvSpPr>
               <p:cNvPr id="3" name="Content Placeholder 2">
@@ -16312,7 +16532,7 @@
             </p:txBody>
           </p:sp>
         </mc:Choice>
-        <mc:Fallback>
+        <mc:Fallback xmlns="">
           <p:sp>
             <p:nvSpPr>
               <p:cNvPr id="3" name="Content Placeholder 2">
@@ -16358,11 +16578,11 @@
       </mc:AlternateContent>
       <p:sp>
         <p:nvSpPr>
-          <p:cNvPr id="4" name="Action Button: Go Back or Previous 3">
+          <p:cNvPr id="5" name="Action Button: Go Back or Previous 5">
             <a:hlinkClick r:id="rId4" action="ppaction://hlinksldjump" highlightClick="1"/>
             <a:extLst>
               <a:ext uri="{FF2B5EF4-FFF2-40B4-BE49-F238E27FC236}">
-                <a16:creationId xmlns:a16="http://schemas.microsoft.com/office/drawing/2014/main" id="{4A59436A-587D-4502-B724-E4BF52FF4A6F}"/>
+                <a16:creationId xmlns:a16="http://schemas.microsoft.com/office/drawing/2014/main" id="{352A9E4E-3699-4E98-BB1C-5B6F4F9D74B4}"/>
               </a:ext>
             </a:extLst>
           </p:cNvPr>
@@ -16371,12 +16591,20 @@
         </p:nvSpPr>
         <p:spPr>
           <a:xfrm>
-            <a:off x="10833682" y="365125"/>
-            <a:ext cx="520118" cy="456996"/>
+            <a:off x="10890658" y="343948"/>
+            <a:ext cx="696286" cy="616387"/>
           </a:xfrm>
           <a:prstGeom prst="actionButtonBackPrevious">
             <a:avLst/>
           </a:prstGeom>
+          <a:solidFill>
+            <a:srgbClr val="60CFEB"/>
+          </a:solidFill>
+          <a:ln>
+            <a:solidFill>
+              <a:srgbClr val="60CFEB"/>
+            </a:solidFill>
+          </a:ln>
         </p:spPr>
         <p:style>
           <a:lnRef idx="2">

--- a/Advanced Algebra.pptx
+++ b/Advanced Algebra.pptx
@@ -17,6 +17,7 @@
     <p:sldId id="268" r:id="rId11"/>
     <p:sldId id="258" r:id="rId12"/>
     <p:sldId id="269" r:id="rId13"/>
+    <p:sldId id="272" r:id="rId14"/>
   </p:sldIdLst>
   <p:sldSz cx="12192000" cy="6858000"/>
   <p:notesSz cx="6858000" cy="9144000"/>
@@ -144,6 +145,7 @@
         <p14:section name="Class Point" id="{011E98C6-C3DF-447C-9365-541BF4B955F1}">
           <p14:sldIdLst>
             <p14:sldId id="269"/>
+            <p14:sldId id="272"/>
           </p14:sldIdLst>
         </p14:section>
       </p14:sectionLst>
@@ -9809,6 +9811,2148 @@
 </p:sld>
 </file>
 
+<file path=ppt/slides/slide13.xml><?xml version="1.0" encoding="utf-8"?>
+<p:sld xmlns:a="http://schemas.openxmlformats.org/drawingml/2006/main" xmlns:r="http://schemas.openxmlformats.org/officeDocument/2006/relationships" xmlns:p="http://schemas.openxmlformats.org/presentationml/2006/main">
+  <p:cSld>
+    <p:spTree>
+      <p:nvGrpSpPr>
+        <p:cNvPr id="1" name=""/>
+        <p:cNvGrpSpPr/>
+        <p:nvPr/>
+      </p:nvGrpSpPr>
+      <p:grpSpPr>
+        <a:xfrm>
+          <a:off x="0" y="0"/>
+          <a:ext cx="0" cy="0"/>
+          <a:chOff x="0" y="0"/>
+          <a:chExt cx="0" cy="0"/>
+        </a:xfrm>
+      </p:grpSpPr>
+      <p:sp>
+        <p:nvSpPr>
+          <p:cNvPr id="2" name="Title 1">
+            <a:extLst>
+              <a:ext uri="{FF2B5EF4-FFF2-40B4-BE49-F238E27FC236}">
+                <a16:creationId xmlns:a16="http://schemas.microsoft.com/office/drawing/2014/main" id="{D7C6A2F0-BB58-4F7A-987B-14D760B12854}"/>
+              </a:ext>
+            </a:extLst>
+          </p:cNvPr>
+          <p:cNvSpPr>
+            <a:spLocks noGrp="1"/>
+          </p:cNvSpPr>
+          <p:nvPr>
+            <p:ph type="title"/>
+          </p:nvPr>
+        </p:nvSpPr>
+        <p:spPr>
+          <a:xfrm>
+            <a:off x="838200" y="365125"/>
+            <a:ext cx="10515600" cy="616387"/>
+          </a:xfrm>
+        </p:spPr>
+        <p:txBody>
+          <a:bodyPr>
+            <a:normAutofit fontScale="90000"/>
+          </a:bodyPr>
+          <a:lstStyle/>
+          <a:p>
+            <a:r>
+              <a:rPr lang="en-US" dirty="0"/>
+              <a:t>Double and Add Algorithm</a:t>
+            </a:r>
+            <a:endParaRPr lang="he-IL" dirty="0"/>
+          </a:p>
+        </p:txBody>
+      </p:sp>
+      <mc:AlternateContent xmlns:mc="http://schemas.openxmlformats.org/markup-compatibility/2006">
+        <mc:Choice xmlns:a14="http://schemas.microsoft.com/office/drawing/2010/main" Requires="a14">
+          <p:sp>
+            <p:nvSpPr>
+              <p:cNvPr id="3" name="Content Placeholder 2">
+                <a:extLst>
+                  <a:ext uri="{FF2B5EF4-FFF2-40B4-BE49-F238E27FC236}">
+                    <a16:creationId xmlns:a16="http://schemas.microsoft.com/office/drawing/2014/main" id="{AE3D040F-33E5-4012-8189-210361F7EDB6}"/>
+                  </a:ext>
+                </a:extLst>
+              </p:cNvPr>
+              <p:cNvSpPr>
+                <a:spLocks noGrp="1"/>
+              </p:cNvSpPr>
+              <p:nvPr>
+                <p:ph idx="1"/>
+              </p:nvPr>
+            </p:nvSpPr>
+            <p:spPr>
+              <a:xfrm>
+                <a:off x="838200" y="1149292"/>
+                <a:ext cx="10515600" cy="5027671"/>
+              </a:xfrm>
+            </p:spPr>
+            <p:txBody>
+              <a:bodyPr>
+                <a:normAutofit fontScale="92500" lnSpcReduction="20000"/>
+              </a:bodyPr>
+              <a:lstStyle/>
+              <a:p>
+                <a:pPr marL="0" indent="0" algn="l" rtl="0">
+                  <a:buNone/>
+                </a:pPr>
+                <a:r>
+                  <a:rPr lang="en-US" sz="1800" dirty="0">
+                    <a:solidFill>
+                      <a:schemeClr val="bg2">
+                        <a:lumMod val="50000"/>
+                      </a:schemeClr>
+                    </a:solidFill>
+                  </a:rPr>
+                  <a:t>Scalar multiplication defined as:</a:t>
+                </a:r>
+              </a:p>
+              <a:p>
+                <a:pPr marL="0" indent="0" algn="ctr" rtl="0">
+                  <a:buNone/>
+                </a:pPr>
+                <a14:m>
+                  <m:oMathPara xmlns:m="http://schemas.openxmlformats.org/officeDocument/2006/math">
+                    <m:oMathParaPr>
+                      <m:jc m:val="centerGroup"/>
+                    </m:oMathParaPr>
+                    <m:oMath xmlns:m="http://schemas.openxmlformats.org/officeDocument/2006/math">
+                      <m:r>
+                        <a:rPr lang="en-US" sz="1800" b="0" i="1" smtClean="0">
+                          <a:solidFill>
+                            <a:schemeClr val="bg2">
+                              <a:lumMod val="50000"/>
+                            </a:schemeClr>
+                          </a:solidFill>
+                          <a:latin typeface="Cambria Math" panose="02040503050406030204" pitchFamily="18" charset="0"/>
+                        </a:rPr>
+                        <m:t>𝑛𝑃</m:t>
+                      </m:r>
+                      <m:r>
+                        <a:rPr lang="en-US" sz="1800" b="0" i="1" smtClean="0">
+                          <a:solidFill>
+                            <a:schemeClr val="bg2">
+                              <a:lumMod val="50000"/>
+                            </a:schemeClr>
+                          </a:solidFill>
+                          <a:latin typeface="Cambria Math" panose="02040503050406030204" pitchFamily="18" charset="0"/>
+                        </a:rPr>
+                        <m:t>=</m:t>
+                      </m:r>
+                      <m:r>
+                        <a:rPr lang="en-US" sz="1800" b="0" i="1" smtClean="0">
+                          <a:solidFill>
+                            <a:schemeClr val="bg2">
+                              <a:lumMod val="50000"/>
+                            </a:schemeClr>
+                          </a:solidFill>
+                          <a:latin typeface="Cambria Math" panose="02040503050406030204" pitchFamily="18" charset="0"/>
+                        </a:rPr>
+                        <m:t>𝑃</m:t>
+                      </m:r>
+                      <m:r>
+                        <a:rPr lang="en-US" sz="1800" b="0" i="1" smtClean="0">
+                          <a:solidFill>
+                            <a:schemeClr val="bg2">
+                              <a:lumMod val="50000"/>
+                            </a:schemeClr>
+                          </a:solidFill>
+                          <a:latin typeface="Cambria Math" panose="02040503050406030204" pitchFamily="18" charset="0"/>
+                        </a:rPr>
+                        <m:t>+</m:t>
+                      </m:r>
+                      <m:r>
+                        <a:rPr lang="en-US" sz="1800" b="0" i="1" smtClean="0">
+                          <a:solidFill>
+                            <a:schemeClr val="bg2">
+                              <a:lumMod val="50000"/>
+                            </a:schemeClr>
+                          </a:solidFill>
+                          <a:latin typeface="Cambria Math" panose="02040503050406030204" pitchFamily="18" charset="0"/>
+                        </a:rPr>
+                        <m:t>𝑃</m:t>
+                      </m:r>
+                      <m:r>
+                        <a:rPr lang="en-US" sz="1800" b="0" i="1" smtClean="0">
+                          <a:solidFill>
+                            <a:schemeClr val="bg2">
+                              <a:lumMod val="50000"/>
+                            </a:schemeClr>
+                          </a:solidFill>
+                          <a:latin typeface="Cambria Math" panose="02040503050406030204" pitchFamily="18" charset="0"/>
+                        </a:rPr>
+                        <m:t>+…+</m:t>
+                      </m:r>
+                      <m:r>
+                        <a:rPr lang="en-US" sz="1800" b="0" i="1" smtClean="0">
+                          <a:solidFill>
+                            <a:schemeClr val="bg2">
+                              <a:lumMod val="50000"/>
+                            </a:schemeClr>
+                          </a:solidFill>
+                          <a:latin typeface="Cambria Math" panose="02040503050406030204" pitchFamily="18" charset="0"/>
+                        </a:rPr>
+                        <m:t>𝑃</m:t>
+                      </m:r>
+                    </m:oMath>
+                  </m:oMathPara>
+                </a14:m>
+                <a:endParaRPr lang="en-US" sz="1800" dirty="0">
+                  <a:solidFill>
+                    <a:schemeClr val="bg2">
+                      <a:lumMod val="50000"/>
+                    </a:schemeClr>
+                  </a:solidFill>
+                </a:endParaRPr>
+              </a:p>
+              <a:p>
+                <a:pPr marL="0" indent="0" algn="l" rtl="0">
+                  <a:buNone/>
+                </a:pPr>
+                <a:endParaRPr lang="en-US" sz="1800" dirty="0">
+                  <a:solidFill>
+                    <a:schemeClr val="bg2">
+                      <a:lumMod val="50000"/>
+                    </a:schemeClr>
+                  </a:solidFill>
+                </a:endParaRPr>
+              </a:p>
+              <a:p>
+                <a:pPr marL="0" indent="0" algn="l" rtl="0">
+                  <a:buNone/>
+                </a:pPr>
+                <a:r>
+                  <a:rPr lang="en-US" sz="1800" dirty="0">
+                    <a:solidFill>
+                      <a:schemeClr val="bg2">
+                        <a:lumMod val="50000"/>
+                      </a:schemeClr>
+                    </a:solidFill>
+                  </a:rPr>
+                  <a:t>Written in this form, it may seem that computing </a:t>
+                </a:r>
+                <a14:m>
+                  <m:oMath xmlns:m="http://schemas.openxmlformats.org/officeDocument/2006/math">
+                    <m:r>
+                      <a:rPr lang="en-US" sz="1800" b="0" i="1" smtClean="0">
+                        <a:solidFill>
+                          <a:schemeClr val="bg2">
+                            <a:lumMod val="50000"/>
+                          </a:schemeClr>
+                        </a:solidFill>
+                        <a:latin typeface="Cambria Math" panose="02040503050406030204" pitchFamily="18" charset="0"/>
+                      </a:rPr>
+                      <m:t>𝑛𝑃</m:t>
+                    </m:r>
+                  </m:oMath>
+                </a14:m>
+                <a:r>
+                  <a:rPr lang="en-US" sz="1800" dirty="0">
+                    <a:solidFill>
+                      <a:schemeClr val="bg2">
+                        <a:lumMod val="50000"/>
+                      </a:schemeClr>
+                    </a:solidFill>
+                  </a:rPr>
+                  <a:t> requires </a:t>
+                </a:r>
+                <a14:m>
+                  <m:oMath xmlns:m="http://schemas.openxmlformats.org/officeDocument/2006/math">
+                    <m:r>
+                      <a:rPr lang="en-US" sz="1800" b="0" i="1" smtClean="0">
+                        <a:solidFill>
+                          <a:schemeClr val="bg2">
+                            <a:lumMod val="50000"/>
+                          </a:schemeClr>
+                        </a:solidFill>
+                        <a:latin typeface="Cambria Math" panose="02040503050406030204" pitchFamily="18" charset="0"/>
+                      </a:rPr>
+                      <m:t>𝑛</m:t>
+                    </m:r>
+                  </m:oMath>
+                </a14:m>
+                <a:r>
+                  <a:rPr lang="en-US" sz="1800" dirty="0">
+                    <a:solidFill>
+                      <a:schemeClr val="bg2">
+                        <a:lumMod val="50000"/>
+                      </a:schemeClr>
+                    </a:solidFill>
+                  </a:rPr>
+                  <a:t> additions. If </a:t>
+                </a:r>
+                <a14:m>
+                  <m:oMath xmlns:m="http://schemas.openxmlformats.org/officeDocument/2006/math">
+                    <m:r>
+                      <a:rPr lang="en-US" sz="1800" b="0" i="1" smtClean="0">
+                        <a:solidFill>
+                          <a:schemeClr val="bg2">
+                            <a:lumMod val="50000"/>
+                          </a:schemeClr>
+                        </a:solidFill>
+                        <a:latin typeface="Cambria Math" panose="02040503050406030204" pitchFamily="18" charset="0"/>
+                      </a:rPr>
+                      <m:t>𝑛</m:t>
+                    </m:r>
+                  </m:oMath>
+                </a14:m>
+                <a:r>
+                  <a:rPr lang="en-US" sz="1800" dirty="0">
+                    <a:solidFill>
+                      <a:schemeClr val="bg2">
+                        <a:lumMod val="50000"/>
+                      </a:schemeClr>
+                    </a:solidFill>
+                  </a:rPr>
+                  <a:t> has </a:t>
+                </a:r>
+                <a14:m>
+                  <m:oMath xmlns:m="http://schemas.openxmlformats.org/officeDocument/2006/math">
+                    <m:r>
+                      <a:rPr lang="en-US" sz="1800" b="0" i="1" smtClean="0">
+                        <a:solidFill>
+                          <a:schemeClr val="bg2">
+                            <a:lumMod val="50000"/>
+                          </a:schemeClr>
+                        </a:solidFill>
+                        <a:latin typeface="Cambria Math" panose="02040503050406030204" pitchFamily="18" charset="0"/>
+                      </a:rPr>
+                      <m:t>𝑘</m:t>
+                    </m:r>
+                  </m:oMath>
+                </a14:m>
+                <a:r>
+                  <a:rPr lang="en-US" sz="1800" dirty="0">
+                    <a:solidFill>
+                      <a:schemeClr val="bg2">
+                        <a:lumMod val="50000"/>
+                      </a:schemeClr>
+                    </a:solidFill>
+                  </a:rPr>
+                  <a:t> binary digits, the naïve addition would take </a:t>
+                </a:r>
+                <a14:m>
+                  <m:oMath xmlns:m="http://schemas.openxmlformats.org/officeDocument/2006/math">
+                    <m:r>
+                      <a:rPr lang="en-US" sz="1800" b="0" i="1" smtClean="0">
+                        <a:solidFill>
+                          <a:schemeClr val="bg2">
+                            <a:lumMod val="50000"/>
+                          </a:schemeClr>
+                        </a:solidFill>
+                        <a:latin typeface="Cambria Math" panose="02040503050406030204" pitchFamily="18" charset="0"/>
+                      </a:rPr>
+                      <m:t>𝑂</m:t>
+                    </m:r>
+                    <m:r>
+                      <a:rPr lang="en-US" sz="1800" b="0" i="1" smtClean="0">
+                        <a:solidFill>
+                          <a:schemeClr val="bg2">
+                            <a:lumMod val="50000"/>
+                          </a:schemeClr>
+                        </a:solidFill>
+                        <a:latin typeface="Cambria Math" panose="02040503050406030204" pitchFamily="18" charset="0"/>
+                      </a:rPr>
+                      <m:t>(</m:t>
+                    </m:r>
+                    <m:sSup>
+                      <m:sSupPr>
+                        <m:ctrlPr>
+                          <a:rPr lang="en-US" sz="1800" b="0" i="1" smtClean="0">
+                            <a:solidFill>
+                              <a:schemeClr val="bg2">
+                                <a:lumMod val="50000"/>
+                              </a:schemeClr>
+                            </a:solidFill>
+                            <a:latin typeface="Cambria Math" panose="02040503050406030204" pitchFamily="18" charset="0"/>
+                          </a:rPr>
+                        </m:ctrlPr>
+                      </m:sSupPr>
+                      <m:e>
+                        <m:r>
+                          <a:rPr lang="en-US" sz="1800" b="0" i="1" smtClean="0">
+                            <a:solidFill>
+                              <a:schemeClr val="bg2">
+                                <a:lumMod val="50000"/>
+                              </a:schemeClr>
+                            </a:solidFill>
+                            <a:latin typeface="Cambria Math" panose="02040503050406030204" pitchFamily="18" charset="0"/>
+                          </a:rPr>
+                          <m:t>2</m:t>
+                        </m:r>
+                      </m:e>
+                      <m:sup>
+                        <m:r>
+                          <a:rPr lang="en-US" sz="1800" b="0" i="1" smtClean="0">
+                            <a:solidFill>
+                              <a:schemeClr val="bg2">
+                                <a:lumMod val="50000"/>
+                              </a:schemeClr>
+                            </a:solidFill>
+                            <a:latin typeface="Cambria Math" panose="02040503050406030204" pitchFamily="18" charset="0"/>
+                          </a:rPr>
+                          <m:t>𝑘</m:t>
+                        </m:r>
+                      </m:sup>
+                    </m:sSup>
+                    <m:r>
+                      <a:rPr lang="en-US" sz="1800" b="0" i="1" smtClean="0">
+                        <a:solidFill>
+                          <a:schemeClr val="bg2">
+                            <a:lumMod val="50000"/>
+                          </a:schemeClr>
+                        </a:solidFill>
+                        <a:latin typeface="Cambria Math" panose="02040503050406030204" pitchFamily="18" charset="0"/>
+                      </a:rPr>
+                      <m:t>)</m:t>
+                    </m:r>
+                  </m:oMath>
+                </a14:m>
+                <a:r>
+                  <a:rPr lang="en-US" sz="1800" dirty="0">
+                    <a:solidFill>
+                      <a:schemeClr val="bg2">
+                        <a:lumMod val="50000"/>
+                      </a:schemeClr>
+                    </a:solidFill>
+                  </a:rPr>
+                  <a:t>, which is not good.</a:t>
+                </a:r>
+              </a:p>
+              <a:p>
+                <a:pPr marL="0" indent="0" algn="l" rtl="0">
+                  <a:buNone/>
+                </a:pPr>
+                <a:r>
+                  <a:rPr lang="en-US" sz="1800" dirty="0">
+                    <a:solidFill>
+                      <a:schemeClr val="bg2">
+                        <a:lumMod val="50000"/>
+                      </a:schemeClr>
+                    </a:solidFill>
+                  </a:rPr>
+                  <a:t>There are several more efficient algorithm to deal with this computation. One of them is the </a:t>
+                </a:r>
+                <a:r>
+                  <a:rPr lang="en-US" sz="1800" b="1" dirty="0">
+                    <a:solidFill>
+                      <a:schemeClr val="bg2">
+                        <a:lumMod val="50000"/>
+                      </a:schemeClr>
+                    </a:solidFill>
+                  </a:rPr>
+                  <a:t>Double and Add</a:t>
+                </a:r>
+                <a:r>
+                  <a:rPr lang="en-US" sz="1800" dirty="0">
+                    <a:solidFill>
+                      <a:schemeClr val="bg2">
+                        <a:lumMod val="50000"/>
+                      </a:schemeClr>
+                    </a:solidFill>
+                  </a:rPr>
+                  <a:t> algorithm.</a:t>
+                </a:r>
+              </a:p>
+              <a:p>
+                <a:pPr marL="0" indent="0" algn="l" rtl="0">
+                  <a:buNone/>
+                </a:pPr>
+                <a:endParaRPr lang="en-US" sz="1800" dirty="0">
+                  <a:solidFill>
+                    <a:schemeClr val="bg2">
+                      <a:lumMod val="50000"/>
+                    </a:schemeClr>
+                  </a:solidFill>
+                </a:endParaRPr>
+              </a:p>
+              <a:p>
+                <a:pPr marL="0" indent="0" algn="l" rtl="0">
+                  <a:buNone/>
+                </a:pPr>
+                <a:r>
+                  <a:rPr lang="en-US" sz="1800" b="1" dirty="0">
+                    <a:solidFill>
+                      <a:schemeClr val="bg2">
+                        <a:lumMod val="50000"/>
+                      </a:schemeClr>
+                    </a:solidFill>
+                  </a:rPr>
+                  <a:t>Example</a:t>
+                </a:r>
+                <a:r>
+                  <a:rPr lang="en-US" sz="1800" dirty="0">
+                    <a:solidFill>
+                      <a:schemeClr val="bg2">
+                        <a:lumMod val="50000"/>
+                      </a:schemeClr>
+                    </a:solidFill>
+                  </a:rPr>
+                  <a:t>:</a:t>
+                </a:r>
+              </a:p>
+              <a:p>
+                <a:pPr marL="457200" lvl="1" indent="0" algn="l" rtl="0">
+                  <a:buNone/>
+                </a:pPr>
+                <a:r>
+                  <a:rPr lang="en-US" sz="1400" dirty="0">
+                    <a:solidFill>
+                      <a:schemeClr val="bg2">
+                        <a:lumMod val="50000"/>
+                      </a:schemeClr>
+                    </a:solidFill>
+                  </a:rPr>
+                  <a:t>Having n=151, we would like to compute </a:t>
+                </a:r>
+                <a14:m>
+                  <m:oMath xmlns:m="http://schemas.openxmlformats.org/officeDocument/2006/math">
+                    <m:r>
+                      <a:rPr lang="en-US" sz="1400" b="0" i="1" smtClean="0">
+                        <a:solidFill>
+                          <a:schemeClr val="bg2">
+                            <a:lumMod val="50000"/>
+                          </a:schemeClr>
+                        </a:solidFill>
+                        <a:latin typeface="Cambria Math" panose="02040503050406030204" pitchFamily="18" charset="0"/>
+                      </a:rPr>
+                      <m:t>𝑛𝑃</m:t>
+                    </m:r>
+                    <m:r>
+                      <a:rPr lang="en-US" sz="1400" b="0" i="1" smtClean="0">
+                        <a:solidFill>
+                          <a:schemeClr val="bg2">
+                            <a:lumMod val="50000"/>
+                          </a:schemeClr>
+                        </a:solidFill>
+                        <a:latin typeface="Cambria Math" panose="02040503050406030204" pitchFamily="18" charset="0"/>
+                      </a:rPr>
+                      <m:t>=</m:t>
+                    </m:r>
+                    <m:r>
+                      <a:rPr lang="en-US" sz="1400" b="0" i="1" smtClean="0">
+                        <a:solidFill>
+                          <a:schemeClr val="bg2">
+                            <a:lumMod val="50000"/>
+                          </a:schemeClr>
+                        </a:solidFill>
+                        <a:latin typeface="Cambria Math" panose="02040503050406030204" pitchFamily="18" charset="0"/>
+                      </a:rPr>
+                      <m:t>151</m:t>
+                    </m:r>
+                    <m:r>
+                      <a:rPr lang="en-US" sz="1400" b="0" i="1" smtClean="0">
+                        <a:solidFill>
+                          <a:schemeClr val="bg2">
+                            <a:lumMod val="50000"/>
+                          </a:schemeClr>
+                        </a:solidFill>
+                        <a:latin typeface="Cambria Math" panose="02040503050406030204" pitchFamily="18" charset="0"/>
+                      </a:rPr>
+                      <m:t>∙</m:t>
+                    </m:r>
+                    <m:r>
+                      <a:rPr lang="en-US" sz="1400" b="0" i="1" smtClean="0">
+                        <a:solidFill>
+                          <a:schemeClr val="bg2">
+                            <a:lumMod val="50000"/>
+                          </a:schemeClr>
+                        </a:solidFill>
+                        <a:latin typeface="Cambria Math" panose="02040503050406030204" pitchFamily="18" charset="0"/>
+                      </a:rPr>
+                      <m:t>𝑃</m:t>
+                    </m:r>
+                  </m:oMath>
+                </a14:m>
+                <a:endParaRPr lang="en-US" sz="1400" b="0" dirty="0">
+                  <a:solidFill>
+                    <a:schemeClr val="bg2">
+                      <a:lumMod val="50000"/>
+                    </a:schemeClr>
+                  </a:solidFill>
+                </a:endParaRPr>
+              </a:p>
+              <a:p>
+                <a:pPr marL="457200" lvl="1" indent="0" algn="l" rtl="0">
+                  <a:buNone/>
+                </a:pPr>
+                <a:endParaRPr lang="en-US" sz="1400" b="0" dirty="0">
+                  <a:solidFill>
+                    <a:schemeClr val="bg2">
+                      <a:lumMod val="50000"/>
+                    </a:schemeClr>
+                  </a:solidFill>
+                </a:endParaRPr>
+              </a:p>
+              <a:p>
+                <a:pPr marL="457200" lvl="1" indent="0" algn="l" rtl="0">
+                  <a:buNone/>
+                </a:pPr>
+                <a14:m>
+                  <m:oMathPara xmlns:m="http://schemas.openxmlformats.org/officeDocument/2006/math">
+                    <m:oMathParaPr>
+                      <m:jc m:val="center"/>
+                    </m:oMathParaPr>
+                    <m:oMath xmlns:m="http://schemas.openxmlformats.org/officeDocument/2006/math">
+                      <m:sSub>
+                        <m:sSubPr>
+                          <m:ctrlPr>
+                            <a:rPr lang="en-US" sz="1400" i="1">
+                              <a:solidFill>
+                                <a:schemeClr val="bg2">
+                                  <a:lumMod val="50000"/>
+                                </a:schemeClr>
+                              </a:solidFill>
+                              <a:latin typeface="Cambria Math" panose="02040503050406030204" pitchFamily="18" charset="0"/>
+                            </a:rPr>
+                          </m:ctrlPr>
+                        </m:sSubPr>
+                        <m:e>
+                          <m:r>
+                            <a:rPr lang="en-US" sz="1400" i="1">
+                              <a:solidFill>
+                                <a:schemeClr val="bg2">
+                                  <a:lumMod val="50000"/>
+                                </a:schemeClr>
+                              </a:solidFill>
+                              <a:latin typeface="Cambria Math" panose="02040503050406030204" pitchFamily="18" charset="0"/>
+                            </a:rPr>
+                            <m:t>151</m:t>
+                          </m:r>
+                        </m:e>
+                        <m:sub>
+                          <m:r>
+                            <a:rPr lang="en-US" sz="1400" i="1">
+                              <a:solidFill>
+                                <a:schemeClr val="bg2">
+                                  <a:lumMod val="50000"/>
+                                </a:schemeClr>
+                              </a:solidFill>
+                              <a:latin typeface="Cambria Math" panose="02040503050406030204" pitchFamily="18" charset="0"/>
+                            </a:rPr>
+                            <m:t>2</m:t>
+                          </m:r>
+                        </m:sub>
+                      </m:sSub>
+                      <m:r>
+                        <a:rPr lang="en-US" sz="1400" i="1">
+                          <a:solidFill>
+                            <a:schemeClr val="bg2">
+                              <a:lumMod val="50000"/>
+                            </a:schemeClr>
+                          </a:solidFill>
+                          <a:latin typeface="Cambria Math" panose="02040503050406030204" pitchFamily="18" charset="0"/>
+                        </a:rPr>
+                        <m:t>=</m:t>
+                      </m:r>
+                      <m:r>
+                        <a:rPr lang="en-US" sz="1400" i="1">
+                          <a:solidFill>
+                            <a:schemeClr val="bg2">
+                              <a:lumMod val="50000"/>
+                            </a:schemeClr>
+                          </a:solidFill>
+                          <a:latin typeface="Cambria Math" panose="02040503050406030204" pitchFamily="18" charset="0"/>
+                        </a:rPr>
+                        <m:t>10010111</m:t>
+                      </m:r>
+                      <m:r>
+                        <a:rPr lang="en-US" sz="1400" i="1">
+                          <a:solidFill>
+                            <a:schemeClr val="bg2">
+                              <a:lumMod val="50000"/>
+                            </a:schemeClr>
+                          </a:solidFill>
+                          <a:latin typeface="Cambria Math" panose="02040503050406030204" pitchFamily="18" charset="0"/>
+                        </a:rPr>
+                        <m:t>=</m:t>
+                      </m:r>
+                      <m:r>
+                        <a:rPr lang="en-US" sz="1400" i="1">
+                          <a:solidFill>
+                            <a:schemeClr val="bg2">
+                              <a:lumMod val="50000"/>
+                            </a:schemeClr>
+                          </a:solidFill>
+                          <a:latin typeface="Cambria Math" panose="02040503050406030204" pitchFamily="18" charset="0"/>
+                        </a:rPr>
+                        <m:t>1</m:t>
+                      </m:r>
+                      <m:r>
+                        <a:rPr lang="en-US" sz="1400" i="1">
+                          <a:solidFill>
+                            <a:schemeClr val="bg2">
+                              <a:lumMod val="50000"/>
+                            </a:schemeClr>
+                          </a:solidFill>
+                          <a:latin typeface="Cambria Math" panose="02040503050406030204" pitchFamily="18" charset="0"/>
+                        </a:rPr>
+                        <m:t>∙</m:t>
+                      </m:r>
+                      <m:sSup>
+                        <m:sSupPr>
+                          <m:ctrlPr>
+                            <a:rPr lang="en-US" sz="1400" i="1">
+                              <a:solidFill>
+                                <a:schemeClr val="bg2">
+                                  <a:lumMod val="50000"/>
+                                </a:schemeClr>
+                              </a:solidFill>
+                              <a:latin typeface="Cambria Math" panose="02040503050406030204" pitchFamily="18" charset="0"/>
+                            </a:rPr>
+                          </m:ctrlPr>
+                        </m:sSupPr>
+                        <m:e>
+                          <m:r>
+                            <a:rPr lang="en-US" sz="1400" i="1">
+                              <a:solidFill>
+                                <a:schemeClr val="bg2">
+                                  <a:lumMod val="50000"/>
+                                </a:schemeClr>
+                              </a:solidFill>
+                              <a:latin typeface="Cambria Math" panose="02040503050406030204" pitchFamily="18" charset="0"/>
+                            </a:rPr>
+                            <m:t>2</m:t>
+                          </m:r>
+                        </m:e>
+                        <m:sup>
+                          <m:r>
+                            <a:rPr lang="en-US" sz="1400" i="1">
+                              <a:solidFill>
+                                <a:schemeClr val="bg2">
+                                  <a:lumMod val="50000"/>
+                                </a:schemeClr>
+                              </a:solidFill>
+                              <a:latin typeface="Cambria Math" panose="02040503050406030204" pitchFamily="18" charset="0"/>
+                            </a:rPr>
+                            <m:t>7</m:t>
+                          </m:r>
+                        </m:sup>
+                      </m:sSup>
+                      <m:r>
+                        <a:rPr lang="en-US" sz="1400" i="1">
+                          <a:solidFill>
+                            <a:schemeClr val="bg2">
+                              <a:lumMod val="50000"/>
+                            </a:schemeClr>
+                          </a:solidFill>
+                          <a:latin typeface="Cambria Math" panose="02040503050406030204" pitchFamily="18" charset="0"/>
+                        </a:rPr>
+                        <m:t>+</m:t>
+                      </m:r>
+                      <m:r>
+                        <a:rPr lang="en-US" sz="1400" i="1">
+                          <a:solidFill>
+                            <a:schemeClr val="bg2">
+                              <a:lumMod val="50000"/>
+                            </a:schemeClr>
+                          </a:solidFill>
+                          <a:latin typeface="Cambria Math" panose="02040503050406030204" pitchFamily="18" charset="0"/>
+                        </a:rPr>
+                        <m:t>0</m:t>
+                      </m:r>
+                      <m:r>
+                        <a:rPr lang="en-US" sz="1400" i="1">
+                          <a:solidFill>
+                            <a:schemeClr val="bg2">
+                              <a:lumMod val="50000"/>
+                            </a:schemeClr>
+                          </a:solidFill>
+                          <a:latin typeface="Cambria Math" panose="02040503050406030204" pitchFamily="18" charset="0"/>
+                        </a:rPr>
+                        <m:t>∙</m:t>
+                      </m:r>
+                      <m:sSup>
+                        <m:sSupPr>
+                          <m:ctrlPr>
+                            <a:rPr lang="en-US" sz="1400" i="1">
+                              <a:solidFill>
+                                <a:schemeClr val="bg2">
+                                  <a:lumMod val="50000"/>
+                                </a:schemeClr>
+                              </a:solidFill>
+                              <a:latin typeface="Cambria Math" panose="02040503050406030204" pitchFamily="18" charset="0"/>
+                            </a:rPr>
+                          </m:ctrlPr>
+                        </m:sSupPr>
+                        <m:e>
+                          <m:r>
+                            <a:rPr lang="en-US" sz="1400" i="1">
+                              <a:solidFill>
+                                <a:schemeClr val="bg2">
+                                  <a:lumMod val="50000"/>
+                                </a:schemeClr>
+                              </a:solidFill>
+                              <a:latin typeface="Cambria Math" panose="02040503050406030204" pitchFamily="18" charset="0"/>
+                            </a:rPr>
+                            <m:t>2</m:t>
+                          </m:r>
+                        </m:e>
+                        <m:sup>
+                          <m:r>
+                            <a:rPr lang="en-US" sz="1400" i="1">
+                              <a:solidFill>
+                                <a:schemeClr val="bg2">
+                                  <a:lumMod val="50000"/>
+                                </a:schemeClr>
+                              </a:solidFill>
+                              <a:latin typeface="Cambria Math" panose="02040503050406030204" pitchFamily="18" charset="0"/>
+                            </a:rPr>
+                            <m:t>6</m:t>
+                          </m:r>
+                        </m:sup>
+                      </m:sSup>
+                      <m:r>
+                        <a:rPr lang="en-US" sz="1400" i="1">
+                          <a:solidFill>
+                            <a:schemeClr val="bg2">
+                              <a:lumMod val="50000"/>
+                            </a:schemeClr>
+                          </a:solidFill>
+                          <a:latin typeface="Cambria Math" panose="02040503050406030204" pitchFamily="18" charset="0"/>
+                        </a:rPr>
+                        <m:t>+</m:t>
+                      </m:r>
+                      <m:r>
+                        <a:rPr lang="en-US" sz="1400" i="1">
+                          <a:solidFill>
+                            <a:schemeClr val="bg2">
+                              <a:lumMod val="50000"/>
+                            </a:schemeClr>
+                          </a:solidFill>
+                          <a:latin typeface="Cambria Math" panose="02040503050406030204" pitchFamily="18" charset="0"/>
+                        </a:rPr>
+                        <m:t>0</m:t>
+                      </m:r>
+                      <m:r>
+                        <a:rPr lang="en-US" sz="1400" i="1">
+                          <a:solidFill>
+                            <a:schemeClr val="bg2">
+                              <a:lumMod val="50000"/>
+                            </a:schemeClr>
+                          </a:solidFill>
+                          <a:latin typeface="Cambria Math" panose="02040503050406030204" pitchFamily="18" charset="0"/>
+                        </a:rPr>
+                        <m:t>∙</m:t>
+                      </m:r>
+                      <m:sSup>
+                        <m:sSupPr>
+                          <m:ctrlPr>
+                            <a:rPr lang="en-US" sz="1400" i="1">
+                              <a:solidFill>
+                                <a:schemeClr val="bg2">
+                                  <a:lumMod val="50000"/>
+                                </a:schemeClr>
+                              </a:solidFill>
+                              <a:latin typeface="Cambria Math" panose="02040503050406030204" pitchFamily="18" charset="0"/>
+                            </a:rPr>
+                          </m:ctrlPr>
+                        </m:sSupPr>
+                        <m:e>
+                          <m:r>
+                            <a:rPr lang="en-US" sz="1400" i="1">
+                              <a:solidFill>
+                                <a:schemeClr val="bg2">
+                                  <a:lumMod val="50000"/>
+                                </a:schemeClr>
+                              </a:solidFill>
+                              <a:latin typeface="Cambria Math" panose="02040503050406030204" pitchFamily="18" charset="0"/>
+                            </a:rPr>
+                            <m:t>2</m:t>
+                          </m:r>
+                        </m:e>
+                        <m:sup>
+                          <m:r>
+                            <a:rPr lang="en-US" sz="1400" i="1">
+                              <a:solidFill>
+                                <a:schemeClr val="bg2">
+                                  <a:lumMod val="50000"/>
+                                </a:schemeClr>
+                              </a:solidFill>
+                              <a:latin typeface="Cambria Math" panose="02040503050406030204" pitchFamily="18" charset="0"/>
+                            </a:rPr>
+                            <m:t>5</m:t>
+                          </m:r>
+                        </m:sup>
+                      </m:sSup>
+                      <m:r>
+                        <a:rPr lang="en-US" sz="1400" i="1">
+                          <a:solidFill>
+                            <a:schemeClr val="bg2">
+                              <a:lumMod val="50000"/>
+                            </a:schemeClr>
+                          </a:solidFill>
+                          <a:latin typeface="Cambria Math" panose="02040503050406030204" pitchFamily="18" charset="0"/>
+                        </a:rPr>
+                        <m:t>+</m:t>
+                      </m:r>
+                      <m:r>
+                        <a:rPr lang="en-US" sz="1400" i="1">
+                          <a:solidFill>
+                            <a:schemeClr val="bg2">
+                              <a:lumMod val="50000"/>
+                            </a:schemeClr>
+                          </a:solidFill>
+                          <a:latin typeface="Cambria Math" panose="02040503050406030204" pitchFamily="18" charset="0"/>
+                        </a:rPr>
+                        <m:t>1</m:t>
+                      </m:r>
+                      <m:r>
+                        <a:rPr lang="en-US" sz="1400" i="1">
+                          <a:solidFill>
+                            <a:schemeClr val="bg2">
+                              <a:lumMod val="50000"/>
+                            </a:schemeClr>
+                          </a:solidFill>
+                          <a:latin typeface="Cambria Math" panose="02040503050406030204" pitchFamily="18" charset="0"/>
+                        </a:rPr>
+                        <m:t>∙</m:t>
+                      </m:r>
+                      <m:sSup>
+                        <m:sSupPr>
+                          <m:ctrlPr>
+                            <a:rPr lang="en-US" sz="1400" i="1">
+                              <a:solidFill>
+                                <a:schemeClr val="bg2">
+                                  <a:lumMod val="50000"/>
+                                </a:schemeClr>
+                              </a:solidFill>
+                              <a:latin typeface="Cambria Math" panose="02040503050406030204" pitchFamily="18" charset="0"/>
+                            </a:rPr>
+                          </m:ctrlPr>
+                        </m:sSupPr>
+                        <m:e>
+                          <m:r>
+                            <a:rPr lang="en-US" sz="1400" i="1">
+                              <a:solidFill>
+                                <a:schemeClr val="bg2">
+                                  <a:lumMod val="50000"/>
+                                </a:schemeClr>
+                              </a:solidFill>
+                              <a:latin typeface="Cambria Math" panose="02040503050406030204" pitchFamily="18" charset="0"/>
+                            </a:rPr>
+                            <m:t>2</m:t>
+                          </m:r>
+                        </m:e>
+                        <m:sup>
+                          <m:r>
+                            <a:rPr lang="en-US" sz="1400" i="1">
+                              <a:solidFill>
+                                <a:schemeClr val="bg2">
+                                  <a:lumMod val="50000"/>
+                                </a:schemeClr>
+                              </a:solidFill>
+                              <a:latin typeface="Cambria Math" panose="02040503050406030204" pitchFamily="18" charset="0"/>
+                            </a:rPr>
+                            <m:t>4</m:t>
+                          </m:r>
+                        </m:sup>
+                      </m:sSup>
+                      <m:r>
+                        <a:rPr lang="en-US" sz="1400" i="1">
+                          <a:solidFill>
+                            <a:schemeClr val="bg2">
+                              <a:lumMod val="50000"/>
+                            </a:schemeClr>
+                          </a:solidFill>
+                          <a:latin typeface="Cambria Math" panose="02040503050406030204" pitchFamily="18" charset="0"/>
+                        </a:rPr>
+                        <m:t>+</m:t>
+                      </m:r>
+                      <m:r>
+                        <a:rPr lang="en-US" sz="1400" i="1">
+                          <a:solidFill>
+                            <a:schemeClr val="bg2">
+                              <a:lumMod val="50000"/>
+                            </a:schemeClr>
+                          </a:solidFill>
+                          <a:latin typeface="Cambria Math" panose="02040503050406030204" pitchFamily="18" charset="0"/>
+                        </a:rPr>
+                        <m:t>0</m:t>
+                      </m:r>
+                      <m:r>
+                        <a:rPr lang="en-US" sz="1400" i="1">
+                          <a:solidFill>
+                            <a:schemeClr val="bg2">
+                              <a:lumMod val="50000"/>
+                            </a:schemeClr>
+                          </a:solidFill>
+                          <a:latin typeface="Cambria Math" panose="02040503050406030204" pitchFamily="18" charset="0"/>
+                        </a:rPr>
+                        <m:t>∙</m:t>
+                      </m:r>
+                      <m:sSup>
+                        <m:sSupPr>
+                          <m:ctrlPr>
+                            <a:rPr lang="en-US" sz="1400" i="1">
+                              <a:solidFill>
+                                <a:schemeClr val="bg2">
+                                  <a:lumMod val="50000"/>
+                                </a:schemeClr>
+                              </a:solidFill>
+                              <a:latin typeface="Cambria Math" panose="02040503050406030204" pitchFamily="18" charset="0"/>
+                            </a:rPr>
+                          </m:ctrlPr>
+                        </m:sSupPr>
+                        <m:e>
+                          <m:r>
+                            <a:rPr lang="en-US" sz="1400" i="1">
+                              <a:solidFill>
+                                <a:schemeClr val="bg2">
+                                  <a:lumMod val="50000"/>
+                                </a:schemeClr>
+                              </a:solidFill>
+                              <a:latin typeface="Cambria Math" panose="02040503050406030204" pitchFamily="18" charset="0"/>
+                            </a:rPr>
+                            <m:t>2</m:t>
+                          </m:r>
+                        </m:e>
+                        <m:sup>
+                          <m:r>
+                            <a:rPr lang="en-US" sz="1400" i="1">
+                              <a:solidFill>
+                                <a:schemeClr val="bg2">
+                                  <a:lumMod val="50000"/>
+                                </a:schemeClr>
+                              </a:solidFill>
+                              <a:latin typeface="Cambria Math" panose="02040503050406030204" pitchFamily="18" charset="0"/>
+                            </a:rPr>
+                            <m:t>3</m:t>
+                          </m:r>
+                        </m:sup>
+                      </m:sSup>
+                      <m:r>
+                        <a:rPr lang="en-US" sz="1400" i="1">
+                          <a:solidFill>
+                            <a:schemeClr val="bg2">
+                              <a:lumMod val="50000"/>
+                            </a:schemeClr>
+                          </a:solidFill>
+                          <a:latin typeface="Cambria Math" panose="02040503050406030204" pitchFamily="18" charset="0"/>
+                        </a:rPr>
+                        <m:t>+</m:t>
+                      </m:r>
+                      <m:r>
+                        <a:rPr lang="en-US" sz="1400" i="1">
+                          <a:solidFill>
+                            <a:schemeClr val="bg2">
+                              <a:lumMod val="50000"/>
+                            </a:schemeClr>
+                          </a:solidFill>
+                          <a:latin typeface="Cambria Math" panose="02040503050406030204" pitchFamily="18" charset="0"/>
+                        </a:rPr>
+                        <m:t>1</m:t>
+                      </m:r>
+                      <m:r>
+                        <a:rPr lang="en-US" sz="1400" i="1">
+                          <a:solidFill>
+                            <a:schemeClr val="bg2">
+                              <a:lumMod val="50000"/>
+                            </a:schemeClr>
+                          </a:solidFill>
+                          <a:latin typeface="Cambria Math" panose="02040503050406030204" pitchFamily="18" charset="0"/>
+                        </a:rPr>
+                        <m:t>∙</m:t>
+                      </m:r>
+                      <m:sSup>
+                        <m:sSupPr>
+                          <m:ctrlPr>
+                            <a:rPr lang="en-US" sz="1400" i="1">
+                              <a:solidFill>
+                                <a:schemeClr val="bg2">
+                                  <a:lumMod val="50000"/>
+                                </a:schemeClr>
+                              </a:solidFill>
+                              <a:latin typeface="Cambria Math" panose="02040503050406030204" pitchFamily="18" charset="0"/>
+                            </a:rPr>
+                          </m:ctrlPr>
+                        </m:sSupPr>
+                        <m:e>
+                          <m:r>
+                            <a:rPr lang="en-US" sz="1400" i="1">
+                              <a:solidFill>
+                                <a:schemeClr val="bg2">
+                                  <a:lumMod val="50000"/>
+                                </a:schemeClr>
+                              </a:solidFill>
+                              <a:latin typeface="Cambria Math" panose="02040503050406030204" pitchFamily="18" charset="0"/>
+                            </a:rPr>
+                            <m:t>2</m:t>
+                          </m:r>
+                        </m:e>
+                        <m:sup>
+                          <m:r>
+                            <a:rPr lang="en-US" sz="1400" i="1">
+                              <a:solidFill>
+                                <a:schemeClr val="bg2">
+                                  <a:lumMod val="50000"/>
+                                </a:schemeClr>
+                              </a:solidFill>
+                              <a:latin typeface="Cambria Math" panose="02040503050406030204" pitchFamily="18" charset="0"/>
+                            </a:rPr>
+                            <m:t>2</m:t>
+                          </m:r>
+                        </m:sup>
+                      </m:sSup>
+                      <m:r>
+                        <a:rPr lang="en-US" sz="1400" i="1">
+                          <a:solidFill>
+                            <a:schemeClr val="bg2">
+                              <a:lumMod val="50000"/>
+                            </a:schemeClr>
+                          </a:solidFill>
+                          <a:latin typeface="Cambria Math" panose="02040503050406030204" pitchFamily="18" charset="0"/>
+                        </a:rPr>
+                        <m:t>+</m:t>
+                      </m:r>
+                      <m:r>
+                        <a:rPr lang="en-US" sz="1400" i="1">
+                          <a:solidFill>
+                            <a:schemeClr val="bg2">
+                              <a:lumMod val="50000"/>
+                            </a:schemeClr>
+                          </a:solidFill>
+                          <a:latin typeface="Cambria Math" panose="02040503050406030204" pitchFamily="18" charset="0"/>
+                        </a:rPr>
+                        <m:t>1</m:t>
+                      </m:r>
+                      <m:r>
+                        <a:rPr lang="en-US" sz="1400" i="1">
+                          <a:solidFill>
+                            <a:schemeClr val="bg2">
+                              <a:lumMod val="50000"/>
+                            </a:schemeClr>
+                          </a:solidFill>
+                          <a:latin typeface="Cambria Math" panose="02040503050406030204" pitchFamily="18" charset="0"/>
+                        </a:rPr>
+                        <m:t>∙</m:t>
+                      </m:r>
+                      <m:sSup>
+                        <m:sSupPr>
+                          <m:ctrlPr>
+                            <a:rPr lang="en-US" sz="1400" i="1">
+                              <a:solidFill>
+                                <a:schemeClr val="bg2">
+                                  <a:lumMod val="50000"/>
+                                </a:schemeClr>
+                              </a:solidFill>
+                              <a:latin typeface="Cambria Math" panose="02040503050406030204" pitchFamily="18" charset="0"/>
+                            </a:rPr>
+                          </m:ctrlPr>
+                        </m:sSupPr>
+                        <m:e>
+                          <m:r>
+                            <a:rPr lang="en-US" sz="1400" i="1">
+                              <a:solidFill>
+                                <a:schemeClr val="bg2">
+                                  <a:lumMod val="50000"/>
+                                </a:schemeClr>
+                              </a:solidFill>
+                              <a:latin typeface="Cambria Math" panose="02040503050406030204" pitchFamily="18" charset="0"/>
+                            </a:rPr>
+                            <m:t>2</m:t>
+                          </m:r>
+                        </m:e>
+                        <m:sup>
+                          <m:r>
+                            <a:rPr lang="en-US" sz="1400" i="1">
+                              <a:solidFill>
+                                <a:schemeClr val="bg2">
+                                  <a:lumMod val="50000"/>
+                                </a:schemeClr>
+                              </a:solidFill>
+                              <a:latin typeface="Cambria Math" panose="02040503050406030204" pitchFamily="18" charset="0"/>
+                            </a:rPr>
+                            <m:t>1</m:t>
+                          </m:r>
+                        </m:sup>
+                      </m:sSup>
+                      <m:r>
+                        <a:rPr lang="en-US" sz="1400" i="1">
+                          <a:solidFill>
+                            <a:schemeClr val="bg2">
+                              <a:lumMod val="50000"/>
+                            </a:schemeClr>
+                          </a:solidFill>
+                          <a:latin typeface="Cambria Math" panose="02040503050406030204" pitchFamily="18" charset="0"/>
+                        </a:rPr>
+                        <m:t>+</m:t>
+                      </m:r>
+                      <m:r>
+                        <a:rPr lang="en-US" sz="1400" i="1">
+                          <a:solidFill>
+                            <a:schemeClr val="bg2">
+                              <a:lumMod val="50000"/>
+                            </a:schemeClr>
+                          </a:solidFill>
+                          <a:latin typeface="Cambria Math" panose="02040503050406030204" pitchFamily="18" charset="0"/>
+                        </a:rPr>
+                        <m:t>1</m:t>
+                      </m:r>
+                      <m:r>
+                        <a:rPr lang="en-US" sz="1400" i="1">
+                          <a:solidFill>
+                            <a:schemeClr val="bg2">
+                              <a:lumMod val="50000"/>
+                            </a:schemeClr>
+                          </a:solidFill>
+                          <a:latin typeface="Cambria Math" panose="02040503050406030204" pitchFamily="18" charset="0"/>
+                        </a:rPr>
+                        <m:t>∙</m:t>
+                      </m:r>
+                      <m:sSup>
+                        <m:sSupPr>
+                          <m:ctrlPr>
+                            <a:rPr lang="en-US" sz="1400" i="1">
+                              <a:solidFill>
+                                <a:schemeClr val="bg2">
+                                  <a:lumMod val="50000"/>
+                                </a:schemeClr>
+                              </a:solidFill>
+                              <a:latin typeface="Cambria Math" panose="02040503050406030204" pitchFamily="18" charset="0"/>
+                            </a:rPr>
+                          </m:ctrlPr>
+                        </m:sSupPr>
+                        <m:e>
+                          <m:r>
+                            <a:rPr lang="en-US" sz="1400" i="1">
+                              <a:solidFill>
+                                <a:schemeClr val="bg2">
+                                  <a:lumMod val="50000"/>
+                                </a:schemeClr>
+                              </a:solidFill>
+                              <a:latin typeface="Cambria Math" panose="02040503050406030204" pitchFamily="18" charset="0"/>
+                            </a:rPr>
+                            <m:t>2</m:t>
+                          </m:r>
+                        </m:e>
+                        <m:sup>
+                          <m:r>
+                            <a:rPr lang="en-US" sz="1400" i="1">
+                              <a:solidFill>
+                                <a:schemeClr val="bg2">
+                                  <a:lumMod val="50000"/>
+                                </a:schemeClr>
+                              </a:solidFill>
+                              <a:latin typeface="Cambria Math" panose="02040503050406030204" pitchFamily="18" charset="0"/>
+                            </a:rPr>
+                            <m:t>0</m:t>
+                          </m:r>
+                        </m:sup>
+                      </m:sSup>
+                      <m:r>
+                        <a:rPr lang="en-US" sz="1400" i="1">
+                          <a:solidFill>
+                            <a:schemeClr val="bg2">
+                              <a:lumMod val="50000"/>
+                            </a:schemeClr>
+                          </a:solidFill>
+                          <a:latin typeface="Cambria Math" panose="02040503050406030204" pitchFamily="18" charset="0"/>
+                        </a:rPr>
+                        <m:t>=</m:t>
+                      </m:r>
+                      <m:sSup>
+                        <m:sSupPr>
+                          <m:ctrlPr>
+                            <a:rPr lang="en-US" sz="1400" i="1">
+                              <a:solidFill>
+                                <a:schemeClr val="bg2">
+                                  <a:lumMod val="50000"/>
+                                </a:schemeClr>
+                              </a:solidFill>
+                              <a:latin typeface="Cambria Math" panose="02040503050406030204" pitchFamily="18" charset="0"/>
+                            </a:rPr>
+                          </m:ctrlPr>
+                        </m:sSupPr>
+                        <m:e>
+                          <m:r>
+                            <a:rPr lang="en-US" sz="1400" i="1">
+                              <a:solidFill>
+                                <a:schemeClr val="bg2">
+                                  <a:lumMod val="50000"/>
+                                </a:schemeClr>
+                              </a:solidFill>
+                              <a:latin typeface="Cambria Math" panose="02040503050406030204" pitchFamily="18" charset="0"/>
+                            </a:rPr>
+                            <m:t>2</m:t>
+                          </m:r>
+                        </m:e>
+                        <m:sup>
+                          <m:r>
+                            <a:rPr lang="en-US" sz="1400" i="1">
+                              <a:solidFill>
+                                <a:schemeClr val="bg2">
+                                  <a:lumMod val="50000"/>
+                                </a:schemeClr>
+                              </a:solidFill>
+                              <a:latin typeface="Cambria Math" panose="02040503050406030204" pitchFamily="18" charset="0"/>
+                            </a:rPr>
+                            <m:t>7</m:t>
+                          </m:r>
+                        </m:sup>
+                      </m:sSup>
+                      <m:r>
+                        <a:rPr lang="en-US" sz="1400" i="1">
+                          <a:solidFill>
+                            <a:schemeClr val="bg2">
+                              <a:lumMod val="50000"/>
+                            </a:schemeClr>
+                          </a:solidFill>
+                          <a:latin typeface="Cambria Math" panose="02040503050406030204" pitchFamily="18" charset="0"/>
+                        </a:rPr>
+                        <m:t>+</m:t>
+                      </m:r>
+                      <m:sSup>
+                        <m:sSupPr>
+                          <m:ctrlPr>
+                            <a:rPr lang="en-US" sz="1400" i="1">
+                              <a:solidFill>
+                                <a:schemeClr val="bg2">
+                                  <a:lumMod val="50000"/>
+                                </a:schemeClr>
+                              </a:solidFill>
+                              <a:latin typeface="Cambria Math" panose="02040503050406030204" pitchFamily="18" charset="0"/>
+                            </a:rPr>
+                          </m:ctrlPr>
+                        </m:sSupPr>
+                        <m:e>
+                          <m:r>
+                            <a:rPr lang="en-US" sz="1400" i="1">
+                              <a:solidFill>
+                                <a:schemeClr val="bg2">
+                                  <a:lumMod val="50000"/>
+                                </a:schemeClr>
+                              </a:solidFill>
+                              <a:latin typeface="Cambria Math" panose="02040503050406030204" pitchFamily="18" charset="0"/>
+                            </a:rPr>
+                            <m:t>2</m:t>
+                          </m:r>
+                        </m:e>
+                        <m:sup>
+                          <m:r>
+                            <a:rPr lang="en-US" sz="1400" i="1">
+                              <a:solidFill>
+                                <a:schemeClr val="bg2">
+                                  <a:lumMod val="50000"/>
+                                </a:schemeClr>
+                              </a:solidFill>
+                              <a:latin typeface="Cambria Math" panose="02040503050406030204" pitchFamily="18" charset="0"/>
+                            </a:rPr>
+                            <m:t>4</m:t>
+                          </m:r>
+                        </m:sup>
+                      </m:sSup>
+                      <m:r>
+                        <a:rPr lang="en-US" sz="1400" i="1">
+                          <a:solidFill>
+                            <a:schemeClr val="bg2">
+                              <a:lumMod val="50000"/>
+                            </a:schemeClr>
+                          </a:solidFill>
+                          <a:latin typeface="Cambria Math" panose="02040503050406030204" pitchFamily="18" charset="0"/>
+                        </a:rPr>
+                        <m:t>+</m:t>
+                      </m:r>
+                      <m:sSup>
+                        <m:sSupPr>
+                          <m:ctrlPr>
+                            <a:rPr lang="en-US" sz="1400" i="1">
+                              <a:solidFill>
+                                <a:schemeClr val="bg2">
+                                  <a:lumMod val="50000"/>
+                                </a:schemeClr>
+                              </a:solidFill>
+                              <a:latin typeface="Cambria Math" panose="02040503050406030204" pitchFamily="18" charset="0"/>
+                            </a:rPr>
+                          </m:ctrlPr>
+                        </m:sSupPr>
+                        <m:e>
+                          <m:r>
+                            <a:rPr lang="en-US" sz="1400" i="1">
+                              <a:solidFill>
+                                <a:schemeClr val="bg2">
+                                  <a:lumMod val="50000"/>
+                                </a:schemeClr>
+                              </a:solidFill>
+                              <a:latin typeface="Cambria Math" panose="02040503050406030204" pitchFamily="18" charset="0"/>
+                            </a:rPr>
+                            <m:t>2</m:t>
+                          </m:r>
+                        </m:e>
+                        <m:sup>
+                          <m:r>
+                            <a:rPr lang="en-US" sz="1400" i="1">
+                              <a:solidFill>
+                                <a:schemeClr val="bg2">
+                                  <a:lumMod val="50000"/>
+                                </a:schemeClr>
+                              </a:solidFill>
+                              <a:latin typeface="Cambria Math" panose="02040503050406030204" pitchFamily="18" charset="0"/>
+                            </a:rPr>
+                            <m:t>2</m:t>
+                          </m:r>
+                        </m:sup>
+                      </m:sSup>
+                      <m:r>
+                        <a:rPr lang="en-US" sz="1400" i="1">
+                          <a:solidFill>
+                            <a:schemeClr val="bg2">
+                              <a:lumMod val="50000"/>
+                            </a:schemeClr>
+                          </a:solidFill>
+                          <a:latin typeface="Cambria Math" panose="02040503050406030204" pitchFamily="18" charset="0"/>
+                        </a:rPr>
+                        <m:t>+</m:t>
+                      </m:r>
+                      <m:sSup>
+                        <m:sSupPr>
+                          <m:ctrlPr>
+                            <a:rPr lang="en-US" sz="1400" i="1">
+                              <a:solidFill>
+                                <a:schemeClr val="bg2">
+                                  <a:lumMod val="50000"/>
+                                </a:schemeClr>
+                              </a:solidFill>
+                              <a:latin typeface="Cambria Math" panose="02040503050406030204" pitchFamily="18" charset="0"/>
+                            </a:rPr>
+                          </m:ctrlPr>
+                        </m:sSupPr>
+                        <m:e>
+                          <m:r>
+                            <a:rPr lang="en-US" sz="1400" i="1">
+                              <a:solidFill>
+                                <a:schemeClr val="bg2">
+                                  <a:lumMod val="50000"/>
+                                </a:schemeClr>
+                              </a:solidFill>
+                              <a:latin typeface="Cambria Math" panose="02040503050406030204" pitchFamily="18" charset="0"/>
+                            </a:rPr>
+                            <m:t>2</m:t>
+                          </m:r>
+                        </m:e>
+                        <m:sup>
+                          <m:r>
+                            <a:rPr lang="en-US" sz="1400" i="1">
+                              <a:solidFill>
+                                <a:schemeClr val="bg2">
+                                  <a:lumMod val="50000"/>
+                                </a:schemeClr>
+                              </a:solidFill>
+                              <a:latin typeface="Cambria Math" panose="02040503050406030204" pitchFamily="18" charset="0"/>
+                            </a:rPr>
+                            <m:t>1</m:t>
+                          </m:r>
+                        </m:sup>
+                      </m:sSup>
+                      <m:r>
+                        <a:rPr lang="en-US" sz="1400" i="1">
+                          <a:solidFill>
+                            <a:schemeClr val="bg2">
+                              <a:lumMod val="50000"/>
+                            </a:schemeClr>
+                          </a:solidFill>
+                          <a:latin typeface="Cambria Math" panose="02040503050406030204" pitchFamily="18" charset="0"/>
+                        </a:rPr>
+                        <m:t>+</m:t>
+                      </m:r>
+                      <m:sSup>
+                        <m:sSupPr>
+                          <m:ctrlPr>
+                            <a:rPr lang="en-US" sz="1400" i="1">
+                              <a:solidFill>
+                                <a:schemeClr val="bg2">
+                                  <a:lumMod val="50000"/>
+                                </a:schemeClr>
+                              </a:solidFill>
+                              <a:latin typeface="Cambria Math" panose="02040503050406030204" pitchFamily="18" charset="0"/>
+                            </a:rPr>
+                          </m:ctrlPr>
+                        </m:sSupPr>
+                        <m:e>
+                          <m:r>
+                            <a:rPr lang="en-US" sz="1400" i="1">
+                              <a:solidFill>
+                                <a:schemeClr val="bg2">
+                                  <a:lumMod val="50000"/>
+                                </a:schemeClr>
+                              </a:solidFill>
+                              <a:latin typeface="Cambria Math" panose="02040503050406030204" pitchFamily="18" charset="0"/>
+                            </a:rPr>
+                            <m:t>2</m:t>
+                          </m:r>
+                        </m:e>
+                        <m:sup>
+                          <m:r>
+                            <a:rPr lang="en-US" sz="1400" i="1">
+                              <a:solidFill>
+                                <a:schemeClr val="bg2">
+                                  <a:lumMod val="50000"/>
+                                </a:schemeClr>
+                              </a:solidFill>
+                              <a:latin typeface="Cambria Math" panose="02040503050406030204" pitchFamily="18" charset="0"/>
+                            </a:rPr>
+                            <m:t>0</m:t>
+                          </m:r>
+                        </m:sup>
+                      </m:sSup>
+                    </m:oMath>
+                  </m:oMathPara>
+                </a14:m>
+                <a:endParaRPr lang="en-US" sz="1400" dirty="0">
+                  <a:solidFill>
+                    <a:schemeClr val="bg2">
+                      <a:lumMod val="50000"/>
+                    </a:schemeClr>
+                  </a:solidFill>
+                </a:endParaRPr>
+              </a:p>
+              <a:p>
+                <a:pPr marL="457200" lvl="1" indent="0" algn="l" rtl="0">
+                  <a:buNone/>
+                </a:pPr>
+                <a:endParaRPr lang="en-US" sz="1400" dirty="0">
+                  <a:solidFill>
+                    <a:schemeClr val="bg2">
+                      <a:lumMod val="50000"/>
+                    </a:schemeClr>
+                  </a:solidFill>
+                </a:endParaRPr>
+              </a:p>
+              <a:p>
+                <a:pPr marL="457200" lvl="1" indent="0" algn="l" rtl="0">
+                  <a:buNone/>
+                </a:pPr>
+                <a:r>
+                  <a:rPr lang="en-US" sz="1400" dirty="0">
+                    <a:solidFill>
+                      <a:schemeClr val="bg2">
+                        <a:lumMod val="50000"/>
+                      </a:schemeClr>
+                    </a:solidFill>
+                  </a:rPr>
+                  <a:t>Therefore:</a:t>
+                </a:r>
+              </a:p>
+              <a:p>
+                <a:pPr marL="457200" lvl="1" indent="0" algn="l" rtl="0">
+                  <a:buNone/>
+                </a:pPr>
+                <a:r>
+                  <a:rPr lang="en-US" sz="1400" b="0" dirty="0">
+                    <a:solidFill>
+                      <a:schemeClr val="bg2">
+                        <a:lumMod val="50000"/>
+                      </a:schemeClr>
+                    </a:solidFill>
+                  </a:rPr>
+                  <a:t>	</a:t>
+                </a:r>
+                <a14:m>
+                  <m:oMath xmlns:m="http://schemas.openxmlformats.org/officeDocument/2006/math">
+                    <m:r>
+                      <a:rPr lang="en-US" sz="1400" b="0" i="1" smtClean="0">
+                        <a:solidFill>
+                          <a:schemeClr val="bg2">
+                            <a:lumMod val="50000"/>
+                          </a:schemeClr>
+                        </a:solidFill>
+                        <a:latin typeface="Cambria Math" panose="02040503050406030204" pitchFamily="18" charset="0"/>
+                      </a:rPr>
+                      <m:t>151</m:t>
+                    </m:r>
+                    <m:r>
+                      <a:rPr lang="en-US" sz="1400" b="0" i="1" smtClean="0">
+                        <a:solidFill>
+                          <a:schemeClr val="bg2">
+                            <a:lumMod val="50000"/>
+                          </a:schemeClr>
+                        </a:solidFill>
+                        <a:latin typeface="Cambria Math" panose="02040503050406030204" pitchFamily="18" charset="0"/>
+                      </a:rPr>
+                      <m:t>∙</m:t>
+                    </m:r>
+                    <m:r>
+                      <a:rPr lang="en-US" sz="1400" b="0" i="1" smtClean="0">
+                        <a:solidFill>
+                          <a:schemeClr val="bg2">
+                            <a:lumMod val="50000"/>
+                          </a:schemeClr>
+                        </a:solidFill>
+                        <a:latin typeface="Cambria Math" panose="02040503050406030204" pitchFamily="18" charset="0"/>
+                      </a:rPr>
+                      <m:t>𝑃</m:t>
+                    </m:r>
+                    <m:r>
+                      <a:rPr lang="en-US" sz="1400" b="0" i="1" smtClean="0">
+                        <a:solidFill>
+                          <a:schemeClr val="bg2">
+                            <a:lumMod val="50000"/>
+                          </a:schemeClr>
+                        </a:solidFill>
+                        <a:latin typeface="Cambria Math" panose="02040503050406030204" pitchFamily="18" charset="0"/>
+                      </a:rPr>
+                      <m:t>=</m:t>
+                    </m:r>
+                    <m:sSup>
+                      <m:sSupPr>
+                        <m:ctrlPr>
+                          <a:rPr lang="en-US" sz="1400" b="0" i="1" smtClean="0">
+                            <a:solidFill>
+                              <a:schemeClr val="bg2">
+                                <a:lumMod val="50000"/>
+                              </a:schemeClr>
+                            </a:solidFill>
+                            <a:latin typeface="Cambria Math" panose="02040503050406030204" pitchFamily="18" charset="0"/>
+                          </a:rPr>
+                        </m:ctrlPr>
+                      </m:sSupPr>
+                      <m:e>
+                        <m:r>
+                          <a:rPr lang="en-US" sz="1400" b="0" i="1" smtClean="0">
+                            <a:solidFill>
+                              <a:schemeClr val="bg2">
+                                <a:lumMod val="50000"/>
+                              </a:schemeClr>
+                            </a:solidFill>
+                            <a:latin typeface="Cambria Math" panose="02040503050406030204" pitchFamily="18" charset="0"/>
+                          </a:rPr>
+                          <m:t>2</m:t>
+                        </m:r>
+                      </m:e>
+                      <m:sup>
+                        <m:r>
+                          <a:rPr lang="en-US" sz="1400" b="0" i="1" smtClean="0">
+                            <a:solidFill>
+                              <a:schemeClr val="bg2">
+                                <a:lumMod val="50000"/>
+                              </a:schemeClr>
+                            </a:solidFill>
+                            <a:latin typeface="Cambria Math" panose="02040503050406030204" pitchFamily="18" charset="0"/>
+                          </a:rPr>
+                          <m:t>7</m:t>
+                        </m:r>
+                      </m:sup>
+                    </m:sSup>
+                    <m:r>
+                      <a:rPr lang="en-US" sz="1400" b="0" i="1" smtClean="0">
+                        <a:solidFill>
+                          <a:schemeClr val="bg2">
+                            <a:lumMod val="50000"/>
+                          </a:schemeClr>
+                        </a:solidFill>
+                        <a:latin typeface="Cambria Math" panose="02040503050406030204" pitchFamily="18" charset="0"/>
+                      </a:rPr>
+                      <m:t>𝑃</m:t>
+                    </m:r>
+                    <m:r>
+                      <a:rPr lang="en-US" sz="1400" b="0" i="1" smtClean="0">
+                        <a:solidFill>
+                          <a:schemeClr val="bg2">
+                            <a:lumMod val="50000"/>
+                          </a:schemeClr>
+                        </a:solidFill>
+                        <a:latin typeface="Cambria Math" panose="02040503050406030204" pitchFamily="18" charset="0"/>
+                      </a:rPr>
+                      <m:t>+</m:t>
+                    </m:r>
+                    <m:sSup>
+                      <m:sSupPr>
+                        <m:ctrlPr>
+                          <a:rPr lang="en-US" sz="1400" b="0" i="1" smtClean="0">
+                            <a:solidFill>
+                              <a:schemeClr val="bg2">
+                                <a:lumMod val="50000"/>
+                              </a:schemeClr>
+                            </a:solidFill>
+                            <a:latin typeface="Cambria Math" panose="02040503050406030204" pitchFamily="18" charset="0"/>
+                          </a:rPr>
+                        </m:ctrlPr>
+                      </m:sSupPr>
+                      <m:e>
+                        <m:r>
+                          <a:rPr lang="en-US" sz="1400" b="0" i="1" smtClean="0">
+                            <a:solidFill>
+                              <a:schemeClr val="bg2">
+                                <a:lumMod val="50000"/>
+                              </a:schemeClr>
+                            </a:solidFill>
+                            <a:latin typeface="Cambria Math" panose="02040503050406030204" pitchFamily="18" charset="0"/>
+                          </a:rPr>
+                          <m:t>2</m:t>
+                        </m:r>
+                      </m:e>
+                      <m:sup>
+                        <m:r>
+                          <a:rPr lang="en-US" sz="1400" b="0" i="1" smtClean="0">
+                            <a:solidFill>
+                              <a:schemeClr val="bg2">
+                                <a:lumMod val="50000"/>
+                              </a:schemeClr>
+                            </a:solidFill>
+                            <a:latin typeface="Cambria Math" panose="02040503050406030204" pitchFamily="18" charset="0"/>
+                          </a:rPr>
+                          <m:t>4</m:t>
+                        </m:r>
+                      </m:sup>
+                    </m:sSup>
+                    <m:r>
+                      <a:rPr lang="en-US" sz="1400" b="0" i="1" smtClean="0">
+                        <a:solidFill>
+                          <a:schemeClr val="bg2">
+                            <a:lumMod val="50000"/>
+                          </a:schemeClr>
+                        </a:solidFill>
+                        <a:latin typeface="Cambria Math" panose="02040503050406030204" pitchFamily="18" charset="0"/>
+                      </a:rPr>
+                      <m:t>𝑃</m:t>
+                    </m:r>
+                    <m:r>
+                      <a:rPr lang="en-US" sz="1400" b="0" i="1" smtClean="0">
+                        <a:solidFill>
+                          <a:schemeClr val="bg2">
+                            <a:lumMod val="50000"/>
+                          </a:schemeClr>
+                        </a:solidFill>
+                        <a:latin typeface="Cambria Math" panose="02040503050406030204" pitchFamily="18" charset="0"/>
+                      </a:rPr>
+                      <m:t>+</m:t>
+                    </m:r>
+                    <m:sSup>
+                      <m:sSupPr>
+                        <m:ctrlPr>
+                          <a:rPr lang="en-US" sz="1400" b="0" i="1" smtClean="0">
+                            <a:solidFill>
+                              <a:schemeClr val="bg2">
+                                <a:lumMod val="50000"/>
+                              </a:schemeClr>
+                            </a:solidFill>
+                            <a:latin typeface="Cambria Math" panose="02040503050406030204" pitchFamily="18" charset="0"/>
+                          </a:rPr>
+                        </m:ctrlPr>
+                      </m:sSupPr>
+                      <m:e>
+                        <m:r>
+                          <a:rPr lang="en-US" sz="1400" b="0" i="1" smtClean="0">
+                            <a:solidFill>
+                              <a:schemeClr val="bg2">
+                                <a:lumMod val="50000"/>
+                              </a:schemeClr>
+                            </a:solidFill>
+                            <a:latin typeface="Cambria Math" panose="02040503050406030204" pitchFamily="18" charset="0"/>
+                          </a:rPr>
+                          <m:t>2</m:t>
+                        </m:r>
+                      </m:e>
+                      <m:sup>
+                        <m:r>
+                          <a:rPr lang="en-US" sz="1400" b="0" i="1" smtClean="0">
+                            <a:solidFill>
+                              <a:schemeClr val="bg2">
+                                <a:lumMod val="50000"/>
+                              </a:schemeClr>
+                            </a:solidFill>
+                            <a:latin typeface="Cambria Math" panose="02040503050406030204" pitchFamily="18" charset="0"/>
+                          </a:rPr>
+                          <m:t>2</m:t>
+                        </m:r>
+                      </m:sup>
+                    </m:sSup>
+                    <m:r>
+                      <a:rPr lang="en-US" sz="1400" b="0" i="1" smtClean="0">
+                        <a:solidFill>
+                          <a:schemeClr val="bg2">
+                            <a:lumMod val="50000"/>
+                          </a:schemeClr>
+                        </a:solidFill>
+                        <a:latin typeface="Cambria Math" panose="02040503050406030204" pitchFamily="18" charset="0"/>
+                      </a:rPr>
+                      <m:t>𝑃</m:t>
+                    </m:r>
+                    <m:r>
+                      <a:rPr lang="en-US" sz="1400" b="0" i="1" smtClean="0">
+                        <a:solidFill>
+                          <a:schemeClr val="bg2">
+                            <a:lumMod val="50000"/>
+                          </a:schemeClr>
+                        </a:solidFill>
+                        <a:latin typeface="Cambria Math" panose="02040503050406030204" pitchFamily="18" charset="0"/>
+                      </a:rPr>
+                      <m:t>+</m:t>
+                    </m:r>
+                    <m:sSup>
+                      <m:sSupPr>
+                        <m:ctrlPr>
+                          <a:rPr lang="en-US" sz="1400" b="0" i="1" smtClean="0">
+                            <a:solidFill>
+                              <a:schemeClr val="bg2">
+                                <a:lumMod val="50000"/>
+                              </a:schemeClr>
+                            </a:solidFill>
+                            <a:latin typeface="Cambria Math" panose="02040503050406030204" pitchFamily="18" charset="0"/>
+                          </a:rPr>
+                        </m:ctrlPr>
+                      </m:sSupPr>
+                      <m:e>
+                        <m:r>
+                          <a:rPr lang="en-US" sz="1400" b="0" i="1" smtClean="0">
+                            <a:solidFill>
+                              <a:schemeClr val="bg2">
+                                <a:lumMod val="50000"/>
+                              </a:schemeClr>
+                            </a:solidFill>
+                            <a:latin typeface="Cambria Math" panose="02040503050406030204" pitchFamily="18" charset="0"/>
+                          </a:rPr>
+                          <m:t>2</m:t>
+                        </m:r>
+                      </m:e>
+                      <m:sup>
+                        <m:r>
+                          <a:rPr lang="en-US" sz="1400" b="0" i="1" smtClean="0">
+                            <a:solidFill>
+                              <a:schemeClr val="bg2">
+                                <a:lumMod val="50000"/>
+                              </a:schemeClr>
+                            </a:solidFill>
+                            <a:latin typeface="Cambria Math" panose="02040503050406030204" pitchFamily="18" charset="0"/>
+                          </a:rPr>
+                          <m:t>1</m:t>
+                        </m:r>
+                      </m:sup>
+                    </m:sSup>
+                    <m:r>
+                      <a:rPr lang="en-US" sz="1400" b="0" i="1" smtClean="0">
+                        <a:solidFill>
+                          <a:schemeClr val="bg2">
+                            <a:lumMod val="50000"/>
+                          </a:schemeClr>
+                        </a:solidFill>
+                        <a:latin typeface="Cambria Math" panose="02040503050406030204" pitchFamily="18" charset="0"/>
+                      </a:rPr>
+                      <m:t>𝑃</m:t>
+                    </m:r>
+                    <m:r>
+                      <a:rPr lang="en-US" sz="1400" b="0" i="1" smtClean="0">
+                        <a:solidFill>
+                          <a:schemeClr val="bg2">
+                            <a:lumMod val="50000"/>
+                          </a:schemeClr>
+                        </a:solidFill>
+                        <a:latin typeface="Cambria Math" panose="02040503050406030204" pitchFamily="18" charset="0"/>
+                      </a:rPr>
+                      <m:t>+</m:t>
+                    </m:r>
+                    <m:sSup>
+                      <m:sSupPr>
+                        <m:ctrlPr>
+                          <a:rPr lang="en-US" sz="1400" b="0" i="1" smtClean="0">
+                            <a:solidFill>
+                              <a:schemeClr val="bg2">
+                                <a:lumMod val="50000"/>
+                              </a:schemeClr>
+                            </a:solidFill>
+                            <a:latin typeface="Cambria Math" panose="02040503050406030204" pitchFamily="18" charset="0"/>
+                          </a:rPr>
+                        </m:ctrlPr>
+                      </m:sSupPr>
+                      <m:e>
+                        <m:r>
+                          <a:rPr lang="en-US" sz="1400" b="0" i="1" smtClean="0">
+                            <a:solidFill>
+                              <a:schemeClr val="bg2">
+                                <a:lumMod val="50000"/>
+                              </a:schemeClr>
+                            </a:solidFill>
+                            <a:latin typeface="Cambria Math" panose="02040503050406030204" pitchFamily="18" charset="0"/>
+                          </a:rPr>
+                          <m:t>2</m:t>
+                        </m:r>
+                      </m:e>
+                      <m:sup>
+                        <m:r>
+                          <a:rPr lang="en-US" sz="1400" b="0" i="1" smtClean="0">
+                            <a:solidFill>
+                              <a:schemeClr val="bg2">
+                                <a:lumMod val="50000"/>
+                              </a:schemeClr>
+                            </a:solidFill>
+                            <a:latin typeface="Cambria Math" panose="02040503050406030204" pitchFamily="18" charset="0"/>
+                          </a:rPr>
+                          <m:t>0</m:t>
+                        </m:r>
+                      </m:sup>
+                    </m:sSup>
+                    <m:r>
+                      <a:rPr lang="en-US" sz="1400" b="0" i="1" smtClean="0">
+                        <a:solidFill>
+                          <a:schemeClr val="bg2">
+                            <a:lumMod val="50000"/>
+                          </a:schemeClr>
+                        </a:solidFill>
+                        <a:latin typeface="Cambria Math" panose="02040503050406030204" pitchFamily="18" charset="0"/>
+                      </a:rPr>
+                      <m:t>𝑃</m:t>
+                    </m:r>
+                  </m:oMath>
+                </a14:m>
+                <a:endParaRPr lang="en-US" sz="1400" dirty="0">
+                  <a:solidFill>
+                    <a:schemeClr val="bg2">
+                      <a:lumMod val="50000"/>
+                    </a:schemeClr>
+                  </a:solidFill>
+                </a:endParaRPr>
+              </a:p>
+              <a:p>
+                <a:pPr marL="457200" lvl="1" indent="0" algn="l" rtl="0">
+                  <a:buNone/>
+                </a:pPr>
+                <a:endParaRPr lang="en-US" sz="1400" b="0" dirty="0">
+                  <a:solidFill>
+                    <a:schemeClr val="bg2">
+                      <a:lumMod val="50000"/>
+                    </a:schemeClr>
+                  </a:solidFill>
+                </a:endParaRPr>
+              </a:p>
+              <a:p>
+                <a:pPr marL="457200" lvl="1" indent="0" algn="l" rtl="0">
+                  <a:buNone/>
+                </a:pPr>
+                <a:r>
+                  <a:rPr lang="en-US" sz="1400" dirty="0">
+                    <a:solidFill>
+                      <a:schemeClr val="bg2">
+                        <a:lumMod val="50000"/>
+                      </a:schemeClr>
+                    </a:solidFill>
+                  </a:rPr>
+                  <a:t>Which results in just 7 doubling and 4 additions</a:t>
+                </a:r>
+                <a:endParaRPr lang="en-US" sz="1400" b="0" dirty="0">
+                  <a:solidFill>
+                    <a:schemeClr val="bg2">
+                      <a:lumMod val="50000"/>
+                    </a:schemeClr>
+                  </a:solidFill>
+                </a:endParaRPr>
+              </a:p>
+            </p:txBody>
+          </p:sp>
+        </mc:Choice>
+        <mc:Fallback>
+          <p:sp>
+            <p:nvSpPr>
+              <p:cNvPr id="3" name="Content Placeholder 2">
+                <a:extLst>
+                  <a:ext uri="{FF2B5EF4-FFF2-40B4-BE49-F238E27FC236}">
+                    <a16:creationId xmlns:a16="http://schemas.microsoft.com/office/drawing/2014/main" id="{AE3D040F-33E5-4012-8189-210361F7EDB6}"/>
+                  </a:ext>
+                </a:extLst>
+              </p:cNvPr>
+              <p:cNvSpPr>
+                <a:spLocks noGrp="1" noRot="1" noChangeAspect="1" noMove="1" noResize="1" noEditPoints="1" noAdjustHandles="1" noChangeArrowheads="1" noChangeShapeType="1" noTextEdit="1"/>
+              </p:cNvSpPr>
+              <p:nvPr>
+                <p:ph idx="1"/>
+              </p:nvPr>
+            </p:nvSpPr>
+            <p:spPr>
+              <a:xfrm>
+                <a:off x="838200" y="1149292"/>
+                <a:ext cx="10515600" cy="5027671"/>
+              </a:xfrm>
+              <a:blipFill>
+                <a:blip r:embed="rId2"/>
+                <a:stretch>
+                  <a:fillRect l="-406"/>
+                </a:stretch>
+              </a:blipFill>
+            </p:spPr>
+            <p:txBody>
+              <a:bodyPr/>
+              <a:lstStyle/>
+              <a:p>
+                <a:r>
+                  <a:rPr lang="he-IL">
+                    <a:noFill/>
+                  </a:rPr>
+                  <a:t> </a:t>
+                </a:r>
+              </a:p>
+            </p:txBody>
+          </p:sp>
+        </mc:Fallback>
+      </mc:AlternateContent>
+      <p:sp>
+        <p:nvSpPr>
+          <p:cNvPr id="5" name="Action Button: Go Back or Previous 5">
+            <a:hlinkClick r:id="rId3" action="ppaction://hlinksldjump" highlightClick="1"/>
+            <a:extLst>
+              <a:ext uri="{FF2B5EF4-FFF2-40B4-BE49-F238E27FC236}">
+                <a16:creationId xmlns:a16="http://schemas.microsoft.com/office/drawing/2014/main" id="{BF454F8D-E436-4F75-A69A-32D416CA1740}"/>
+              </a:ext>
+            </a:extLst>
+          </p:cNvPr>
+          <p:cNvSpPr/>
+          <p:nvPr/>
+        </p:nvSpPr>
+        <p:spPr>
+          <a:xfrm>
+            <a:off x="10890658" y="343948"/>
+            <a:ext cx="696286" cy="616387"/>
+          </a:xfrm>
+          <a:prstGeom prst="actionButtonBackPrevious">
+            <a:avLst/>
+          </a:prstGeom>
+          <a:solidFill>
+            <a:srgbClr val="60CFEB"/>
+          </a:solidFill>
+          <a:ln>
+            <a:solidFill>
+              <a:srgbClr val="60CFEB"/>
+            </a:solidFill>
+          </a:ln>
+        </p:spPr>
+        <p:style>
+          <a:lnRef idx="2">
+            <a:schemeClr val="accent1">
+              <a:shade val="50000"/>
+            </a:schemeClr>
+          </a:lnRef>
+          <a:fillRef idx="1">
+            <a:schemeClr val="accent1"/>
+          </a:fillRef>
+          <a:effectRef idx="0">
+            <a:schemeClr val="accent1"/>
+          </a:effectRef>
+          <a:fontRef idx="minor">
+            <a:schemeClr val="lt1"/>
+          </a:fontRef>
+        </p:style>
+        <p:txBody>
+          <a:bodyPr rtlCol="1" anchor="ctr"/>
+          <a:lstStyle/>
+          <a:p>
+            <a:pPr algn="ctr"/>
+            <a:endParaRPr lang="he-IL"/>
+          </a:p>
+        </p:txBody>
+      </p:sp>
+      <p:sp>
+        <p:nvSpPr>
+          <p:cNvPr id="6" name="סוגר מסולסל ימני 5">
+            <a:extLst>
+              <a:ext uri="{FF2B5EF4-FFF2-40B4-BE49-F238E27FC236}">
+                <a16:creationId xmlns:a16="http://schemas.microsoft.com/office/drawing/2014/main" id="{E4F42C2F-7CE6-4D0E-A306-1B5056D1A667}"/>
+              </a:ext>
+            </a:extLst>
+          </p:cNvPr>
+          <p:cNvSpPr/>
+          <p:nvPr/>
+        </p:nvSpPr>
+        <p:spPr>
+          <a:xfrm rot="5400000">
+            <a:off x="6338580" y="1170963"/>
+            <a:ext cx="67111" cy="1416343"/>
+          </a:xfrm>
+          <a:prstGeom prst="rightBrace">
+            <a:avLst/>
+          </a:prstGeom>
+          <a:ln>
+            <a:solidFill>
+              <a:schemeClr val="bg1">
+                <a:lumMod val="85000"/>
+                <a:lumOff val="15000"/>
+                <a:alpha val="60000"/>
+              </a:schemeClr>
+            </a:solidFill>
+          </a:ln>
+        </p:spPr>
+        <p:style>
+          <a:lnRef idx="1">
+            <a:schemeClr val="dk1"/>
+          </a:lnRef>
+          <a:fillRef idx="0">
+            <a:schemeClr val="dk1"/>
+          </a:fillRef>
+          <a:effectRef idx="0">
+            <a:schemeClr val="dk1"/>
+          </a:effectRef>
+          <a:fontRef idx="minor">
+            <a:schemeClr val="tx1"/>
+          </a:fontRef>
+        </p:style>
+        <p:txBody>
+          <a:bodyPr rtlCol="1" anchor="ctr"/>
+          <a:lstStyle/>
+          <a:p>
+            <a:pPr algn="ctr"/>
+            <a:endParaRPr lang="he-IL"/>
+          </a:p>
+        </p:txBody>
+      </p:sp>
+      <p:sp>
+        <p:nvSpPr>
+          <p:cNvPr id="7" name="תיבת טקסט 6">
+            <a:extLst>
+              <a:ext uri="{FF2B5EF4-FFF2-40B4-BE49-F238E27FC236}">
+                <a16:creationId xmlns:a16="http://schemas.microsoft.com/office/drawing/2014/main" id="{036DC802-3B50-4BB9-8743-9357F9E3D57E}"/>
+              </a:ext>
+            </a:extLst>
+          </p:cNvPr>
+          <p:cNvSpPr txBox="1"/>
+          <p:nvPr/>
+        </p:nvSpPr>
+        <p:spPr>
+          <a:xfrm>
+            <a:off x="5975231" y="1879134"/>
+            <a:ext cx="750526" cy="307777"/>
+          </a:xfrm>
+          <a:prstGeom prst="rect">
+            <a:avLst/>
+          </a:prstGeom>
+          <a:noFill/>
+        </p:spPr>
+        <p:txBody>
+          <a:bodyPr wrap="none" rtlCol="1">
+            <a:spAutoFit/>
+          </a:bodyPr>
+          <a:lstStyle/>
+          <a:p>
+            <a:r>
+              <a:rPr lang="en-US" sz="1400" dirty="0">
+                <a:solidFill>
+                  <a:srgbClr val="0A304A"/>
+                </a:solidFill>
+                <a:latin typeface="Cambria Math" panose="02040503050406030204" pitchFamily="18" charset="0"/>
+                <a:ea typeface="Cambria Math" panose="02040503050406030204" pitchFamily="18" charset="0"/>
+              </a:rPr>
+              <a:t>n times</a:t>
+            </a:r>
+            <a:endParaRPr lang="he-IL" sz="1400" dirty="0">
+              <a:solidFill>
+                <a:srgbClr val="0A304A"/>
+              </a:solidFill>
+              <a:latin typeface="Cambria Math" panose="02040503050406030204" pitchFamily="18" charset="0"/>
+              <a:ea typeface="Cambria Math" panose="02040503050406030204" pitchFamily="18" charset="0"/>
+            </a:endParaRPr>
+          </a:p>
+        </p:txBody>
+      </p:sp>
+    </p:spTree>
+    <p:extLst>
+      <p:ext uri="{BB962C8B-B14F-4D97-AF65-F5344CB8AC3E}">
+        <p14:creationId xmlns:p14="http://schemas.microsoft.com/office/powerpoint/2010/main" val="1840753541"/>
+      </p:ext>
+    </p:extLst>
+  </p:cSld>
+  <p:clrMapOvr>
+    <a:masterClrMapping/>
+  </p:clrMapOvr>
+</p:sld>
+</file>
+
 <file path=ppt/slides/slide2.xml><?xml version="1.0" encoding="utf-8"?>
 <p:sld xmlns:a="http://schemas.openxmlformats.org/drawingml/2006/main" xmlns:r="http://schemas.openxmlformats.org/officeDocument/2006/relationships" xmlns:p="http://schemas.openxmlformats.org/presentationml/2006/main">
   <p:cSld>
@@ -12930,8 +15074,8 @@
           </a:p>
         </p:txBody>
       </p:sp>
-      <mc:AlternateContent xmlns:mc="http://schemas.openxmlformats.org/markup-compatibility/2006">
-        <mc:Choice xmlns:a14="http://schemas.microsoft.com/office/drawing/2010/main" Requires="a14">
+      <mc:AlternateContent xmlns:mc="http://schemas.openxmlformats.org/markup-compatibility/2006" xmlns:a14="http://schemas.microsoft.com/office/drawing/2010/main">
+        <mc:Choice Requires="a14">
           <p:graphicFrame>
             <p:nvGraphicFramePr>
               <p:cNvPr id="5" name="Table 5">
@@ -14241,7 +16385,7 @@
             </a:graphic>
           </p:graphicFrame>
         </mc:Choice>
-        <mc:Fallback>
+        <mc:Fallback xmlns="">
           <p:graphicFrame>
             <p:nvGraphicFramePr>
               <p:cNvPr id="5" name="Table 5">
@@ -15244,7 +17388,7 @@
                               <a:latin typeface="+mn-lt"/>
                               <a:ea typeface="+mn-ea"/>
                               <a:cs typeface="+mn-cs"/>
-                              <a:hlinkClick r:id="rId2" action="ppaction://hlinksldjump">
+                              <a:hlinkClick r:id="rId4" action="ppaction://hlinksldjump">
                                 <a:extLst>
                                   <a:ext uri="{A12FA001-AC4F-418D-AE19-62706E023703}">
                                     <ahyp:hlinkClr xmlns:ahyp="http://schemas.microsoft.com/office/drawing/2018/hyperlinkcolor" val="tx"/>

--- a/Advanced Algebra.pptx
+++ b/Advanced Algebra.pptx
@@ -16,8 +16,7 @@
     <p:sldId id="259" r:id="rId10"/>
     <p:sldId id="268" r:id="rId11"/>
     <p:sldId id="258" r:id="rId12"/>
-    <p:sldId id="269" r:id="rId13"/>
-    <p:sldId id="272" r:id="rId14"/>
+    <p:sldId id="272" r:id="rId13"/>
   </p:sldIdLst>
   <p:sldSz cx="12192000" cy="6858000"/>
   <p:notesSz cx="6858000" cy="9144000"/>
@@ -144,7 +143,6 @@
         </p14:section>
         <p14:section name="Class Point" id="{011E98C6-C3DF-447C-9365-541BF4B955F1}">
           <p14:sldIdLst>
-            <p14:sldId id="269"/>
             <p14:sldId id="272"/>
           </p14:sldIdLst>
         </p14:section>
@@ -7815,6 +7813,2148 @@
 </file>
 
 <file path=ppt/slides/slide12.xml><?xml version="1.0" encoding="utf-8"?>
+<p:sld xmlns:a="http://schemas.openxmlformats.org/drawingml/2006/main" xmlns:r="http://schemas.openxmlformats.org/officeDocument/2006/relationships" xmlns:p="http://schemas.openxmlformats.org/presentationml/2006/main">
+  <p:cSld>
+    <p:spTree>
+      <p:nvGrpSpPr>
+        <p:cNvPr id="1" name=""/>
+        <p:cNvGrpSpPr/>
+        <p:nvPr/>
+      </p:nvGrpSpPr>
+      <p:grpSpPr>
+        <a:xfrm>
+          <a:off x="0" y="0"/>
+          <a:ext cx="0" cy="0"/>
+          <a:chOff x="0" y="0"/>
+          <a:chExt cx="0" cy="0"/>
+        </a:xfrm>
+      </p:grpSpPr>
+      <p:sp>
+        <p:nvSpPr>
+          <p:cNvPr id="2" name="Title 1">
+            <a:extLst>
+              <a:ext uri="{FF2B5EF4-FFF2-40B4-BE49-F238E27FC236}">
+                <a16:creationId xmlns:a16="http://schemas.microsoft.com/office/drawing/2014/main" id="{D7C6A2F0-BB58-4F7A-987B-14D760B12854}"/>
+              </a:ext>
+            </a:extLst>
+          </p:cNvPr>
+          <p:cNvSpPr>
+            <a:spLocks noGrp="1"/>
+          </p:cNvSpPr>
+          <p:nvPr>
+            <p:ph type="title"/>
+          </p:nvPr>
+        </p:nvSpPr>
+        <p:spPr>
+          <a:xfrm>
+            <a:off x="838200" y="365125"/>
+            <a:ext cx="10515600" cy="616387"/>
+          </a:xfrm>
+        </p:spPr>
+        <p:txBody>
+          <a:bodyPr>
+            <a:normAutofit fontScale="90000"/>
+          </a:bodyPr>
+          <a:lstStyle/>
+          <a:p>
+            <a:r>
+              <a:rPr lang="en-US" dirty="0"/>
+              <a:t>Double and Add Algorithm</a:t>
+            </a:r>
+            <a:endParaRPr lang="he-IL" dirty="0"/>
+          </a:p>
+        </p:txBody>
+      </p:sp>
+      <mc:AlternateContent xmlns:mc="http://schemas.openxmlformats.org/markup-compatibility/2006" xmlns:a14="http://schemas.microsoft.com/office/drawing/2010/main">
+        <mc:Choice Requires="a14">
+          <p:sp>
+            <p:nvSpPr>
+              <p:cNvPr id="3" name="Content Placeholder 2">
+                <a:extLst>
+                  <a:ext uri="{FF2B5EF4-FFF2-40B4-BE49-F238E27FC236}">
+                    <a16:creationId xmlns:a16="http://schemas.microsoft.com/office/drawing/2014/main" id="{AE3D040F-33E5-4012-8189-210361F7EDB6}"/>
+                  </a:ext>
+                </a:extLst>
+              </p:cNvPr>
+              <p:cNvSpPr>
+                <a:spLocks noGrp="1"/>
+              </p:cNvSpPr>
+              <p:nvPr>
+                <p:ph idx="1"/>
+              </p:nvPr>
+            </p:nvSpPr>
+            <p:spPr>
+              <a:xfrm>
+                <a:off x="838200" y="1149292"/>
+                <a:ext cx="10515600" cy="5027671"/>
+              </a:xfrm>
+            </p:spPr>
+            <p:txBody>
+              <a:bodyPr>
+                <a:normAutofit fontScale="92500" lnSpcReduction="20000"/>
+              </a:bodyPr>
+              <a:lstStyle/>
+              <a:p>
+                <a:pPr marL="0" indent="0" algn="l" rtl="0">
+                  <a:buNone/>
+                </a:pPr>
+                <a:r>
+                  <a:rPr lang="en-US" sz="1800" dirty="0">
+                    <a:solidFill>
+                      <a:schemeClr val="bg2">
+                        <a:lumMod val="50000"/>
+                      </a:schemeClr>
+                    </a:solidFill>
+                  </a:rPr>
+                  <a:t>Scalar multiplication defined as:</a:t>
+                </a:r>
+              </a:p>
+              <a:p>
+                <a:pPr marL="0" indent="0" algn="ctr" rtl="0">
+                  <a:buNone/>
+                </a:pPr>
+                <a14:m>
+                  <m:oMathPara xmlns:m="http://schemas.openxmlformats.org/officeDocument/2006/math">
+                    <m:oMathParaPr>
+                      <m:jc m:val="centerGroup"/>
+                    </m:oMathParaPr>
+                    <m:oMath xmlns:m="http://schemas.openxmlformats.org/officeDocument/2006/math">
+                      <m:r>
+                        <a:rPr lang="en-US" sz="1800" b="0" i="1" smtClean="0">
+                          <a:solidFill>
+                            <a:schemeClr val="bg2">
+                              <a:lumMod val="50000"/>
+                            </a:schemeClr>
+                          </a:solidFill>
+                          <a:latin typeface="Cambria Math" panose="02040503050406030204" pitchFamily="18" charset="0"/>
+                        </a:rPr>
+                        <m:t>𝑛𝑃</m:t>
+                      </m:r>
+                      <m:r>
+                        <a:rPr lang="en-US" sz="1800" b="0" i="1" smtClean="0">
+                          <a:solidFill>
+                            <a:schemeClr val="bg2">
+                              <a:lumMod val="50000"/>
+                            </a:schemeClr>
+                          </a:solidFill>
+                          <a:latin typeface="Cambria Math" panose="02040503050406030204" pitchFamily="18" charset="0"/>
+                        </a:rPr>
+                        <m:t>=</m:t>
+                      </m:r>
+                      <m:r>
+                        <a:rPr lang="en-US" sz="1800" b="0" i="1" smtClean="0">
+                          <a:solidFill>
+                            <a:schemeClr val="bg2">
+                              <a:lumMod val="50000"/>
+                            </a:schemeClr>
+                          </a:solidFill>
+                          <a:latin typeface="Cambria Math" panose="02040503050406030204" pitchFamily="18" charset="0"/>
+                        </a:rPr>
+                        <m:t>𝑃</m:t>
+                      </m:r>
+                      <m:r>
+                        <a:rPr lang="en-US" sz="1800" b="0" i="1" smtClean="0">
+                          <a:solidFill>
+                            <a:schemeClr val="bg2">
+                              <a:lumMod val="50000"/>
+                            </a:schemeClr>
+                          </a:solidFill>
+                          <a:latin typeface="Cambria Math" panose="02040503050406030204" pitchFamily="18" charset="0"/>
+                        </a:rPr>
+                        <m:t>+</m:t>
+                      </m:r>
+                      <m:r>
+                        <a:rPr lang="en-US" sz="1800" b="0" i="1" smtClean="0">
+                          <a:solidFill>
+                            <a:schemeClr val="bg2">
+                              <a:lumMod val="50000"/>
+                            </a:schemeClr>
+                          </a:solidFill>
+                          <a:latin typeface="Cambria Math" panose="02040503050406030204" pitchFamily="18" charset="0"/>
+                        </a:rPr>
+                        <m:t>𝑃</m:t>
+                      </m:r>
+                      <m:r>
+                        <a:rPr lang="en-US" sz="1800" b="0" i="1" smtClean="0">
+                          <a:solidFill>
+                            <a:schemeClr val="bg2">
+                              <a:lumMod val="50000"/>
+                            </a:schemeClr>
+                          </a:solidFill>
+                          <a:latin typeface="Cambria Math" panose="02040503050406030204" pitchFamily="18" charset="0"/>
+                        </a:rPr>
+                        <m:t>+…+</m:t>
+                      </m:r>
+                      <m:r>
+                        <a:rPr lang="en-US" sz="1800" b="0" i="1" smtClean="0">
+                          <a:solidFill>
+                            <a:schemeClr val="bg2">
+                              <a:lumMod val="50000"/>
+                            </a:schemeClr>
+                          </a:solidFill>
+                          <a:latin typeface="Cambria Math" panose="02040503050406030204" pitchFamily="18" charset="0"/>
+                        </a:rPr>
+                        <m:t>𝑃</m:t>
+                      </m:r>
+                    </m:oMath>
+                  </m:oMathPara>
+                </a14:m>
+                <a:endParaRPr lang="en-US" sz="1800" dirty="0">
+                  <a:solidFill>
+                    <a:schemeClr val="bg2">
+                      <a:lumMod val="50000"/>
+                    </a:schemeClr>
+                  </a:solidFill>
+                </a:endParaRPr>
+              </a:p>
+              <a:p>
+                <a:pPr marL="0" indent="0" algn="l" rtl="0">
+                  <a:buNone/>
+                </a:pPr>
+                <a:endParaRPr lang="en-US" sz="1800" dirty="0">
+                  <a:solidFill>
+                    <a:schemeClr val="bg2">
+                      <a:lumMod val="50000"/>
+                    </a:schemeClr>
+                  </a:solidFill>
+                </a:endParaRPr>
+              </a:p>
+              <a:p>
+                <a:pPr marL="0" indent="0" algn="l" rtl="0">
+                  <a:buNone/>
+                </a:pPr>
+                <a:r>
+                  <a:rPr lang="en-US" sz="1800" dirty="0">
+                    <a:solidFill>
+                      <a:schemeClr val="bg2">
+                        <a:lumMod val="50000"/>
+                      </a:schemeClr>
+                    </a:solidFill>
+                  </a:rPr>
+                  <a:t>Written in this form, it may seem that computing </a:t>
+                </a:r>
+                <a14:m>
+                  <m:oMath xmlns:m="http://schemas.openxmlformats.org/officeDocument/2006/math">
+                    <m:r>
+                      <a:rPr lang="en-US" sz="1800" b="0" i="1" smtClean="0">
+                        <a:solidFill>
+                          <a:schemeClr val="bg2">
+                            <a:lumMod val="50000"/>
+                          </a:schemeClr>
+                        </a:solidFill>
+                        <a:latin typeface="Cambria Math" panose="02040503050406030204" pitchFamily="18" charset="0"/>
+                      </a:rPr>
+                      <m:t>𝑛𝑃</m:t>
+                    </m:r>
+                  </m:oMath>
+                </a14:m>
+                <a:r>
+                  <a:rPr lang="en-US" sz="1800" dirty="0">
+                    <a:solidFill>
+                      <a:schemeClr val="bg2">
+                        <a:lumMod val="50000"/>
+                      </a:schemeClr>
+                    </a:solidFill>
+                  </a:rPr>
+                  <a:t> requires </a:t>
+                </a:r>
+                <a14:m>
+                  <m:oMath xmlns:m="http://schemas.openxmlformats.org/officeDocument/2006/math">
+                    <m:r>
+                      <a:rPr lang="en-US" sz="1800" b="0" i="1" smtClean="0">
+                        <a:solidFill>
+                          <a:schemeClr val="bg2">
+                            <a:lumMod val="50000"/>
+                          </a:schemeClr>
+                        </a:solidFill>
+                        <a:latin typeface="Cambria Math" panose="02040503050406030204" pitchFamily="18" charset="0"/>
+                      </a:rPr>
+                      <m:t>𝑛</m:t>
+                    </m:r>
+                  </m:oMath>
+                </a14:m>
+                <a:r>
+                  <a:rPr lang="en-US" sz="1800" dirty="0">
+                    <a:solidFill>
+                      <a:schemeClr val="bg2">
+                        <a:lumMod val="50000"/>
+                      </a:schemeClr>
+                    </a:solidFill>
+                  </a:rPr>
+                  <a:t> additions. If </a:t>
+                </a:r>
+                <a14:m>
+                  <m:oMath xmlns:m="http://schemas.openxmlformats.org/officeDocument/2006/math">
+                    <m:r>
+                      <a:rPr lang="en-US" sz="1800" b="0" i="1" smtClean="0">
+                        <a:solidFill>
+                          <a:schemeClr val="bg2">
+                            <a:lumMod val="50000"/>
+                          </a:schemeClr>
+                        </a:solidFill>
+                        <a:latin typeface="Cambria Math" panose="02040503050406030204" pitchFamily="18" charset="0"/>
+                      </a:rPr>
+                      <m:t>𝑛</m:t>
+                    </m:r>
+                  </m:oMath>
+                </a14:m>
+                <a:r>
+                  <a:rPr lang="en-US" sz="1800" dirty="0">
+                    <a:solidFill>
+                      <a:schemeClr val="bg2">
+                        <a:lumMod val="50000"/>
+                      </a:schemeClr>
+                    </a:solidFill>
+                  </a:rPr>
+                  <a:t> has </a:t>
+                </a:r>
+                <a14:m>
+                  <m:oMath xmlns:m="http://schemas.openxmlformats.org/officeDocument/2006/math">
+                    <m:r>
+                      <a:rPr lang="en-US" sz="1800" b="0" i="1" smtClean="0">
+                        <a:solidFill>
+                          <a:schemeClr val="bg2">
+                            <a:lumMod val="50000"/>
+                          </a:schemeClr>
+                        </a:solidFill>
+                        <a:latin typeface="Cambria Math" panose="02040503050406030204" pitchFamily="18" charset="0"/>
+                      </a:rPr>
+                      <m:t>𝑘</m:t>
+                    </m:r>
+                  </m:oMath>
+                </a14:m>
+                <a:r>
+                  <a:rPr lang="en-US" sz="1800" dirty="0">
+                    <a:solidFill>
+                      <a:schemeClr val="bg2">
+                        <a:lumMod val="50000"/>
+                      </a:schemeClr>
+                    </a:solidFill>
+                  </a:rPr>
+                  <a:t> binary digits, the naïve addition would take </a:t>
+                </a:r>
+                <a14:m>
+                  <m:oMath xmlns:m="http://schemas.openxmlformats.org/officeDocument/2006/math">
+                    <m:r>
+                      <a:rPr lang="en-US" sz="1800" b="0" i="1" smtClean="0">
+                        <a:solidFill>
+                          <a:schemeClr val="bg2">
+                            <a:lumMod val="50000"/>
+                          </a:schemeClr>
+                        </a:solidFill>
+                        <a:latin typeface="Cambria Math" panose="02040503050406030204" pitchFamily="18" charset="0"/>
+                      </a:rPr>
+                      <m:t>𝑂</m:t>
+                    </m:r>
+                    <m:r>
+                      <a:rPr lang="en-US" sz="1800" b="0" i="1" smtClean="0">
+                        <a:solidFill>
+                          <a:schemeClr val="bg2">
+                            <a:lumMod val="50000"/>
+                          </a:schemeClr>
+                        </a:solidFill>
+                        <a:latin typeface="Cambria Math" panose="02040503050406030204" pitchFamily="18" charset="0"/>
+                      </a:rPr>
+                      <m:t>(</m:t>
+                    </m:r>
+                    <m:sSup>
+                      <m:sSupPr>
+                        <m:ctrlPr>
+                          <a:rPr lang="en-US" sz="1800" b="0" i="1" smtClean="0">
+                            <a:solidFill>
+                              <a:schemeClr val="bg2">
+                                <a:lumMod val="50000"/>
+                              </a:schemeClr>
+                            </a:solidFill>
+                            <a:latin typeface="Cambria Math" panose="02040503050406030204" pitchFamily="18" charset="0"/>
+                          </a:rPr>
+                        </m:ctrlPr>
+                      </m:sSupPr>
+                      <m:e>
+                        <m:r>
+                          <a:rPr lang="en-US" sz="1800" b="0" i="1" smtClean="0">
+                            <a:solidFill>
+                              <a:schemeClr val="bg2">
+                                <a:lumMod val="50000"/>
+                              </a:schemeClr>
+                            </a:solidFill>
+                            <a:latin typeface="Cambria Math" panose="02040503050406030204" pitchFamily="18" charset="0"/>
+                          </a:rPr>
+                          <m:t>2</m:t>
+                        </m:r>
+                      </m:e>
+                      <m:sup>
+                        <m:r>
+                          <a:rPr lang="en-US" sz="1800" b="0" i="1" smtClean="0">
+                            <a:solidFill>
+                              <a:schemeClr val="bg2">
+                                <a:lumMod val="50000"/>
+                              </a:schemeClr>
+                            </a:solidFill>
+                            <a:latin typeface="Cambria Math" panose="02040503050406030204" pitchFamily="18" charset="0"/>
+                          </a:rPr>
+                          <m:t>𝑘</m:t>
+                        </m:r>
+                      </m:sup>
+                    </m:sSup>
+                    <m:r>
+                      <a:rPr lang="en-US" sz="1800" b="0" i="1" smtClean="0">
+                        <a:solidFill>
+                          <a:schemeClr val="bg2">
+                            <a:lumMod val="50000"/>
+                          </a:schemeClr>
+                        </a:solidFill>
+                        <a:latin typeface="Cambria Math" panose="02040503050406030204" pitchFamily="18" charset="0"/>
+                      </a:rPr>
+                      <m:t>)</m:t>
+                    </m:r>
+                  </m:oMath>
+                </a14:m>
+                <a:r>
+                  <a:rPr lang="en-US" sz="1800" dirty="0">
+                    <a:solidFill>
+                      <a:schemeClr val="bg2">
+                        <a:lumMod val="50000"/>
+                      </a:schemeClr>
+                    </a:solidFill>
+                  </a:rPr>
+                  <a:t>, which is not good.</a:t>
+                </a:r>
+              </a:p>
+              <a:p>
+                <a:pPr marL="0" indent="0" algn="l" rtl="0">
+                  <a:buNone/>
+                </a:pPr>
+                <a:r>
+                  <a:rPr lang="en-US" sz="1800" dirty="0">
+                    <a:solidFill>
+                      <a:schemeClr val="bg2">
+                        <a:lumMod val="50000"/>
+                      </a:schemeClr>
+                    </a:solidFill>
+                  </a:rPr>
+                  <a:t>There are several more efficient algorithm to deal with this computation. One of them is the </a:t>
+                </a:r>
+                <a:r>
+                  <a:rPr lang="en-US" sz="1800" b="1" dirty="0">
+                    <a:solidFill>
+                      <a:schemeClr val="bg2">
+                        <a:lumMod val="50000"/>
+                      </a:schemeClr>
+                    </a:solidFill>
+                  </a:rPr>
+                  <a:t>Double and Add</a:t>
+                </a:r>
+                <a:r>
+                  <a:rPr lang="en-US" sz="1800" dirty="0">
+                    <a:solidFill>
+                      <a:schemeClr val="bg2">
+                        <a:lumMod val="50000"/>
+                      </a:schemeClr>
+                    </a:solidFill>
+                  </a:rPr>
+                  <a:t> algorithm.</a:t>
+                </a:r>
+              </a:p>
+              <a:p>
+                <a:pPr marL="0" indent="0" algn="l" rtl="0">
+                  <a:buNone/>
+                </a:pPr>
+                <a:endParaRPr lang="en-US" sz="1800" dirty="0">
+                  <a:solidFill>
+                    <a:schemeClr val="bg2">
+                      <a:lumMod val="50000"/>
+                    </a:schemeClr>
+                  </a:solidFill>
+                </a:endParaRPr>
+              </a:p>
+              <a:p>
+                <a:pPr marL="0" indent="0" algn="l" rtl="0">
+                  <a:buNone/>
+                </a:pPr>
+                <a:r>
+                  <a:rPr lang="en-US" sz="1800" b="1" dirty="0">
+                    <a:solidFill>
+                      <a:schemeClr val="bg2">
+                        <a:lumMod val="50000"/>
+                      </a:schemeClr>
+                    </a:solidFill>
+                  </a:rPr>
+                  <a:t>Example</a:t>
+                </a:r>
+                <a:r>
+                  <a:rPr lang="en-US" sz="1800" dirty="0">
+                    <a:solidFill>
+                      <a:schemeClr val="bg2">
+                        <a:lumMod val="50000"/>
+                      </a:schemeClr>
+                    </a:solidFill>
+                  </a:rPr>
+                  <a:t>:</a:t>
+                </a:r>
+              </a:p>
+              <a:p>
+                <a:pPr marL="457200" lvl="1" indent="0" algn="l" rtl="0">
+                  <a:buNone/>
+                </a:pPr>
+                <a:r>
+                  <a:rPr lang="en-US" sz="1400" dirty="0">
+                    <a:solidFill>
+                      <a:schemeClr val="bg2">
+                        <a:lumMod val="50000"/>
+                      </a:schemeClr>
+                    </a:solidFill>
+                  </a:rPr>
+                  <a:t>Having n=151, we would like to compute </a:t>
+                </a:r>
+                <a14:m>
+                  <m:oMath xmlns:m="http://schemas.openxmlformats.org/officeDocument/2006/math">
+                    <m:r>
+                      <a:rPr lang="en-US" sz="1400" b="0" i="1" smtClean="0">
+                        <a:solidFill>
+                          <a:schemeClr val="bg2">
+                            <a:lumMod val="50000"/>
+                          </a:schemeClr>
+                        </a:solidFill>
+                        <a:latin typeface="Cambria Math" panose="02040503050406030204" pitchFamily="18" charset="0"/>
+                      </a:rPr>
+                      <m:t>𝑛𝑃</m:t>
+                    </m:r>
+                    <m:r>
+                      <a:rPr lang="en-US" sz="1400" b="0" i="1" smtClean="0">
+                        <a:solidFill>
+                          <a:schemeClr val="bg2">
+                            <a:lumMod val="50000"/>
+                          </a:schemeClr>
+                        </a:solidFill>
+                        <a:latin typeface="Cambria Math" panose="02040503050406030204" pitchFamily="18" charset="0"/>
+                      </a:rPr>
+                      <m:t>=</m:t>
+                    </m:r>
+                    <m:r>
+                      <a:rPr lang="en-US" sz="1400" b="0" i="1" smtClean="0">
+                        <a:solidFill>
+                          <a:schemeClr val="bg2">
+                            <a:lumMod val="50000"/>
+                          </a:schemeClr>
+                        </a:solidFill>
+                        <a:latin typeface="Cambria Math" panose="02040503050406030204" pitchFamily="18" charset="0"/>
+                      </a:rPr>
+                      <m:t>151</m:t>
+                    </m:r>
+                    <m:r>
+                      <a:rPr lang="en-US" sz="1400" b="0" i="1" smtClean="0">
+                        <a:solidFill>
+                          <a:schemeClr val="bg2">
+                            <a:lumMod val="50000"/>
+                          </a:schemeClr>
+                        </a:solidFill>
+                        <a:latin typeface="Cambria Math" panose="02040503050406030204" pitchFamily="18" charset="0"/>
+                      </a:rPr>
+                      <m:t>∙</m:t>
+                    </m:r>
+                    <m:r>
+                      <a:rPr lang="en-US" sz="1400" b="0" i="1" smtClean="0">
+                        <a:solidFill>
+                          <a:schemeClr val="bg2">
+                            <a:lumMod val="50000"/>
+                          </a:schemeClr>
+                        </a:solidFill>
+                        <a:latin typeface="Cambria Math" panose="02040503050406030204" pitchFamily="18" charset="0"/>
+                      </a:rPr>
+                      <m:t>𝑃</m:t>
+                    </m:r>
+                  </m:oMath>
+                </a14:m>
+                <a:endParaRPr lang="en-US" sz="1400" b="0" dirty="0">
+                  <a:solidFill>
+                    <a:schemeClr val="bg2">
+                      <a:lumMod val="50000"/>
+                    </a:schemeClr>
+                  </a:solidFill>
+                </a:endParaRPr>
+              </a:p>
+              <a:p>
+                <a:pPr marL="457200" lvl="1" indent="0" algn="l" rtl="0">
+                  <a:buNone/>
+                </a:pPr>
+                <a:endParaRPr lang="en-US" sz="1400" b="0" dirty="0">
+                  <a:solidFill>
+                    <a:schemeClr val="bg2">
+                      <a:lumMod val="50000"/>
+                    </a:schemeClr>
+                  </a:solidFill>
+                </a:endParaRPr>
+              </a:p>
+              <a:p>
+                <a:pPr marL="457200" lvl="1" indent="0" algn="l" rtl="0">
+                  <a:buNone/>
+                </a:pPr>
+                <a14:m>
+                  <m:oMathPara xmlns:m="http://schemas.openxmlformats.org/officeDocument/2006/math">
+                    <m:oMathParaPr>
+                      <m:jc m:val="center"/>
+                    </m:oMathParaPr>
+                    <m:oMath xmlns:m="http://schemas.openxmlformats.org/officeDocument/2006/math">
+                      <m:sSub>
+                        <m:sSubPr>
+                          <m:ctrlPr>
+                            <a:rPr lang="en-US" sz="1400" i="1">
+                              <a:solidFill>
+                                <a:schemeClr val="bg2">
+                                  <a:lumMod val="50000"/>
+                                </a:schemeClr>
+                              </a:solidFill>
+                              <a:latin typeface="Cambria Math" panose="02040503050406030204" pitchFamily="18" charset="0"/>
+                            </a:rPr>
+                          </m:ctrlPr>
+                        </m:sSubPr>
+                        <m:e>
+                          <m:r>
+                            <a:rPr lang="en-US" sz="1400" i="1">
+                              <a:solidFill>
+                                <a:schemeClr val="bg2">
+                                  <a:lumMod val="50000"/>
+                                </a:schemeClr>
+                              </a:solidFill>
+                              <a:latin typeface="Cambria Math" panose="02040503050406030204" pitchFamily="18" charset="0"/>
+                            </a:rPr>
+                            <m:t>151</m:t>
+                          </m:r>
+                        </m:e>
+                        <m:sub>
+                          <m:r>
+                            <a:rPr lang="en-US" sz="1400" i="1">
+                              <a:solidFill>
+                                <a:schemeClr val="bg2">
+                                  <a:lumMod val="50000"/>
+                                </a:schemeClr>
+                              </a:solidFill>
+                              <a:latin typeface="Cambria Math" panose="02040503050406030204" pitchFamily="18" charset="0"/>
+                            </a:rPr>
+                            <m:t>2</m:t>
+                          </m:r>
+                        </m:sub>
+                      </m:sSub>
+                      <m:r>
+                        <a:rPr lang="en-US" sz="1400" i="1">
+                          <a:solidFill>
+                            <a:schemeClr val="bg2">
+                              <a:lumMod val="50000"/>
+                            </a:schemeClr>
+                          </a:solidFill>
+                          <a:latin typeface="Cambria Math" panose="02040503050406030204" pitchFamily="18" charset="0"/>
+                        </a:rPr>
+                        <m:t>=</m:t>
+                      </m:r>
+                      <m:r>
+                        <a:rPr lang="en-US" sz="1400" i="1">
+                          <a:solidFill>
+                            <a:schemeClr val="bg2">
+                              <a:lumMod val="50000"/>
+                            </a:schemeClr>
+                          </a:solidFill>
+                          <a:latin typeface="Cambria Math" panose="02040503050406030204" pitchFamily="18" charset="0"/>
+                        </a:rPr>
+                        <m:t>10010111</m:t>
+                      </m:r>
+                      <m:r>
+                        <a:rPr lang="en-US" sz="1400" i="1">
+                          <a:solidFill>
+                            <a:schemeClr val="bg2">
+                              <a:lumMod val="50000"/>
+                            </a:schemeClr>
+                          </a:solidFill>
+                          <a:latin typeface="Cambria Math" panose="02040503050406030204" pitchFamily="18" charset="0"/>
+                        </a:rPr>
+                        <m:t>=</m:t>
+                      </m:r>
+                      <m:r>
+                        <a:rPr lang="en-US" sz="1400" i="1">
+                          <a:solidFill>
+                            <a:schemeClr val="bg2">
+                              <a:lumMod val="50000"/>
+                            </a:schemeClr>
+                          </a:solidFill>
+                          <a:latin typeface="Cambria Math" panose="02040503050406030204" pitchFamily="18" charset="0"/>
+                        </a:rPr>
+                        <m:t>1</m:t>
+                      </m:r>
+                      <m:r>
+                        <a:rPr lang="en-US" sz="1400" i="1">
+                          <a:solidFill>
+                            <a:schemeClr val="bg2">
+                              <a:lumMod val="50000"/>
+                            </a:schemeClr>
+                          </a:solidFill>
+                          <a:latin typeface="Cambria Math" panose="02040503050406030204" pitchFamily="18" charset="0"/>
+                        </a:rPr>
+                        <m:t>∙</m:t>
+                      </m:r>
+                      <m:sSup>
+                        <m:sSupPr>
+                          <m:ctrlPr>
+                            <a:rPr lang="en-US" sz="1400" i="1">
+                              <a:solidFill>
+                                <a:schemeClr val="bg2">
+                                  <a:lumMod val="50000"/>
+                                </a:schemeClr>
+                              </a:solidFill>
+                              <a:latin typeface="Cambria Math" panose="02040503050406030204" pitchFamily="18" charset="0"/>
+                            </a:rPr>
+                          </m:ctrlPr>
+                        </m:sSupPr>
+                        <m:e>
+                          <m:r>
+                            <a:rPr lang="en-US" sz="1400" i="1">
+                              <a:solidFill>
+                                <a:schemeClr val="bg2">
+                                  <a:lumMod val="50000"/>
+                                </a:schemeClr>
+                              </a:solidFill>
+                              <a:latin typeface="Cambria Math" panose="02040503050406030204" pitchFamily="18" charset="0"/>
+                            </a:rPr>
+                            <m:t>2</m:t>
+                          </m:r>
+                        </m:e>
+                        <m:sup>
+                          <m:r>
+                            <a:rPr lang="en-US" sz="1400" i="1">
+                              <a:solidFill>
+                                <a:schemeClr val="bg2">
+                                  <a:lumMod val="50000"/>
+                                </a:schemeClr>
+                              </a:solidFill>
+                              <a:latin typeface="Cambria Math" panose="02040503050406030204" pitchFamily="18" charset="0"/>
+                            </a:rPr>
+                            <m:t>7</m:t>
+                          </m:r>
+                        </m:sup>
+                      </m:sSup>
+                      <m:r>
+                        <a:rPr lang="en-US" sz="1400" i="1">
+                          <a:solidFill>
+                            <a:schemeClr val="bg2">
+                              <a:lumMod val="50000"/>
+                            </a:schemeClr>
+                          </a:solidFill>
+                          <a:latin typeface="Cambria Math" panose="02040503050406030204" pitchFamily="18" charset="0"/>
+                        </a:rPr>
+                        <m:t>+</m:t>
+                      </m:r>
+                      <m:r>
+                        <a:rPr lang="en-US" sz="1400" i="1">
+                          <a:solidFill>
+                            <a:schemeClr val="bg2">
+                              <a:lumMod val="50000"/>
+                            </a:schemeClr>
+                          </a:solidFill>
+                          <a:latin typeface="Cambria Math" panose="02040503050406030204" pitchFamily="18" charset="0"/>
+                        </a:rPr>
+                        <m:t>0</m:t>
+                      </m:r>
+                      <m:r>
+                        <a:rPr lang="en-US" sz="1400" i="1">
+                          <a:solidFill>
+                            <a:schemeClr val="bg2">
+                              <a:lumMod val="50000"/>
+                            </a:schemeClr>
+                          </a:solidFill>
+                          <a:latin typeface="Cambria Math" panose="02040503050406030204" pitchFamily="18" charset="0"/>
+                        </a:rPr>
+                        <m:t>∙</m:t>
+                      </m:r>
+                      <m:sSup>
+                        <m:sSupPr>
+                          <m:ctrlPr>
+                            <a:rPr lang="en-US" sz="1400" i="1">
+                              <a:solidFill>
+                                <a:schemeClr val="bg2">
+                                  <a:lumMod val="50000"/>
+                                </a:schemeClr>
+                              </a:solidFill>
+                              <a:latin typeface="Cambria Math" panose="02040503050406030204" pitchFamily="18" charset="0"/>
+                            </a:rPr>
+                          </m:ctrlPr>
+                        </m:sSupPr>
+                        <m:e>
+                          <m:r>
+                            <a:rPr lang="en-US" sz="1400" i="1">
+                              <a:solidFill>
+                                <a:schemeClr val="bg2">
+                                  <a:lumMod val="50000"/>
+                                </a:schemeClr>
+                              </a:solidFill>
+                              <a:latin typeface="Cambria Math" panose="02040503050406030204" pitchFamily="18" charset="0"/>
+                            </a:rPr>
+                            <m:t>2</m:t>
+                          </m:r>
+                        </m:e>
+                        <m:sup>
+                          <m:r>
+                            <a:rPr lang="en-US" sz="1400" i="1">
+                              <a:solidFill>
+                                <a:schemeClr val="bg2">
+                                  <a:lumMod val="50000"/>
+                                </a:schemeClr>
+                              </a:solidFill>
+                              <a:latin typeface="Cambria Math" panose="02040503050406030204" pitchFamily="18" charset="0"/>
+                            </a:rPr>
+                            <m:t>6</m:t>
+                          </m:r>
+                        </m:sup>
+                      </m:sSup>
+                      <m:r>
+                        <a:rPr lang="en-US" sz="1400" i="1">
+                          <a:solidFill>
+                            <a:schemeClr val="bg2">
+                              <a:lumMod val="50000"/>
+                            </a:schemeClr>
+                          </a:solidFill>
+                          <a:latin typeface="Cambria Math" panose="02040503050406030204" pitchFamily="18" charset="0"/>
+                        </a:rPr>
+                        <m:t>+</m:t>
+                      </m:r>
+                      <m:r>
+                        <a:rPr lang="en-US" sz="1400" i="1">
+                          <a:solidFill>
+                            <a:schemeClr val="bg2">
+                              <a:lumMod val="50000"/>
+                            </a:schemeClr>
+                          </a:solidFill>
+                          <a:latin typeface="Cambria Math" panose="02040503050406030204" pitchFamily="18" charset="0"/>
+                        </a:rPr>
+                        <m:t>0</m:t>
+                      </m:r>
+                      <m:r>
+                        <a:rPr lang="en-US" sz="1400" i="1">
+                          <a:solidFill>
+                            <a:schemeClr val="bg2">
+                              <a:lumMod val="50000"/>
+                            </a:schemeClr>
+                          </a:solidFill>
+                          <a:latin typeface="Cambria Math" panose="02040503050406030204" pitchFamily="18" charset="0"/>
+                        </a:rPr>
+                        <m:t>∙</m:t>
+                      </m:r>
+                      <m:sSup>
+                        <m:sSupPr>
+                          <m:ctrlPr>
+                            <a:rPr lang="en-US" sz="1400" i="1">
+                              <a:solidFill>
+                                <a:schemeClr val="bg2">
+                                  <a:lumMod val="50000"/>
+                                </a:schemeClr>
+                              </a:solidFill>
+                              <a:latin typeface="Cambria Math" panose="02040503050406030204" pitchFamily="18" charset="0"/>
+                            </a:rPr>
+                          </m:ctrlPr>
+                        </m:sSupPr>
+                        <m:e>
+                          <m:r>
+                            <a:rPr lang="en-US" sz="1400" i="1">
+                              <a:solidFill>
+                                <a:schemeClr val="bg2">
+                                  <a:lumMod val="50000"/>
+                                </a:schemeClr>
+                              </a:solidFill>
+                              <a:latin typeface="Cambria Math" panose="02040503050406030204" pitchFamily="18" charset="0"/>
+                            </a:rPr>
+                            <m:t>2</m:t>
+                          </m:r>
+                        </m:e>
+                        <m:sup>
+                          <m:r>
+                            <a:rPr lang="en-US" sz="1400" i="1">
+                              <a:solidFill>
+                                <a:schemeClr val="bg2">
+                                  <a:lumMod val="50000"/>
+                                </a:schemeClr>
+                              </a:solidFill>
+                              <a:latin typeface="Cambria Math" panose="02040503050406030204" pitchFamily="18" charset="0"/>
+                            </a:rPr>
+                            <m:t>5</m:t>
+                          </m:r>
+                        </m:sup>
+                      </m:sSup>
+                      <m:r>
+                        <a:rPr lang="en-US" sz="1400" i="1">
+                          <a:solidFill>
+                            <a:schemeClr val="bg2">
+                              <a:lumMod val="50000"/>
+                            </a:schemeClr>
+                          </a:solidFill>
+                          <a:latin typeface="Cambria Math" panose="02040503050406030204" pitchFamily="18" charset="0"/>
+                        </a:rPr>
+                        <m:t>+</m:t>
+                      </m:r>
+                      <m:r>
+                        <a:rPr lang="en-US" sz="1400" i="1">
+                          <a:solidFill>
+                            <a:schemeClr val="bg2">
+                              <a:lumMod val="50000"/>
+                            </a:schemeClr>
+                          </a:solidFill>
+                          <a:latin typeface="Cambria Math" panose="02040503050406030204" pitchFamily="18" charset="0"/>
+                        </a:rPr>
+                        <m:t>1</m:t>
+                      </m:r>
+                      <m:r>
+                        <a:rPr lang="en-US" sz="1400" i="1">
+                          <a:solidFill>
+                            <a:schemeClr val="bg2">
+                              <a:lumMod val="50000"/>
+                            </a:schemeClr>
+                          </a:solidFill>
+                          <a:latin typeface="Cambria Math" panose="02040503050406030204" pitchFamily="18" charset="0"/>
+                        </a:rPr>
+                        <m:t>∙</m:t>
+                      </m:r>
+                      <m:sSup>
+                        <m:sSupPr>
+                          <m:ctrlPr>
+                            <a:rPr lang="en-US" sz="1400" i="1">
+                              <a:solidFill>
+                                <a:schemeClr val="bg2">
+                                  <a:lumMod val="50000"/>
+                                </a:schemeClr>
+                              </a:solidFill>
+                              <a:latin typeface="Cambria Math" panose="02040503050406030204" pitchFamily="18" charset="0"/>
+                            </a:rPr>
+                          </m:ctrlPr>
+                        </m:sSupPr>
+                        <m:e>
+                          <m:r>
+                            <a:rPr lang="en-US" sz="1400" i="1">
+                              <a:solidFill>
+                                <a:schemeClr val="bg2">
+                                  <a:lumMod val="50000"/>
+                                </a:schemeClr>
+                              </a:solidFill>
+                              <a:latin typeface="Cambria Math" panose="02040503050406030204" pitchFamily="18" charset="0"/>
+                            </a:rPr>
+                            <m:t>2</m:t>
+                          </m:r>
+                        </m:e>
+                        <m:sup>
+                          <m:r>
+                            <a:rPr lang="en-US" sz="1400" i="1">
+                              <a:solidFill>
+                                <a:schemeClr val="bg2">
+                                  <a:lumMod val="50000"/>
+                                </a:schemeClr>
+                              </a:solidFill>
+                              <a:latin typeface="Cambria Math" panose="02040503050406030204" pitchFamily="18" charset="0"/>
+                            </a:rPr>
+                            <m:t>4</m:t>
+                          </m:r>
+                        </m:sup>
+                      </m:sSup>
+                      <m:r>
+                        <a:rPr lang="en-US" sz="1400" i="1">
+                          <a:solidFill>
+                            <a:schemeClr val="bg2">
+                              <a:lumMod val="50000"/>
+                            </a:schemeClr>
+                          </a:solidFill>
+                          <a:latin typeface="Cambria Math" panose="02040503050406030204" pitchFamily="18" charset="0"/>
+                        </a:rPr>
+                        <m:t>+</m:t>
+                      </m:r>
+                      <m:r>
+                        <a:rPr lang="en-US" sz="1400" i="1">
+                          <a:solidFill>
+                            <a:schemeClr val="bg2">
+                              <a:lumMod val="50000"/>
+                            </a:schemeClr>
+                          </a:solidFill>
+                          <a:latin typeface="Cambria Math" panose="02040503050406030204" pitchFamily="18" charset="0"/>
+                        </a:rPr>
+                        <m:t>0</m:t>
+                      </m:r>
+                      <m:r>
+                        <a:rPr lang="en-US" sz="1400" i="1">
+                          <a:solidFill>
+                            <a:schemeClr val="bg2">
+                              <a:lumMod val="50000"/>
+                            </a:schemeClr>
+                          </a:solidFill>
+                          <a:latin typeface="Cambria Math" panose="02040503050406030204" pitchFamily="18" charset="0"/>
+                        </a:rPr>
+                        <m:t>∙</m:t>
+                      </m:r>
+                      <m:sSup>
+                        <m:sSupPr>
+                          <m:ctrlPr>
+                            <a:rPr lang="en-US" sz="1400" i="1">
+                              <a:solidFill>
+                                <a:schemeClr val="bg2">
+                                  <a:lumMod val="50000"/>
+                                </a:schemeClr>
+                              </a:solidFill>
+                              <a:latin typeface="Cambria Math" panose="02040503050406030204" pitchFamily="18" charset="0"/>
+                            </a:rPr>
+                          </m:ctrlPr>
+                        </m:sSupPr>
+                        <m:e>
+                          <m:r>
+                            <a:rPr lang="en-US" sz="1400" i="1">
+                              <a:solidFill>
+                                <a:schemeClr val="bg2">
+                                  <a:lumMod val="50000"/>
+                                </a:schemeClr>
+                              </a:solidFill>
+                              <a:latin typeface="Cambria Math" panose="02040503050406030204" pitchFamily="18" charset="0"/>
+                            </a:rPr>
+                            <m:t>2</m:t>
+                          </m:r>
+                        </m:e>
+                        <m:sup>
+                          <m:r>
+                            <a:rPr lang="en-US" sz="1400" i="1">
+                              <a:solidFill>
+                                <a:schemeClr val="bg2">
+                                  <a:lumMod val="50000"/>
+                                </a:schemeClr>
+                              </a:solidFill>
+                              <a:latin typeface="Cambria Math" panose="02040503050406030204" pitchFamily="18" charset="0"/>
+                            </a:rPr>
+                            <m:t>3</m:t>
+                          </m:r>
+                        </m:sup>
+                      </m:sSup>
+                      <m:r>
+                        <a:rPr lang="en-US" sz="1400" i="1">
+                          <a:solidFill>
+                            <a:schemeClr val="bg2">
+                              <a:lumMod val="50000"/>
+                            </a:schemeClr>
+                          </a:solidFill>
+                          <a:latin typeface="Cambria Math" panose="02040503050406030204" pitchFamily="18" charset="0"/>
+                        </a:rPr>
+                        <m:t>+</m:t>
+                      </m:r>
+                      <m:r>
+                        <a:rPr lang="en-US" sz="1400" i="1">
+                          <a:solidFill>
+                            <a:schemeClr val="bg2">
+                              <a:lumMod val="50000"/>
+                            </a:schemeClr>
+                          </a:solidFill>
+                          <a:latin typeface="Cambria Math" panose="02040503050406030204" pitchFamily="18" charset="0"/>
+                        </a:rPr>
+                        <m:t>1</m:t>
+                      </m:r>
+                      <m:r>
+                        <a:rPr lang="en-US" sz="1400" i="1">
+                          <a:solidFill>
+                            <a:schemeClr val="bg2">
+                              <a:lumMod val="50000"/>
+                            </a:schemeClr>
+                          </a:solidFill>
+                          <a:latin typeface="Cambria Math" panose="02040503050406030204" pitchFamily="18" charset="0"/>
+                        </a:rPr>
+                        <m:t>∙</m:t>
+                      </m:r>
+                      <m:sSup>
+                        <m:sSupPr>
+                          <m:ctrlPr>
+                            <a:rPr lang="en-US" sz="1400" i="1">
+                              <a:solidFill>
+                                <a:schemeClr val="bg2">
+                                  <a:lumMod val="50000"/>
+                                </a:schemeClr>
+                              </a:solidFill>
+                              <a:latin typeface="Cambria Math" panose="02040503050406030204" pitchFamily="18" charset="0"/>
+                            </a:rPr>
+                          </m:ctrlPr>
+                        </m:sSupPr>
+                        <m:e>
+                          <m:r>
+                            <a:rPr lang="en-US" sz="1400" i="1">
+                              <a:solidFill>
+                                <a:schemeClr val="bg2">
+                                  <a:lumMod val="50000"/>
+                                </a:schemeClr>
+                              </a:solidFill>
+                              <a:latin typeface="Cambria Math" panose="02040503050406030204" pitchFamily="18" charset="0"/>
+                            </a:rPr>
+                            <m:t>2</m:t>
+                          </m:r>
+                        </m:e>
+                        <m:sup>
+                          <m:r>
+                            <a:rPr lang="en-US" sz="1400" i="1">
+                              <a:solidFill>
+                                <a:schemeClr val="bg2">
+                                  <a:lumMod val="50000"/>
+                                </a:schemeClr>
+                              </a:solidFill>
+                              <a:latin typeface="Cambria Math" panose="02040503050406030204" pitchFamily="18" charset="0"/>
+                            </a:rPr>
+                            <m:t>2</m:t>
+                          </m:r>
+                        </m:sup>
+                      </m:sSup>
+                      <m:r>
+                        <a:rPr lang="en-US" sz="1400" i="1">
+                          <a:solidFill>
+                            <a:schemeClr val="bg2">
+                              <a:lumMod val="50000"/>
+                            </a:schemeClr>
+                          </a:solidFill>
+                          <a:latin typeface="Cambria Math" panose="02040503050406030204" pitchFamily="18" charset="0"/>
+                        </a:rPr>
+                        <m:t>+</m:t>
+                      </m:r>
+                      <m:r>
+                        <a:rPr lang="en-US" sz="1400" i="1">
+                          <a:solidFill>
+                            <a:schemeClr val="bg2">
+                              <a:lumMod val="50000"/>
+                            </a:schemeClr>
+                          </a:solidFill>
+                          <a:latin typeface="Cambria Math" panose="02040503050406030204" pitchFamily="18" charset="0"/>
+                        </a:rPr>
+                        <m:t>1</m:t>
+                      </m:r>
+                      <m:r>
+                        <a:rPr lang="en-US" sz="1400" i="1">
+                          <a:solidFill>
+                            <a:schemeClr val="bg2">
+                              <a:lumMod val="50000"/>
+                            </a:schemeClr>
+                          </a:solidFill>
+                          <a:latin typeface="Cambria Math" panose="02040503050406030204" pitchFamily="18" charset="0"/>
+                        </a:rPr>
+                        <m:t>∙</m:t>
+                      </m:r>
+                      <m:sSup>
+                        <m:sSupPr>
+                          <m:ctrlPr>
+                            <a:rPr lang="en-US" sz="1400" i="1">
+                              <a:solidFill>
+                                <a:schemeClr val="bg2">
+                                  <a:lumMod val="50000"/>
+                                </a:schemeClr>
+                              </a:solidFill>
+                              <a:latin typeface="Cambria Math" panose="02040503050406030204" pitchFamily="18" charset="0"/>
+                            </a:rPr>
+                          </m:ctrlPr>
+                        </m:sSupPr>
+                        <m:e>
+                          <m:r>
+                            <a:rPr lang="en-US" sz="1400" i="1">
+                              <a:solidFill>
+                                <a:schemeClr val="bg2">
+                                  <a:lumMod val="50000"/>
+                                </a:schemeClr>
+                              </a:solidFill>
+                              <a:latin typeface="Cambria Math" panose="02040503050406030204" pitchFamily="18" charset="0"/>
+                            </a:rPr>
+                            <m:t>2</m:t>
+                          </m:r>
+                        </m:e>
+                        <m:sup>
+                          <m:r>
+                            <a:rPr lang="en-US" sz="1400" i="1">
+                              <a:solidFill>
+                                <a:schemeClr val="bg2">
+                                  <a:lumMod val="50000"/>
+                                </a:schemeClr>
+                              </a:solidFill>
+                              <a:latin typeface="Cambria Math" panose="02040503050406030204" pitchFamily="18" charset="0"/>
+                            </a:rPr>
+                            <m:t>1</m:t>
+                          </m:r>
+                        </m:sup>
+                      </m:sSup>
+                      <m:r>
+                        <a:rPr lang="en-US" sz="1400" i="1">
+                          <a:solidFill>
+                            <a:schemeClr val="bg2">
+                              <a:lumMod val="50000"/>
+                            </a:schemeClr>
+                          </a:solidFill>
+                          <a:latin typeface="Cambria Math" panose="02040503050406030204" pitchFamily="18" charset="0"/>
+                        </a:rPr>
+                        <m:t>+</m:t>
+                      </m:r>
+                      <m:r>
+                        <a:rPr lang="en-US" sz="1400" i="1">
+                          <a:solidFill>
+                            <a:schemeClr val="bg2">
+                              <a:lumMod val="50000"/>
+                            </a:schemeClr>
+                          </a:solidFill>
+                          <a:latin typeface="Cambria Math" panose="02040503050406030204" pitchFamily="18" charset="0"/>
+                        </a:rPr>
+                        <m:t>1</m:t>
+                      </m:r>
+                      <m:r>
+                        <a:rPr lang="en-US" sz="1400" i="1">
+                          <a:solidFill>
+                            <a:schemeClr val="bg2">
+                              <a:lumMod val="50000"/>
+                            </a:schemeClr>
+                          </a:solidFill>
+                          <a:latin typeface="Cambria Math" panose="02040503050406030204" pitchFamily="18" charset="0"/>
+                        </a:rPr>
+                        <m:t>∙</m:t>
+                      </m:r>
+                      <m:sSup>
+                        <m:sSupPr>
+                          <m:ctrlPr>
+                            <a:rPr lang="en-US" sz="1400" i="1">
+                              <a:solidFill>
+                                <a:schemeClr val="bg2">
+                                  <a:lumMod val="50000"/>
+                                </a:schemeClr>
+                              </a:solidFill>
+                              <a:latin typeface="Cambria Math" panose="02040503050406030204" pitchFamily="18" charset="0"/>
+                            </a:rPr>
+                          </m:ctrlPr>
+                        </m:sSupPr>
+                        <m:e>
+                          <m:r>
+                            <a:rPr lang="en-US" sz="1400" i="1">
+                              <a:solidFill>
+                                <a:schemeClr val="bg2">
+                                  <a:lumMod val="50000"/>
+                                </a:schemeClr>
+                              </a:solidFill>
+                              <a:latin typeface="Cambria Math" panose="02040503050406030204" pitchFamily="18" charset="0"/>
+                            </a:rPr>
+                            <m:t>2</m:t>
+                          </m:r>
+                        </m:e>
+                        <m:sup>
+                          <m:r>
+                            <a:rPr lang="en-US" sz="1400" i="1">
+                              <a:solidFill>
+                                <a:schemeClr val="bg2">
+                                  <a:lumMod val="50000"/>
+                                </a:schemeClr>
+                              </a:solidFill>
+                              <a:latin typeface="Cambria Math" panose="02040503050406030204" pitchFamily="18" charset="0"/>
+                            </a:rPr>
+                            <m:t>0</m:t>
+                          </m:r>
+                        </m:sup>
+                      </m:sSup>
+                      <m:r>
+                        <a:rPr lang="en-US" sz="1400" i="1">
+                          <a:solidFill>
+                            <a:schemeClr val="bg2">
+                              <a:lumMod val="50000"/>
+                            </a:schemeClr>
+                          </a:solidFill>
+                          <a:latin typeface="Cambria Math" panose="02040503050406030204" pitchFamily="18" charset="0"/>
+                        </a:rPr>
+                        <m:t>=</m:t>
+                      </m:r>
+                      <m:sSup>
+                        <m:sSupPr>
+                          <m:ctrlPr>
+                            <a:rPr lang="en-US" sz="1400" i="1">
+                              <a:solidFill>
+                                <a:schemeClr val="bg2">
+                                  <a:lumMod val="50000"/>
+                                </a:schemeClr>
+                              </a:solidFill>
+                              <a:latin typeface="Cambria Math" panose="02040503050406030204" pitchFamily="18" charset="0"/>
+                            </a:rPr>
+                          </m:ctrlPr>
+                        </m:sSupPr>
+                        <m:e>
+                          <m:r>
+                            <a:rPr lang="en-US" sz="1400" i="1">
+                              <a:solidFill>
+                                <a:schemeClr val="bg2">
+                                  <a:lumMod val="50000"/>
+                                </a:schemeClr>
+                              </a:solidFill>
+                              <a:latin typeface="Cambria Math" panose="02040503050406030204" pitchFamily="18" charset="0"/>
+                            </a:rPr>
+                            <m:t>2</m:t>
+                          </m:r>
+                        </m:e>
+                        <m:sup>
+                          <m:r>
+                            <a:rPr lang="en-US" sz="1400" i="1">
+                              <a:solidFill>
+                                <a:schemeClr val="bg2">
+                                  <a:lumMod val="50000"/>
+                                </a:schemeClr>
+                              </a:solidFill>
+                              <a:latin typeface="Cambria Math" panose="02040503050406030204" pitchFamily="18" charset="0"/>
+                            </a:rPr>
+                            <m:t>7</m:t>
+                          </m:r>
+                        </m:sup>
+                      </m:sSup>
+                      <m:r>
+                        <a:rPr lang="en-US" sz="1400" i="1">
+                          <a:solidFill>
+                            <a:schemeClr val="bg2">
+                              <a:lumMod val="50000"/>
+                            </a:schemeClr>
+                          </a:solidFill>
+                          <a:latin typeface="Cambria Math" panose="02040503050406030204" pitchFamily="18" charset="0"/>
+                        </a:rPr>
+                        <m:t>+</m:t>
+                      </m:r>
+                      <m:sSup>
+                        <m:sSupPr>
+                          <m:ctrlPr>
+                            <a:rPr lang="en-US" sz="1400" i="1">
+                              <a:solidFill>
+                                <a:schemeClr val="bg2">
+                                  <a:lumMod val="50000"/>
+                                </a:schemeClr>
+                              </a:solidFill>
+                              <a:latin typeface="Cambria Math" panose="02040503050406030204" pitchFamily="18" charset="0"/>
+                            </a:rPr>
+                          </m:ctrlPr>
+                        </m:sSupPr>
+                        <m:e>
+                          <m:r>
+                            <a:rPr lang="en-US" sz="1400" i="1">
+                              <a:solidFill>
+                                <a:schemeClr val="bg2">
+                                  <a:lumMod val="50000"/>
+                                </a:schemeClr>
+                              </a:solidFill>
+                              <a:latin typeface="Cambria Math" panose="02040503050406030204" pitchFamily="18" charset="0"/>
+                            </a:rPr>
+                            <m:t>2</m:t>
+                          </m:r>
+                        </m:e>
+                        <m:sup>
+                          <m:r>
+                            <a:rPr lang="en-US" sz="1400" i="1">
+                              <a:solidFill>
+                                <a:schemeClr val="bg2">
+                                  <a:lumMod val="50000"/>
+                                </a:schemeClr>
+                              </a:solidFill>
+                              <a:latin typeface="Cambria Math" panose="02040503050406030204" pitchFamily="18" charset="0"/>
+                            </a:rPr>
+                            <m:t>4</m:t>
+                          </m:r>
+                        </m:sup>
+                      </m:sSup>
+                      <m:r>
+                        <a:rPr lang="en-US" sz="1400" i="1">
+                          <a:solidFill>
+                            <a:schemeClr val="bg2">
+                              <a:lumMod val="50000"/>
+                            </a:schemeClr>
+                          </a:solidFill>
+                          <a:latin typeface="Cambria Math" panose="02040503050406030204" pitchFamily="18" charset="0"/>
+                        </a:rPr>
+                        <m:t>+</m:t>
+                      </m:r>
+                      <m:sSup>
+                        <m:sSupPr>
+                          <m:ctrlPr>
+                            <a:rPr lang="en-US" sz="1400" i="1">
+                              <a:solidFill>
+                                <a:schemeClr val="bg2">
+                                  <a:lumMod val="50000"/>
+                                </a:schemeClr>
+                              </a:solidFill>
+                              <a:latin typeface="Cambria Math" panose="02040503050406030204" pitchFamily="18" charset="0"/>
+                            </a:rPr>
+                          </m:ctrlPr>
+                        </m:sSupPr>
+                        <m:e>
+                          <m:r>
+                            <a:rPr lang="en-US" sz="1400" i="1">
+                              <a:solidFill>
+                                <a:schemeClr val="bg2">
+                                  <a:lumMod val="50000"/>
+                                </a:schemeClr>
+                              </a:solidFill>
+                              <a:latin typeface="Cambria Math" panose="02040503050406030204" pitchFamily="18" charset="0"/>
+                            </a:rPr>
+                            <m:t>2</m:t>
+                          </m:r>
+                        </m:e>
+                        <m:sup>
+                          <m:r>
+                            <a:rPr lang="en-US" sz="1400" i="1">
+                              <a:solidFill>
+                                <a:schemeClr val="bg2">
+                                  <a:lumMod val="50000"/>
+                                </a:schemeClr>
+                              </a:solidFill>
+                              <a:latin typeface="Cambria Math" panose="02040503050406030204" pitchFamily="18" charset="0"/>
+                            </a:rPr>
+                            <m:t>2</m:t>
+                          </m:r>
+                        </m:sup>
+                      </m:sSup>
+                      <m:r>
+                        <a:rPr lang="en-US" sz="1400" i="1">
+                          <a:solidFill>
+                            <a:schemeClr val="bg2">
+                              <a:lumMod val="50000"/>
+                            </a:schemeClr>
+                          </a:solidFill>
+                          <a:latin typeface="Cambria Math" panose="02040503050406030204" pitchFamily="18" charset="0"/>
+                        </a:rPr>
+                        <m:t>+</m:t>
+                      </m:r>
+                      <m:sSup>
+                        <m:sSupPr>
+                          <m:ctrlPr>
+                            <a:rPr lang="en-US" sz="1400" i="1">
+                              <a:solidFill>
+                                <a:schemeClr val="bg2">
+                                  <a:lumMod val="50000"/>
+                                </a:schemeClr>
+                              </a:solidFill>
+                              <a:latin typeface="Cambria Math" panose="02040503050406030204" pitchFamily="18" charset="0"/>
+                            </a:rPr>
+                          </m:ctrlPr>
+                        </m:sSupPr>
+                        <m:e>
+                          <m:r>
+                            <a:rPr lang="en-US" sz="1400" i="1">
+                              <a:solidFill>
+                                <a:schemeClr val="bg2">
+                                  <a:lumMod val="50000"/>
+                                </a:schemeClr>
+                              </a:solidFill>
+                              <a:latin typeface="Cambria Math" panose="02040503050406030204" pitchFamily="18" charset="0"/>
+                            </a:rPr>
+                            <m:t>2</m:t>
+                          </m:r>
+                        </m:e>
+                        <m:sup>
+                          <m:r>
+                            <a:rPr lang="en-US" sz="1400" i="1">
+                              <a:solidFill>
+                                <a:schemeClr val="bg2">
+                                  <a:lumMod val="50000"/>
+                                </a:schemeClr>
+                              </a:solidFill>
+                              <a:latin typeface="Cambria Math" panose="02040503050406030204" pitchFamily="18" charset="0"/>
+                            </a:rPr>
+                            <m:t>1</m:t>
+                          </m:r>
+                        </m:sup>
+                      </m:sSup>
+                      <m:r>
+                        <a:rPr lang="en-US" sz="1400" i="1">
+                          <a:solidFill>
+                            <a:schemeClr val="bg2">
+                              <a:lumMod val="50000"/>
+                            </a:schemeClr>
+                          </a:solidFill>
+                          <a:latin typeface="Cambria Math" panose="02040503050406030204" pitchFamily="18" charset="0"/>
+                        </a:rPr>
+                        <m:t>+</m:t>
+                      </m:r>
+                      <m:sSup>
+                        <m:sSupPr>
+                          <m:ctrlPr>
+                            <a:rPr lang="en-US" sz="1400" i="1">
+                              <a:solidFill>
+                                <a:schemeClr val="bg2">
+                                  <a:lumMod val="50000"/>
+                                </a:schemeClr>
+                              </a:solidFill>
+                              <a:latin typeface="Cambria Math" panose="02040503050406030204" pitchFamily="18" charset="0"/>
+                            </a:rPr>
+                          </m:ctrlPr>
+                        </m:sSupPr>
+                        <m:e>
+                          <m:r>
+                            <a:rPr lang="en-US" sz="1400" i="1">
+                              <a:solidFill>
+                                <a:schemeClr val="bg2">
+                                  <a:lumMod val="50000"/>
+                                </a:schemeClr>
+                              </a:solidFill>
+                              <a:latin typeface="Cambria Math" panose="02040503050406030204" pitchFamily="18" charset="0"/>
+                            </a:rPr>
+                            <m:t>2</m:t>
+                          </m:r>
+                        </m:e>
+                        <m:sup>
+                          <m:r>
+                            <a:rPr lang="en-US" sz="1400" i="1">
+                              <a:solidFill>
+                                <a:schemeClr val="bg2">
+                                  <a:lumMod val="50000"/>
+                                </a:schemeClr>
+                              </a:solidFill>
+                              <a:latin typeface="Cambria Math" panose="02040503050406030204" pitchFamily="18" charset="0"/>
+                            </a:rPr>
+                            <m:t>0</m:t>
+                          </m:r>
+                        </m:sup>
+                      </m:sSup>
+                    </m:oMath>
+                  </m:oMathPara>
+                </a14:m>
+                <a:endParaRPr lang="en-US" sz="1400" dirty="0">
+                  <a:solidFill>
+                    <a:schemeClr val="bg2">
+                      <a:lumMod val="50000"/>
+                    </a:schemeClr>
+                  </a:solidFill>
+                </a:endParaRPr>
+              </a:p>
+              <a:p>
+                <a:pPr marL="457200" lvl="1" indent="0" algn="l" rtl="0">
+                  <a:buNone/>
+                </a:pPr>
+                <a:endParaRPr lang="en-US" sz="1400" dirty="0">
+                  <a:solidFill>
+                    <a:schemeClr val="bg2">
+                      <a:lumMod val="50000"/>
+                    </a:schemeClr>
+                  </a:solidFill>
+                </a:endParaRPr>
+              </a:p>
+              <a:p>
+                <a:pPr marL="457200" lvl="1" indent="0" algn="l" rtl="0">
+                  <a:buNone/>
+                </a:pPr>
+                <a:r>
+                  <a:rPr lang="en-US" sz="1400" dirty="0">
+                    <a:solidFill>
+                      <a:schemeClr val="bg2">
+                        <a:lumMod val="50000"/>
+                      </a:schemeClr>
+                    </a:solidFill>
+                  </a:rPr>
+                  <a:t>Therefore:</a:t>
+                </a:r>
+              </a:p>
+              <a:p>
+                <a:pPr marL="457200" lvl="1" indent="0" algn="l" rtl="0">
+                  <a:buNone/>
+                </a:pPr>
+                <a:r>
+                  <a:rPr lang="en-US" sz="1400" b="0" dirty="0">
+                    <a:solidFill>
+                      <a:schemeClr val="bg2">
+                        <a:lumMod val="50000"/>
+                      </a:schemeClr>
+                    </a:solidFill>
+                  </a:rPr>
+                  <a:t>	</a:t>
+                </a:r>
+                <a14:m>
+                  <m:oMath xmlns:m="http://schemas.openxmlformats.org/officeDocument/2006/math">
+                    <m:r>
+                      <a:rPr lang="en-US" sz="1400" b="0" i="1" smtClean="0">
+                        <a:solidFill>
+                          <a:schemeClr val="bg2">
+                            <a:lumMod val="50000"/>
+                          </a:schemeClr>
+                        </a:solidFill>
+                        <a:latin typeface="Cambria Math" panose="02040503050406030204" pitchFamily="18" charset="0"/>
+                      </a:rPr>
+                      <m:t>151</m:t>
+                    </m:r>
+                    <m:r>
+                      <a:rPr lang="en-US" sz="1400" b="0" i="1" smtClean="0">
+                        <a:solidFill>
+                          <a:schemeClr val="bg2">
+                            <a:lumMod val="50000"/>
+                          </a:schemeClr>
+                        </a:solidFill>
+                        <a:latin typeface="Cambria Math" panose="02040503050406030204" pitchFamily="18" charset="0"/>
+                      </a:rPr>
+                      <m:t>∙</m:t>
+                    </m:r>
+                    <m:r>
+                      <a:rPr lang="en-US" sz="1400" b="0" i="1" smtClean="0">
+                        <a:solidFill>
+                          <a:schemeClr val="bg2">
+                            <a:lumMod val="50000"/>
+                          </a:schemeClr>
+                        </a:solidFill>
+                        <a:latin typeface="Cambria Math" panose="02040503050406030204" pitchFamily="18" charset="0"/>
+                      </a:rPr>
+                      <m:t>𝑃</m:t>
+                    </m:r>
+                    <m:r>
+                      <a:rPr lang="en-US" sz="1400" b="0" i="1" smtClean="0">
+                        <a:solidFill>
+                          <a:schemeClr val="bg2">
+                            <a:lumMod val="50000"/>
+                          </a:schemeClr>
+                        </a:solidFill>
+                        <a:latin typeface="Cambria Math" panose="02040503050406030204" pitchFamily="18" charset="0"/>
+                      </a:rPr>
+                      <m:t>=</m:t>
+                    </m:r>
+                    <m:sSup>
+                      <m:sSupPr>
+                        <m:ctrlPr>
+                          <a:rPr lang="en-US" sz="1400" b="0" i="1" smtClean="0">
+                            <a:solidFill>
+                              <a:schemeClr val="bg2">
+                                <a:lumMod val="50000"/>
+                              </a:schemeClr>
+                            </a:solidFill>
+                            <a:latin typeface="Cambria Math" panose="02040503050406030204" pitchFamily="18" charset="0"/>
+                          </a:rPr>
+                        </m:ctrlPr>
+                      </m:sSupPr>
+                      <m:e>
+                        <m:r>
+                          <a:rPr lang="en-US" sz="1400" b="0" i="1" smtClean="0">
+                            <a:solidFill>
+                              <a:schemeClr val="bg2">
+                                <a:lumMod val="50000"/>
+                              </a:schemeClr>
+                            </a:solidFill>
+                            <a:latin typeface="Cambria Math" panose="02040503050406030204" pitchFamily="18" charset="0"/>
+                          </a:rPr>
+                          <m:t>2</m:t>
+                        </m:r>
+                      </m:e>
+                      <m:sup>
+                        <m:r>
+                          <a:rPr lang="en-US" sz="1400" b="0" i="1" smtClean="0">
+                            <a:solidFill>
+                              <a:schemeClr val="bg2">
+                                <a:lumMod val="50000"/>
+                              </a:schemeClr>
+                            </a:solidFill>
+                            <a:latin typeface="Cambria Math" panose="02040503050406030204" pitchFamily="18" charset="0"/>
+                          </a:rPr>
+                          <m:t>7</m:t>
+                        </m:r>
+                      </m:sup>
+                    </m:sSup>
+                    <m:r>
+                      <a:rPr lang="en-US" sz="1400" b="0" i="1" smtClean="0">
+                        <a:solidFill>
+                          <a:schemeClr val="bg2">
+                            <a:lumMod val="50000"/>
+                          </a:schemeClr>
+                        </a:solidFill>
+                        <a:latin typeface="Cambria Math" panose="02040503050406030204" pitchFamily="18" charset="0"/>
+                      </a:rPr>
+                      <m:t>𝑃</m:t>
+                    </m:r>
+                    <m:r>
+                      <a:rPr lang="en-US" sz="1400" b="0" i="1" smtClean="0">
+                        <a:solidFill>
+                          <a:schemeClr val="bg2">
+                            <a:lumMod val="50000"/>
+                          </a:schemeClr>
+                        </a:solidFill>
+                        <a:latin typeface="Cambria Math" panose="02040503050406030204" pitchFamily="18" charset="0"/>
+                      </a:rPr>
+                      <m:t>+</m:t>
+                    </m:r>
+                    <m:sSup>
+                      <m:sSupPr>
+                        <m:ctrlPr>
+                          <a:rPr lang="en-US" sz="1400" b="0" i="1" smtClean="0">
+                            <a:solidFill>
+                              <a:schemeClr val="bg2">
+                                <a:lumMod val="50000"/>
+                              </a:schemeClr>
+                            </a:solidFill>
+                            <a:latin typeface="Cambria Math" panose="02040503050406030204" pitchFamily="18" charset="0"/>
+                          </a:rPr>
+                        </m:ctrlPr>
+                      </m:sSupPr>
+                      <m:e>
+                        <m:r>
+                          <a:rPr lang="en-US" sz="1400" b="0" i="1" smtClean="0">
+                            <a:solidFill>
+                              <a:schemeClr val="bg2">
+                                <a:lumMod val="50000"/>
+                              </a:schemeClr>
+                            </a:solidFill>
+                            <a:latin typeface="Cambria Math" panose="02040503050406030204" pitchFamily="18" charset="0"/>
+                          </a:rPr>
+                          <m:t>2</m:t>
+                        </m:r>
+                      </m:e>
+                      <m:sup>
+                        <m:r>
+                          <a:rPr lang="en-US" sz="1400" b="0" i="1" smtClean="0">
+                            <a:solidFill>
+                              <a:schemeClr val="bg2">
+                                <a:lumMod val="50000"/>
+                              </a:schemeClr>
+                            </a:solidFill>
+                            <a:latin typeface="Cambria Math" panose="02040503050406030204" pitchFamily="18" charset="0"/>
+                          </a:rPr>
+                          <m:t>4</m:t>
+                        </m:r>
+                      </m:sup>
+                    </m:sSup>
+                    <m:r>
+                      <a:rPr lang="en-US" sz="1400" b="0" i="1" smtClean="0">
+                        <a:solidFill>
+                          <a:schemeClr val="bg2">
+                            <a:lumMod val="50000"/>
+                          </a:schemeClr>
+                        </a:solidFill>
+                        <a:latin typeface="Cambria Math" panose="02040503050406030204" pitchFamily="18" charset="0"/>
+                      </a:rPr>
+                      <m:t>𝑃</m:t>
+                    </m:r>
+                    <m:r>
+                      <a:rPr lang="en-US" sz="1400" b="0" i="1" smtClean="0">
+                        <a:solidFill>
+                          <a:schemeClr val="bg2">
+                            <a:lumMod val="50000"/>
+                          </a:schemeClr>
+                        </a:solidFill>
+                        <a:latin typeface="Cambria Math" panose="02040503050406030204" pitchFamily="18" charset="0"/>
+                      </a:rPr>
+                      <m:t>+</m:t>
+                    </m:r>
+                    <m:sSup>
+                      <m:sSupPr>
+                        <m:ctrlPr>
+                          <a:rPr lang="en-US" sz="1400" b="0" i="1" smtClean="0">
+                            <a:solidFill>
+                              <a:schemeClr val="bg2">
+                                <a:lumMod val="50000"/>
+                              </a:schemeClr>
+                            </a:solidFill>
+                            <a:latin typeface="Cambria Math" panose="02040503050406030204" pitchFamily="18" charset="0"/>
+                          </a:rPr>
+                        </m:ctrlPr>
+                      </m:sSupPr>
+                      <m:e>
+                        <m:r>
+                          <a:rPr lang="en-US" sz="1400" b="0" i="1" smtClean="0">
+                            <a:solidFill>
+                              <a:schemeClr val="bg2">
+                                <a:lumMod val="50000"/>
+                              </a:schemeClr>
+                            </a:solidFill>
+                            <a:latin typeface="Cambria Math" panose="02040503050406030204" pitchFamily="18" charset="0"/>
+                          </a:rPr>
+                          <m:t>2</m:t>
+                        </m:r>
+                      </m:e>
+                      <m:sup>
+                        <m:r>
+                          <a:rPr lang="en-US" sz="1400" b="0" i="1" smtClean="0">
+                            <a:solidFill>
+                              <a:schemeClr val="bg2">
+                                <a:lumMod val="50000"/>
+                              </a:schemeClr>
+                            </a:solidFill>
+                            <a:latin typeface="Cambria Math" panose="02040503050406030204" pitchFamily="18" charset="0"/>
+                          </a:rPr>
+                          <m:t>2</m:t>
+                        </m:r>
+                      </m:sup>
+                    </m:sSup>
+                    <m:r>
+                      <a:rPr lang="en-US" sz="1400" b="0" i="1" smtClean="0">
+                        <a:solidFill>
+                          <a:schemeClr val="bg2">
+                            <a:lumMod val="50000"/>
+                          </a:schemeClr>
+                        </a:solidFill>
+                        <a:latin typeface="Cambria Math" panose="02040503050406030204" pitchFamily="18" charset="0"/>
+                      </a:rPr>
+                      <m:t>𝑃</m:t>
+                    </m:r>
+                    <m:r>
+                      <a:rPr lang="en-US" sz="1400" b="0" i="1" smtClean="0">
+                        <a:solidFill>
+                          <a:schemeClr val="bg2">
+                            <a:lumMod val="50000"/>
+                          </a:schemeClr>
+                        </a:solidFill>
+                        <a:latin typeface="Cambria Math" panose="02040503050406030204" pitchFamily="18" charset="0"/>
+                      </a:rPr>
+                      <m:t>+</m:t>
+                    </m:r>
+                    <m:sSup>
+                      <m:sSupPr>
+                        <m:ctrlPr>
+                          <a:rPr lang="en-US" sz="1400" b="0" i="1" smtClean="0">
+                            <a:solidFill>
+                              <a:schemeClr val="bg2">
+                                <a:lumMod val="50000"/>
+                              </a:schemeClr>
+                            </a:solidFill>
+                            <a:latin typeface="Cambria Math" panose="02040503050406030204" pitchFamily="18" charset="0"/>
+                          </a:rPr>
+                        </m:ctrlPr>
+                      </m:sSupPr>
+                      <m:e>
+                        <m:r>
+                          <a:rPr lang="en-US" sz="1400" b="0" i="1" smtClean="0">
+                            <a:solidFill>
+                              <a:schemeClr val="bg2">
+                                <a:lumMod val="50000"/>
+                              </a:schemeClr>
+                            </a:solidFill>
+                            <a:latin typeface="Cambria Math" panose="02040503050406030204" pitchFamily="18" charset="0"/>
+                          </a:rPr>
+                          <m:t>2</m:t>
+                        </m:r>
+                      </m:e>
+                      <m:sup>
+                        <m:r>
+                          <a:rPr lang="en-US" sz="1400" b="0" i="1" smtClean="0">
+                            <a:solidFill>
+                              <a:schemeClr val="bg2">
+                                <a:lumMod val="50000"/>
+                              </a:schemeClr>
+                            </a:solidFill>
+                            <a:latin typeface="Cambria Math" panose="02040503050406030204" pitchFamily="18" charset="0"/>
+                          </a:rPr>
+                          <m:t>1</m:t>
+                        </m:r>
+                      </m:sup>
+                    </m:sSup>
+                    <m:r>
+                      <a:rPr lang="en-US" sz="1400" b="0" i="1" smtClean="0">
+                        <a:solidFill>
+                          <a:schemeClr val="bg2">
+                            <a:lumMod val="50000"/>
+                          </a:schemeClr>
+                        </a:solidFill>
+                        <a:latin typeface="Cambria Math" panose="02040503050406030204" pitchFamily="18" charset="0"/>
+                      </a:rPr>
+                      <m:t>𝑃</m:t>
+                    </m:r>
+                    <m:r>
+                      <a:rPr lang="en-US" sz="1400" b="0" i="1" smtClean="0">
+                        <a:solidFill>
+                          <a:schemeClr val="bg2">
+                            <a:lumMod val="50000"/>
+                          </a:schemeClr>
+                        </a:solidFill>
+                        <a:latin typeface="Cambria Math" panose="02040503050406030204" pitchFamily="18" charset="0"/>
+                      </a:rPr>
+                      <m:t>+</m:t>
+                    </m:r>
+                    <m:sSup>
+                      <m:sSupPr>
+                        <m:ctrlPr>
+                          <a:rPr lang="en-US" sz="1400" b="0" i="1" smtClean="0">
+                            <a:solidFill>
+                              <a:schemeClr val="bg2">
+                                <a:lumMod val="50000"/>
+                              </a:schemeClr>
+                            </a:solidFill>
+                            <a:latin typeface="Cambria Math" panose="02040503050406030204" pitchFamily="18" charset="0"/>
+                          </a:rPr>
+                        </m:ctrlPr>
+                      </m:sSupPr>
+                      <m:e>
+                        <m:r>
+                          <a:rPr lang="en-US" sz="1400" b="0" i="1" smtClean="0">
+                            <a:solidFill>
+                              <a:schemeClr val="bg2">
+                                <a:lumMod val="50000"/>
+                              </a:schemeClr>
+                            </a:solidFill>
+                            <a:latin typeface="Cambria Math" panose="02040503050406030204" pitchFamily="18" charset="0"/>
+                          </a:rPr>
+                          <m:t>2</m:t>
+                        </m:r>
+                      </m:e>
+                      <m:sup>
+                        <m:r>
+                          <a:rPr lang="en-US" sz="1400" b="0" i="1" smtClean="0">
+                            <a:solidFill>
+                              <a:schemeClr val="bg2">
+                                <a:lumMod val="50000"/>
+                              </a:schemeClr>
+                            </a:solidFill>
+                            <a:latin typeface="Cambria Math" panose="02040503050406030204" pitchFamily="18" charset="0"/>
+                          </a:rPr>
+                          <m:t>0</m:t>
+                        </m:r>
+                      </m:sup>
+                    </m:sSup>
+                    <m:r>
+                      <a:rPr lang="en-US" sz="1400" b="0" i="1" smtClean="0">
+                        <a:solidFill>
+                          <a:schemeClr val="bg2">
+                            <a:lumMod val="50000"/>
+                          </a:schemeClr>
+                        </a:solidFill>
+                        <a:latin typeface="Cambria Math" panose="02040503050406030204" pitchFamily="18" charset="0"/>
+                      </a:rPr>
+                      <m:t>𝑃</m:t>
+                    </m:r>
+                  </m:oMath>
+                </a14:m>
+                <a:endParaRPr lang="en-US" sz="1400" dirty="0">
+                  <a:solidFill>
+                    <a:schemeClr val="bg2">
+                      <a:lumMod val="50000"/>
+                    </a:schemeClr>
+                  </a:solidFill>
+                </a:endParaRPr>
+              </a:p>
+              <a:p>
+                <a:pPr marL="457200" lvl="1" indent="0" algn="l" rtl="0">
+                  <a:buNone/>
+                </a:pPr>
+                <a:endParaRPr lang="en-US" sz="1400" b="0" dirty="0">
+                  <a:solidFill>
+                    <a:schemeClr val="bg2">
+                      <a:lumMod val="50000"/>
+                    </a:schemeClr>
+                  </a:solidFill>
+                </a:endParaRPr>
+              </a:p>
+              <a:p>
+                <a:pPr marL="457200" lvl="1" indent="0" algn="l" rtl="0">
+                  <a:buNone/>
+                </a:pPr>
+                <a:r>
+                  <a:rPr lang="en-US" sz="1400" dirty="0">
+                    <a:solidFill>
+                      <a:schemeClr val="bg2">
+                        <a:lumMod val="50000"/>
+                      </a:schemeClr>
+                    </a:solidFill>
+                  </a:rPr>
+                  <a:t>Which results in just 7 doubling and 4 additions</a:t>
+                </a:r>
+                <a:endParaRPr lang="en-US" sz="1400" b="0" dirty="0">
+                  <a:solidFill>
+                    <a:schemeClr val="bg2">
+                      <a:lumMod val="50000"/>
+                    </a:schemeClr>
+                  </a:solidFill>
+                </a:endParaRPr>
+              </a:p>
+            </p:txBody>
+          </p:sp>
+        </mc:Choice>
+        <mc:Fallback xmlns="">
+          <p:sp>
+            <p:nvSpPr>
+              <p:cNvPr id="3" name="Content Placeholder 2">
+                <a:extLst>
+                  <a:ext uri="{FF2B5EF4-FFF2-40B4-BE49-F238E27FC236}">
+                    <a16:creationId xmlns:a16="http://schemas.microsoft.com/office/drawing/2014/main" id="{AE3D040F-33E5-4012-8189-210361F7EDB6}"/>
+                  </a:ext>
+                </a:extLst>
+              </p:cNvPr>
+              <p:cNvSpPr>
+                <a:spLocks noGrp="1" noRot="1" noChangeAspect="1" noMove="1" noResize="1" noEditPoints="1" noAdjustHandles="1" noChangeArrowheads="1" noChangeShapeType="1" noTextEdit="1"/>
+              </p:cNvSpPr>
+              <p:nvPr>
+                <p:ph idx="1"/>
+              </p:nvPr>
+            </p:nvSpPr>
+            <p:spPr>
+              <a:xfrm>
+                <a:off x="838200" y="1149292"/>
+                <a:ext cx="10515600" cy="5027671"/>
+              </a:xfrm>
+              <a:blipFill>
+                <a:blip r:embed="rId2"/>
+                <a:stretch>
+                  <a:fillRect l="-406"/>
+                </a:stretch>
+              </a:blipFill>
+            </p:spPr>
+            <p:txBody>
+              <a:bodyPr/>
+              <a:lstStyle/>
+              <a:p>
+                <a:r>
+                  <a:rPr lang="he-IL">
+                    <a:noFill/>
+                  </a:rPr>
+                  <a:t> </a:t>
+                </a:r>
+              </a:p>
+            </p:txBody>
+          </p:sp>
+        </mc:Fallback>
+      </mc:AlternateContent>
+      <p:sp>
+        <p:nvSpPr>
+          <p:cNvPr id="5" name="Action Button: Go Back or Previous 5">
+            <a:hlinkClick r:id="rId3" action="ppaction://hlinksldjump" highlightClick="1"/>
+            <a:extLst>
+              <a:ext uri="{FF2B5EF4-FFF2-40B4-BE49-F238E27FC236}">
+                <a16:creationId xmlns:a16="http://schemas.microsoft.com/office/drawing/2014/main" id="{BF454F8D-E436-4F75-A69A-32D416CA1740}"/>
+              </a:ext>
+            </a:extLst>
+          </p:cNvPr>
+          <p:cNvSpPr/>
+          <p:nvPr/>
+        </p:nvSpPr>
+        <p:spPr>
+          <a:xfrm>
+            <a:off x="10890658" y="343948"/>
+            <a:ext cx="696286" cy="616387"/>
+          </a:xfrm>
+          <a:prstGeom prst="actionButtonBackPrevious">
+            <a:avLst/>
+          </a:prstGeom>
+          <a:solidFill>
+            <a:srgbClr val="60CFEB"/>
+          </a:solidFill>
+          <a:ln>
+            <a:solidFill>
+              <a:srgbClr val="60CFEB"/>
+            </a:solidFill>
+          </a:ln>
+        </p:spPr>
+        <p:style>
+          <a:lnRef idx="2">
+            <a:schemeClr val="accent1">
+              <a:shade val="50000"/>
+            </a:schemeClr>
+          </a:lnRef>
+          <a:fillRef idx="1">
+            <a:schemeClr val="accent1"/>
+          </a:fillRef>
+          <a:effectRef idx="0">
+            <a:schemeClr val="accent1"/>
+          </a:effectRef>
+          <a:fontRef idx="minor">
+            <a:schemeClr val="lt1"/>
+          </a:fontRef>
+        </p:style>
+        <p:txBody>
+          <a:bodyPr rtlCol="1" anchor="ctr"/>
+          <a:lstStyle/>
+          <a:p>
+            <a:pPr algn="ctr"/>
+            <a:endParaRPr lang="he-IL"/>
+          </a:p>
+        </p:txBody>
+      </p:sp>
+      <p:sp>
+        <p:nvSpPr>
+          <p:cNvPr id="6" name="סוגר מסולסל ימני 5">
+            <a:extLst>
+              <a:ext uri="{FF2B5EF4-FFF2-40B4-BE49-F238E27FC236}">
+                <a16:creationId xmlns:a16="http://schemas.microsoft.com/office/drawing/2014/main" id="{E4F42C2F-7CE6-4D0E-A306-1B5056D1A667}"/>
+              </a:ext>
+            </a:extLst>
+          </p:cNvPr>
+          <p:cNvSpPr/>
+          <p:nvPr/>
+        </p:nvSpPr>
+        <p:spPr>
+          <a:xfrm rot="5400000">
+            <a:off x="6338580" y="1170963"/>
+            <a:ext cx="67111" cy="1416343"/>
+          </a:xfrm>
+          <a:prstGeom prst="rightBrace">
+            <a:avLst/>
+          </a:prstGeom>
+          <a:ln>
+            <a:solidFill>
+              <a:schemeClr val="bg1">
+                <a:lumMod val="85000"/>
+                <a:lumOff val="15000"/>
+                <a:alpha val="60000"/>
+              </a:schemeClr>
+            </a:solidFill>
+          </a:ln>
+        </p:spPr>
+        <p:style>
+          <a:lnRef idx="1">
+            <a:schemeClr val="dk1"/>
+          </a:lnRef>
+          <a:fillRef idx="0">
+            <a:schemeClr val="dk1"/>
+          </a:fillRef>
+          <a:effectRef idx="0">
+            <a:schemeClr val="dk1"/>
+          </a:effectRef>
+          <a:fontRef idx="minor">
+            <a:schemeClr val="tx1"/>
+          </a:fontRef>
+        </p:style>
+        <p:txBody>
+          <a:bodyPr rtlCol="1" anchor="ctr"/>
+          <a:lstStyle/>
+          <a:p>
+            <a:pPr algn="ctr"/>
+            <a:endParaRPr lang="he-IL"/>
+          </a:p>
+        </p:txBody>
+      </p:sp>
+      <p:sp>
+        <p:nvSpPr>
+          <p:cNvPr id="7" name="תיבת טקסט 6">
+            <a:extLst>
+              <a:ext uri="{FF2B5EF4-FFF2-40B4-BE49-F238E27FC236}">
+                <a16:creationId xmlns:a16="http://schemas.microsoft.com/office/drawing/2014/main" id="{036DC802-3B50-4BB9-8743-9357F9E3D57E}"/>
+              </a:ext>
+            </a:extLst>
+          </p:cNvPr>
+          <p:cNvSpPr txBox="1"/>
+          <p:nvPr/>
+        </p:nvSpPr>
+        <p:spPr>
+          <a:xfrm>
+            <a:off x="5975231" y="1879134"/>
+            <a:ext cx="750526" cy="307777"/>
+          </a:xfrm>
+          <a:prstGeom prst="rect">
+            <a:avLst/>
+          </a:prstGeom>
+          <a:noFill/>
+        </p:spPr>
+        <p:txBody>
+          <a:bodyPr wrap="none" rtlCol="1">
+            <a:spAutoFit/>
+          </a:bodyPr>
+          <a:lstStyle/>
+          <a:p>
+            <a:r>
+              <a:rPr lang="en-US" sz="1400" dirty="0">
+                <a:solidFill>
+                  <a:srgbClr val="0A304A"/>
+                </a:solidFill>
+                <a:latin typeface="Cambria Math" panose="02040503050406030204" pitchFamily="18" charset="0"/>
+                <a:ea typeface="Cambria Math" panose="02040503050406030204" pitchFamily="18" charset="0"/>
+              </a:rPr>
+              <a:t>n times</a:t>
+            </a:r>
+            <a:endParaRPr lang="he-IL" sz="1400" dirty="0">
+              <a:solidFill>
+                <a:srgbClr val="0A304A"/>
+              </a:solidFill>
+              <a:latin typeface="Cambria Math" panose="02040503050406030204" pitchFamily="18" charset="0"/>
+              <a:ea typeface="Cambria Math" panose="02040503050406030204" pitchFamily="18" charset="0"/>
+            </a:endParaRPr>
+          </a:p>
+        </p:txBody>
+      </p:sp>
+    </p:spTree>
+    <p:extLst>
+      <p:ext uri="{BB962C8B-B14F-4D97-AF65-F5344CB8AC3E}">
+        <p14:creationId xmlns:p14="http://schemas.microsoft.com/office/powerpoint/2010/main" val="1840753541"/>
+      </p:ext>
+    </p:extLst>
+  </p:cSld>
+  <p:clrMapOvr>
+    <a:masterClrMapping/>
+  </p:clrMapOvr>
+</p:sld>
+</file>
+
+<file path=ppt/slides/slide120.xml><?xml version="1.0" encoding="utf-8"?>
 <p:sld xmlns:a="http://schemas.openxmlformats.org/drawingml/2006/main" xmlns:r="http://schemas.openxmlformats.org/officeDocument/2006/relationships" xmlns:p="http://schemas.openxmlformats.org/presentationml/2006/main">
   <p:cSld>
     <p:spTree>
@@ -9802,2148 +11942,6 @@
     <p:extLst>
       <p:ext uri="{BB962C8B-B14F-4D97-AF65-F5344CB8AC3E}">
         <p14:creationId xmlns:p14="http://schemas.microsoft.com/office/powerpoint/2010/main" val="1754579755"/>
-      </p:ext>
-    </p:extLst>
-  </p:cSld>
-  <p:clrMapOvr>
-    <a:masterClrMapping/>
-  </p:clrMapOvr>
-</p:sld>
-</file>
-
-<file path=ppt/slides/slide13.xml><?xml version="1.0" encoding="utf-8"?>
-<p:sld xmlns:a="http://schemas.openxmlformats.org/drawingml/2006/main" xmlns:r="http://schemas.openxmlformats.org/officeDocument/2006/relationships" xmlns:p="http://schemas.openxmlformats.org/presentationml/2006/main">
-  <p:cSld>
-    <p:spTree>
-      <p:nvGrpSpPr>
-        <p:cNvPr id="1" name=""/>
-        <p:cNvGrpSpPr/>
-        <p:nvPr/>
-      </p:nvGrpSpPr>
-      <p:grpSpPr>
-        <a:xfrm>
-          <a:off x="0" y="0"/>
-          <a:ext cx="0" cy="0"/>
-          <a:chOff x="0" y="0"/>
-          <a:chExt cx="0" cy="0"/>
-        </a:xfrm>
-      </p:grpSpPr>
-      <p:sp>
-        <p:nvSpPr>
-          <p:cNvPr id="2" name="Title 1">
-            <a:extLst>
-              <a:ext uri="{FF2B5EF4-FFF2-40B4-BE49-F238E27FC236}">
-                <a16:creationId xmlns:a16="http://schemas.microsoft.com/office/drawing/2014/main" id="{D7C6A2F0-BB58-4F7A-987B-14D760B12854}"/>
-              </a:ext>
-            </a:extLst>
-          </p:cNvPr>
-          <p:cNvSpPr>
-            <a:spLocks noGrp="1"/>
-          </p:cNvSpPr>
-          <p:nvPr>
-            <p:ph type="title"/>
-          </p:nvPr>
-        </p:nvSpPr>
-        <p:spPr>
-          <a:xfrm>
-            <a:off x="838200" y="365125"/>
-            <a:ext cx="10515600" cy="616387"/>
-          </a:xfrm>
-        </p:spPr>
-        <p:txBody>
-          <a:bodyPr>
-            <a:normAutofit fontScale="90000"/>
-          </a:bodyPr>
-          <a:lstStyle/>
-          <a:p>
-            <a:r>
-              <a:rPr lang="en-US" dirty="0"/>
-              <a:t>Double and Add Algorithm</a:t>
-            </a:r>
-            <a:endParaRPr lang="he-IL" dirty="0"/>
-          </a:p>
-        </p:txBody>
-      </p:sp>
-      <mc:AlternateContent xmlns:mc="http://schemas.openxmlformats.org/markup-compatibility/2006">
-        <mc:Choice xmlns:a14="http://schemas.microsoft.com/office/drawing/2010/main" Requires="a14">
-          <p:sp>
-            <p:nvSpPr>
-              <p:cNvPr id="3" name="Content Placeholder 2">
-                <a:extLst>
-                  <a:ext uri="{FF2B5EF4-FFF2-40B4-BE49-F238E27FC236}">
-                    <a16:creationId xmlns:a16="http://schemas.microsoft.com/office/drawing/2014/main" id="{AE3D040F-33E5-4012-8189-210361F7EDB6}"/>
-                  </a:ext>
-                </a:extLst>
-              </p:cNvPr>
-              <p:cNvSpPr>
-                <a:spLocks noGrp="1"/>
-              </p:cNvSpPr>
-              <p:nvPr>
-                <p:ph idx="1"/>
-              </p:nvPr>
-            </p:nvSpPr>
-            <p:spPr>
-              <a:xfrm>
-                <a:off x="838200" y="1149292"/>
-                <a:ext cx="10515600" cy="5027671"/>
-              </a:xfrm>
-            </p:spPr>
-            <p:txBody>
-              <a:bodyPr>
-                <a:normAutofit fontScale="92500" lnSpcReduction="20000"/>
-              </a:bodyPr>
-              <a:lstStyle/>
-              <a:p>
-                <a:pPr marL="0" indent="0" algn="l" rtl="0">
-                  <a:buNone/>
-                </a:pPr>
-                <a:r>
-                  <a:rPr lang="en-US" sz="1800" dirty="0">
-                    <a:solidFill>
-                      <a:schemeClr val="bg2">
-                        <a:lumMod val="50000"/>
-                      </a:schemeClr>
-                    </a:solidFill>
-                  </a:rPr>
-                  <a:t>Scalar multiplication defined as:</a:t>
-                </a:r>
-              </a:p>
-              <a:p>
-                <a:pPr marL="0" indent="0" algn="ctr" rtl="0">
-                  <a:buNone/>
-                </a:pPr>
-                <a14:m>
-                  <m:oMathPara xmlns:m="http://schemas.openxmlformats.org/officeDocument/2006/math">
-                    <m:oMathParaPr>
-                      <m:jc m:val="centerGroup"/>
-                    </m:oMathParaPr>
-                    <m:oMath xmlns:m="http://schemas.openxmlformats.org/officeDocument/2006/math">
-                      <m:r>
-                        <a:rPr lang="en-US" sz="1800" b="0" i="1" smtClean="0">
-                          <a:solidFill>
-                            <a:schemeClr val="bg2">
-                              <a:lumMod val="50000"/>
-                            </a:schemeClr>
-                          </a:solidFill>
-                          <a:latin typeface="Cambria Math" panose="02040503050406030204" pitchFamily="18" charset="0"/>
-                        </a:rPr>
-                        <m:t>𝑛𝑃</m:t>
-                      </m:r>
-                      <m:r>
-                        <a:rPr lang="en-US" sz="1800" b="0" i="1" smtClean="0">
-                          <a:solidFill>
-                            <a:schemeClr val="bg2">
-                              <a:lumMod val="50000"/>
-                            </a:schemeClr>
-                          </a:solidFill>
-                          <a:latin typeface="Cambria Math" panose="02040503050406030204" pitchFamily="18" charset="0"/>
-                        </a:rPr>
-                        <m:t>=</m:t>
-                      </m:r>
-                      <m:r>
-                        <a:rPr lang="en-US" sz="1800" b="0" i="1" smtClean="0">
-                          <a:solidFill>
-                            <a:schemeClr val="bg2">
-                              <a:lumMod val="50000"/>
-                            </a:schemeClr>
-                          </a:solidFill>
-                          <a:latin typeface="Cambria Math" panose="02040503050406030204" pitchFamily="18" charset="0"/>
-                        </a:rPr>
-                        <m:t>𝑃</m:t>
-                      </m:r>
-                      <m:r>
-                        <a:rPr lang="en-US" sz="1800" b="0" i="1" smtClean="0">
-                          <a:solidFill>
-                            <a:schemeClr val="bg2">
-                              <a:lumMod val="50000"/>
-                            </a:schemeClr>
-                          </a:solidFill>
-                          <a:latin typeface="Cambria Math" panose="02040503050406030204" pitchFamily="18" charset="0"/>
-                        </a:rPr>
-                        <m:t>+</m:t>
-                      </m:r>
-                      <m:r>
-                        <a:rPr lang="en-US" sz="1800" b="0" i="1" smtClean="0">
-                          <a:solidFill>
-                            <a:schemeClr val="bg2">
-                              <a:lumMod val="50000"/>
-                            </a:schemeClr>
-                          </a:solidFill>
-                          <a:latin typeface="Cambria Math" panose="02040503050406030204" pitchFamily="18" charset="0"/>
-                        </a:rPr>
-                        <m:t>𝑃</m:t>
-                      </m:r>
-                      <m:r>
-                        <a:rPr lang="en-US" sz="1800" b="0" i="1" smtClean="0">
-                          <a:solidFill>
-                            <a:schemeClr val="bg2">
-                              <a:lumMod val="50000"/>
-                            </a:schemeClr>
-                          </a:solidFill>
-                          <a:latin typeface="Cambria Math" panose="02040503050406030204" pitchFamily="18" charset="0"/>
-                        </a:rPr>
-                        <m:t>+…+</m:t>
-                      </m:r>
-                      <m:r>
-                        <a:rPr lang="en-US" sz="1800" b="0" i="1" smtClean="0">
-                          <a:solidFill>
-                            <a:schemeClr val="bg2">
-                              <a:lumMod val="50000"/>
-                            </a:schemeClr>
-                          </a:solidFill>
-                          <a:latin typeface="Cambria Math" panose="02040503050406030204" pitchFamily="18" charset="0"/>
-                        </a:rPr>
-                        <m:t>𝑃</m:t>
-                      </m:r>
-                    </m:oMath>
-                  </m:oMathPara>
-                </a14:m>
-                <a:endParaRPr lang="en-US" sz="1800" dirty="0">
-                  <a:solidFill>
-                    <a:schemeClr val="bg2">
-                      <a:lumMod val="50000"/>
-                    </a:schemeClr>
-                  </a:solidFill>
-                </a:endParaRPr>
-              </a:p>
-              <a:p>
-                <a:pPr marL="0" indent="0" algn="l" rtl="0">
-                  <a:buNone/>
-                </a:pPr>
-                <a:endParaRPr lang="en-US" sz="1800" dirty="0">
-                  <a:solidFill>
-                    <a:schemeClr val="bg2">
-                      <a:lumMod val="50000"/>
-                    </a:schemeClr>
-                  </a:solidFill>
-                </a:endParaRPr>
-              </a:p>
-              <a:p>
-                <a:pPr marL="0" indent="0" algn="l" rtl="0">
-                  <a:buNone/>
-                </a:pPr>
-                <a:r>
-                  <a:rPr lang="en-US" sz="1800" dirty="0">
-                    <a:solidFill>
-                      <a:schemeClr val="bg2">
-                        <a:lumMod val="50000"/>
-                      </a:schemeClr>
-                    </a:solidFill>
-                  </a:rPr>
-                  <a:t>Written in this form, it may seem that computing </a:t>
-                </a:r>
-                <a14:m>
-                  <m:oMath xmlns:m="http://schemas.openxmlformats.org/officeDocument/2006/math">
-                    <m:r>
-                      <a:rPr lang="en-US" sz="1800" b="0" i="1" smtClean="0">
-                        <a:solidFill>
-                          <a:schemeClr val="bg2">
-                            <a:lumMod val="50000"/>
-                          </a:schemeClr>
-                        </a:solidFill>
-                        <a:latin typeface="Cambria Math" panose="02040503050406030204" pitchFamily="18" charset="0"/>
-                      </a:rPr>
-                      <m:t>𝑛𝑃</m:t>
-                    </m:r>
-                  </m:oMath>
-                </a14:m>
-                <a:r>
-                  <a:rPr lang="en-US" sz="1800" dirty="0">
-                    <a:solidFill>
-                      <a:schemeClr val="bg2">
-                        <a:lumMod val="50000"/>
-                      </a:schemeClr>
-                    </a:solidFill>
-                  </a:rPr>
-                  <a:t> requires </a:t>
-                </a:r>
-                <a14:m>
-                  <m:oMath xmlns:m="http://schemas.openxmlformats.org/officeDocument/2006/math">
-                    <m:r>
-                      <a:rPr lang="en-US" sz="1800" b="0" i="1" smtClean="0">
-                        <a:solidFill>
-                          <a:schemeClr val="bg2">
-                            <a:lumMod val="50000"/>
-                          </a:schemeClr>
-                        </a:solidFill>
-                        <a:latin typeface="Cambria Math" panose="02040503050406030204" pitchFamily="18" charset="0"/>
-                      </a:rPr>
-                      <m:t>𝑛</m:t>
-                    </m:r>
-                  </m:oMath>
-                </a14:m>
-                <a:r>
-                  <a:rPr lang="en-US" sz="1800" dirty="0">
-                    <a:solidFill>
-                      <a:schemeClr val="bg2">
-                        <a:lumMod val="50000"/>
-                      </a:schemeClr>
-                    </a:solidFill>
-                  </a:rPr>
-                  <a:t> additions. If </a:t>
-                </a:r>
-                <a14:m>
-                  <m:oMath xmlns:m="http://schemas.openxmlformats.org/officeDocument/2006/math">
-                    <m:r>
-                      <a:rPr lang="en-US" sz="1800" b="0" i="1" smtClean="0">
-                        <a:solidFill>
-                          <a:schemeClr val="bg2">
-                            <a:lumMod val="50000"/>
-                          </a:schemeClr>
-                        </a:solidFill>
-                        <a:latin typeface="Cambria Math" panose="02040503050406030204" pitchFamily="18" charset="0"/>
-                      </a:rPr>
-                      <m:t>𝑛</m:t>
-                    </m:r>
-                  </m:oMath>
-                </a14:m>
-                <a:r>
-                  <a:rPr lang="en-US" sz="1800" dirty="0">
-                    <a:solidFill>
-                      <a:schemeClr val="bg2">
-                        <a:lumMod val="50000"/>
-                      </a:schemeClr>
-                    </a:solidFill>
-                  </a:rPr>
-                  <a:t> has </a:t>
-                </a:r>
-                <a14:m>
-                  <m:oMath xmlns:m="http://schemas.openxmlformats.org/officeDocument/2006/math">
-                    <m:r>
-                      <a:rPr lang="en-US" sz="1800" b="0" i="1" smtClean="0">
-                        <a:solidFill>
-                          <a:schemeClr val="bg2">
-                            <a:lumMod val="50000"/>
-                          </a:schemeClr>
-                        </a:solidFill>
-                        <a:latin typeface="Cambria Math" panose="02040503050406030204" pitchFamily="18" charset="0"/>
-                      </a:rPr>
-                      <m:t>𝑘</m:t>
-                    </m:r>
-                  </m:oMath>
-                </a14:m>
-                <a:r>
-                  <a:rPr lang="en-US" sz="1800" dirty="0">
-                    <a:solidFill>
-                      <a:schemeClr val="bg2">
-                        <a:lumMod val="50000"/>
-                      </a:schemeClr>
-                    </a:solidFill>
-                  </a:rPr>
-                  <a:t> binary digits, the naïve addition would take </a:t>
-                </a:r>
-                <a14:m>
-                  <m:oMath xmlns:m="http://schemas.openxmlformats.org/officeDocument/2006/math">
-                    <m:r>
-                      <a:rPr lang="en-US" sz="1800" b="0" i="1" smtClean="0">
-                        <a:solidFill>
-                          <a:schemeClr val="bg2">
-                            <a:lumMod val="50000"/>
-                          </a:schemeClr>
-                        </a:solidFill>
-                        <a:latin typeface="Cambria Math" panose="02040503050406030204" pitchFamily="18" charset="0"/>
-                      </a:rPr>
-                      <m:t>𝑂</m:t>
-                    </m:r>
-                    <m:r>
-                      <a:rPr lang="en-US" sz="1800" b="0" i="1" smtClean="0">
-                        <a:solidFill>
-                          <a:schemeClr val="bg2">
-                            <a:lumMod val="50000"/>
-                          </a:schemeClr>
-                        </a:solidFill>
-                        <a:latin typeface="Cambria Math" panose="02040503050406030204" pitchFamily="18" charset="0"/>
-                      </a:rPr>
-                      <m:t>(</m:t>
-                    </m:r>
-                    <m:sSup>
-                      <m:sSupPr>
-                        <m:ctrlPr>
-                          <a:rPr lang="en-US" sz="1800" b="0" i="1" smtClean="0">
-                            <a:solidFill>
-                              <a:schemeClr val="bg2">
-                                <a:lumMod val="50000"/>
-                              </a:schemeClr>
-                            </a:solidFill>
-                            <a:latin typeface="Cambria Math" panose="02040503050406030204" pitchFamily="18" charset="0"/>
-                          </a:rPr>
-                        </m:ctrlPr>
-                      </m:sSupPr>
-                      <m:e>
-                        <m:r>
-                          <a:rPr lang="en-US" sz="1800" b="0" i="1" smtClean="0">
-                            <a:solidFill>
-                              <a:schemeClr val="bg2">
-                                <a:lumMod val="50000"/>
-                              </a:schemeClr>
-                            </a:solidFill>
-                            <a:latin typeface="Cambria Math" panose="02040503050406030204" pitchFamily="18" charset="0"/>
-                          </a:rPr>
-                          <m:t>2</m:t>
-                        </m:r>
-                      </m:e>
-                      <m:sup>
-                        <m:r>
-                          <a:rPr lang="en-US" sz="1800" b="0" i="1" smtClean="0">
-                            <a:solidFill>
-                              <a:schemeClr val="bg2">
-                                <a:lumMod val="50000"/>
-                              </a:schemeClr>
-                            </a:solidFill>
-                            <a:latin typeface="Cambria Math" panose="02040503050406030204" pitchFamily="18" charset="0"/>
-                          </a:rPr>
-                          <m:t>𝑘</m:t>
-                        </m:r>
-                      </m:sup>
-                    </m:sSup>
-                    <m:r>
-                      <a:rPr lang="en-US" sz="1800" b="0" i="1" smtClean="0">
-                        <a:solidFill>
-                          <a:schemeClr val="bg2">
-                            <a:lumMod val="50000"/>
-                          </a:schemeClr>
-                        </a:solidFill>
-                        <a:latin typeface="Cambria Math" panose="02040503050406030204" pitchFamily="18" charset="0"/>
-                      </a:rPr>
-                      <m:t>)</m:t>
-                    </m:r>
-                  </m:oMath>
-                </a14:m>
-                <a:r>
-                  <a:rPr lang="en-US" sz="1800" dirty="0">
-                    <a:solidFill>
-                      <a:schemeClr val="bg2">
-                        <a:lumMod val="50000"/>
-                      </a:schemeClr>
-                    </a:solidFill>
-                  </a:rPr>
-                  <a:t>, which is not good.</a:t>
-                </a:r>
-              </a:p>
-              <a:p>
-                <a:pPr marL="0" indent="0" algn="l" rtl="0">
-                  <a:buNone/>
-                </a:pPr>
-                <a:r>
-                  <a:rPr lang="en-US" sz="1800" dirty="0">
-                    <a:solidFill>
-                      <a:schemeClr val="bg2">
-                        <a:lumMod val="50000"/>
-                      </a:schemeClr>
-                    </a:solidFill>
-                  </a:rPr>
-                  <a:t>There are several more efficient algorithm to deal with this computation. One of them is the </a:t>
-                </a:r>
-                <a:r>
-                  <a:rPr lang="en-US" sz="1800" b="1" dirty="0">
-                    <a:solidFill>
-                      <a:schemeClr val="bg2">
-                        <a:lumMod val="50000"/>
-                      </a:schemeClr>
-                    </a:solidFill>
-                  </a:rPr>
-                  <a:t>Double and Add</a:t>
-                </a:r>
-                <a:r>
-                  <a:rPr lang="en-US" sz="1800" dirty="0">
-                    <a:solidFill>
-                      <a:schemeClr val="bg2">
-                        <a:lumMod val="50000"/>
-                      </a:schemeClr>
-                    </a:solidFill>
-                  </a:rPr>
-                  <a:t> algorithm.</a:t>
-                </a:r>
-              </a:p>
-              <a:p>
-                <a:pPr marL="0" indent="0" algn="l" rtl="0">
-                  <a:buNone/>
-                </a:pPr>
-                <a:endParaRPr lang="en-US" sz="1800" dirty="0">
-                  <a:solidFill>
-                    <a:schemeClr val="bg2">
-                      <a:lumMod val="50000"/>
-                    </a:schemeClr>
-                  </a:solidFill>
-                </a:endParaRPr>
-              </a:p>
-              <a:p>
-                <a:pPr marL="0" indent="0" algn="l" rtl="0">
-                  <a:buNone/>
-                </a:pPr>
-                <a:r>
-                  <a:rPr lang="en-US" sz="1800" b="1" dirty="0">
-                    <a:solidFill>
-                      <a:schemeClr val="bg2">
-                        <a:lumMod val="50000"/>
-                      </a:schemeClr>
-                    </a:solidFill>
-                  </a:rPr>
-                  <a:t>Example</a:t>
-                </a:r>
-                <a:r>
-                  <a:rPr lang="en-US" sz="1800" dirty="0">
-                    <a:solidFill>
-                      <a:schemeClr val="bg2">
-                        <a:lumMod val="50000"/>
-                      </a:schemeClr>
-                    </a:solidFill>
-                  </a:rPr>
-                  <a:t>:</a:t>
-                </a:r>
-              </a:p>
-              <a:p>
-                <a:pPr marL="457200" lvl="1" indent="0" algn="l" rtl="0">
-                  <a:buNone/>
-                </a:pPr>
-                <a:r>
-                  <a:rPr lang="en-US" sz="1400" dirty="0">
-                    <a:solidFill>
-                      <a:schemeClr val="bg2">
-                        <a:lumMod val="50000"/>
-                      </a:schemeClr>
-                    </a:solidFill>
-                  </a:rPr>
-                  <a:t>Having n=151, we would like to compute </a:t>
-                </a:r>
-                <a14:m>
-                  <m:oMath xmlns:m="http://schemas.openxmlformats.org/officeDocument/2006/math">
-                    <m:r>
-                      <a:rPr lang="en-US" sz="1400" b="0" i="1" smtClean="0">
-                        <a:solidFill>
-                          <a:schemeClr val="bg2">
-                            <a:lumMod val="50000"/>
-                          </a:schemeClr>
-                        </a:solidFill>
-                        <a:latin typeface="Cambria Math" panose="02040503050406030204" pitchFamily="18" charset="0"/>
-                      </a:rPr>
-                      <m:t>𝑛𝑃</m:t>
-                    </m:r>
-                    <m:r>
-                      <a:rPr lang="en-US" sz="1400" b="0" i="1" smtClean="0">
-                        <a:solidFill>
-                          <a:schemeClr val="bg2">
-                            <a:lumMod val="50000"/>
-                          </a:schemeClr>
-                        </a:solidFill>
-                        <a:latin typeface="Cambria Math" panose="02040503050406030204" pitchFamily="18" charset="0"/>
-                      </a:rPr>
-                      <m:t>=</m:t>
-                    </m:r>
-                    <m:r>
-                      <a:rPr lang="en-US" sz="1400" b="0" i="1" smtClean="0">
-                        <a:solidFill>
-                          <a:schemeClr val="bg2">
-                            <a:lumMod val="50000"/>
-                          </a:schemeClr>
-                        </a:solidFill>
-                        <a:latin typeface="Cambria Math" panose="02040503050406030204" pitchFamily="18" charset="0"/>
-                      </a:rPr>
-                      <m:t>151</m:t>
-                    </m:r>
-                    <m:r>
-                      <a:rPr lang="en-US" sz="1400" b="0" i="1" smtClean="0">
-                        <a:solidFill>
-                          <a:schemeClr val="bg2">
-                            <a:lumMod val="50000"/>
-                          </a:schemeClr>
-                        </a:solidFill>
-                        <a:latin typeface="Cambria Math" panose="02040503050406030204" pitchFamily="18" charset="0"/>
-                      </a:rPr>
-                      <m:t>∙</m:t>
-                    </m:r>
-                    <m:r>
-                      <a:rPr lang="en-US" sz="1400" b="0" i="1" smtClean="0">
-                        <a:solidFill>
-                          <a:schemeClr val="bg2">
-                            <a:lumMod val="50000"/>
-                          </a:schemeClr>
-                        </a:solidFill>
-                        <a:latin typeface="Cambria Math" panose="02040503050406030204" pitchFamily="18" charset="0"/>
-                      </a:rPr>
-                      <m:t>𝑃</m:t>
-                    </m:r>
-                  </m:oMath>
-                </a14:m>
-                <a:endParaRPr lang="en-US" sz="1400" b="0" dirty="0">
-                  <a:solidFill>
-                    <a:schemeClr val="bg2">
-                      <a:lumMod val="50000"/>
-                    </a:schemeClr>
-                  </a:solidFill>
-                </a:endParaRPr>
-              </a:p>
-              <a:p>
-                <a:pPr marL="457200" lvl="1" indent="0" algn="l" rtl="0">
-                  <a:buNone/>
-                </a:pPr>
-                <a:endParaRPr lang="en-US" sz="1400" b="0" dirty="0">
-                  <a:solidFill>
-                    <a:schemeClr val="bg2">
-                      <a:lumMod val="50000"/>
-                    </a:schemeClr>
-                  </a:solidFill>
-                </a:endParaRPr>
-              </a:p>
-              <a:p>
-                <a:pPr marL="457200" lvl="1" indent="0" algn="l" rtl="0">
-                  <a:buNone/>
-                </a:pPr>
-                <a14:m>
-                  <m:oMathPara xmlns:m="http://schemas.openxmlformats.org/officeDocument/2006/math">
-                    <m:oMathParaPr>
-                      <m:jc m:val="center"/>
-                    </m:oMathParaPr>
-                    <m:oMath xmlns:m="http://schemas.openxmlformats.org/officeDocument/2006/math">
-                      <m:sSub>
-                        <m:sSubPr>
-                          <m:ctrlPr>
-                            <a:rPr lang="en-US" sz="1400" i="1">
-                              <a:solidFill>
-                                <a:schemeClr val="bg2">
-                                  <a:lumMod val="50000"/>
-                                </a:schemeClr>
-                              </a:solidFill>
-                              <a:latin typeface="Cambria Math" panose="02040503050406030204" pitchFamily="18" charset="0"/>
-                            </a:rPr>
-                          </m:ctrlPr>
-                        </m:sSubPr>
-                        <m:e>
-                          <m:r>
-                            <a:rPr lang="en-US" sz="1400" i="1">
-                              <a:solidFill>
-                                <a:schemeClr val="bg2">
-                                  <a:lumMod val="50000"/>
-                                </a:schemeClr>
-                              </a:solidFill>
-                              <a:latin typeface="Cambria Math" panose="02040503050406030204" pitchFamily="18" charset="0"/>
-                            </a:rPr>
-                            <m:t>151</m:t>
-                          </m:r>
-                        </m:e>
-                        <m:sub>
-                          <m:r>
-                            <a:rPr lang="en-US" sz="1400" i="1">
-                              <a:solidFill>
-                                <a:schemeClr val="bg2">
-                                  <a:lumMod val="50000"/>
-                                </a:schemeClr>
-                              </a:solidFill>
-                              <a:latin typeface="Cambria Math" panose="02040503050406030204" pitchFamily="18" charset="0"/>
-                            </a:rPr>
-                            <m:t>2</m:t>
-                          </m:r>
-                        </m:sub>
-                      </m:sSub>
-                      <m:r>
-                        <a:rPr lang="en-US" sz="1400" i="1">
-                          <a:solidFill>
-                            <a:schemeClr val="bg2">
-                              <a:lumMod val="50000"/>
-                            </a:schemeClr>
-                          </a:solidFill>
-                          <a:latin typeface="Cambria Math" panose="02040503050406030204" pitchFamily="18" charset="0"/>
-                        </a:rPr>
-                        <m:t>=</m:t>
-                      </m:r>
-                      <m:r>
-                        <a:rPr lang="en-US" sz="1400" i="1">
-                          <a:solidFill>
-                            <a:schemeClr val="bg2">
-                              <a:lumMod val="50000"/>
-                            </a:schemeClr>
-                          </a:solidFill>
-                          <a:latin typeface="Cambria Math" panose="02040503050406030204" pitchFamily="18" charset="0"/>
-                        </a:rPr>
-                        <m:t>10010111</m:t>
-                      </m:r>
-                      <m:r>
-                        <a:rPr lang="en-US" sz="1400" i="1">
-                          <a:solidFill>
-                            <a:schemeClr val="bg2">
-                              <a:lumMod val="50000"/>
-                            </a:schemeClr>
-                          </a:solidFill>
-                          <a:latin typeface="Cambria Math" panose="02040503050406030204" pitchFamily="18" charset="0"/>
-                        </a:rPr>
-                        <m:t>=</m:t>
-                      </m:r>
-                      <m:r>
-                        <a:rPr lang="en-US" sz="1400" i="1">
-                          <a:solidFill>
-                            <a:schemeClr val="bg2">
-                              <a:lumMod val="50000"/>
-                            </a:schemeClr>
-                          </a:solidFill>
-                          <a:latin typeface="Cambria Math" panose="02040503050406030204" pitchFamily="18" charset="0"/>
-                        </a:rPr>
-                        <m:t>1</m:t>
-                      </m:r>
-                      <m:r>
-                        <a:rPr lang="en-US" sz="1400" i="1">
-                          <a:solidFill>
-                            <a:schemeClr val="bg2">
-                              <a:lumMod val="50000"/>
-                            </a:schemeClr>
-                          </a:solidFill>
-                          <a:latin typeface="Cambria Math" panose="02040503050406030204" pitchFamily="18" charset="0"/>
-                        </a:rPr>
-                        <m:t>∙</m:t>
-                      </m:r>
-                      <m:sSup>
-                        <m:sSupPr>
-                          <m:ctrlPr>
-                            <a:rPr lang="en-US" sz="1400" i="1">
-                              <a:solidFill>
-                                <a:schemeClr val="bg2">
-                                  <a:lumMod val="50000"/>
-                                </a:schemeClr>
-                              </a:solidFill>
-                              <a:latin typeface="Cambria Math" panose="02040503050406030204" pitchFamily="18" charset="0"/>
-                            </a:rPr>
-                          </m:ctrlPr>
-                        </m:sSupPr>
-                        <m:e>
-                          <m:r>
-                            <a:rPr lang="en-US" sz="1400" i="1">
-                              <a:solidFill>
-                                <a:schemeClr val="bg2">
-                                  <a:lumMod val="50000"/>
-                                </a:schemeClr>
-                              </a:solidFill>
-                              <a:latin typeface="Cambria Math" panose="02040503050406030204" pitchFamily="18" charset="0"/>
-                            </a:rPr>
-                            <m:t>2</m:t>
-                          </m:r>
-                        </m:e>
-                        <m:sup>
-                          <m:r>
-                            <a:rPr lang="en-US" sz="1400" i="1">
-                              <a:solidFill>
-                                <a:schemeClr val="bg2">
-                                  <a:lumMod val="50000"/>
-                                </a:schemeClr>
-                              </a:solidFill>
-                              <a:latin typeface="Cambria Math" panose="02040503050406030204" pitchFamily="18" charset="0"/>
-                            </a:rPr>
-                            <m:t>7</m:t>
-                          </m:r>
-                        </m:sup>
-                      </m:sSup>
-                      <m:r>
-                        <a:rPr lang="en-US" sz="1400" i="1">
-                          <a:solidFill>
-                            <a:schemeClr val="bg2">
-                              <a:lumMod val="50000"/>
-                            </a:schemeClr>
-                          </a:solidFill>
-                          <a:latin typeface="Cambria Math" panose="02040503050406030204" pitchFamily="18" charset="0"/>
-                        </a:rPr>
-                        <m:t>+</m:t>
-                      </m:r>
-                      <m:r>
-                        <a:rPr lang="en-US" sz="1400" i="1">
-                          <a:solidFill>
-                            <a:schemeClr val="bg2">
-                              <a:lumMod val="50000"/>
-                            </a:schemeClr>
-                          </a:solidFill>
-                          <a:latin typeface="Cambria Math" panose="02040503050406030204" pitchFamily="18" charset="0"/>
-                        </a:rPr>
-                        <m:t>0</m:t>
-                      </m:r>
-                      <m:r>
-                        <a:rPr lang="en-US" sz="1400" i="1">
-                          <a:solidFill>
-                            <a:schemeClr val="bg2">
-                              <a:lumMod val="50000"/>
-                            </a:schemeClr>
-                          </a:solidFill>
-                          <a:latin typeface="Cambria Math" panose="02040503050406030204" pitchFamily="18" charset="0"/>
-                        </a:rPr>
-                        <m:t>∙</m:t>
-                      </m:r>
-                      <m:sSup>
-                        <m:sSupPr>
-                          <m:ctrlPr>
-                            <a:rPr lang="en-US" sz="1400" i="1">
-                              <a:solidFill>
-                                <a:schemeClr val="bg2">
-                                  <a:lumMod val="50000"/>
-                                </a:schemeClr>
-                              </a:solidFill>
-                              <a:latin typeface="Cambria Math" panose="02040503050406030204" pitchFamily="18" charset="0"/>
-                            </a:rPr>
-                          </m:ctrlPr>
-                        </m:sSupPr>
-                        <m:e>
-                          <m:r>
-                            <a:rPr lang="en-US" sz="1400" i="1">
-                              <a:solidFill>
-                                <a:schemeClr val="bg2">
-                                  <a:lumMod val="50000"/>
-                                </a:schemeClr>
-                              </a:solidFill>
-                              <a:latin typeface="Cambria Math" panose="02040503050406030204" pitchFamily="18" charset="0"/>
-                            </a:rPr>
-                            <m:t>2</m:t>
-                          </m:r>
-                        </m:e>
-                        <m:sup>
-                          <m:r>
-                            <a:rPr lang="en-US" sz="1400" i="1">
-                              <a:solidFill>
-                                <a:schemeClr val="bg2">
-                                  <a:lumMod val="50000"/>
-                                </a:schemeClr>
-                              </a:solidFill>
-                              <a:latin typeface="Cambria Math" panose="02040503050406030204" pitchFamily="18" charset="0"/>
-                            </a:rPr>
-                            <m:t>6</m:t>
-                          </m:r>
-                        </m:sup>
-                      </m:sSup>
-                      <m:r>
-                        <a:rPr lang="en-US" sz="1400" i="1">
-                          <a:solidFill>
-                            <a:schemeClr val="bg2">
-                              <a:lumMod val="50000"/>
-                            </a:schemeClr>
-                          </a:solidFill>
-                          <a:latin typeface="Cambria Math" panose="02040503050406030204" pitchFamily="18" charset="0"/>
-                        </a:rPr>
-                        <m:t>+</m:t>
-                      </m:r>
-                      <m:r>
-                        <a:rPr lang="en-US" sz="1400" i="1">
-                          <a:solidFill>
-                            <a:schemeClr val="bg2">
-                              <a:lumMod val="50000"/>
-                            </a:schemeClr>
-                          </a:solidFill>
-                          <a:latin typeface="Cambria Math" panose="02040503050406030204" pitchFamily="18" charset="0"/>
-                        </a:rPr>
-                        <m:t>0</m:t>
-                      </m:r>
-                      <m:r>
-                        <a:rPr lang="en-US" sz="1400" i="1">
-                          <a:solidFill>
-                            <a:schemeClr val="bg2">
-                              <a:lumMod val="50000"/>
-                            </a:schemeClr>
-                          </a:solidFill>
-                          <a:latin typeface="Cambria Math" panose="02040503050406030204" pitchFamily="18" charset="0"/>
-                        </a:rPr>
-                        <m:t>∙</m:t>
-                      </m:r>
-                      <m:sSup>
-                        <m:sSupPr>
-                          <m:ctrlPr>
-                            <a:rPr lang="en-US" sz="1400" i="1">
-                              <a:solidFill>
-                                <a:schemeClr val="bg2">
-                                  <a:lumMod val="50000"/>
-                                </a:schemeClr>
-                              </a:solidFill>
-                              <a:latin typeface="Cambria Math" panose="02040503050406030204" pitchFamily="18" charset="0"/>
-                            </a:rPr>
-                          </m:ctrlPr>
-                        </m:sSupPr>
-                        <m:e>
-                          <m:r>
-                            <a:rPr lang="en-US" sz="1400" i="1">
-                              <a:solidFill>
-                                <a:schemeClr val="bg2">
-                                  <a:lumMod val="50000"/>
-                                </a:schemeClr>
-                              </a:solidFill>
-                              <a:latin typeface="Cambria Math" panose="02040503050406030204" pitchFamily="18" charset="0"/>
-                            </a:rPr>
-                            <m:t>2</m:t>
-                          </m:r>
-                        </m:e>
-                        <m:sup>
-                          <m:r>
-                            <a:rPr lang="en-US" sz="1400" i="1">
-                              <a:solidFill>
-                                <a:schemeClr val="bg2">
-                                  <a:lumMod val="50000"/>
-                                </a:schemeClr>
-                              </a:solidFill>
-                              <a:latin typeface="Cambria Math" panose="02040503050406030204" pitchFamily="18" charset="0"/>
-                            </a:rPr>
-                            <m:t>5</m:t>
-                          </m:r>
-                        </m:sup>
-                      </m:sSup>
-                      <m:r>
-                        <a:rPr lang="en-US" sz="1400" i="1">
-                          <a:solidFill>
-                            <a:schemeClr val="bg2">
-                              <a:lumMod val="50000"/>
-                            </a:schemeClr>
-                          </a:solidFill>
-                          <a:latin typeface="Cambria Math" panose="02040503050406030204" pitchFamily="18" charset="0"/>
-                        </a:rPr>
-                        <m:t>+</m:t>
-                      </m:r>
-                      <m:r>
-                        <a:rPr lang="en-US" sz="1400" i="1">
-                          <a:solidFill>
-                            <a:schemeClr val="bg2">
-                              <a:lumMod val="50000"/>
-                            </a:schemeClr>
-                          </a:solidFill>
-                          <a:latin typeface="Cambria Math" panose="02040503050406030204" pitchFamily="18" charset="0"/>
-                        </a:rPr>
-                        <m:t>1</m:t>
-                      </m:r>
-                      <m:r>
-                        <a:rPr lang="en-US" sz="1400" i="1">
-                          <a:solidFill>
-                            <a:schemeClr val="bg2">
-                              <a:lumMod val="50000"/>
-                            </a:schemeClr>
-                          </a:solidFill>
-                          <a:latin typeface="Cambria Math" panose="02040503050406030204" pitchFamily="18" charset="0"/>
-                        </a:rPr>
-                        <m:t>∙</m:t>
-                      </m:r>
-                      <m:sSup>
-                        <m:sSupPr>
-                          <m:ctrlPr>
-                            <a:rPr lang="en-US" sz="1400" i="1">
-                              <a:solidFill>
-                                <a:schemeClr val="bg2">
-                                  <a:lumMod val="50000"/>
-                                </a:schemeClr>
-                              </a:solidFill>
-                              <a:latin typeface="Cambria Math" panose="02040503050406030204" pitchFamily="18" charset="0"/>
-                            </a:rPr>
-                          </m:ctrlPr>
-                        </m:sSupPr>
-                        <m:e>
-                          <m:r>
-                            <a:rPr lang="en-US" sz="1400" i="1">
-                              <a:solidFill>
-                                <a:schemeClr val="bg2">
-                                  <a:lumMod val="50000"/>
-                                </a:schemeClr>
-                              </a:solidFill>
-                              <a:latin typeface="Cambria Math" panose="02040503050406030204" pitchFamily="18" charset="0"/>
-                            </a:rPr>
-                            <m:t>2</m:t>
-                          </m:r>
-                        </m:e>
-                        <m:sup>
-                          <m:r>
-                            <a:rPr lang="en-US" sz="1400" i="1">
-                              <a:solidFill>
-                                <a:schemeClr val="bg2">
-                                  <a:lumMod val="50000"/>
-                                </a:schemeClr>
-                              </a:solidFill>
-                              <a:latin typeface="Cambria Math" panose="02040503050406030204" pitchFamily="18" charset="0"/>
-                            </a:rPr>
-                            <m:t>4</m:t>
-                          </m:r>
-                        </m:sup>
-                      </m:sSup>
-                      <m:r>
-                        <a:rPr lang="en-US" sz="1400" i="1">
-                          <a:solidFill>
-                            <a:schemeClr val="bg2">
-                              <a:lumMod val="50000"/>
-                            </a:schemeClr>
-                          </a:solidFill>
-                          <a:latin typeface="Cambria Math" panose="02040503050406030204" pitchFamily="18" charset="0"/>
-                        </a:rPr>
-                        <m:t>+</m:t>
-                      </m:r>
-                      <m:r>
-                        <a:rPr lang="en-US" sz="1400" i="1">
-                          <a:solidFill>
-                            <a:schemeClr val="bg2">
-                              <a:lumMod val="50000"/>
-                            </a:schemeClr>
-                          </a:solidFill>
-                          <a:latin typeface="Cambria Math" panose="02040503050406030204" pitchFamily="18" charset="0"/>
-                        </a:rPr>
-                        <m:t>0</m:t>
-                      </m:r>
-                      <m:r>
-                        <a:rPr lang="en-US" sz="1400" i="1">
-                          <a:solidFill>
-                            <a:schemeClr val="bg2">
-                              <a:lumMod val="50000"/>
-                            </a:schemeClr>
-                          </a:solidFill>
-                          <a:latin typeface="Cambria Math" panose="02040503050406030204" pitchFamily="18" charset="0"/>
-                        </a:rPr>
-                        <m:t>∙</m:t>
-                      </m:r>
-                      <m:sSup>
-                        <m:sSupPr>
-                          <m:ctrlPr>
-                            <a:rPr lang="en-US" sz="1400" i="1">
-                              <a:solidFill>
-                                <a:schemeClr val="bg2">
-                                  <a:lumMod val="50000"/>
-                                </a:schemeClr>
-                              </a:solidFill>
-                              <a:latin typeface="Cambria Math" panose="02040503050406030204" pitchFamily="18" charset="0"/>
-                            </a:rPr>
-                          </m:ctrlPr>
-                        </m:sSupPr>
-                        <m:e>
-                          <m:r>
-                            <a:rPr lang="en-US" sz="1400" i="1">
-                              <a:solidFill>
-                                <a:schemeClr val="bg2">
-                                  <a:lumMod val="50000"/>
-                                </a:schemeClr>
-                              </a:solidFill>
-                              <a:latin typeface="Cambria Math" panose="02040503050406030204" pitchFamily="18" charset="0"/>
-                            </a:rPr>
-                            <m:t>2</m:t>
-                          </m:r>
-                        </m:e>
-                        <m:sup>
-                          <m:r>
-                            <a:rPr lang="en-US" sz="1400" i="1">
-                              <a:solidFill>
-                                <a:schemeClr val="bg2">
-                                  <a:lumMod val="50000"/>
-                                </a:schemeClr>
-                              </a:solidFill>
-                              <a:latin typeface="Cambria Math" panose="02040503050406030204" pitchFamily="18" charset="0"/>
-                            </a:rPr>
-                            <m:t>3</m:t>
-                          </m:r>
-                        </m:sup>
-                      </m:sSup>
-                      <m:r>
-                        <a:rPr lang="en-US" sz="1400" i="1">
-                          <a:solidFill>
-                            <a:schemeClr val="bg2">
-                              <a:lumMod val="50000"/>
-                            </a:schemeClr>
-                          </a:solidFill>
-                          <a:latin typeface="Cambria Math" panose="02040503050406030204" pitchFamily="18" charset="0"/>
-                        </a:rPr>
-                        <m:t>+</m:t>
-                      </m:r>
-                      <m:r>
-                        <a:rPr lang="en-US" sz="1400" i="1">
-                          <a:solidFill>
-                            <a:schemeClr val="bg2">
-                              <a:lumMod val="50000"/>
-                            </a:schemeClr>
-                          </a:solidFill>
-                          <a:latin typeface="Cambria Math" panose="02040503050406030204" pitchFamily="18" charset="0"/>
-                        </a:rPr>
-                        <m:t>1</m:t>
-                      </m:r>
-                      <m:r>
-                        <a:rPr lang="en-US" sz="1400" i="1">
-                          <a:solidFill>
-                            <a:schemeClr val="bg2">
-                              <a:lumMod val="50000"/>
-                            </a:schemeClr>
-                          </a:solidFill>
-                          <a:latin typeface="Cambria Math" panose="02040503050406030204" pitchFamily="18" charset="0"/>
-                        </a:rPr>
-                        <m:t>∙</m:t>
-                      </m:r>
-                      <m:sSup>
-                        <m:sSupPr>
-                          <m:ctrlPr>
-                            <a:rPr lang="en-US" sz="1400" i="1">
-                              <a:solidFill>
-                                <a:schemeClr val="bg2">
-                                  <a:lumMod val="50000"/>
-                                </a:schemeClr>
-                              </a:solidFill>
-                              <a:latin typeface="Cambria Math" panose="02040503050406030204" pitchFamily="18" charset="0"/>
-                            </a:rPr>
-                          </m:ctrlPr>
-                        </m:sSupPr>
-                        <m:e>
-                          <m:r>
-                            <a:rPr lang="en-US" sz="1400" i="1">
-                              <a:solidFill>
-                                <a:schemeClr val="bg2">
-                                  <a:lumMod val="50000"/>
-                                </a:schemeClr>
-                              </a:solidFill>
-                              <a:latin typeface="Cambria Math" panose="02040503050406030204" pitchFamily="18" charset="0"/>
-                            </a:rPr>
-                            <m:t>2</m:t>
-                          </m:r>
-                        </m:e>
-                        <m:sup>
-                          <m:r>
-                            <a:rPr lang="en-US" sz="1400" i="1">
-                              <a:solidFill>
-                                <a:schemeClr val="bg2">
-                                  <a:lumMod val="50000"/>
-                                </a:schemeClr>
-                              </a:solidFill>
-                              <a:latin typeface="Cambria Math" panose="02040503050406030204" pitchFamily="18" charset="0"/>
-                            </a:rPr>
-                            <m:t>2</m:t>
-                          </m:r>
-                        </m:sup>
-                      </m:sSup>
-                      <m:r>
-                        <a:rPr lang="en-US" sz="1400" i="1">
-                          <a:solidFill>
-                            <a:schemeClr val="bg2">
-                              <a:lumMod val="50000"/>
-                            </a:schemeClr>
-                          </a:solidFill>
-                          <a:latin typeface="Cambria Math" panose="02040503050406030204" pitchFamily="18" charset="0"/>
-                        </a:rPr>
-                        <m:t>+</m:t>
-                      </m:r>
-                      <m:r>
-                        <a:rPr lang="en-US" sz="1400" i="1">
-                          <a:solidFill>
-                            <a:schemeClr val="bg2">
-                              <a:lumMod val="50000"/>
-                            </a:schemeClr>
-                          </a:solidFill>
-                          <a:latin typeface="Cambria Math" panose="02040503050406030204" pitchFamily="18" charset="0"/>
-                        </a:rPr>
-                        <m:t>1</m:t>
-                      </m:r>
-                      <m:r>
-                        <a:rPr lang="en-US" sz="1400" i="1">
-                          <a:solidFill>
-                            <a:schemeClr val="bg2">
-                              <a:lumMod val="50000"/>
-                            </a:schemeClr>
-                          </a:solidFill>
-                          <a:latin typeface="Cambria Math" panose="02040503050406030204" pitchFamily="18" charset="0"/>
-                        </a:rPr>
-                        <m:t>∙</m:t>
-                      </m:r>
-                      <m:sSup>
-                        <m:sSupPr>
-                          <m:ctrlPr>
-                            <a:rPr lang="en-US" sz="1400" i="1">
-                              <a:solidFill>
-                                <a:schemeClr val="bg2">
-                                  <a:lumMod val="50000"/>
-                                </a:schemeClr>
-                              </a:solidFill>
-                              <a:latin typeface="Cambria Math" panose="02040503050406030204" pitchFamily="18" charset="0"/>
-                            </a:rPr>
-                          </m:ctrlPr>
-                        </m:sSupPr>
-                        <m:e>
-                          <m:r>
-                            <a:rPr lang="en-US" sz="1400" i="1">
-                              <a:solidFill>
-                                <a:schemeClr val="bg2">
-                                  <a:lumMod val="50000"/>
-                                </a:schemeClr>
-                              </a:solidFill>
-                              <a:latin typeface="Cambria Math" panose="02040503050406030204" pitchFamily="18" charset="0"/>
-                            </a:rPr>
-                            <m:t>2</m:t>
-                          </m:r>
-                        </m:e>
-                        <m:sup>
-                          <m:r>
-                            <a:rPr lang="en-US" sz="1400" i="1">
-                              <a:solidFill>
-                                <a:schemeClr val="bg2">
-                                  <a:lumMod val="50000"/>
-                                </a:schemeClr>
-                              </a:solidFill>
-                              <a:latin typeface="Cambria Math" panose="02040503050406030204" pitchFamily="18" charset="0"/>
-                            </a:rPr>
-                            <m:t>1</m:t>
-                          </m:r>
-                        </m:sup>
-                      </m:sSup>
-                      <m:r>
-                        <a:rPr lang="en-US" sz="1400" i="1">
-                          <a:solidFill>
-                            <a:schemeClr val="bg2">
-                              <a:lumMod val="50000"/>
-                            </a:schemeClr>
-                          </a:solidFill>
-                          <a:latin typeface="Cambria Math" panose="02040503050406030204" pitchFamily="18" charset="0"/>
-                        </a:rPr>
-                        <m:t>+</m:t>
-                      </m:r>
-                      <m:r>
-                        <a:rPr lang="en-US" sz="1400" i="1">
-                          <a:solidFill>
-                            <a:schemeClr val="bg2">
-                              <a:lumMod val="50000"/>
-                            </a:schemeClr>
-                          </a:solidFill>
-                          <a:latin typeface="Cambria Math" panose="02040503050406030204" pitchFamily="18" charset="0"/>
-                        </a:rPr>
-                        <m:t>1</m:t>
-                      </m:r>
-                      <m:r>
-                        <a:rPr lang="en-US" sz="1400" i="1">
-                          <a:solidFill>
-                            <a:schemeClr val="bg2">
-                              <a:lumMod val="50000"/>
-                            </a:schemeClr>
-                          </a:solidFill>
-                          <a:latin typeface="Cambria Math" panose="02040503050406030204" pitchFamily="18" charset="0"/>
-                        </a:rPr>
-                        <m:t>∙</m:t>
-                      </m:r>
-                      <m:sSup>
-                        <m:sSupPr>
-                          <m:ctrlPr>
-                            <a:rPr lang="en-US" sz="1400" i="1">
-                              <a:solidFill>
-                                <a:schemeClr val="bg2">
-                                  <a:lumMod val="50000"/>
-                                </a:schemeClr>
-                              </a:solidFill>
-                              <a:latin typeface="Cambria Math" panose="02040503050406030204" pitchFamily="18" charset="0"/>
-                            </a:rPr>
-                          </m:ctrlPr>
-                        </m:sSupPr>
-                        <m:e>
-                          <m:r>
-                            <a:rPr lang="en-US" sz="1400" i="1">
-                              <a:solidFill>
-                                <a:schemeClr val="bg2">
-                                  <a:lumMod val="50000"/>
-                                </a:schemeClr>
-                              </a:solidFill>
-                              <a:latin typeface="Cambria Math" panose="02040503050406030204" pitchFamily="18" charset="0"/>
-                            </a:rPr>
-                            <m:t>2</m:t>
-                          </m:r>
-                        </m:e>
-                        <m:sup>
-                          <m:r>
-                            <a:rPr lang="en-US" sz="1400" i="1">
-                              <a:solidFill>
-                                <a:schemeClr val="bg2">
-                                  <a:lumMod val="50000"/>
-                                </a:schemeClr>
-                              </a:solidFill>
-                              <a:latin typeface="Cambria Math" panose="02040503050406030204" pitchFamily="18" charset="0"/>
-                            </a:rPr>
-                            <m:t>0</m:t>
-                          </m:r>
-                        </m:sup>
-                      </m:sSup>
-                      <m:r>
-                        <a:rPr lang="en-US" sz="1400" i="1">
-                          <a:solidFill>
-                            <a:schemeClr val="bg2">
-                              <a:lumMod val="50000"/>
-                            </a:schemeClr>
-                          </a:solidFill>
-                          <a:latin typeface="Cambria Math" panose="02040503050406030204" pitchFamily="18" charset="0"/>
-                        </a:rPr>
-                        <m:t>=</m:t>
-                      </m:r>
-                      <m:sSup>
-                        <m:sSupPr>
-                          <m:ctrlPr>
-                            <a:rPr lang="en-US" sz="1400" i="1">
-                              <a:solidFill>
-                                <a:schemeClr val="bg2">
-                                  <a:lumMod val="50000"/>
-                                </a:schemeClr>
-                              </a:solidFill>
-                              <a:latin typeface="Cambria Math" panose="02040503050406030204" pitchFamily="18" charset="0"/>
-                            </a:rPr>
-                          </m:ctrlPr>
-                        </m:sSupPr>
-                        <m:e>
-                          <m:r>
-                            <a:rPr lang="en-US" sz="1400" i="1">
-                              <a:solidFill>
-                                <a:schemeClr val="bg2">
-                                  <a:lumMod val="50000"/>
-                                </a:schemeClr>
-                              </a:solidFill>
-                              <a:latin typeface="Cambria Math" panose="02040503050406030204" pitchFamily="18" charset="0"/>
-                            </a:rPr>
-                            <m:t>2</m:t>
-                          </m:r>
-                        </m:e>
-                        <m:sup>
-                          <m:r>
-                            <a:rPr lang="en-US" sz="1400" i="1">
-                              <a:solidFill>
-                                <a:schemeClr val="bg2">
-                                  <a:lumMod val="50000"/>
-                                </a:schemeClr>
-                              </a:solidFill>
-                              <a:latin typeface="Cambria Math" panose="02040503050406030204" pitchFamily="18" charset="0"/>
-                            </a:rPr>
-                            <m:t>7</m:t>
-                          </m:r>
-                        </m:sup>
-                      </m:sSup>
-                      <m:r>
-                        <a:rPr lang="en-US" sz="1400" i="1">
-                          <a:solidFill>
-                            <a:schemeClr val="bg2">
-                              <a:lumMod val="50000"/>
-                            </a:schemeClr>
-                          </a:solidFill>
-                          <a:latin typeface="Cambria Math" panose="02040503050406030204" pitchFamily="18" charset="0"/>
-                        </a:rPr>
-                        <m:t>+</m:t>
-                      </m:r>
-                      <m:sSup>
-                        <m:sSupPr>
-                          <m:ctrlPr>
-                            <a:rPr lang="en-US" sz="1400" i="1">
-                              <a:solidFill>
-                                <a:schemeClr val="bg2">
-                                  <a:lumMod val="50000"/>
-                                </a:schemeClr>
-                              </a:solidFill>
-                              <a:latin typeface="Cambria Math" panose="02040503050406030204" pitchFamily="18" charset="0"/>
-                            </a:rPr>
-                          </m:ctrlPr>
-                        </m:sSupPr>
-                        <m:e>
-                          <m:r>
-                            <a:rPr lang="en-US" sz="1400" i="1">
-                              <a:solidFill>
-                                <a:schemeClr val="bg2">
-                                  <a:lumMod val="50000"/>
-                                </a:schemeClr>
-                              </a:solidFill>
-                              <a:latin typeface="Cambria Math" panose="02040503050406030204" pitchFamily="18" charset="0"/>
-                            </a:rPr>
-                            <m:t>2</m:t>
-                          </m:r>
-                        </m:e>
-                        <m:sup>
-                          <m:r>
-                            <a:rPr lang="en-US" sz="1400" i="1">
-                              <a:solidFill>
-                                <a:schemeClr val="bg2">
-                                  <a:lumMod val="50000"/>
-                                </a:schemeClr>
-                              </a:solidFill>
-                              <a:latin typeface="Cambria Math" panose="02040503050406030204" pitchFamily="18" charset="0"/>
-                            </a:rPr>
-                            <m:t>4</m:t>
-                          </m:r>
-                        </m:sup>
-                      </m:sSup>
-                      <m:r>
-                        <a:rPr lang="en-US" sz="1400" i="1">
-                          <a:solidFill>
-                            <a:schemeClr val="bg2">
-                              <a:lumMod val="50000"/>
-                            </a:schemeClr>
-                          </a:solidFill>
-                          <a:latin typeface="Cambria Math" panose="02040503050406030204" pitchFamily="18" charset="0"/>
-                        </a:rPr>
-                        <m:t>+</m:t>
-                      </m:r>
-                      <m:sSup>
-                        <m:sSupPr>
-                          <m:ctrlPr>
-                            <a:rPr lang="en-US" sz="1400" i="1">
-                              <a:solidFill>
-                                <a:schemeClr val="bg2">
-                                  <a:lumMod val="50000"/>
-                                </a:schemeClr>
-                              </a:solidFill>
-                              <a:latin typeface="Cambria Math" panose="02040503050406030204" pitchFamily="18" charset="0"/>
-                            </a:rPr>
-                          </m:ctrlPr>
-                        </m:sSupPr>
-                        <m:e>
-                          <m:r>
-                            <a:rPr lang="en-US" sz="1400" i="1">
-                              <a:solidFill>
-                                <a:schemeClr val="bg2">
-                                  <a:lumMod val="50000"/>
-                                </a:schemeClr>
-                              </a:solidFill>
-                              <a:latin typeface="Cambria Math" panose="02040503050406030204" pitchFamily="18" charset="0"/>
-                            </a:rPr>
-                            <m:t>2</m:t>
-                          </m:r>
-                        </m:e>
-                        <m:sup>
-                          <m:r>
-                            <a:rPr lang="en-US" sz="1400" i="1">
-                              <a:solidFill>
-                                <a:schemeClr val="bg2">
-                                  <a:lumMod val="50000"/>
-                                </a:schemeClr>
-                              </a:solidFill>
-                              <a:latin typeface="Cambria Math" panose="02040503050406030204" pitchFamily="18" charset="0"/>
-                            </a:rPr>
-                            <m:t>2</m:t>
-                          </m:r>
-                        </m:sup>
-                      </m:sSup>
-                      <m:r>
-                        <a:rPr lang="en-US" sz="1400" i="1">
-                          <a:solidFill>
-                            <a:schemeClr val="bg2">
-                              <a:lumMod val="50000"/>
-                            </a:schemeClr>
-                          </a:solidFill>
-                          <a:latin typeface="Cambria Math" panose="02040503050406030204" pitchFamily="18" charset="0"/>
-                        </a:rPr>
-                        <m:t>+</m:t>
-                      </m:r>
-                      <m:sSup>
-                        <m:sSupPr>
-                          <m:ctrlPr>
-                            <a:rPr lang="en-US" sz="1400" i="1">
-                              <a:solidFill>
-                                <a:schemeClr val="bg2">
-                                  <a:lumMod val="50000"/>
-                                </a:schemeClr>
-                              </a:solidFill>
-                              <a:latin typeface="Cambria Math" panose="02040503050406030204" pitchFamily="18" charset="0"/>
-                            </a:rPr>
-                          </m:ctrlPr>
-                        </m:sSupPr>
-                        <m:e>
-                          <m:r>
-                            <a:rPr lang="en-US" sz="1400" i="1">
-                              <a:solidFill>
-                                <a:schemeClr val="bg2">
-                                  <a:lumMod val="50000"/>
-                                </a:schemeClr>
-                              </a:solidFill>
-                              <a:latin typeface="Cambria Math" panose="02040503050406030204" pitchFamily="18" charset="0"/>
-                            </a:rPr>
-                            <m:t>2</m:t>
-                          </m:r>
-                        </m:e>
-                        <m:sup>
-                          <m:r>
-                            <a:rPr lang="en-US" sz="1400" i="1">
-                              <a:solidFill>
-                                <a:schemeClr val="bg2">
-                                  <a:lumMod val="50000"/>
-                                </a:schemeClr>
-                              </a:solidFill>
-                              <a:latin typeface="Cambria Math" panose="02040503050406030204" pitchFamily="18" charset="0"/>
-                            </a:rPr>
-                            <m:t>1</m:t>
-                          </m:r>
-                        </m:sup>
-                      </m:sSup>
-                      <m:r>
-                        <a:rPr lang="en-US" sz="1400" i="1">
-                          <a:solidFill>
-                            <a:schemeClr val="bg2">
-                              <a:lumMod val="50000"/>
-                            </a:schemeClr>
-                          </a:solidFill>
-                          <a:latin typeface="Cambria Math" panose="02040503050406030204" pitchFamily="18" charset="0"/>
-                        </a:rPr>
-                        <m:t>+</m:t>
-                      </m:r>
-                      <m:sSup>
-                        <m:sSupPr>
-                          <m:ctrlPr>
-                            <a:rPr lang="en-US" sz="1400" i="1">
-                              <a:solidFill>
-                                <a:schemeClr val="bg2">
-                                  <a:lumMod val="50000"/>
-                                </a:schemeClr>
-                              </a:solidFill>
-                              <a:latin typeface="Cambria Math" panose="02040503050406030204" pitchFamily="18" charset="0"/>
-                            </a:rPr>
-                          </m:ctrlPr>
-                        </m:sSupPr>
-                        <m:e>
-                          <m:r>
-                            <a:rPr lang="en-US" sz="1400" i="1">
-                              <a:solidFill>
-                                <a:schemeClr val="bg2">
-                                  <a:lumMod val="50000"/>
-                                </a:schemeClr>
-                              </a:solidFill>
-                              <a:latin typeface="Cambria Math" panose="02040503050406030204" pitchFamily="18" charset="0"/>
-                            </a:rPr>
-                            <m:t>2</m:t>
-                          </m:r>
-                        </m:e>
-                        <m:sup>
-                          <m:r>
-                            <a:rPr lang="en-US" sz="1400" i="1">
-                              <a:solidFill>
-                                <a:schemeClr val="bg2">
-                                  <a:lumMod val="50000"/>
-                                </a:schemeClr>
-                              </a:solidFill>
-                              <a:latin typeface="Cambria Math" panose="02040503050406030204" pitchFamily="18" charset="0"/>
-                            </a:rPr>
-                            <m:t>0</m:t>
-                          </m:r>
-                        </m:sup>
-                      </m:sSup>
-                    </m:oMath>
-                  </m:oMathPara>
-                </a14:m>
-                <a:endParaRPr lang="en-US" sz="1400" dirty="0">
-                  <a:solidFill>
-                    <a:schemeClr val="bg2">
-                      <a:lumMod val="50000"/>
-                    </a:schemeClr>
-                  </a:solidFill>
-                </a:endParaRPr>
-              </a:p>
-              <a:p>
-                <a:pPr marL="457200" lvl="1" indent="0" algn="l" rtl="0">
-                  <a:buNone/>
-                </a:pPr>
-                <a:endParaRPr lang="en-US" sz="1400" dirty="0">
-                  <a:solidFill>
-                    <a:schemeClr val="bg2">
-                      <a:lumMod val="50000"/>
-                    </a:schemeClr>
-                  </a:solidFill>
-                </a:endParaRPr>
-              </a:p>
-              <a:p>
-                <a:pPr marL="457200" lvl="1" indent="0" algn="l" rtl="0">
-                  <a:buNone/>
-                </a:pPr>
-                <a:r>
-                  <a:rPr lang="en-US" sz="1400" dirty="0">
-                    <a:solidFill>
-                      <a:schemeClr val="bg2">
-                        <a:lumMod val="50000"/>
-                      </a:schemeClr>
-                    </a:solidFill>
-                  </a:rPr>
-                  <a:t>Therefore:</a:t>
-                </a:r>
-              </a:p>
-              <a:p>
-                <a:pPr marL="457200" lvl="1" indent="0" algn="l" rtl="0">
-                  <a:buNone/>
-                </a:pPr>
-                <a:r>
-                  <a:rPr lang="en-US" sz="1400" b="0" dirty="0">
-                    <a:solidFill>
-                      <a:schemeClr val="bg2">
-                        <a:lumMod val="50000"/>
-                      </a:schemeClr>
-                    </a:solidFill>
-                  </a:rPr>
-                  <a:t>	</a:t>
-                </a:r>
-                <a14:m>
-                  <m:oMath xmlns:m="http://schemas.openxmlformats.org/officeDocument/2006/math">
-                    <m:r>
-                      <a:rPr lang="en-US" sz="1400" b="0" i="1" smtClean="0">
-                        <a:solidFill>
-                          <a:schemeClr val="bg2">
-                            <a:lumMod val="50000"/>
-                          </a:schemeClr>
-                        </a:solidFill>
-                        <a:latin typeface="Cambria Math" panose="02040503050406030204" pitchFamily="18" charset="0"/>
-                      </a:rPr>
-                      <m:t>151</m:t>
-                    </m:r>
-                    <m:r>
-                      <a:rPr lang="en-US" sz="1400" b="0" i="1" smtClean="0">
-                        <a:solidFill>
-                          <a:schemeClr val="bg2">
-                            <a:lumMod val="50000"/>
-                          </a:schemeClr>
-                        </a:solidFill>
-                        <a:latin typeface="Cambria Math" panose="02040503050406030204" pitchFamily="18" charset="0"/>
-                      </a:rPr>
-                      <m:t>∙</m:t>
-                    </m:r>
-                    <m:r>
-                      <a:rPr lang="en-US" sz="1400" b="0" i="1" smtClean="0">
-                        <a:solidFill>
-                          <a:schemeClr val="bg2">
-                            <a:lumMod val="50000"/>
-                          </a:schemeClr>
-                        </a:solidFill>
-                        <a:latin typeface="Cambria Math" panose="02040503050406030204" pitchFamily="18" charset="0"/>
-                      </a:rPr>
-                      <m:t>𝑃</m:t>
-                    </m:r>
-                    <m:r>
-                      <a:rPr lang="en-US" sz="1400" b="0" i="1" smtClean="0">
-                        <a:solidFill>
-                          <a:schemeClr val="bg2">
-                            <a:lumMod val="50000"/>
-                          </a:schemeClr>
-                        </a:solidFill>
-                        <a:latin typeface="Cambria Math" panose="02040503050406030204" pitchFamily="18" charset="0"/>
-                      </a:rPr>
-                      <m:t>=</m:t>
-                    </m:r>
-                    <m:sSup>
-                      <m:sSupPr>
-                        <m:ctrlPr>
-                          <a:rPr lang="en-US" sz="1400" b="0" i="1" smtClean="0">
-                            <a:solidFill>
-                              <a:schemeClr val="bg2">
-                                <a:lumMod val="50000"/>
-                              </a:schemeClr>
-                            </a:solidFill>
-                            <a:latin typeface="Cambria Math" panose="02040503050406030204" pitchFamily="18" charset="0"/>
-                          </a:rPr>
-                        </m:ctrlPr>
-                      </m:sSupPr>
-                      <m:e>
-                        <m:r>
-                          <a:rPr lang="en-US" sz="1400" b="0" i="1" smtClean="0">
-                            <a:solidFill>
-                              <a:schemeClr val="bg2">
-                                <a:lumMod val="50000"/>
-                              </a:schemeClr>
-                            </a:solidFill>
-                            <a:latin typeface="Cambria Math" panose="02040503050406030204" pitchFamily="18" charset="0"/>
-                          </a:rPr>
-                          <m:t>2</m:t>
-                        </m:r>
-                      </m:e>
-                      <m:sup>
-                        <m:r>
-                          <a:rPr lang="en-US" sz="1400" b="0" i="1" smtClean="0">
-                            <a:solidFill>
-                              <a:schemeClr val="bg2">
-                                <a:lumMod val="50000"/>
-                              </a:schemeClr>
-                            </a:solidFill>
-                            <a:latin typeface="Cambria Math" panose="02040503050406030204" pitchFamily="18" charset="0"/>
-                          </a:rPr>
-                          <m:t>7</m:t>
-                        </m:r>
-                      </m:sup>
-                    </m:sSup>
-                    <m:r>
-                      <a:rPr lang="en-US" sz="1400" b="0" i="1" smtClean="0">
-                        <a:solidFill>
-                          <a:schemeClr val="bg2">
-                            <a:lumMod val="50000"/>
-                          </a:schemeClr>
-                        </a:solidFill>
-                        <a:latin typeface="Cambria Math" panose="02040503050406030204" pitchFamily="18" charset="0"/>
-                      </a:rPr>
-                      <m:t>𝑃</m:t>
-                    </m:r>
-                    <m:r>
-                      <a:rPr lang="en-US" sz="1400" b="0" i="1" smtClean="0">
-                        <a:solidFill>
-                          <a:schemeClr val="bg2">
-                            <a:lumMod val="50000"/>
-                          </a:schemeClr>
-                        </a:solidFill>
-                        <a:latin typeface="Cambria Math" panose="02040503050406030204" pitchFamily="18" charset="0"/>
-                      </a:rPr>
-                      <m:t>+</m:t>
-                    </m:r>
-                    <m:sSup>
-                      <m:sSupPr>
-                        <m:ctrlPr>
-                          <a:rPr lang="en-US" sz="1400" b="0" i="1" smtClean="0">
-                            <a:solidFill>
-                              <a:schemeClr val="bg2">
-                                <a:lumMod val="50000"/>
-                              </a:schemeClr>
-                            </a:solidFill>
-                            <a:latin typeface="Cambria Math" panose="02040503050406030204" pitchFamily="18" charset="0"/>
-                          </a:rPr>
-                        </m:ctrlPr>
-                      </m:sSupPr>
-                      <m:e>
-                        <m:r>
-                          <a:rPr lang="en-US" sz="1400" b="0" i="1" smtClean="0">
-                            <a:solidFill>
-                              <a:schemeClr val="bg2">
-                                <a:lumMod val="50000"/>
-                              </a:schemeClr>
-                            </a:solidFill>
-                            <a:latin typeface="Cambria Math" panose="02040503050406030204" pitchFamily="18" charset="0"/>
-                          </a:rPr>
-                          <m:t>2</m:t>
-                        </m:r>
-                      </m:e>
-                      <m:sup>
-                        <m:r>
-                          <a:rPr lang="en-US" sz="1400" b="0" i="1" smtClean="0">
-                            <a:solidFill>
-                              <a:schemeClr val="bg2">
-                                <a:lumMod val="50000"/>
-                              </a:schemeClr>
-                            </a:solidFill>
-                            <a:latin typeface="Cambria Math" panose="02040503050406030204" pitchFamily="18" charset="0"/>
-                          </a:rPr>
-                          <m:t>4</m:t>
-                        </m:r>
-                      </m:sup>
-                    </m:sSup>
-                    <m:r>
-                      <a:rPr lang="en-US" sz="1400" b="0" i="1" smtClean="0">
-                        <a:solidFill>
-                          <a:schemeClr val="bg2">
-                            <a:lumMod val="50000"/>
-                          </a:schemeClr>
-                        </a:solidFill>
-                        <a:latin typeface="Cambria Math" panose="02040503050406030204" pitchFamily="18" charset="0"/>
-                      </a:rPr>
-                      <m:t>𝑃</m:t>
-                    </m:r>
-                    <m:r>
-                      <a:rPr lang="en-US" sz="1400" b="0" i="1" smtClean="0">
-                        <a:solidFill>
-                          <a:schemeClr val="bg2">
-                            <a:lumMod val="50000"/>
-                          </a:schemeClr>
-                        </a:solidFill>
-                        <a:latin typeface="Cambria Math" panose="02040503050406030204" pitchFamily="18" charset="0"/>
-                      </a:rPr>
-                      <m:t>+</m:t>
-                    </m:r>
-                    <m:sSup>
-                      <m:sSupPr>
-                        <m:ctrlPr>
-                          <a:rPr lang="en-US" sz="1400" b="0" i="1" smtClean="0">
-                            <a:solidFill>
-                              <a:schemeClr val="bg2">
-                                <a:lumMod val="50000"/>
-                              </a:schemeClr>
-                            </a:solidFill>
-                            <a:latin typeface="Cambria Math" panose="02040503050406030204" pitchFamily="18" charset="0"/>
-                          </a:rPr>
-                        </m:ctrlPr>
-                      </m:sSupPr>
-                      <m:e>
-                        <m:r>
-                          <a:rPr lang="en-US" sz="1400" b="0" i="1" smtClean="0">
-                            <a:solidFill>
-                              <a:schemeClr val="bg2">
-                                <a:lumMod val="50000"/>
-                              </a:schemeClr>
-                            </a:solidFill>
-                            <a:latin typeface="Cambria Math" panose="02040503050406030204" pitchFamily="18" charset="0"/>
-                          </a:rPr>
-                          <m:t>2</m:t>
-                        </m:r>
-                      </m:e>
-                      <m:sup>
-                        <m:r>
-                          <a:rPr lang="en-US" sz="1400" b="0" i="1" smtClean="0">
-                            <a:solidFill>
-                              <a:schemeClr val="bg2">
-                                <a:lumMod val="50000"/>
-                              </a:schemeClr>
-                            </a:solidFill>
-                            <a:latin typeface="Cambria Math" panose="02040503050406030204" pitchFamily="18" charset="0"/>
-                          </a:rPr>
-                          <m:t>2</m:t>
-                        </m:r>
-                      </m:sup>
-                    </m:sSup>
-                    <m:r>
-                      <a:rPr lang="en-US" sz="1400" b="0" i="1" smtClean="0">
-                        <a:solidFill>
-                          <a:schemeClr val="bg2">
-                            <a:lumMod val="50000"/>
-                          </a:schemeClr>
-                        </a:solidFill>
-                        <a:latin typeface="Cambria Math" panose="02040503050406030204" pitchFamily="18" charset="0"/>
-                      </a:rPr>
-                      <m:t>𝑃</m:t>
-                    </m:r>
-                    <m:r>
-                      <a:rPr lang="en-US" sz="1400" b="0" i="1" smtClean="0">
-                        <a:solidFill>
-                          <a:schemeClr val="bg2">
-                            <a:lumMod val="50000"/>
-                          </a:schemeClr>
-                        </a:solidFill>
-                        <a:latin typeface="Cambria Math" panose="02040503050406030204" pitchFamily="18" charset="0"/>
-                      </a:rPr>
-                      <m:t>+</m:t>
-                    </m:r>
-                    <m:sSup>
-                      <m:sSupPr>
-                        <m:ctrlPr>
-                          <a:rPr lang="en-US" sz="1400" b="0" i="1" smtClean="0">
-                            <a:solidFill>
-                              <a:schemeClr val="bg2">
-                                <a:lumMod val="50000"/>
-                              </a:schemeClr>
-                            </a:solidFill>
-                            <a:latin typeface="Cambria Math" panose="02040503050406030204" pitchFamily="18" charset="0"/>
-                          </a:rPr>
-                        </m:ctrlPr>
-                      </m:sSupPr>
-                      <m:e>
-                        <m:r>
-                          <a:rPr lang="en-US" sz="1400" b="0" i="1" smtClean="0">
-                            <a:solidFill>
-                              <a:schemeClr val="bg2">
-                                <a:lumMod val="50000"/>
-                              </a:schemeClr>
-                            </a:solidFill>
-                            <a:latin typeface="Cambria Math" panose="02040503050406030204" pitchFamily="18" charset="0"/>
-                          </a:rPr>
-                          <m:t>2</m:t>
-                        </m:r>
-                      </m:e>
-                      <m:sup>
-                        <m:r>
-                          <a:rPr lang="en-US" sz="1400" b="0" i="1" smtClean="0">
-                            <a:solidFill>
-                              <a:schemeClr val="bg2">
-                                <a:lumMod val="50000"/>
-                              </a:schemeClr>
-                            </a:solidFill>
-                            <a:latin typeface="Cambria Math" panose="02040503050406030204" pitchFamily="18" charset="0"/>
-                          </a:rPr>
-                          <m:t>1</m:t>
-                        </m:r>
-                      </m:sup>
-                    </m:sSup>
-                    <m:r>
-                      <a:rPr lang="en-US" sz="1400" b="0" i="1" smtClean="0">
-                        <a:solidFill>
-                          <a:schemeClr val="bg2">
-                            <a:lumMod val="50000"/>
-                          </a:schemeClr>
-                        </a:solidFill>
-                        <a:latin typeface="Cambria Math" panose="02040503050406030204" pitchFamily="18" charset="0"/>
-                      </a:rPr>
-                      <m:t>𝑃</m:t>
-                    </m:r>
-                    <m:r>
-                      <a:rPr lang="en-US" sz="1400" b="0" i="1" smtClean="0">
-                        <a:solidFill>
-                          <a:schemeClr val="bg2">
-                            <a:lumMod val="50000"/>
-                          </a:schemeClr>
-                        </a:solidFill>
-                        <a:latin typeface="Cambria Math" panose="02040503050406030204" pitchFamily="18" charset="0"/>
-                      </a:rPr>
-                      <m:t>+</m:t>
-                    </m:r>
-                    <m:sSup>
-                      <m:sSupPr>
-                        <m:ctrlPr>
-                          <a:rPr lang="en-US" sz="1400" b="0" i="1" smtClean="0">
-                            <a:solidFill>
-                              <a:schemeClr val="bg2">
-                                <a:lumMod val="50000"/>
-                              </a:schemeClr>
-                            </a:solidFill>
-                            <a:latin typeface="Cambria Math" panose="02040503050406030204" pitchFamily="18" charset="0"/>
-                          </a:rPr>
-                        </m:ctrlPr>
-                      </m:sSupPr>
-                      <m:e>
-                        <m:r>
-                          <a:rPr lang="en-US" sz="1400" b="0" i="1" smtClean="0">
-                            <a:solidFill>
-                              <a:schemeClr val="bg2">
-                                <a:lumMod val="50000"/>
-                              </a:schemeClr>
-                            </a:solidFill>
-                            <a:latin typeface="Cambria Math" panose="02040503050406030204" pitchFamily="18" charset="0"/>
-                          </a:rPr>
-                          <m:t>2</m:t>
-                        </m:r>
-                      </m:e>
-                      <m:sup>
-                        <m:r>
-                          <a:rPr lang="en-US" sz="1400" b="0" i="1" smtClean="0">
-                            <a:solidFill>
-                              <a:schemeClr val="bg2">
-                                <a:lumMod val="50000"/>
-                              </a:schemeClr>
-                            </a:solidFill>
-                            <a:latin typeface="Cambria Math" panose="02040503050406030204" pitchFamily="18" charset="0"/>
-                          </a:rPr>
-                          <m:t>0</m:t>
-                        </m:r>
-                      </m:sup>
-                    </m:sSup>
-                    <m:r>
-                      <a:rPr lang="en-US" sz="1400" b="0" i="1" smtClean="0">
-                        <a:solidFill>
-                          <a:schemeClr val="bg2">
-                            <a:lumMod val="50000"/>
-                          </a:schemeClr>
-                        </a:solidFill>
-                        <a:latin typeface="Cambria Math" panose="02040503050406030204" pitchFamily="18" charset="0"/>
-                      </a:rPr>
-                      <m:t>𝑃</m:t>
-                    </m:r>
-                  </m:oMath>
-                </a14:m>
-                <a:endParaRPr lang="en-US" sz="1400" dirty="0">
-                  <a:solidFill>
-                    <a:schemeClr val="bg2">
-                      <a:lumMod val="50000"/>
-                    </a:schemeClr>
-                  </a:solidFill>
-                </a:endParaRPr>
-              </a:p>
-              <a:p>
-                <a:pPr marL="457200" lvl="1" indent="0" algn="l" rtl="0">
-                  <a:buNone/>
-                </a:pPr>
-                <a:endParaRPr lang="en-US" sz="1400" b="0" dirty="0">
-                  <a:solidFill>
-                    <a:schemeClr val="bg2">
-                      <a:lumMod val="50000"/>
-                    </a:schemeClr>
-                  </a:solidFill>
-                </a:endParaRPr>
-              </a:p>
-              <a:p>
-                <a:pPr marL="457200" lvl="1" indent="0" algn="l" rtl="0">
-                  <a:buNone/>
-                </a:pPr>
-                <a:r>
-                  <a:rPr lang="en-US" sz="1400" dirty="0">
-                    <a:solidFill>
-                      <a:schemeClr val="bg2">
-                        <a:lumMod val="50000"/>
-                      </a:schemeClr>
-                    </a:solidFill>
-                  </a:rPr>
-                  <a:t>Which results in just 7 doubling and 4 additions</a:t>
-                </a:r>
-                <a:endParaRPr lang="en-US" sz="1400" b="0" dirty="0">
-                  <a:solidFill>
-                    <a:schemeClr val="bg2">
-                      <a:lumMod val="50000"/>
-                    </a:schemeClr>
-                  </a:solidFill>
-                </a:endParaRPr>
-              </a:p>
-            </p:txBody>
-          </p:sp>
-        </mc:Choice>
-        <mc:Fallback>
-          <p:sp>
-            <p:nvSpPr>
-              <p:cNvPr id="3" name="Content Placeholder 2">
-                <a:extLst>
-                  <a:ext uri="{FF2B5EF4-FFF2-40B4-BE49-F238E27FC236}">
-                    <a16:creationId xmlns:a16="http://schemas.microsoft.com/office/drawing/2014/main" id="{AE3D040F-33E5-4012-8189-210361F7EDB6}"/>
-                  </a:ext>
-                </a:extLst>
-              </p:cNvPr>
-              <p:cNvSpPr>
-                <a:spLocks noGrp="1" noRot="1" noChangeAspect="1" noMove="1" noResize="1" noEditPoints="1" noAdjustHandles="1" noChangeArrowheads="1" noChangeShapeType="1" noTextEdit="1"/>
-              </p:cNvSpPr>
-              <p:nvPr>
-                <p:ph idx="1"/>
-              </p:nvPr>
-            </p:nvSpPr>
-            <p:spPr>
-              <a:xfrm>
-                <a:off x="838200" y="1149292"/>
-                <a:ext cx="10515600" cy="5027671"/>
-              </a:xfrm>
-              <a:blipFill>
-                <a:blip r:embed="rId2"/>
-                <a:stretch>
-                  <a:fillRect l="-406"/>
-                </a:stretch>
-              </a:blipFill>
-            </p:spPr>
-            <p:txBody>
-              <a:bodyPr/>
-              <a:lstStyle/>
-              <a:p>
-                <a:r>
-                  <a:rPr lang="he-IL">
-                    <a:noFill/>
-                  </a:rPr>
-                  <a:t> </a:t>
-                </a:r>
-              </a:p>
-            </p:txBody>
-          </p:sp>
-        </mc:Fallback>
-      </mc:AlternateContent>
-      <p:sp>
-        <p:nvSpPr>
-          <p:cNvPr id="5" name="Action Button: Go Back or Previous 5">
-            <a:hlinkClick r:id="rId3" action="ppaction://hlinksldjump" highlightClick="1"/>
-            <a:extLst>
-              <a:ext uri="{FF2B5EF4-FFF2-40B4-BE49-F238E27FC236}">
-                <a16:creationId xmlns:a16="http://schemas.microsoft.com/office/drawing/2014/main" id="{BF454F8D-E436-4F75-A69A-32D416CA1740}"/>
-              </a:ext>
-            </a:extLst>
-          </p:cNvPr>
-          <p:cNvSpPr/>
-          <p:nvPr/>
-        </p:nvSpPr>
-        <p:spPr>
-          <a:xfrm>
-            <a:off x="10890658" y="343948"/>
-            <a:ext cx="696286" cy="616387"/>
-          </a:xfrm>
-          <a:prstGeom prst="actionButtonBackPrevious">
-            <a:avLst/>
-          </a:prstGeom>
-          <a:solidFill>
-            <a:srgbClr val="60CFEB"/>
-          </a:solidFill>
-          <a:ln>
-            <a:solidFill>
-              <a:srgbClr val="60CFEB"/>
-            </a:solidFill>
-          </a:ln>
-        </p:spPr>
-        <p:style>
-          <a:lnRef idx="2">
-            <a:schemeClr val="accent1">
-              <a:shade val="50000"/>
-            </a:schemeClr>
-          </a:lnRef>
-          <a:fillRef idx="1">
-            <a:schemeClr val="accent1"/>
-          </a:fillRef>
-          <a:effectRef idx="0">
-            <a:schemeClr val="accent1"/>
-          </a:effectRef>
-          <a:fontRef idx="minor">
-            <a:schemeClr val="lt1"/>
-          </a:fontRef>
-        </p:style>
-        <p:txBody>
-          <a:bodyPr rtlCol="1" anchor="ctr"/>
-          <a:lstStyle/>
-          <a:p>
-            <a:pPr algn="ctr"/>
-            <a:endParaRPr lang="he-IL"/>
-          </a:p>
-        </p:txBody>
-      </p:sp>
-      <p:sp>
-        <p:nvSpPr>
-          <p:cNvPr id="6" name="סוגר מסולסל ימני 5">
-            <a:extLst>
-              <a:ext uri="{FF2B5EF4-FFF2-40B4-BE49-F238E27FC236}">
-                <a16:creationId xmlns:a16="http://schemas.microsoft.com/office/drawing/2014/main" id="{E4F42C2F-7CE6-4D0E-A306-1B5056D1A667}"/>
-              </a:ext>
-            </a:extLst>
-          </p:cNvPr>
-          <p:cNvSpPr/>
-          <p:nvPr/>
-        </p:nvSpPr>
-        <p:spPr>
-          <a:xfrm rot="5400000">
-            <a:off x="6338580" y="1170963"/>
-            <a:ext cx="67111" cy="1416343"/>
-          </a:xfrm>
-          <a:prstGeom prst="rightBrace">
-            <a:avLst/>
-          </a:prstGeom>
-          <a:ln>
-            <a:solidFill>
-              <a:schemeClr val="bg1">
-                <a:lumMod val="85000"/>
-                <a:lumOff val="15000"/>
-                <a:alpha val="60000"/>
-              </a:schemeClr>
-            </a:solidFill>
-          </a:ln>
-        </p:spPr>
-        <p:style>
-          <a:lnRef idx="1">
-            <a:schemeClr val="dk1"/>
-          </a:lnRef>
-          <a:fillRef idx="0">
-            <a:schemeClr val="dk1"/>
-          </a:fillRef>
-          <a:effectRef idx="0">
-            <a:schemeClr val="dk1"/>
-          </a:effectRef>
-          <a:fontRef idx="minor">
-            <a:schemeClr val="tx1"/>
-          </a:fontRef>
-        </p:style>
-        <p:txBody>
-          <a:bodyPr rtlCol="1" anchor="ctr"/>
-          <a:lstStyle/>
-          <a:p>
-            <a:pPr algn="ctr"/>
-            <a:endParaRPr lang="he-IL"/>
-          </a:p>
-        </p:txBody>
-      </p:sp>
-      <p:sp>
-        <p:nvSpPr>
-          <p:cNvPr id="7" name="תיבת טקסט 6">
-            <a:extLst>
-              <a:ext uri="{FF2B5EF4-FFF2-40B4-BE49-F238E27FC236}">
-                <a16:creationId xmlns:a16="http://schemas.microsoft.com/office/drawing/2014/main" id="{036DC802-3B50-4BB9-8743-9357F9E3D57E}"/>
-              </a:ext>
-            </a:extLst>
-          </p:cNvPr>
-          <p:cNvSpPr txBox="1"/>
-          <p:nvPr/>
-        </p:nvSpPr>
-        <p:spPr>
-          <a:xfrm>
-            <a:off x="5975231" y="1879134"/>
-            <a:ext cx="750526" cy="307777"/>
-          </a:xfrm>
-          <a:prstGeom prst="rect">
-            <a:avLst/>
-          </a:prstGeom>
-          <a:noFill/>
-        </p:spPr>
-        <p:txBody>
-          <a:bodyPr wrap="none" rtlCol="1">
-            <a:spAutoFit/>
-          </a:bodyPr>
-          <a:lstStyle/>
-          <a:p>
-            <a:r>
-              <a:rPr lang="en-US" sz="1400" dirty="0">
-                <a:solidFill>
-                  <a:srgbClr val="0A304A"/>
-                </a:solidFill>
-                <a:latin typeface="Cambria Math" panose="02040503050406030204" pitchFamily="18" charset="0"/>
-                <a:ea typeface="Cambria Math" panose="02040503050406030204" pitchFamily="18" charset="0"/>
-              </a:rPr>
-              <a:t>n times</a:t>
-            </a:r>
-            <a:endParaRPr lang="he-IL" sz="1400" dirty="0">
-              <a:solidFill>
-                <a:srgbClr val="0A304A"/>
-              </a:solidFill>
-              <a:latin typeface="Cambria Math" panose="02040503050406030204" pitchFamily="18" charset="0"/>
-              <a:ea typeface="Cambria Math" panose="02040503050406030204" pitchFamily="18" charset="0"/>
-            </a:endParaRPr>
-          </a:p>
-        </p:txBody>
-      </p:sp>
-    </p:spTree>
-    <p:extLst>
-      <p:ext uri="{BB962C8B-B14F-4D97-AF65-F5344CB8AC3E}">
-        <p14:creationId xmlns:p14="http://schemas.microsoft.com/office/powerpoint/2010/main" val="1840753541"/>
       </p:ext>
     </p:extLst>
   </p:cSld>

--- a/Advanced Algebra.pptx
+++ b/Advanced Algebra.pptx
@@ -346,7 +346,7 @@
           <a:p>
             <a:fld id="{D3D0604E-EAD8-43F5-BBC5-6326AC022B4A}" type="datetimeFigureOut">
               <a:rPr lang="he-IL" smtClean="0"/>
-              <a:t>ה'/ניסן/תשפ"א</a:t>
+              <a:t>ד'/כסלו/תשפ"ב</a:t>
             </a:fld>
             <a:endParaRPr lang="he-IL"/>
           </a:p>
@@ -782,7 +782,7 @@
           <a:p>
             <a:fld id="{D3D0604E-EAD8-43F5-BBC5-6326AC022B4A}" type="datetimeFigureOut">
               <a:rPr lang="he-IL" smtClean="0"/>
-              <a:t>ה'/ניסן/תשפ"א</a:t>
+              <a:t>ד'/כסלו/תשפ"ב</a:t>
             </a:fld>
             <a:endParaRPr lang="he-IL"/>
           </a:p>
@@ -1032,7 +1032,7 @@
           <a:p>
             <a:fld id="{D3D0604E-EAD8-43F5-BBC5-6326AC022B4A}" type="datetimeFigureOut">
               <a:rPr lang="he-IL" smtClean="0"/>
-              <a:t>ה'/ניסן/תשפ"א</a:t>
+              <a:t>ד'/כסלו/תשפ"ב</a:t>
             </a:fld>
             <a:endParaRPr lang="he-IL"/>
           </a:p>
@@ -1340,7 +1340,7 @@
           <a:p>
             <a:fld id="{D3D0604E-EAD8-43F5-BBC5-6326AC022B4A}" type="datetimeFigureOut">
               <a:rPr lang="he-IL" smtClean="0"/>
-              <a:t>ה'/ניסן/תשפ"א</a:t>
+              <a:t>ד'/כסלו/תשפ"ב</a:t>
             </a:fld>
             <a:endParaRPr lang="he-IL"/>
           </a:p>
@@ -1658,7 +1658,7 @@
           <a:p>
             <a:fld id="{D3D0604E-EAD8-43F5-BBC5-6326AC022B4A}" type="datetimeFigureOut">
               <a:rPr lang="he-IL" smtClean="0"/>
-              <a:t>ה'/ניסן/תשפ"א</a:t>
+              <a:t>ד'/כסלו/תשפ"ב</a:t>
             </a:fld>
             <a:endParaRPr lang="he-IL"/>
           </a:p>
@@ -1960,7 +1960,7 @@
           <a:p>
             <a:fld id="{D3D0604E-EAD8-43F5-BBC5-6326AC022B4A}" type="datetimeFigureOut">
               <a:rPr lang="he-IL" smtClean="0"/>
-              <a:t>ה'/ניסן/תשפ"א</a:t>
+              <a:t>ד'/כסלו/תשפ"ב</a:t>
             </a:fld>
             <a:endParaRPr lang="he-IL"/>
           </a:p>
@@ -2327,7 +2327,7 @@
           <a:p>
             <a:fld id="{D3D0604E-EAD8-43F5-BBC5-6326AC022B4A}" type="datetimeFigureOut">
               <a:rPr lang="he-IL" smtClean="0"/>
-              <a:t>ה'/ניסן/תשפ"א</a:t>
+              <a:t>ד'/כסלו/תשפ"ב</a:t>
             </a:fld>
             <a:endParaRPr lang="he-IL"/>
           </a:p>
@@ -2501,7 +2501,7 @@
           <a:p>
             <a:fld id="{D3D0604E-EAD8-43F5-BBC5-6326AC022B4A}" type="datetimeFigureOut">
               <a:rPr lang="he-IL" smtClean="0"/>
-              <a:t>ה'/ניסן/תשפ"א</a:t>
+              <a:t>ד'/כסלו/תשפ"ב</a:t>
             </a:fld>
             <a:endParaRPr lang="he-IL"/>
           </a:p>
@@ -2681,7 +2681,7 @@
           <a:p>
             <a:fld id="{D3D0604E-EAD8-43F5-BBC5-6326AC022B4A}" type="datetimeFigureOut">
               <a:rPr lang="he-IL" smtClean="0"/>
-              <a:t>ה'/ניסן/תשפ"א</a:t>
+              <a:t>ד'/כסלו/תשפ"ב</a:t>
             </a:fld>
             <a:endParaRPr lang="he-IL"/>
           </a:p>
@@ -2851,7 +2851,7 @@
           <a:p>
             <a:fld id="{D3D0604E-EAD8-43F5-BBC5-6326AC022B4A}" type="datetimeFigureOut">
               <a:rPr lang="he-IL" smtClean="0"/>
-              <a:t>ה'/ניסן/תשפ"א</a:t>
+              <a:t>ד'/כסלו/תשפ"ב</a:t>
             </a:fld>
             <a:endParaRPr lang="he-IL"/>
           </a:p>
@@ -3101,7 +3101,7 @@
           <a:p>
             <a:fld id="{D3D0604E-EAD8-43F5-BBC5-6326AC022B4A}" type="datetimeFigureOut">
               <a:rPr lang="he-IL" smtClean="0"/>
-              <a:t>ה'/ניסן/תשפ"א</a:t>
+              <a:t>ד'/כסלו/תשפ"ב</a:t>
             </a:fld>
             <a:endParaRPr lang="he-IL"/>
           </a:p>
@@ -3337,7 +3337,7 @@
           <a:p>
             <a:fld id="{D3D0604E-EAD8-43F5-BBC5-6326AC022B4A}" type="datetimeFigureOut">
               <a:rPr lang="he-IL" smtClean="0"/>
-              <a:t>ה'/ניסן/תשפ"א</a:t>
+              <a:t>ד'/כסלו/תשפ"ב</a:t>
             </a:fld>
             <a:endParaRPr lang="he-IL"/>
           </a:p>
@@ -3719,7 +3719,7 @@
           <a:p>
             <a:fld id="{D3D0604E-EAD8-43F5-BBC5-6326AC022B4A}" type="datetimeFigureOut">
               <a:rPr lang="he-IL" smtClean="0"/>
-              <a:t>ה'/ניסן/תשפ"א</a:t>
+              <a:t>ד'/כסלו/תשפ"ב</a:t>
             </a:fld>
             <a:endParaRPr lang="he-IL"/>
           </a:p>
@@ -3837,7 +3837,7 @@
           <a:p>
             <a:fld id="{D3D0604E-EAD8-43F5-BBC5-6326AC022B4A}" type="datetimeFigureOut">
               <a:rPr lang="he-IL" smtClean="0"/>
-              <a:t>ה'/ניסן/תשפ"א</a:t>
+              <a:t>ד'/כסלו/תשפ"ב</a:t>
             </a:fld>
             <a:endParaRPr lang="he-IL"/>
           </a:p>
@@ -3932,7 +3932,7 @@
           <a:p>
             <a:fld id="{D3D0604E-EAD8-43F5-BBC5-6326AC022B4A}" type="datetimeFigureOut">
               <a:rPr lang="he-IL" smtClean="0"/>
-              <a:t>ה'/ניסן/תשפ"א</a:t>
+              <a:t>ד'/כסלו/תשפ"ב</a:t>
             </a:fld>
             <a:endParaRPr lang="he-IL"/>
           </a:p>
@@ -4187,7 +4187,7 @@
           <a:p>
             <a:fld id="{D3D0604E-EAD8-43F5-BBC5-6326AC022B4A}" type="datetimeFigureOut">
               <a:rPr lang="he-IL" smtClean="0"/>
-              <a:t>ה'/ניסן/תשפ"א</a:t>
+              <a:t>ד'/כסלו/תשפ"ב</a:t>
             </a:fld>
             <a:endParaRPr lang="he-IL"/>
           </a:p>
@@ -4470,7 +4470,7 @@
           <a:p>
             <a:fld id="{D3D0604E-EAD8-43F5-BBC5-6326AC022B4A}" type="datetimeFigureOut">
               <a:rPr lang="he-IL" smtClean="0"/>
-              <a:t>ה'/ניסן/תשפ"א</a:t>
+              <a:t>ד'/כסלו/תשפ"ב</a:t>
             </a:fld>
             <a:endParaRPr lang="he-IL"/>
           </a:p>
@@ -4876,7 +4876,7 @@
           <a:p>
             <a:fld id="{D3D0604E-EAD8-43F5-BBC5-6326AC022B4A}" type="datetimeFigureOut">
               <a:rPr lang="he-IL" smtClean="0"/>
-              <a:t>ה'/ניסן/תשפ"א</a:t>
+              <a:t>ד'/כסלו/תשפ"ב</a:t>
             </a:fld>
             <a:endParaRPr lang="he-IL"/>
           </a:p>
@@ -12041,7 +12041,7 @@
                   <a:srgbClr val="0F496F"/>
                 </a:solidFill>
               </a:rPr>
-              <a:t>This is Advanced Algebra course Final Project</a:t>
+              <a:t>Advanced Algebra course - Final Project</a:t>
             </a:r>
           </a:p>
           <a:p>
